--- a/slide/decision_tree.pptx
+++ b/slide/decision_tree.pptx
@@ -12,34 +12,36 @@
     <p:sldId id="263" r:id="rId7"/>
     <p:sldId id="266" r:id="rId8"/>
     <p:sldId id="270" r:id="rId9"/>
-    <p:sldId id="272" r:id="rId10"/>
-    <p:sldId id="273" r:id="rId11"/>
-    <p:sldId id="285" r:id="rId12"/>
-    <p:sldId id="299" r:id="rId13"/>
-    <p:sldId id="300" r:id="rId14"/>
-    <p:sldId id="301" r:id="rId15"/>
-    <p:sldId id="302" r:id="rId16"/>
-    <p:sldId id="303" r:id="rId17"/>
-    <p:sldId id="304" r:id="rId18"/>
-    <p:sldId id="305" r:id="rId19"/>
-    <p:sldId id="307" r:id="rId20"/>
-    <p:sldId id="308" r:id="rId21"/>
-    <p:sldId id="309" r:id="rId22"/>
-    <p:sldId id="298" r:id="rId23"/>
-    <p:sldId id="312" r:id="rId24"/>
-    <p:sldId id="314" r:id="rId25"/>
-    <p:sldId id="315" r:id="rId26"/>
-    <p:sldId id="316" r:id="rId27"/>
-    <p:sldId id="332" r:id="rId28"/>
-    <p:sldId id="331" r:id="rId29"/>
-    <p:sldId id="321" r:id="rId30"/>
-    <p:sldId id="323" r:id="rId31"/>
-    <p:sldId id="325" r:id="rId32"/>
-    <p:sldId id="326" r:id="rId33"/>
-    <p:sldId id="327" r:id="rId34"/>
-    <p:sldId id="328" r:id="rId35"/>
-    <p:sldId id="329" r:id="rId36"/>
-    <p:sldId id="342" r:id="rId37"/>
+    <p:sldId id="343" r:id="rId10"/>
+    <p:sldId id="272" r:id="rId11"/>
+    <p:sldId id="273" r:id="rId12"/>
+    <p:sldId id="285" r:id="rId13"/>
+    <p:sldId id="299" r:id="rId14"/>
+    <p:sldId id="300" r:id="rId15"/>
+    <p:sldId id="301" r:id="rId16"/>
+    <p:sldId id="302" r:id="rId17"/>
+    <p:sldId id="303" r:id="rId18"/>
+    <p:sldId id="304" r:id="rId19"/>
+    <p:sldId id="305" r:id="rId20"/>
+    <p:sldId id="307" r:id="rId21"/>
+    <p:sldId id="308" r:id="rId22"/>
+    <p:sldId id="309" r:id="rId23"/>
+    <p:sldId id="298" r:id="rId24"/>
+    <p:sldId id="312" r:id="rId25"/>
+    <p:sldId id="314" r:id="rId26"/>
+    <p:sldId id="315" r:id="rId27"/>
+    <p:sldId id="316" r:id="rId28"/>
+    <p:sldId id="332" r:id="rId29"/>
+    <p:sldId id="331" r:id="rId30"/>
+    <p:sldId id="321" r:id="rId31"/>
+    <p:sldId id="344" r:id="rId32"/>
+    <p:sldId id="323" r:id="rId33"/>
+    <p:sldId id="325" r:id="rId34"/>
+    <p:sldId id="326" r:id="rId35"/>
+    <p:sldId id="327" r:id="rId36"/>
+    <p:sldId id="328" r:id="rId37"/>
+    <p:sldId id="329" r:id="rId38"/>
+    <p:sldId id="342" r:id="rId39"/>
   </p:sldIdLst>
   <p:sldSz cx="12192000" cy="6858000"/>
   <p:notesSz cx="6858000" cy="9144000"/>
@@ -145,19 +147,6 @@
 <p:cmAuthorLst xmlns:a="http://schemas.openxmlformats.org/drawingml/2006/main" xmlns:r="http://schemas.openxmlformats.org/officeDocument/2006/relationships" xmlns:p="http://schemas.openxmlformats.org/presentationml/2006/main">
   <p:cmAuthor id="1" name="PC MY TU" initials="P" lastIdx="4" clrIdx="0"/>
 </p:cmAuthorLst>
-</file>
-
-<file path=ppt/comments/comment1.xml><?xml version="1.0" encoding="utf-8"?>
-<p:cmLst xmlns:a="http://schemas.openxmlformats.org/drawingml/2006/main" xmlns:r="http://schemas.openxmlformats.org/officeDocument/2006/relationships" xmlns:p="http://schemas.openxmlformats.org/presentationml/2006/main">
-  <p:cm authorId="1" dt="2023-11-08T20:23:06.404" idx="3">
-    <p:pos x="6440" y="1034"/>
-    <p:text>pop this up first</p:text>
-  </p:cm>
-  <p:cm authorId="1" dt="2023-11-08T20:22:57.684" idx="4">
-    <p:pos x="4760" y="2952"/>
-    <p:text>pop this up second</p:text>
-  </p:cm>
-</p:cmLst>
 </file>
 
 <file path=ppt/slideLayouts/slideLayout1.xml><?xml version="1.0" encoding="utf-8"?>
@@ -3564,6 +3553,72 @@
           <a:bodyPr/>
           <a:p>
             <a:r>
+              <a:rPr lang="en-US" sz="4400" b="1"/>
+              <a:t>Thuật toán ID3 - Classification</a:t>
+            </a:r>
+            <a:endParaRPr lang="en-US" sz="4400" b="1"/>
+          </a:p>
+        </p:txBody>
+      </p:sp>
+      <p:pic>
+        <p:nvPicPr>
+          <p:cNvPr id="13" name="Content Placeholder 12" descr="Untitled Diagram.drawio (3)"/>
+          <p:cNvPicPr>
+            <a:picLocks noChangeAspect="1"/>
+          </p:cNvPicPr>
+          <p:nvPr>
+            <p:ph sz="half" idx="1"/>
+          </p:nvPr>
+        </p:nvPicPr>
+        <p:blipFill>
+          <a:blip r:embed="rId1"/>
+          <a:stretch>
+            <a:fillRect/>
+          </a:stretch>
+        </p:blipFill>
+        <p:spPr>
+          <a:xfrm>
+            <a:off x="5138420" y="1326515"/>
+            <a:ext cx="1914525" cy="1152525"/>
+          </a:xfrm>
+          <a:prstGeom prst="rect">
+            <a:avLst/>
+          </a:prstGeom>
+        </p:spPr>
+      </p:pic>
+    </p:spTree>
+  </p:cSld>
+  <p:clrMapOvr>
+    <a:masterClrMapping/>
+  </p:clrMapOvr>
+</p:sld>
+</file>
+
+<file path=ppt/slides/slide11.xml><?xml version="1.0" encoding="utf-8"?>
+<p:sld xmlns:a="http://schemas.openxmlformats.org/drawingml/2006/main" xmlns:r="http://schemas.openxmlformats.org/officeDocument/2006/relationships" xmlns:p="http://schemas.openxmlformats.org/presentationml/2006/main">
+  <p:cSld>
+    <p:spTree>
+      <p:nvGrpSpPr>
+        <p:cNvPr id="1" name=""/>
+        <p:cNvGrpSpPr/>
+        <p:nvPr/>
+      </p:nvGrpSpPr>
+      <p:grpSpPr/>
+      <p:sp>
+        <p:nvSpPr>
+          <p:cNvPr id="2" name="Title 1"/>
+          <p:cNvSpPr>
+            <a:spLocks noGrp="1"/>
+          </p:cNvSpPr>
+          <p:nvPr>
+            <p:ph type="title"/>
+          </p:nvPr>
+        </p:nvSpPr>
+        <p:spPr/>
+        <p:txBody>
+          <a:bodyPr/>
+          <a:p>
+            <a:r>
               <a:rPr lang="en-US" sz="4400" b="1">
                 <a:sym typeface="+mn-ea"/>
               </a:rPr>
@@ -4172,10 +4227,20 @@
   <p:clrMapOvr>
     <a:masterClrMapping/>
   </p:clrMapOvr>
+  <p:timing>
+    <p:tnLst>
+      <p:par>
+        <p:cTn id="1" dur="indefinite" restart="never" nodeType="tmRoot"/>
+      </p:par>
+    </p:tnLst>
+    <p:bldLst>
+      <p:bldP spid="3" grpId="1"/>
+    </p:bldLst>
+  </p:timing>
 </p:sld>
 </file>
 
-<file path=ppt/slides/slide11.xml><?xml version="1.0" encoding="utf-8"?>
+<file path=ppt/slides/slide12.xml><?xml version="1.0" encoding="utf-8"?>
 <p:sld xmlns:a="http://schemas.openxmlformats.org/drawingml/2006/main" xmlns:r="http://schemas.openxmlformats.org/officeDocument/2006/relationships" xmlns:p="http://schemas.openxmlformats.org/presentationml/2006/main">
   <p:cSld>
     <p:spTree>
@@ -4242,14 +4307,14 @@
                       </a:pPr>
                       <a:r>
                         <a:rPr lang="en-US">
-                          <a:latin typeface="Calibri" panose="020F0502020204030204" charset="0"/>
-                          <a:cs typeface="Calibri" panose="020F0502020204030204" charset="0"/>
+                          <a:latin typeface="Arial" panose="020B0604020202020204" pitchFamily="34" charset="0"/>
+                          <a:cs typeface="Arial" panose="020B0604020202020204" pitchFamily="34" charset="0"/>
                         </a:rPr>
                         <a:t>outlook</a:t>
                       </a:r>
                       <a:endParaRPr lang="en-US">
-                        <a:latin typeface="Calibri" panose="020F0502020204030204" charset="0"/>
-                        <a:cs typeface="Calibri" panose="020F0502020204030204" charset="0"/>
+                        <a:latin typeface="Arial" panose="020B0604020202020204" pitchFamily="34" charset="0"/>
+                        <a:cs typeface="Arial" panose="020B0604020202020204" pitchFamily="34" charset="0"/>
                       </a:endParaRPr>
                     </a:p>
                   </a:txBody>
@@ -4264,14 +4329,14 @@
                       </a:pPr>
                       <a:r>
                         <a:rPr lang="en-US">
-                          <a:latin typeface="Calibri" panose="020F0502020204030204" charset="0"/>
-                          <a:cs typeface="Calibri" panose="020F0502020204030204" charset="0"/>
+                          <a:latin typeface="Arial" panose="020B0604020202020204" pitchFamily="34" charset="0"/>
+                          <a:cs typeface="Arial" panose="020B0604020202020204" pitchFamily="34" charset="0"/>
                         </a:rPr>
                         <a:t>temperature</a:t>
                       </a:r>
                       <a:endParaRPr lang="en-US">
-                        <a:latin typeface="Calibri" panose="020F0502020204030204" charset="0"/>
-                        <a:cs typeface="Calibri" panose="020F0502020204030204" charset="0"/>
+                        <a:latin typeface="Arial" panose="020B0604020202020204" pitchFamily="34" charset="0"/>
+                        <a:cs typeface="Arial" panose="020B0604020202020204" pitchFamily="34" charset="0"/>
                       </a:endParaRPr>
                     </a:p>
                   </a:txBody>
@@ -4286,14 +4351,14 @@
                       </a:pPr>
                       <a:r>
                         <a:rPr lang="en-US">
-                          <a:latin typeface="Calibri" panose="020F0502020204030204" charset="0"/>
-                          <a:cs typeface="Calibri" panose="020F0502020204030204" charset="0"/>
+                          <a:latin typeface="Arial" panose="020B0604020202020204" pitchFamily="34" charset="0"/>
+                          <a:cs typeface="Arial" panose="020B0604020202020204" pitchFamily="34" charset="0"/>
                         </a:rPr>
                         <a:t>humidity</a:t>
                       </a:r>
                       <a:endParaRPr lang="en-US">
-                        <a:latin typeface="Calibri" panose="020F0502020204030204" charset="0"/>
-                        <a:cs typeface="Calibri" panose="020F0502020204030204" charset="0"/>
+                        <a:latin typeface="Arial" panose="020B0604020202020204" pitchFamily="34" charset="0"/>
+                        <a:cs typeface="Arial" panose="020B0604020202020204" pitchFamily="34" charset="0"/>
                       </a:endParaRPr>
                     </a:p>
                   </a:txBody>
@@ -4308,14 +4373,14 @@
                       </a:pPr>
                       <a:r>
                         <a:rPr lang="en-US">
-                          <a:latin typeface="Calibri" panose="020F0502020204030204" charset="0"/>
-                          <a:cs typeface="Calibri" panose="020F0502020204030204" charset="0"/>
+                          <a:latin typeface="Arial" panose="020B0604020202020204" pitchFamily="34" charset="0"/>
+                          <a:cs typeface="Arial" panose="020B0604020202020204" pitchFamily="34" charset="0"/>
                         </a:rPr>
                         <a:t>wind</a:t>
                       </a:r>
                       <a:endParaRPr lang="en-US">
-                        <a:latin typeface="Calibri" panose="020F0502020204030204" charset="0"/>
-                        <a:cs typeface="Calibri" panose="020F0502020204030204" charset="0"/>
+                        <a:latin typeface="Arial" panose="020B0604020202020204" pitchFamily="34" charset="0"/>
+                        <a:cs typeface="Arial" panose="020B0604020202020204" pitchFamily="34" charset="0"/>
                       </a:endParaRPr>
                     </a:p>
                   </a:txBody>
@@ -4330,14 +4395,14 @@
                       </a:pPr>
                       <a:r>
                         <a:rPr lang="en-US">
-                          <a:latin typeface="Calibri" panose="020F0502020204030204" charset="0"/>
-                          <a:cs typeface="Calibri" panose="020F0502020204030204" charset="0"/>
+                          <a:latin typeface="Arial" panose="020B0604020202020204" pitchFamily="34" charset="0"/>
+                          <a:cs typeface="Arial" panose="020B0604020202020204" pitchFamily="34" charset="0"/>
                         </a:rPr>
                         <a:t>play</a:t>
                       </a:r>
                       <a:endParaRPr lang="en-US">
-                        <a:latin typeface="Calibri" panose="020F0502020204030204" charset="0"/>
-                        <a:cs typeface="Calibri" panose="020F0502020204030204" charset="0"/>
+                        <a:latin typeface="Arial" panose="020B0604020202020204" pitchFamily="34" charset="0"/>
+                        <a:cs typeface="Arial" panose="020B0604020202020204" pitchFamily="34" charset="0"/>
                       </a:endParaRPr>
                     </a:p>
                   </a:txBody>
@@ -4354,14 +4419,14 @@
                       </a:pPr>
                       <a:r>
                         <a:rPr lang="en-US">
-                          <a:latin typeface="Calibri" panose="020F0502020204030204" charset="0"/>
-                          <a:cs typeface="Calibri" panose="020F0502020204030204" charset="0"/>
+                          <a:latin typeface="Arial" panose="020B0604020202020204" pitchFamily="34" charset="0"/>
+                          <a:cs typeface="Arial" panose="020B0604020202020204" pitchFamily="34" charset="0"/>
                         </a:rPr>
                         <a:t>Overcast</a:t>
                       </a:r>
                       <a:endParaRPr lang="en-US">
-                        <a:latin typeface="Calibri" panose="020F0502020204030204" charset="0"/>
-                        <a:cs typeface="Calibri" panose="020F0502020204030204" charset="0"/>
+                        <a:latin typeface="Arial" panose="020B0604020202020204" pitchFamily="34" charset="0"/>
+                        <a:cs typeface="Arial" panose="020B0604020202020204" pitchFamily="34" charset="0"/>
                       </a:endParaRPr>
                     </a:p>
                   </a:txBody>
@@ -4376,14 +4441,14 @@
                       </a:pPr>
                       <a:r>
                         <a:rPr lang="en-US">
-                          <a:latin typeface="Calibri" panose="020F0502020204030204" charset="0"/>
-                          <a:cs typeface="Calibri" panose="020F0502020204030204" charset="0"/>
+                          <a:latin typeface="Arial" panose="020B0604020202020204" pitchFamily="34" charset="0"/>
+                          <a:cs typeface="Arial" panose="020B0604020202020204" pitchFamily="34" charset="0"/>
                         </a:rPr>
                         <a:t>Hot</a:t>
                       </a:r>
                       <a:endParaRPr lang="en-US">
-                        <a:latin typeface="Calibri" panose="020F0502020204030204" charset="0"/>
-                        <a:cs typeface="Calibri" panose="020F0502020204030204" charset="0"/>
+                        <a:latin typeface="Arial" panose="020B0604020202020204" pitchFamily="34" charset="0"/>
+                        <a:cs typeface="Arial" panose="020B0604020202020204" pitchFamily="34" charset="0"/>
                       </a:endParaRPr>
                     </a:p>
                   </a:txBody>
@@ -4398,14 +4463,14 @@
                       </a:pPr>
                       <a:r>
                         <a:rPr lang="en-US">
-                          <a:latin typeface="Calibri" panose="020F0502020204030204" charset="0"/>
-                          <a:cs typeface="Calibri" panose="020F0502020204030204" charset="0"/>
+                          <a:latin typeface="Arial" panose="020B0604020202020204" pitchFamily="34" charset="0"/>
+                          <a:cs typeface="Arial" panose="020B0604020202020204" pitchFamily="34" charset="0"/>
                         </a:rPr>
                         <a:t>High</a:t>
                       </a:r>
                       <a:endParaRPr lang="en-US">
-                        <a:latin typeface="Calibri" panose="020F0502020204030204" charset="0"/>
-                        <a:cs typeface="Calibri" panose="020F0502020204030204" charset="0"/>
+                        <a:latin typeface="Arial" panose="020B0604020202020204" pitchFamily="34" charset="0"/>
+                        <a:cs typeface="Arial" panose="020B0604020202020204" pitchFamily="34" charset="0"/>
                       </a:endParaRPr>
                     </a:p>
                   </a:txBody>
@@ -4420,14 +4485,14 @@
                       </a:pPr>
                       <a:r>
                         <a:rPr lang="en-US">
-                          <a:latin typeface="Calibri" panose="020F0502020204030204" charset="0"/>
-                          <a:cs typeface="Calibri" panose="020F0502020204030204" charset="0"/>
+                          <a:latin typeface="Arial" panose="020B0604020202020204" pitchFamily="34" charset="0"/>
+                          <a:cs typeface="Arial" panose="020B0604020202020204" pitchFamily="34" charset="0"/>
                         </a:rPr>
                         <a:t>Weak</a:t>
                       </a:r>
                       <a:endParaRPr lang="en-US">
-                        <a:latin typeface="Calibri" panose="020F0502020204030204" charset="0"/>
-                        <a:cs typeface="Calibri" panose="020F0502020204030204" charset="0"/>
+                        <a:latin typeface="Arial" panose="020B0604020202020204" pitchFamily="34" charset="0"/>
+                        <a:cs typeface="Arial" panose="020B0604020202020204" pitchFamily="34" charset="0"/>
                       </a:endParaRPr>
                     </a:p>
                   </a:txBody>
@@ -4442,14 +4507,14 @@
                       </a:pPr>
                       <a:r>
                         <a:rPr lang="en-US">
-                          <a:latin typeface="Calibri" panose="020F0502020204030204" charset="0"/>
-                          <a:cs typeface="Calibri" panose="020F0502020204030204" charset="0"/>
+                          <a:latin typeface="Arial" panose="020B0604020202020204" pitchFamily="34" charset="0"/>
+                          <a:cs typeface="Arial" panose="020B0604020202020204" pitchFamily="34" charset="0"/>
                         </a:rPr>
                         <a:t>Yes</a:t>
                       </a:r>
                       <a:endParaRPr lang="en-US">
-                        <a:latin typeface="Calibri" panose="020F0502020204030204" charset="0"/>
-                        <a:cs typeface="Calibri" panose="020F0502020204030204" charset="0"/>
+                        <a:latin typeface="Arial" panose="020B0604020202020204" pitchFamily="34" charset="0"/>
+                        <a:cs typeface="Arial" panose="020B0604020202020204" pitchFamily="34" charset="0"/>
                       </a:endParaRPr>
                     </a:p>
                   </a:txBody>
@@ -4466,15 +4531,15 @@
                       </a:pPr>
                       <a:r>
                         <a:rPr lang="en-US" sz="1800">
-                          <a:latin typeface="Calibri" panose="020F0502020204030204" charset="0"/>
-                          <a:cs typeface="Calibri" panose="020F0502020204030204" charset="0"/>
+                          <a:latin typeface="Arial" panose="020B0604020202020204" pitchFamily="34" charset="0"/>
+                          <a:cs typeface="Arial" panose="020B0604020202020204" pitchFamily="34" charset="0"/>
                           <a:sym typeface="+mn-ea"/>
                         </a:rPr>
                         <a:t>Overcast</a:t>
                       </a:r>
                       <a:endParaRPr lang="en-US" sz="1800">
-                        <a:latin typeface="Calibri" panose="020F0502020204030204" charset="0"/>
-                        <a:cs typeface="Calibri" panose="020F0502020204030204" charset="0"/>
+                        <a:latin typeface="Arial" panose="020B0604020202020204" pitchFamily="34" charset="0"/>
+                        <a:cs typeface="Arial" panose="020B0604020202020204" pitchFamily="34" charset="0"/>
                         <a:sym typeface="+mn-ea"/>
                       </a:endParaRPr>
                     </a:p>
@@ -4490,14 +4555,14 @@
                       </a:pPr>
                       <a:r>
                         <a:rPr lang="en-US">
-                          <a:latin typeface="Calibri" panose="020F0502020204030204" charset="0"/>
-                          <a:cs typeface="Calibri" panose="020F0502020204030204" charset="0"/>
+                          <a:latin typeface="Arial" panose="020B0604020202020204" pitchFamily="34" charset="0"/>
+                          <a:cs typeface="Arial" panose="020B0604020202020204" pitchFamily="34" charset="0"/>
                         </a:rPr>
                         <a:t>Cool</a:t>
                       </a:r>
                       <a:endParaRPr lang="en-US">
-                        <a:latin typeface="Calibri" panose="020F0502020204030204" charset="0"/>
-                        <a:cs typeface="Calibri" panose="020F0502020204030204" charset="0"/>
+                        <a:latin typeface="Arial" panose="020B0604020202020204" pitchFamily="34" charset="0"/>
+                        <a:cs typeface="Arial" panose="020B0604020202020204" pitchFamily="34" charset="0"/>
                       </a:endParaRPr>
                     </a:p>
                   </a:txBody>
@@ -4512,14 +4577,14 @@
                       </a:pPr>
                       <a:r>
                         <a:rPr lang="en-US">
-                          <a:latin typeface="Calibri" panose="020F0502020204030204" charset="0"/>
-                          <a:cs typeface="Calibri" panose="020F0502020204030204" charset="0"/>
+                          <a:latin typeface="Arial" panose="020B0604020202020204" pitchFamily="34" charset="0"/>
+                          <a:cs typeface="Arial" panose="020B0604020202020204" pitchFamily="34" charset="0"/>
                         </a:rPr>
                         <a:t>Normal</a:t>
                       </a:r>
                       <a:endParaRPr lang="en-US">
-                        <a:latin typeface="Calibri" panose="020F0502020204030204" charset="0"/>
-                        <a:cs typeface="Calibri" panose="020F0502020204030204" charset="0"/>
+                        <a:latin typeface="Arial" panose="020B0604020202020204" pitchFamily="34" charset="0"/>
+                        <a:cs typeface="Arial" panose="020B0604020202020204" pitchFamily="34" charset="0"/>
                       </a:endParaRPr>
                     </a:p>
                   </a:txBody>
@@ -4534,14 +4599,14 @@
                       </a:pPr>
                       <a:r>
                         <a:rPr lang="en-US">
-                          <a:latin typeface="Calibri" panose="020F0502020204030204" charset="0"/>
-                          <a:cs typeface="Calibri" panose="020F0502020204030204" charset="0"/>
+                          <a:latin typeface="Arial" panose="020B0604020202020204" pitchFamily="34" charset="0"/>
+                          <a:cs typeface="Arial" panose="020B0604020202020204" pitchFamily="34" charset="0"/>
                         </a:rPr>
                         <a:t>Strong</a:t>
                       </a:r>
                       <a:endParaRPr lang="en-US">
-                        <a:latin typeface="Calibri" panose="020F0502020204030204" charset="0"/>
-                        <a:cs typeface="Calibri" panose="020F0502020204030204" charset="0"/>
+                        <a:latin typeface="Arial" panose="020B0604020202020204" pitchFamily="34" charset="0"/>
+                        <a:cs typeface="Arial" panose="020B0604020202020204" pitchFamily="34" charset="0"/>
                       </a:endParaRPr>
                     </a:p>
                   </a:txBody>
@@ -4556,14 +4621,14 @@
                       </a:pPr>
                       <a:r>
                         <a:rPr lang="en-US">
-                          <a:latin typeface="Calibri" panose="020F0502020204030204" charset="0"/>
-                          <a:cs typeface="Calibri" panose="020F0502020204030204" charset="0"/>
+                          <a:latin typeface="Arial" panose="020B0604020202020204" pitchFamily="34" charset="0"/>
+                          <a:cs typeface="Arial" panose="020B0604020202020204" pitchFamily="34" charset="0"/>
                         </a:rPr>
                         <a:t>Yes</a:t>
                       </a:r>
                       <a:endParaRPr lang="en-US">
-                        <a:latin typeface="Calibri" panose="020F0502020204030204" charset="0"/>
-                        <a:cs typeface="Calibri" panose="020F0502020204030204" charset="0"/>
+                        <a:latin typeface="Arial" panose="020B0604020202020204" pitchFamily="34" charset="0"/>
+                        <a:cs typeface="Arial" panose="020B0604020202020204" pitchFamily="34" charset="0"/>
                       </a:endParaRPr>
                     </a:p>
                   </a:txBody>
@@ -4580,15 +4645,15 @@
                       </a:pPr>
                       <a:r>
                         <a:rPr lang="en-US" sz="1800">
-                          <a:latin typeface="Calibri" panose="020F0502020204030204" charset="0"/>
-                          <a:cs typeface="Calibri" panose="020F0502020204030204" charset="0"/>
+                          <a:latin typeface="Arial" panose="020B0604020202020204" pitchFamily="34" charset="0"/>
+                          <a:cs typeface="Arial" panose="020B0604020202020204" pitchFamily="34" charset="0"/>
                           <a:sym typeface="+mn-ea"/>
                         </a:rPr>
                         <a:t>Overcast</a:t>
                       </a:r>
                       <a:endParaRPr lang="en-US" sz="1800">
-                        <a:latin typeface="Calibri" panose="020F0502020204030204" charset="0"/>
-                        <a:cs typeface="Calibri" panose="020F0502020204030204" charset="0"/>
+                        <a:latin typeface="Arial" panose="020B0604020202020204" pitchFamily="34" charset="0"/>
+                        <a:cs typeface="Arial" panose="020B0604020202020204" pitchFamily="34" charset="0"/>
                         <a:sym typeface="+mn-ea"/>
                       </a:endParaRPr>
                     </a:p>
@@ -4604,14 +4669,14 @@
                       </a:pPr>
                       <a:r>
                         <a:rPr lang="en-US">
-                          <a:latin typeface="Calibri" panose="020F0502020204030204" charset="0"/>
-                          <a:cs typeface="Calibri" panose="020F0502020204030204" charset="0"/>
+                          <a:latin typeface="Arial" panose="020B0604020202020204" pitchFamily="34" charset="0"/>
+                          <a:cs typeface="Arial" panose="020B0604020202020204" pitchFamily="34" charset="0"/>
                         </a:rPr>
                         <a:t>Mild</a:t>
                       </a:r>
                       <a:endParaRPr lang="en-US">
-                        <a:latin typeface="Calibri" panose="020F0502020204030204" charset="0"/>
-                        <a:cs typeface="Calibri" panose="020F0502020204030204" charset="0"/>
+                        <a:latin typeface="Arial" panose="020B0604020202020204" pitchFamily="34" charset="0"/>
+                        <a:cs typeface="Arial" panose="020B0604020202020204" pitchFamily="34" charset="0"/>
                       </a:endParaRPr>
                     </a:p>
                   </a:txBody>
@@ -4626,14 +4691,14 @@
                       </a:pPr>
                       <a:r>
                         <a:rPr lang="en-US">
-                          <a:latin typeface="Calibri" panose="020F0502020204030204" charset="0"/>
-                          <a:cs typeface="Calibri" panose="020F0502020204030204" charset="0"/>
+                          <a:latin typeface="Arial" panose="020B0604020202020204" pitchFamily="34" charset="0"/>
+                          <a:cs typeface="Arial" panose="020B0604020202020204" pitchFamily="34" charset="0"/>
                         </a:rPr>
                         <a:t>High</a:t>
                       </a:r>
                       <a:endParaRPr lang="en-US">
-                        <a:latin typeface="Calibri" panose="020F0502020204030204" charset="0"/>
-                        <a:cs typeface="Calibri" panose="020F0502020204030204" charset="0"/>
+                        <a:latin typeface="Arial" panose="020B0604020202020204" pitchFamily="34" charset="0"/>
+                        <a:cs typeface="Arial" panose="020B0604020202020204" pitchFamily="34" charset="0"/>
                       </a:endParaRPr>
                     </a:p>
                   </a:txBody>
@@ -4648,14 +4713,14 @@
                       </a:pPr>
                       <a:r>
                         <a:rPr lang="en-US">
-                          <a:latin typeface="Calibri" panose="020F0502020204030204" charset="0"/>
-                          <a:cs typeface="Calibri" panose="020F0502020204030204" charset="0"/>
+                          <a:latin typeface="Arial" panose="020B0604020202020204" pitchFamily="34" charset="0"/>
+                          <a:cs typeface="Arial" panose="020B0604020202020204" pitchFamily="34" charset="0"/>
                         </a:rPr>
                         <a:t>Strong</a:t>
                       </a:r>
                       <a:endParaRPr lang="en-US">
-                        <a:latin typeface="Calibri" panose="020F0502020204030204" charset="0"/>
-                        <a:cs typeface="Calibri" panose="020F0502020204030204" charset="0"/>
+                        <a:latin typeface="Arial" panose="020B0604020202020204" pitchFamily="34" charset="0"/>
+                        <a:cs typeface="Arial" panose="020B0604020202020204" pitchFamily="34" charset="0"/>
                       </a:endParaRPr>
                     </a:p>
                   </a:txBody>
@@ -4670,14 +4735,14 @@
                       </a:pPr>
                       <a:r>
                         <a:rPr lang="en-US">
-                          <a:latin typeface="Calibri" panose="020F0502020204030204" charset="0"/>
-                          <a:cs typeface="Calibri" panose="020F0502020204030204" charset="0"/>
+                          <a:latin typeface="Arial" panose="020B0604020202020204" pitchFamily="34" charset="0"/>
+                          <a:cs typeface="Arial" panose="020B0604020202020204" pitchFamily="34" charset="0"/>
                         </a:rPr>
                         <a:t>Yes</a:t>
                       </a:r>
                       <a:endParaRPr lang="en-US">
-                        <a:latin typeface="Calibri" panose="020F0502020204030204" charset="0"/>
-                        <a:cs typeface="Calibri" panose="020F0502020204030204" charset="0"/>
+                        <a:latin typeface="Arial" panose="020B0604020202020204" pitchFamily="34" charset="0"/>
+                        <a:cs typeface="Arial" panose="020B0604020202020204" pitchFamily="34" charset="0"/>
                       </a:endParaRPr>
                     </a:p>
                   </a:txBody>
@@ -4694,15 +4759,15 @@
                       </a:pPr>
                       <a:r>
                         <a:rPr lang="en-US" sz="1800">
-                          <a:latin typeface="Calibri" panose="020F0502020204030204" charset="0"/>
-                          <a:cs typeface="Calibri" panose="020F0502020204030204" charset="0"/>
+                          <a:latin typeface="Arial" panose="020B0604020202020204" pitchFamily="34" charset="0"/>
+                          <a:cs typeface="Arial" panose="020B0604020202020204" pitchFamily="34" charset="0"/>
                           <a:sym typeface="+mn-ea"/>
                         </a:rPr>
                         <a:t>Overcast</a:t>
                       </a:r>
                       <a:endParaRPr lang="en-US" sz="1800">
-                        <a:latin typeface="Calibri" panose="020F0502020204030204" charset="0"/>
-                        <a:cs typeface="Calibri" panose="020F0502020204030204" charset="0"/>
+                        <a:latin typeface="Arial" panose="020B0604020202020204" pitchFamily="34" charset="0"/>
+                        <a:cs typeface="Arial" panose="020B0604020202020204" pitchFamily="34" charset="0"/>
                         <a:sym typeface="+mn-ea"/>
                       </a:endParaRPr>
                     </a:p>
@@ -4718,14 +4783,14 @@
                       </a:pPr>
                       <a:r>
                         <a:rPr lang="en-US">
-                          <a:latin typeface="Calibri" panose="020F0502020204030204" charset="0"/>
-                          <a:cs typeface="Calibri" panose="020F0502020204030204" charset="0"/>
+                          <a:latin typeface="Arial" panose="020B0604020202020204" pitchFamily="34" charset="0"/>
+                          <a:cs typeface="Arial" panose="020B0604020202020204" pitchFamily="34" charset="0"/>
                         </a:rPr>
                         <a:t>Hot</a:t>
                       </a:r>
                       <a:endParaRPr lang="en-US">
-                        <a:latin typeface="Calibri" panose="020F0502020204030204" charset="0"/>
-                        <a:cs typeface="Calibri" panose="020F0502020204030204" charset="0"/>
+                        <a:latin typeface="Arial" panose="020B0604020202020204" pitchFamily="34" charset="0"/>
+                        <a:cs typeface="Arial" panose="020B0604020202020204" pitchFamily="34" charset="0"/>
                       </a:endParaRPr>
                     </a:p>
                   </a:txBody>
@@ -4740,14 +4805,14 @@
                       </a:pPr>
                       <a:r>
                         <a:rPr lang="en-US">
-                          <a:latin typeface="Calibri" panose="020F0502020204030204" charset="0"/>
-                          <a:cs typeface="Calibri" panose="020F0502020204030204" charset="0"/>
+                          <a:latin typeface="Arial" panose="020B0604020202020204" pitchFamily="34" charset="0"/>
+                          <a:cs typeface="Arial" panose="020B0604020202020204" pitchFamily="34" charset="0"/>
                         </a:rPr>
                         <a:t>Normal</a:t>
                       </a:r>
                       <a:endParaRPr lang="en-US">
-                        <a:latin typeface="Calibri" panose="020F0502020204030204" charset="0"/>
-                        <a:cs typeface="Calibri" panose="020F0502020204030204" charset="0"/>
+                        <a:latin typeface="Arial" panose="020B0604020202020204" pitchFamily="34" charset="0"/>
+                        <a:cs typeface="Arial" panose="020B0604020202020204" pitchFamily="34" charset="0"/>
                       </a:endParaRPr>
                     </a:p>
                   </a:txBody>
@@ -4762,14 +4827,14 @@
                       </a:pPr>
                       <a:r>
                         <a:rPr lang="en-US">
-                          <a:latin typeface="Calibri" panose="020F0502020204030204" charset="0"/>
-                          <a:cs typeface="Calibri" panose="020F0502020204030204" charset="0"/>
+                          <a:latin typeface="Arial" panose="020B0604020202020204" pitchFamily="34" charset="0"/>
+                          <a:cs typeface="Arial" panose="020B0604020202020204" pitchFamily="34" charset="0"/>
                         </a:rPr>
                         <a:t>Weak</a:t>
                       </a:r>
                       <a:endParaRPr lang="en-US">
-                        <a:latin typeface="Calibri" panose="020F0502020204030204" charset="0"/>
-                        <a:cs typeface="Calibri" panose="020F0502020204030204" charset="0"/>
+                        <a:latin typeface="Arial" panose="020B0604020202020204" pitchFamily="34" charset="0"/>
+                        <a:cs typeface="Arial" panose="020B0604020202020204" pitchFamily="34" charset="0"/>
                       </a:endParaRPr>
                     </a:p>
                   </a:txBody>
@@ -4784,14 +4849,14 @@
                       </a:pPr>
                       <a:r>
                         <a:rPr lang="en-US">
-                          <a:latin typeface="Calibri" panose="020F0502020204030204" charset="0"/>
-                          <a:cs typeface="Calibri" panose="020F0502020204030204" charset="0"/>
+                          <a:latin typeface="Arial" panose="020B0604020202020204" pitchFamily="34" charset="0"/>
+                          <a:cs typeface="Arial" panose="020B0604020202020204" pitchFamily="34" charset="0"/>
                         </a:rPr>
                         <a:t>Yes</a:t>
                       </a:r>
                       <a:endParaRPr lang="en-US">
-                        <a:latin typeface="Calibri" panose="020F0502020204030204" charset="0"/>
-                        <a:cs typeface="Calibri" panose="020F0502020204030204" charset="0"/>
+                        <a:latin typeface="Arial" panose="020B0604020202020204" pitchFamily="34" charset="0"/>
+                        <a:cs typeface="Arial" panose="020B0604020202020204" pitchFamily="34" charset="0"/>
                       </a:endParaRPr>
                     </a:p>
                   </a:txBody>
@@ -4877,7 +4942,7 @@
 </p:sld>
 </file>
 
-<file path=ppt/slides/slide12.xml><?xml version="1.0" encoding="utf-8"?>
+<file path=ppt/slides/slide13.xml><?xml version="1.0" encoding="utf-8"?>
 <p:sld xmlns:a="http://schemas.openxmlformats.org/drawingml/2006/main" xmlns:r="http://schemas.openxmlformats.org/officeDocument/2006/relationships" xmlns:p="http://schemas.openxmlformats.org/presentationml/2006/main">
   <p:cSld>
     <p:spTree>
@@ -5513,7 +5578,7 @@
 </p:sld>
 </file>
 
-<file path=ppt/slides/slide13.xml><?xml version="1.0" encoding="utf-8"?>
+<file path=ppt/slides/slide14.xml><?xml version="1.0" encoding="utf-8"?>
 <p:sld xmlns:a="http://schemas.openxmlformats.org/drawingml/2006/main" xmlns:r="http://schemas.openxmlformats.org/officeDocument/2006/relationships" xmlns:p="http://schemas.openxmlformats.org/presentationml/2006/main">
   <p:cSld>
     <p:spTree>
@@ -5622,7 +5687,7 @@
 </p:sld>
 </file>
 
-<file path=ppt/slides/slide14.xml><?xml version="1.0" encoding="utf-8"?>
+<file path=ppt/slides/slide15.xml><?xml version="1.0" encoding="utf-8"?>
 <p:sld xmlns:a="http://schemas.openxmlformats.org/drawingml/2006/main" xmlns:r="http://schemas.openxmlformats.org/officeDocument/2006/relationships" xmlns:p="http://schemas.openxmlformats.org/presentationml/2006/main">
   <p:cSld>
     <p:spTree>
@@ -6269,7 +6334,7 @@
 </p:sld>
 </file>
 
-<file path=ppt/slides/slide15.xml><?xml version="1.0" encoding="utf-8"?>
+<file path=ppt/slides/slide16.xml><?xml version="1.0" encoding="utf-8"?>
 <p:sld xmlns:a="http://schemas.openxmlformats.org/drawingml/2006/main" xmlns:r="http://schemas.openxmlformats.org/officeDocument/2006/relationships" xmlns:p="http://schemas.openxmlformats.org/presentationml/2006/main">
   <p:cSld>
     <p:spTree>
@@ -6996,7 +7061,7 @@
 </p:sld>
 </file>
 
-<file path=ppt/slides/slide16.xml><?xml version="1.0" encoding="utf-8"?>
+<file path=ppt/slides/slide17.xml><?xml version="1.0" encoding="utf-8"?>
 <p:sld xmlns:a="http://schemas.openxmlformats.org/drawingml/2006/main" xmlns:r="http://schemas.openxmlformats.org/officeDocument/2006/relationships" xmlns:p="http://schemas.openxmlformats.org/presentationml/2006/main">
   <p:cSld>
     <p:spTree>
@@ -7573,7 +7638,7 @@
 </p:sld>
 </file>
 
-<file path=ppt/slides/slide17.xml><?xml version="1.0" encoding="utf-8"?>
+<file path=ppt/slides/slide18.xml><?xml version="1.0" encoding="utf-8"?>
 <p:sld xmlns:a="http://schemas.openxmlformats.org/drawingml/2006/main" xmlns:r="http://schemas.openxmlformats.org/officeDocument/2006/relationships" xmlns:p="http://schemas.openxmlformats.org/presentationml/2006/main">
   <p:cSld>
     <p:spTree>
@@ -7683,7 +7748,7 @@
 </p:sld>
 </file>
 
-<file path=ppt/slides/slide18.xml><?xml version="1.0" encoding="utf-8"?>
+<file path=ppt/slides/slide19.xml><?xml version="1.0" encoding="utf-8"?>
 <p:sld xmlns:a="http://schemas.openxmlformats.org/drawingml/2006/main" xmlns:r="http://schemas.openxmlformats.org/officeDocument/2006/relationships" xmlns:p="http://schemas.openxmlformats.org/presentationml/2006/main">
   <p:cSld>
     <p:spTree>
@@ -7793,7 +7858,120 @@
 </p:sld>
 </file>
 
-<file path=ppt/slides/slide19.xml><?xml version="1.0" encoding="utf-8"?>
+<file path=ppt/slides/slide2.xml><?xml version="1.0" encoding="utf-8"?>
+<p:sld xmlns:a="http://schemas.openxmlformats.org/drawingml/2006/main" xmlns:r="http://schemas.openxmlformats.org/officeDocument/2006/relationships" xmlns:p="http://schemas.openxmlformats.org/presentationml/2006/main">
+  <p:cSld>
+    <p:spTree>
+      <p:nvGrpSpPr>
+        <p:cNvPr id="1" name=""/>
+        <p:cNvGrpSpPr/>
+        <p:nvPr/>
+      </p:nvGrpSpPr>
+      <p:grpSpPr/>
+      <p:sp>
+        <p:nvSpPr>
+          <p:cNvPr id="3" name="Content Placeholder 2"/>
+          <p:cNvSpPr>
+            <a:spLocks noGrp="1"/>
+          </p:cNvSpPr>
+          <p:nvPr>
+            <p:ph idx="1"/>
+          </p:nvPr>
+        </p:nvSpPr>
+        <p:spPr>
+          <a:xfrm>
+            <a:off x="1122045" y="1174750"/>
+            <a:ext cx="10460355" cy="4953000"/>
+          </a:xfrm>
+        </p:spPr>
+        <p:txBody>
+          <a:bodyPr/>
+          <a:p>
+            <a:pPr marL="0" indent="0">
+              <a:buNone/>
+            </a:pPr>
+            <a:r>
+              <a:rPr lang="en-US" sz="4400" b="1"/>
+              <a:t>1. Giới thiệu</a:t>
+            </a:r>
+            <a:endParaRPr lang="en-US" sz="4400" b="1"/>
+          </a:p>
+          <a:p>
+            <a:pPr marL="0" indent="0">
+              <a:buNone/>
+            </a:pPr>
+            <a:r>
+              <a:rPr lang="en-US" sz="4400" b="1"/>
+              <a:t>2. Thuật toán</a:t>
+            </a:r>
+            <a:endParaRPr lang="en-US" sz="4400" b="1"/>
+          </a:p>
+          <a:p>
+            <a:pPr marL="0" indent="0">
+              <a:buNone/>
+            </a:pPr>
+            <a:r>
+              <a:rPr lang="en-US" sz="4400" b="1"/>
+              <a:t>3. Ưu nhược điểm</a:t>
+            </a:r>
+            <a:endParaRPr lang="en-US" sz="4400" b="1"/>
+          </a:p>
+          <a:p>
+            <a:pPr marL="0" indent="0">
+              <a:buNone/>
+            </a:pPr>
+            <a:r>
+              <a:rPr lang="en-US" sz="4400" b="1"/>
+              <a:t>4. Pruning</a:t>
+            </a:r>
+            <a:endParaRPr lang="en-US" sz="4400" b="1"/>
+          </a:p>
+          <a:p>
+            <a:pPr marL="0" indent="0">
+              <a:buNone/>
+            </a:pPr>
+            <a:r>
+              <a:rPr lang="en-US" sz="4400" b="1"/>
+              <a:t>5. Ứng dụng</a:t>
+            </a:r>
+            <a:endParaRPr lang="en-US" sz="4400" b="1"/>
+          </a:p>
+        </p:txBody>
+      </p:sp>
+      <p:sp>
+        <p:nvSpPr>
+          <p:cNvPr id="2" name="Text Box 1"/>
+          <p:cNvSpPr txBox="1"/>
+          <p:nvPr/>
+        </p:nvSpPr>
+        <p:spPr>
+          <a:xfrm>
+            <a:off x="2037080" y="817880"/>
+            <a:ext cx="4064000" cy="368300"/>
+          </a:xfrm>
+          <a:prstGeom prst="rect">
+            <a:avLst/>
+          </a:prstGeom>
+          <a:noFill/>
+        </p:spPr>
+        <p:txBody>
+          <a:bodyPr wrap="square" rtlCol="0">
+            <a:spAutoFit/>
+          </a:bodyPr>
+          <a:p>
+            <a:endParaRPr lang="en-US"/>
+          </a:p>
+        </p:txBody>
+      </p:sp>
+    </p:spTree>
+  </p:cSld>
+  <p:clrMapOvr>
+    <a:masterClrMapping/>
+  </p:clrMapOvr>
+</p:sld>
+</file>
+
+<file path=ppt/slides/slide20.xml><?xml version="1.0" encoding="utf-8"?>
 <p:sld xmlns:a="http://schemas.openxmlformats.org/drawingml/2006/main" xmlns:r="http://schemas.openxmlformats.org/officeDocument/2006/relationships" xmlns:p="http://schemas.openxmlformats.org/presentationml/2006/main">
   <p:cSld>
     <p:spTree>
@@ -7903,120 +8081,7 @@
 </p:sld>
 </file>
 
-<file path=ppt/slides/slide2.xml><?xml version="1.0" encoding="utf-8"?>
-<p:sld xmlns:a="http://schemas.openxmlformats.org/drawingml/2006/main" xmlns:r="http://schemas.openxmlformats.org/officeDocument/2006/relationships" xmlns:p="http://schemas.openxmlformats.org/presentationml/2006/main">
-  <p:cSld>
-    <p:spTree>
-      <p:nvGrpSpPr>
-        <p:cNvPr id="1" name=""/>
-        <p:cNvGrpSpPr/>
-        <p:nvPr/>
-      </p:nvGrpSpPr>
-      <p:grpSpPr/>
-      <p:sp>
-        <p:nvSpPr>
-          <p:cNvPr id="3" name="Content Placeholder 2"/>
-          <p:cNvSpPr>
-            <a:spLocks noGrp="1"/>
-          </p:cNvSpPr>
-          <p:nvPr>
-            <p:ph idx="1"/>
-          </p:nvPr>
-        </p:nvSpPr>
-        <p:spPr>
-          <a:xfrm>
-            <a:off x="1122045" y="1174750"/>
-            <a:ext cx="10460355" cy="4953000"/>
-          </a:xfrm>
-        </p:spPr>
-        <p:txBody>
-          <a:bodyPr/>
-          <a:p>
-            <a:pPr marL="0" indent="0">
-              <a:buNone/>
-            </a:pPr>
-            <a:r>
-              <a:rPr lang="en-US" sz="4400" b="1"/>
-              <a:t>1. Giới thiệu</a:t>
-            </a:r>
-            <a:endParaRPr lang="en-US" sz="4400" b="1"/>
-          </a:p>
-          <a:p>
-            <a:pPr marL="0" indent="0">
-              <a:buNone/>
-            </a:pPr>
-            <a:r>
-              <a:rPr lang="en-US" sz="4400" b="1"/>
-              <a:t>2. Thuật toán</a:t>
-            </a:r>
-            <a:endParaRPr lang="en-US" sz="4400" b="1"/>
-          </a:p>
-          <a:p>
-            <a:pPr marL="0" indent="0">
-              <a:buNone/>
-            </a:pPr>
-            <a:r>
-              <a:rPr lang="en-US" sz="4400" b="1"/>
-              <a:t>3. Ưu nhược điểm</a:t>
-            </a:r>
-            <a:endParaRPr lang="en-US" sz="4400" b="1"/>
-          </a:p>
-          <a:p>
-            <a:pPr marL="0" indent="0">
-              <a:buNone/>
-            </a:pPr>
-            <a:r>
-              <a:rPr lang="en-US" sz="4400" b="1"/>
-              <a:t>4. Pruning</a:t>
-            </a:r>
-            <a:endParaRPr lang="en-US" sz="4400" b="1"/>
-          </a:p>
-          <a:p>
-            <a:pPr marL="0" indent="0">
-              <a:buNone/>
-            </a:pPr>
-            <a:r>
-              <a:rPr lang="en-US" sz="4400" b="1"/>
-              <a:t>5. Ứng dụng</a:t>
-            </a:r>
-            <a:endParaRPr lang="en-US" sz="4400" b="1"/>
-          </a:p>
-        </p:txBody>
-      </p:sp>
-      <p:sp>
-        <p:nvSpPr>
-          <p:cNvPr id="2" name="Text Box 1"/>
-          <p:cNvSpPr txBox="1"/>
-          <p:nvPr/>
-        </p:nvSpPr>
-        <p:spPr>
-          <a:xfrm>
-            <a:off x="2037080" y="817880"/>
-            <a:ext cx="4064000" cy="368300"/>
-          </a:xfrm>
-          <a:prstGeom prst="rect">
-            <a:avLst/>
-          </a:prstGeom>
-          <a:noFill/>
-        </p:spPr>
-        <p:txBody>
-          <a:bodyPr wrap="square" rtlCol="0">
-            <a:spAutoFit/>
-          </a:bodyPr>
-          <a:p>
-            <a:endParaRPr lang="en-US"/>
-          </a:p>
-        </p:txBody>
-      </p:sp>
-    </p:spTree>
-  </p:cSld>
-  <p:clrMapOvr>
-    <a:masterClrMapping/>
-  </p:clrMapOvr>
-</p:sld>
-</file>
-
-<file path=ppt/slides/slide20.xml><?xml version="1.0" encoding="utf-8"?>
+<file path=ppt/slides/slide21.xml><?xml version="1.0" encoding="utf-8"?>
 <p:sld xmlns:a="http://schemas.openxmlformats.org/drawingml/2006/main" xmlns:r="http://schemas.openxmlformats.org/officeDocument/2006/relationships" xmlns:p="http://schemas.openxmlformats.org/presentationml/2006/main">
   <p:cSld>
     <p:spTree>
@@ -8181,7 +8246,7 @@
 </p:sld>
 </file>
 
-<file path=ppt/slides/slide21.xml><?xml version="1.0" encoding="utf-8"?>
+<file path=ppt/slides/slide22.xml><?xml version="1.0" encoding="utf-8"?>
 <p:sld xmlns:a="http://schemas.openxmlformats.org/drawingml/2006/main" xmlns:r="http://schemas.openxmlformats.org/officeDocument/2006/relationships" xmlns:p="http://schemas.openxmlformats.org/presentationml/2006/main">
   <p:cSld>
     <p:spTree>
@@ -8277,7 +8342,7 @@
 </p:sld>
 </file>
 
-<file path=ppt/slides/slide22.xml><?xml version="1.0" encoding="utf-8"?>
+<file path=ppt/slides/slide23.xml><?xml version="1.0" encoding="utf-8"?>
 <p:sld xmlns:a="http://schemas.openxmlformats.org/drawingml/2006/main" xmlns:r="http://schemas.openxmlformats.org/officeDocument/2006/relationships" xmlns:p="http://schemas.openxmlformats.org/presentationml/2006/main">
   <p:cSld>
     <p:spTree>
@@ -9178,7 +9243,7 @@
 </p:sld>
 </file>
 
-<file path=ppt/slides/slide23.xml><?xml version="1.0" encoding="utf-8"?>
+<file path=ppt/slides/slide24.xml><?xml version="1.0" encoding="utf-8"?>
 <p:sld xmlns:a="http://schemas.openxmlformats.org/drawingml/2006/main" xmlns:r="http://schemas.openxmlformats.org/officeDocument/2006/relationships" xmlns:p="http://schemas.openxmlformats.org/presentationml/2006/main">
   <p:cSld>
     <p:spTree>
@@ -9274,7 +9339,7 @@
 </p:sld>
 </file>
 
-<file path=ppt/slides/slide24.xml><?xml version="1.0" encoding="utf-8"?>
+<file path=ppt/slides/slide25.xml><?xml version="1.0" encoding="utf-8"?>
 <p:sld xmlns:a="http://schemas.openxmlformats.org/drawingml/2006/main" xmlns:r="http://schemas.openxmlformats.org/officeDocument/2006/relationships" xmlns:p="http://schemas.openxmlformats.org/presentationml/2006/main">
   <p:cSld>
     <p:spTree>
@@ -10311,7 +10376,7 @@
 </p:sld>
 </file>
 
-<file path=ppt/slides/slide25.xml><?xml version="1.0" encoding="utf-8"?>
+<file path=ppt/slides/slide26.xml><?xml version="1.0" encoding="utf-8"?>
 <p:sld xmlns:a="http://schemas.openxmlformats.org/drawingml/2006/main" xmlns:r="http://schemas.openxmlformats.org/officeDocument/2006/relationships" xmlns:p="http://schemas.openxmlformats.org/presentationml/2006/main">
   <p:cSld>
     <p:spTree>
@@ -10379,7 +10444,7 @@
 </p:sld>
 </file>
 
-<file path=ppt/slides/slide26.xml><?xml version="1.0" encoding="utf-8"?>
+<file path=ppt/slides/slide27.xml><?xml version="1.0" encoding="utf-8"?>
 <p:sld xmlns:a="http://schemas.openxmlformats.org/drawingml/2006/main" xmlns:r="http://schemas.openxmlformats.org/officeDocument/2006/relationships" xmlns:p="http://schemas.openxmlformats.org/presentationml/2006/main">
   <p:cSld>
     <p:spTree>
@@ -10445,14 +10510,8 @@
             </a:pPr>
             <a:r>
               <a:rPr lang="en-US"/>
-              <a:t>Rời rạc hóa:</a:t>
+              <a:t>Cách 1: rời rạc hóa</a:t>
             </a:r>
-            <a:endParaRPr lang="en-US"/>
-          </a:p>
-          <a:p>
-            <a:pPr marL="0" indent="457200">
-              <a:buNone/>
-            </a:pPr>
             <a:endParaRPr lang="en-US"/>
           </a:p>
         </p:txBody>
@@ -10825,7 +10884,7 @@
 </p:sld>
 </file>
 
-<file path=ppt/slides/slide27.xml><?xml version="1.0" encoding="utf-8"?>
+<file path=ppt/slides/slide28.xml><?xml version="1.0" encoding="utf-8"?>
 <p:sld xmlns:a="http://schemas.openxmlformats.org/drawingml/2006/main" xmlns:r="http://schemas.openxmlformats.org/officeDocument/2006/relationships" xmlns:p="http://schemas.openxmlformats.org/presentationml/2006/main">
   <p:cSld>
     <p:spTree>
@@ -10891,7 +10950,7 @@
             </a:pPr>
             <a:r>
               <a:rPr lang="en-US"/>
-              <a:t>Chia nhị phân:</a:t>
+              <a:t>Cách 2: chia nhị phân:</a:t>
             </a:r>
             <a:endParaRPr lang="en-US"/>
           </a:p>
@@ -11519,64 +11578,127 @@
           </a:graphicData>
         </a:graphic>
       </p:graphicFrame>
-      <p:sp>
-        <p:nvSpPr>
-          <p:cNvPr id="5" name="Text Box 4"/>
-          <p:cNvSpPr txBox="1"/>
-          <p:nvPr/>
-        </p:nvSpPr>
-        <p:spPr>
-          <a:xfrm>
-            <a:off x="8707120" y="3913505"/>
-            <a:ext cx="4064000" cy="1383665"/>
-          </a:xfrm>
-          <a:prstGeom prst="rect">
-            <a:avLst/>
-          </a:prstGeom>
-          <a:noFill/>
-        </p:spPr>
-        <p:txBody>
-          <a:bodyPr wrap="square" rtlCol="0">
-            <a:spAutoFit/>
-          </a:bodyPr>
-          <a:p>
-            <a:r>
-              <a:rPr lang="en-US" sz="2800"/>
-              <a:t>gini(Age </a:t>
-            </a:r>
-            <a:r>
-              <a:rPr lang="en-US" sz="2800">
-                <a:latin typeface="Arial" panose="020B0604020202020204" pitchFamily="34" charset="0"/>
-                <a:cs typeface="Arial" panose="020B0604020202020204" pitchFamily="34" charset="0"/>
-              </a:rPr>
-              <a:t>≤ 33)</a:t>
-            </a:r>
-            <a:endParaRPr lang="en-US" sz="2800">
-              <a:latin typeface="Arial" panose="020B0604020202020204" pitchFamily="34" charset="0"/>
-              <a:cs typeface="Arial" panose="020B0604020202020204" pitchFamily="34" charset="0"/>
-            </a:endParaRPr>
-          </a:p>
-          <a:p>
-            <a:endParaRPr lang="en-US" sz="2800">
-              <a:latin typeface="Arial" panose="020B0604020202020204" pitchFamily="34" charset="0"/>
-              <a:cs typeface="Arial" panose="020B0604020202020204" pitchFamily="34" charset="0"/>
-            </a:endParaRPr>
-          </a:p>
-          <a:p>
-            <a:r>
-              <a:rPr lang="en-US" sz="2800">
-                <a:latin typeface="Arial" panose="020B0604020202020204" pitchFamily="34" charset="0"/>
-                <a:cs typeface="Arial" panose="020B0604020202020204" pitchFamily="34" charset="0"/>
-              </a:rPr>
-              <a:t>gini(Age &gt; 33)</a:t>
-            </a:r>
-            <a:endParaRPr lang="en-US" sz="2800">
-              <a:latin typeface="Arial" panose="020B0604020202020204" pitchFamily="34" charset="0"/>
-              <a:cs typeface="Arial" panose="020B0604020202020204" pitchFamily="34" charset="0"/>
-            </a:endParaRPr>
-          </a:p>
-        </p:txBody>
-      </p:sp>
+      <mc:AlternateContent xmlns:mc="http://schemas.openxmlformats.org/markup-compatibility/2006">
+        <mc:Choice xmlns:a14="http://schemas.microsoft.com/office/drawing/2010/main" Requires="a14">
+          <p:sp>
+            <p:nvSpPr>
+              <p:cNvPr id="5" name="Text Box 4"/>
+              <p:cNvSpPr txBox="1"/>
+              <p:nvPr/>
+            </p:nvSpPr>
+            <p:spPr>
+              <a:xfrm>
+                <a:off x="8707120" y="3913505"/>
+                <a:ext cx="4064000" cy="638810"/>
+              </a:xfrm>
+              <a:prstGeom prst="rect">
+                <a:avLst/>
+              </a:prstGeom>
+              <a:noFill/>
+            </p:spPr>
+            <p:txBody>
+              <a:bodyPr wrap="square" rtlCol="0">
+                <a:noAutofit/>
+              </a:bodyPr>
+              <a:p>
+                <a14:m>
+                  <m:oMathPara xmlns:m="http://schemas.openxmlformats.org/officeDocument/2006/math">
+                    <m:oMathParaPr>
+                      <m:jc m:val="left"/>
+                    </m:oMathParaPr>
+                    <m:oMath xmlns:m="http://schemas.openxmlformats.org/officeDocument/2006/math">
+                      <m:r>
+                        <a:rPr lang="en-US" sz="2800" i="1">
+                          <a:latin typeface="Cambria Math" panose="02040503050406030204" charset="0"/>
+                          <a:cs typeface="Cambria Math" panose="02040503050406030204" charset="0"/>
+                        </a:rPr>
+                        <m:t>𝐻</m:t>
+                      </m:r>
+                      <m:r>
+                        <a:rPr lang="en-US" sz="2800" i="1">
+                          <a:latin typeface="Cambria Math" panose="02040503050406030204" charset="0"/>
+                          <a:cs typeface="Cambria Math" panose="02040503050406030204" charset="0"/>
+                        </a:rPr>
+                        <m:t>(</m:t>
+                      </m:r>
+                      <m:r>
+                        <a:rPr lang="en-US" sz="2800" i="1">
+                          <a:latin typeface="Cambria Math" panose="02040503050406030204" charset="0"/>
+                          <a:cs typeface="Cambria Math" panose="02040503050406030204" charset="0"/>
+                        </a:rPr>
+                        <m:t>𝐴𝑔𝑒</m:t>
+                      </m:r>
+                      <m:r>
+                        <a:rPr lang="en-US" sz="2800" i="1">
+                          <a:latin typeface="Cambria Math" panose="02040503050406030204" charset="0"/>
+                          <a:cs typeface="Cambria Math" panose="02040503050406030204" charset="0"/>
+                        </a:rPr>
+                        <m:t>≤</m:t>
+                      </m:r>
+                      <m:r>
+                        <a:rPr lang="en-US" sz="2800" i="1">
+                          <a:latin typeface="Cambria Math" panose="02040503050406030204" charset="0"/>
+                          <a:cs typeface="Cambria Math" panose="02040503050406030204" charset="0"/>
+                        </a:rPr>
+                        <m:t>33</m:t>
+                      </m:r>
+                      <m:r>
+                        <a:rPr lang="en-US" sz="2800" i="1">
+                          <a:latin typeface="Cambria Math" panose="02040503050406030204" charset="0"/>
+                          <a:cs typeface="Cambria Math" panose="02040503050406030204" charset="0"/>
+                        </a:rPr>
+                        <m:t>)</m:t>
+                      </m:r>
+                    </m:oMath>
+                  </m:oMathPara>
+                </a14:m>
+                <a:endParaRPr lang="en-US" sz="2800">
+                  <a:latin typeface="Arial" panose="020B0604020202020204" pitchFamily="34" charset="0"/>
+                  <a:cs typeface="Arial" panose="020B0604020202020204" pitchFamily="34" charset="0"/>
+                </a:endParaRPr>
+              </a:p>
+            </p:txBody>
+          </p:sp>
+        </mc:Choice>
+        <mc:Fallback>
+          <p:sp>
+            <p:nvSpPr>
+              <p:cNvPr id="5" name="Text Box 4"/>
+              <p:cNvSpPr txBox="1">
+                <a:spLocks noRot="1" noChangeAspect="1" noMove="1" noResize="1" noEditPoints="1" noAdjustHandles="1" noChangeArrowheads="1" noChangeShapeType="1" noTextEdit="1"/>
+              </p:cNvSpPr>
+              <p:nvPr/>
+            </p:nvSpPr>
+            <p:spPr>
+              <a:xfrm>
+                <a:off x="8707120" y="3913505"/>
+                <a:ext cx="4064000" cy="638810"/>
+              </a:xfrm>
+              <a:prstGeom prst="rect">
+                <a:avLst/>
+              </a:prstGeom>
+              <a:blipFill rotWithShape="1">
+                <a:blip r:embed="rId1"/>
+                <a:stretch>
+                  <a:fillRect/>
+                </a:stretch>
+              </a:blipFill>
+            </p:spPr>
+            <p:txBody>
+              <a:bodyPr/>
+              <a:lstStyle/>
+              <a:p>
+                <a:r>
+                  <a:rPr lang="en-US" altLang="en-US">
+                    <a:noFill/>
+                  </a:rPr>
+                  <a:t> </a:t>
+                </a:r>
+              </a:p>
+            </p:txBody>
+          </p:sp>
+        </mc:Fallback>
+      </mc:AlternateContent>
       <p:cxnSp>
         <p:nvCxnSpPr>
           <p:cNvPr id="7" name="Straight Connector 6"/>
@@ -11649,6 +11771,130 @@
           </a:ln>
         </p:spPr>
       </p:cxnSp>
+      <mc:AlternateContent xmlns:mc="http://schemas.openxmlformats.org/markup-compatibility/2006">
+        <mc:Choice xmlns:a14="http://schemas.microsoft.com/office/drawing/2010/main" Requires="a14">
+          <p:sp>
+            <p:nvSpPr>
+              <p:cNvPr id="11" name="Text Box 10"/>
+              <p:cNvSpPr txBox="1"/>
+              <p:nvPr/>
+            </p:nvSpPr>
+            <p:spPr>
+              <a:xfrm>
+                <a:off x="8773160" y="4872355"/>
+                <a:ext cx="4064000" cy="621030"/>
+              </a:xfrm>
+              <a:prstGeom prst="rect">
+                <a:avLst/>
+              </a:prstGeom>
+              <a:noFill/>
+            </p:spPr>
+            <p:txBody>
+              <a:bodyPr wrap="square" rtlCol="0">
+                <a:noAutofit/>
+              </a:bodyPr>
+              <a:p>
+                <a14:m>
+                  <m:oMathPara xmlns:m="http://schemas.openxmlformats.org/officeDocument/2006/math">
+                    <m:oMathParaPr>
+                      <m:jc m:val="left"/>
+                    </m:oMathParaPr>
+                    <m:oMath xmlns:m="http://schemas.openxmlformats.org/officeDocument/2006/math">
+                      <m:r>
+                        <a:rPr lang="en-US" sz="2800" i="1">
+                          <a:latin typeface="Cambria Math" panose="02040503050406030204" charset="0"/>
+                          <a:cs typeface="Cambria Math" panose="02040503050406030204" charset="0"/>
+                        </a:rPr>
+                        <m:t>𝐻</m:t>
+                      </m:r>
+                      <m:r>
+                        <a:rPr lang="en-US" sz="2800" i="1">
+                          <a:latin typeface="Cambria Math" panose="02040503050406030204" charset="0"/>
+                          <a:cs typeface="Cambria Math" panose="02040503050406030204" charset="0"/>
+                        </a:rPr>
+                        <m:t>(</m:t>
+                      </m:r>
+                      <m:r>
+                        <a:rPr lang="en-US" sz="2800" i="1">
+                          <a:latin typeface="Cambria Math" panose="02040503050406030204" charset="0"/>
+                          <a:cs typeface="Cambria Math" panose="02040503050406030204" charset="0"/>
+                        </a:rPr>
+                        <m:t>𝐴𝑔𝑒</m:t>
+                      </m:r>
+                      <m:r>
+                        <a:rPr lang="en-US" sz="2800" i="1">
+                          <a:latin typeface="Cambria Math" panose="02040503050406030204" charset="0"/>
+                          <a:cs typeface="Cambria Math" panose="02040503050406030204" charset="0"/>
+                        </a:rPr>
+                        <m:t>&gt;</m:t>
+                      </m:r>
+                      <m:r>
+                        <a:rPr lang="en-US" sz="2800" i="1">
+                          <a:latin typeface="Cambria Math" panose="02040503050406030204" charset="0"/>
+                          <a:cs typeface="Cambria Math" panose="02040503050406030204" charset="0"/>
+                        </a:rPr>
+                        <m:t>33</m:t>
+                      </m:r>
+                      <m:r>
+                        <a:rPr lang="en-US" sz="2800" i="1">
+                          <a:latin typeface="Cambria Math" panose="02040503050406030204" charset="0"/>
+                          <a:cs typeface="Cambria Math" panose="02040503050406030204" charset="0"/>
+                        </a:rPr>
+                        <m:t>)</m:t>
+                      </m:r>
+                    </m:oMath>
+                  </m:oMathPara>
+                </a14:m>
+                <a:endParaRPr lang="en-US" sz="2800">
+                  <a:latin typeface="Arial" panose="020B0604020202020204" pitchFamily="34" charset="0"/>
+                  <a:cs typeface="Arial" panose="020B0604020202020204" pitchFamily="34" charset="0"/>
+                </a:endParaRPr>
+              </a:p>
+              <a:p>
+                <a:endParaRPr lang="en-US" sz="2800"/>
+              </a:p>
+            </p:txBody>
+          </p:sp>
+        </mc:Choice>
+        <mc:Fallback>
+          <p:sp>
+            <p:nvSpPr>
+              <p:cNvPr id="11" name="Text Box 10"/>
+              <p:cNvSpPr txBox="1">
+                <a:spLocks noRot="1" noChangeAspect="1" noMove="1" noResize="1" noEditPoints="1" noAdjustHandles="1" noChangeArrowheads="1" noChangeShapeType="1" noTextEdit="1"/>
+              </p:cNvSpPr>
+              <p:nvPr/>
+            </p:nvSpPr>
+            <p:spPr>
+              <a:xfrm>
+                <a:off x="8773160" y="4872355"/>
+                <a:ext cx="4064000" cy="621030"/>
+              </a:xfrm>
+              <a:prstGeom prst="rect">
+                <a:avLst/>
+              </a:prstGeom>
+              <a:blipFill rotWithShape="1">
+                <a:blip r:embed="rId2"/>
+                <a:stretch>
+                  <a:fillRect b="-44785"/>
+                </a:stretch>
+              </a:blipFill>
+            </p:spPr>
+            <p:txBody>
+              <a:bodyPr/>
+              <a:lstStyle/>
+              <a:p>
+                <a:r>
+                  <a:rPr lang="en-US" altLang="en-US">
+                    <a:noFill/>
+                  </a:rPr>
+                  <a:t> </a:t>
+                </a:r>
+              </a:p>
+            </p:txBody>
+          </p:sp>
+        </mc:Fallback>
+      </mc:AlternateContent>
     </p:spTree>
   </p:cSld>
   <p:clrMapOvr>
@@ -11657,7 +11903,7 @@
 </p:sld>
 </file>
 
-<file path=ppt/slides/slide28.xml><?xml version="1.0" encoding="utf-8"?>
+<file path=ppt/slides/slide29.xml><?xml version="1.0" encoding="utf-8"?>
 <p:sld xmlns:a="http://schemas.openxmlformats.org/drawingml/2006/main" xmlns:r="http://schemas.openxmlformats.org/officeDocument/2006/relationships" xmlns:p="http://schemas.openxmlformats.org/presentationml/2006/main">
   <p:cSld>
     <p:spTree>
@@ -11806,7 +12052,965 @@
 </p:sld>
 </file>
 
-<file path=ppt/slides/slide29.xml><?xml version="1.0" encoding="utf-8"?>
+<file path=ppt/slides/slide3.xml><?xml version="1.0" encoding="utf-8"?>
+<p:sld xmlns:a="http://schemas.openxmlformats.org/drawingml/2006/main" xmlns:r="http://schemas.openxmlformats.org/officeDocument/2006/relationships" xmlns:p="http://schemas.openxmlformats.org/presentationml/2006/main">
+  <p:cSld>
+    <p:spTree>
+      <p:nvGrpSpPr>
+        <p:cNvPr id="1" name=""/>
+        <p:cNvGrpSpPr/>
+        <p:nvPr/>
+      </p:nvGrpSpPr>
+      <p:grpSpPr/>
+      <p:sp>
+        <p:nvSpPr>
+          <p:cNvPr id="2" name="Title 1"/>
+          <p:cNvSpPr>
+            <a:spLocks noGrp="1"/>
+          </p:cNvSpPr>
+          <p:nvPr>
+            <p:ph type="title"/>
+          </p:nvPr>
+        </p:nvSpPr>
+        <p:spPr/>
+        <p:txBody>
+          <a:bodyPr/>
+          <a:p>
+            <a:r>
+              <a:rPr lang="en-US" sz="4400" b="1"/>
+              <a:t>Giới thiệu</a:t>
+            </a:r>
+            <a:endParaRPr lang="en-US" sz="4400" b="1"/>
+          </a:p>
+        </p:txBody>
+      </p:sp>
+      <p:sp>
+        <p:nvSpPr>
+          <p:cNvPr id="3" name="Content Placeholder 2"/>
+          <p:cNvSpPr>
+            <a:spLocks noGrp="1"/>
+          </p:cNvSpPr>
+          <p:nvPr>
+            <p:ph idx="1"/>
+          </p:nvPr>
+        </p:nvSpPr>
+        <p:spPr>
+          <a:xfrm>
+            <a:off x="609600" y="1174750"/>
+            <a:ext cx="10972800" cy="5514975"/>
+          </a:xfrm>
+        </p:spPr>
+        <p:txBody>
+          <a:bodyPr/>
+          <a:p>
+            <a:pPr marL="0" indent="0">
+              <a:buNone/>
+            </a:pPr>
+            <a:r>
+              <a:rPr lang="en-US" sz="2900">
+                <a:latin typeface="Calibri" panose="020F0502020204030204" charset="0"/>
+                <a:cs typeface="Calibri" panose="020F0502020204030204" charset="0"/>
+              </a:rPr>
+              <a:t>Cây quyết định là 1 mô hình học có giám sát có dạng cây, có thể </a:t>
+            </a:r>
+            <a:endParaRPr lang="en-US" sz="2900">
+              <a:latin typeface="Calibri" panose="020F0502020204030204" charset="0"/>
+              <a:cs typeface="Calibri" panose="020F0502020204030204" charset="0"/>
+            </a:endParaRPr>
+          </a:p>
+          <a:p>
+            <a:pPr marL="0" indent="0">
+              <a:buNone/>
+            </a:pPr>
+            <a:r>
+              <a:rPr lang="en-US" sz="2900">
+                <a:latin typeface="Calibri" panose="020F0502020204030204" charset="0"/>
+                <a:cs typeface="Calibri" panose="020F0502020204030204" charset="0"/>
+              </a:rPr>
+              <a:t>dùng cho bài toán phân loại và hồi quy.</a:t>
+            </a:r>
+            <a:endParaRPr lang="en-US" sz="2900">
+              <a:latin typeface="Calibri" panose="020F0502020204030204" charset="0"/>
+              <a:cs typeface="Calibri" panose="020F0502020204030204" charset="0"/>
+            </a:endParaRPr>
+          </a:p>
+          <a:p>
+            <a:pPr marL="0" indent="0">
+              <a:buNone/>
+            </a:pPr>
+            <a:endParaRPr lang="en-US" sz="2900">
+              <a:latin typeface="Calibri" panose="020F0502020204030204" charset="0"/>
+              <a:cs typeface="Calibri" panose="020F0502020204030204" charset="0"/>
+            </a:endParaRPr>
+          </a:p>
+          <a:p>
+            <a:pPr marL="0" indent="0">
+              <a:buNone/>
+            </a:pPr>
+            <a:r>
+              <a:rPr lang="en-US" sz="2900">
+                <a:latin typeface="Calibri" panose="020F0502020204030204" charset="0"/>
+                <a:cs typeface="Calibri" panose="020F0502020204030204" charset="0"/>
+              </a:rPr>
+              <a:t>Bao gồm:</a:t>
+            </a:r>
+            <a:endParaRPr lang="en-US" sz="2900">
+              <a:latin typeface="Calibri" panose="020F0502020204030204" charset="0"/>
+              <a:cs typeface="Calibri" panose="020F0502020204030204" charset="0"/>
+            </a:endParaRPr>
+          </a:p>
+          <a:p>
+            <a:r>
+              <a:rPr lang="en-US" sz="2900">
+                <a:latin typeface="Calibri" panose="020F0502020204030204" charset="0"/>
+                <a:cs typeface="Calibri" panose="020F0502020204030204" charset="0"/>
+              </a:rPr>
+              <a:t>Split node: thể hiện câu hỏi</a:t>
+            </a:r>
+            <a:endParaRPr lang="en-US" sz="2900">
+              <a:latin typeface="Calibri" panose="020F0502020204030204" charset="0"/>
+              <a:cs typeface="Calibri" panose="020F0502020204030204" charset="0"/>
+            </a:endParaRPr>
+          </a:p>
+          <a:p>
+            <a:r>
+              <a:rPr lang="en-US" sz="2900">
+                <a:latin typeface="Calibri" panose="020F0502020204030204" charset="0"/>
+                <a:cs typeface="Calibri" panose="020F0502020204030204" charset="0"/>
+              </a:rPr>
+              <a:t>Nhánh: kết quả của câu hỏi</a:t>
+            </a:r>
+            <a:endParaRPr lang="en-US" sz="2900">
+              <a:latin typeface="Calibri" panose="020F0502020204030204" charset="0"/>
+              <a:cs typeface="Calibri" panose="020F0502020204030204" charset="0"/>
+            </a:endParaRPr>
+          </a:p>
+          <a:p>
+            <a:r>
+              <a:rPr lang="en-US" sz="2900">
+                <a:latin typeface="Calibri" panose="020F0502020204030204" charset="0"/>
+                <a:cs typeface="Calibri" panose="020F0502020204030204" charset="0"/>
+              </a:rPr>
+              <a:t>Leaf node: thể hiện output</a:t>
+            </a:r>
+            <a:endParaRPr lang="en-US" sz="2900">
+              <a:latin typeface="Calibri" panose="020F0502020204030204" charset="0"/>
+              <a:cs typeface="Calibri" panose="020F0502020204030204" charset="0"/>
+            </a:endParaRPr>
+          </a:p>
+          <a:p>
+            <a:pPr marL="0" indent="0">
+              <a:buNone/>
+            </a:pPr>
+            <a:endParaRPr lang="en-US" sz="2900">
+              <a:latin typeface="Calibri" panose="020F0502020204030204" charset="0"/>
+              <a:cs typeface="Calibri" panose="020F0502020204030204" charset="0"/>
+            </a:endParaRPr>
+          </a:p>
+        </p:txBody>
+      </p:sp>
+      <p:pic>
+        <p:nvPicPr>
+          <p:cNvPr id="8" name="Content Placeholder 7" descr="eg"/>
+          <p:cNvPicPr>
+            <a:picLocks noChangeAspect="1"/>
+          </p:cNvPicPr>
+          <p:nvPr/>
+        </p:nvPicPr>
+        <p:blipFill>
+          <a:blip r:embed="rId1"/>
+          <a:stretch>
+            <a:fillRect/>
+          </a:stretch>
+        </p:blipFill>
+        <p:spPr>
+          <a:xfrm>
+            <a:off x="4264025" y="2088515"/>
+            <a:ext cx="6711950" cy="4355465"/>
+          </a:xfrm>
+          <a:prstGeom prst="rect">
+            <a:avLst/>
+          </a:prstGeom>
+          <a:noFill/>
+          <a:ln w="9525">
+            <a:noFill/>
+          </a:ln>
+        </p:spPr>
+      </p:pic>
+    </p:spTree>
+  </p:cSld>
+  <p:clrMapOvr>
+    <a:masterClrMapping/>
+  </p:clrMapOvr>
+  <p:timing>
+    <p:tnLst>
+      <p:par>
+        <p:cTn id="1" dur="indefinite" restart="never" nodeType="tmRoot">
+          <p:childTnLst>
+            <p:seq concurrent="1" nextAc="seek">
+              <p:cTn id="2" dur="indefinite" nodeType="mainSeq">
+                <p:childTnLst>
+                  <p:par>
+                    <p:cTn id="3" fill="hold">
+                      <p:stCondLst>
+                        <p:cond delay="indefinite"/>
+                      </p:stCondLst>
+                      <p:childTnLst>
+                        <p:par>
+                          <p:cTn id="4" fill="hold">
+                            <p:stCondLst>
+                              <p:cond delay="0"/>
+                            </p:stCondLst>
+                            <p:childTnLst>
+                              <p:par>
+                                <p:cTn id="5" presetID="1" presetClass="entr" presetSubtype="0" fill="hold" nodeType="clickEffect">
+                                  <p:stCondLst>
+                                    <p:cond delay="0"/>
+                                  </p:stCondLst>
+                                  <p:childTnLst>
+                                    <p:set>
+                                      <p:cBhvr>
+                                        <p:cTn id="6" dur="1" fill="hold">
+                                          <p:stCondLst>
+                                            <p:cond delay="0"/>
+                                          </p:stCondLst>
+                                        </p:cTn>
+                                        <p:tgtEl>
+                                          <p:spTgt spid="3">
+                                            <p:txEl>
+                                              <p:pRg st="0" end="0"/>
+                                            </p:txEl>
+                                          </p:spTgt>
+                                        </p:tgtEl>
+                                        <p:attrNameLst>
+                                          <p:attrName>style.visibility</p:attrName>
+                                        </p:attrNameLst>
+                                      </p:cBhvr>
+                                      <p:to>
+                                        <p:strVal val="visible"/>
+                                      </p:to>
+                                    </p:set>
+                                  </p:childTnLst>
+                                </p:cTn>
+                              </p:par>
+                              <p:par>
+                                <p:cTn id="7" presetID="1" presetClass="entr" presetSubtype="0" fill="hold" nodeType="withEffect">
+                                  <p:stCondLst>
+                                    <p:cond delay="0"/>
+                                  </p:stCondLst>
+                                  <p:childTnLst>
+                                    <p:set>
+                                      <p:cBhvr>
+                                        <p:cTn id="8" dur="1" fill="hold">
+                                          <p:stCondLst>
+                                            <p:cond delay="0"/>
+                                          </p:stCondLst>
+                                        </p:cTn>
+                                        <p:tgtEl>
+                                          <p:spTgt spid="3">
+                                            <p:txEl>
+                                              <p:pRg st="1" end="1"/>
+                                            </p:txEl>
+                                          </p:spTgt>
+                                        </p:tgtEl>
+                                        <p:attrNameLst>
+                                          <p:attrName>style.visibility</p:attrName>
+                                        </p:attrNameLst>
+                                      </p:cBhvr>
+                                      <p:to>
+                                        <p:strVal val="visible"/>
+                                      </p:to>
+                                    </p:set>
+                                  </p:childTnLst>
+                                </p:cTn>
+                              </p:par>
+                            </p:childTnLst>
+                          </p:cTn>
+                        </p:par>
+                      </p:childTnLst>
+                    </p:cTn>
+                  </p:par>
+                  <p:par>
+                    <p:cTn id="9" fill="hold">
+                      <p:stCondLst>
+                        <p:cond delay="indefinite"/>
+                      </p:stCondLst>
+                      <p:childTnLst>
+                        <p:par>
+                          <p:cTn id="10" fill="hold">
+                            <p:stCondLst>
+                              <p:cond delay="0"/>
+                            </p:stCondLst>
+                            <p:childTnLst>
+                              <p:par>
+                                <p:cTn id="11" presetID="1" presetClass="entr" presetSubtype="0" fill="hold" nodeType="clickEffect">
+                                  <p:stCondLst>
+                                    <p:cond delay="0"/>
+                                  </p:stCondLst>
+                                  <p:childTnLst>
+                                    <p:set>
+                                      <p:cBhvr>
+                                        <p:cTn id="12" dur="1" fill="hold">
+                                          <p:stCondLst>
+                                            <p:cond delay="0"/>
+                                          </p:stCondLst>
+                                        </p:cTn>
+                                        <p:tgtEl>
+                                          <p:spTgt spid="8"/>
+                                        </p:tgtEl>
+                                        <p:attrNameLst>
+                                          <p:attrName>style.visibility</p:attrName>
+                                        </p:attrNameLst>
+                                      </p:cBhvr>
+                                      <p:to>
+                                        <p:strVal val="visible"/>
+                                      </p:to>
+                                    </p:set>
+                                  </p:childTnLst>
+                                </p:cTn>
+                              </p:par>
+                            </p:childTnLst>
+                          </p:cTn>
+                        </p:par>
+                      </p:childTnLst>
+                    </p:cTn>
+                  </p:par>
+                  <p:par>
+                    <p:cTn id="13" fill="hold">
+                      <p:stCondLst>
+                        <p:cond delay="indefinite"/>
+                      </p:stCondLst>
+                      <p:childTnLst>
+                        <p:par>
+                          <p:cTn id="14" fill="hold">
+                            <p:stCondLst>
+                              <p:cond delay="0"/>
+                            </p:stCondLst>
+                            <p:childTnLst>
+                              <p:par>
+                                <p:cTn id="15" presetID="1" presetClass="entr" presetSubtype="0" fill="hold" nodeType="clickEffect">
+                                  <p:stCondLst>
+                                    <p:cond delay="0"/>
+                                  </p:stCondLst>
+                                  <p:childTnLst>
+                                    <p:set>
+                                      <p:cBhvr>
+                                        <p:cTn id="16" dur="1" fill="hold">
+                                          <p:stCondLst>
+                                            <p:cond delay="0"/>
+                                          </p:stCondLst>
+                                        </p:cTn>
+                                        <p:tgtEl>
+                                          <p:spTgt spid="3">
+                                            <p:txEl>
+                                              <p:pRg st="3" end="3"/>
+                                            </p:txEl>
+                                          </p:spTgt>
+                                        </p:tgtEl>
+                                        <p:attrNameLst>
+                                          <p:attrName>style.visibility</p:attrName>
+                                        </p:attrNameLst>
+                                      </p:cBhvr>
+                                      <p:to>
+                                        <p:strVal val="visible"/>
+                                      </p:to>
+                                    </p:set>
+                                  </p:childTnLst>
+                                </p:cTn>
+                              </p:par>
+                              <p:par>
+                                <p:cTn id="17" presetID="1" presetClass="entr" presetSubtype="0" fill="hold" nodeType="withEffect">
+                                  <p:stCondLst>
+                                    <p:cond delay="0"/>
+                                  </p:stCondLst>
+                                  <p:childTnLst>
+                                    <p:set>
+                                      <p:cBhvr>
+                                        <p:cTn id="18" dur="1" fill="hold">
+                                          <p:stCondLst>
+                                            <p:cond delay="0"/>
+                                          </p:stCondLst>
+                                        </p:cTn>
+                                        <p:tgtEl>
+                                          <p:spTgt spid="3">
+                                            <p:txEl>
+                                              <p:pRg st="4" end="4"/>
+                                            </p:txEl>
+                                          </p:spTgt>
+                                        </p:tgtEl>
+                                        <p:attrNameLst>
+                                          <p:attrName>style.visibility</p:attrName>
+                                        </p:attrNameLst>
+                                      </p:cBhvr>
+                                      <p:to>
+                                        <p:strVal val="visible"/>
+                                      </p:to>
+                                    </p:set>
+                                  </p:childTnLst>
+                                </p:cTn>
+                              </p:par>
+                              <p:par>
+                                <p:cTn id="19" presetID="1" presetClass="entr" presetSubtype="0" fill="hold" nodeType="withEffect">
+                                  <p:stCondLst>
+                                    <p:cond delay="0"/>
+                                  </p:stCondLst>
+                                  <p:childTnLst>
+                                    <p:set>
+                                      <p:cBhvr>
+                                        <p:cTn id="20" dur="1" fill="hold">
+                                          <p:stCondLst>
+                                            <p:cond delay="0"/>
+                                          </p:stCondLst>
+                                        </p:cTn>
+                                        <p:tgtEl>
+                                          <p:spTgt spid="3">
+                                            <p:txEl>
+                                              <p:pRg st="5" end="5"/>
+                                            </p:txEl>
+                                          </p:spTgt>
+                                        </p:tgtEl>
+                                        <p:attrNameLst>
+                                          <p:attrName>style.visibility</p:attrName>
+                                        </p:attrNameLst>
+                                      </p:cBhvr>
+                                      <p:to>
+                                        <p:strVal val="visible"/>
+                                      </p:to>
+                                    </p:set>
+                                  </p:childTnLst>
+                                </p:cTn>
+                              </p:par>
+                              <p:par>
+                                <p:cTn id="21" presetID="1" presetClass="entr" presetSubtype="0" fill="hold" nodeType="withEffect">
+                                  <p:stCondLst>
+                                    <p:cond delay="0"/>
+                                  </p:stCondLst>
+                                  <p:childTnLst>
+                                    <p:set>
+                                      <p:cBhvr>
+                                        <p:cTn id="22" dur="1" fill="hold">
+                                          <p:stCondLst>
+                                            <p:cond delay="0"/>
+                                          </p:stCondLst>
+                                        </p:cTn>
+                                        <p:tgtEl>
+                                          <p:spTgt spid="3">
+                                            <p:txEl>
+                                              <p:pRg st="6" end="6"/>
+                                            </p:txEl>
+                                          </p:spTgt>
+                                        </p:tgtEl>
+                                        <p:attrNameLst>
+                                          <p:attrName>style.visibility</p:attrName>
+                                        </p:attrNameLst>
+                                      </p:cBhvr>
+                                      <p:to>
+                                        <p:strVal val="visible"/>
+                                      </p:to>
+                                    </p:set>
+                                  </p:childTnLst>
+                                </p:cTn>
+                              </p:par>
+                            </p:childTnLst>
+                          </p:cTn>
+                        </p:par>
+                      </p:childTnLst>
+                    </p:cTn>
+                  </p:par>
+                </p:childTnLst>
+              </p:cTn>
+              <p:prevCondLst>
+                <p:cond evt="onPrev" delay="0">
+                  <p:tgtEl>
+                    <p:sldTgt/>
+                  </p:tgtEl>
+                </p:cond>
+              </p:prevCondLst>
+              <p:nextCondLst>
+                <p:cond evt="onNext" delay="0">
+                  <p:tgtEl>
+                    <p:sldTgt/>
+                  </p:tgtEl>
+                </p:cond>
+              </p:nextCondLst>
+            </p:seq>
+          </p:childTnLst>
+        </p:cTn>
+      </p:par>
+    </p:tnLst>
+    <p:bldLst>
+      <p:bldP spid="3" grpId="1" build="p"/>
+    </p:bldLst>
+  </p:timing>
+</p:sld>
+</file>
+
+<file path=ppt/slides/slide30.xml><?xml version="1.0" encoding="utf-8"?>
+<p:sld xmlns:a="http://schemas.openxmlformats.org/drawingml/2006/main" xmlns:r="http://schemas.openxmlformats.org/officeDocument/2006/relationships" xmlns:p="http://schemas.openxmlformats.org/presentationml/2006/main">
+  <p:cSld>
+    <p:spTree>
+      <p:nvGrpSpPr>
+        <p:cNvPr id="1" name=""/>
+        <p:cNvGrpSpPr/>
+        <p:nvPr/>
+      </p:nvGrpSpPr>
+      <p:grpSpPr/>
+      <p:sp>
+        <p:nvSpPr>
+          <p:cNvPr id="2" name="Title 1"/>
+          <p:cNvSpPr>
+            <a:spLocks noGrp="1"/>
+          </p:cNvSpPr>
+          <p:nvPr>
+            <p:ph type="title"/>
+          </p:nvPr>
+        </p:nvSpPr>
+        <p:spPr/>
+        <p:txBody>
+          <a:bodyPr/>
+          <a:p>
+            <a:r>
+              <a:rPr lang="en-US" sz="4400" b="1">
+                <a:sym typeface="+mn-ea"/>
+              </a:rPr>
+              <a:t>Thuật toán </a:t>
+            </a:r>
+            <a:r>
+              <a:rPr lang="en-US" sz="4400" b="1">
+                <a:sym typeface="+mn-ea"/>
+              </a:rPr>
+              <a:t>CART </a:t>
+            </a:r>
+            <a:r>
+              <a:rPr lang="en-US" sz="4400" b="1">
+                <a:sym typeface="+mn-ea"/>
+              </a:rPr>
+              <a:t>- Classification</a:t>
+            </a:r>
+            <a:endParaRPr lang="en-US" sz="4400"/>
+          </a:p>
+        </p:txBody>
+      </p:sp>
+      <mc:AlternateContent xmlns:mc="http://schemas.openxmlformats.org/markup-compatibility/2006">
+        <mc:Choice xmlns:a14="http://schemas.microsoft.com/office/drawing/2010/main" Requires="a14">
+          <p:sp>
+            <p:nvSpPr>
+              <p:cNvPr id="3" name="Content Placeholder 2"/>
+              <p:cNvSpPr/>
+              <p:nvPr>
+                <p:ph sz="half" idx="1"/>
+              </p:nvPr>
+            </p:nvSpPr>
+            <p:spPr>
+              <a:xfrm>
+                <a:off x="609600" y="1174750"/>
+                <a:ext cx="10972800" cy="5534025"/>
+              </a:xfrm>
+            </p:spPr>
+            <p:txBody>
+              <a:bodyPr/>
+              <a:p>
+                <a:pPr marL="0" indent="0">
+                  <a:buNone/>
+                </a:pPr>
+                <a:r>
+                  <a:rPr lang="en-US" sz="3200">
+                    <a:latin typeface="Calibri" panose="020F0502020204030204" charset="0"/>
+                    <a:cs typeface="Calibri" panose="020F0502020204030204" charset="0"/>
+                    <a:sym typeface="+mn-ea"/>
+                  </a:rPr>
+                  <a:t>Xét hàm gini 2 biến: </a:t>
+                </a:r>
+                <a14:m>
+                  <m:oMath xmlns:m="http://schemas.openxmlformats.org/officeDocument/2006/math">
+                    <m:r>
+                      <a:rPr lang="en-US" sz="3200" i="1">
+                        <a:latin typeface="Cambria Math" panose="02040503050406030204" charset="0"/>
+                        <a:cs typeface="Cambria Math" panose="02040503050406030204" charset="0"/>
+                      </a:rPr>
+                      <m:t>𝑔𝑖𝑛𝑖</m:t>
+                    </m:r>
+                    <m:r>
+                      <a:rPr lang="en-US" sz="3200" i="1">
+                        <a:latin typeface="Cambria Math" panose="02040503050406030204" charset="0"/>
+                        <a:cs typeface="Cambria Math" panose="02040503050406030204" charset="0"/>
+                      </a:rPr>
+                      <m:t>(</m:t>
+                    </m:r>
+                    <m:r>
+                      <a:rPr lang="en-US" sz="3200" i="1">
+                        <a:latin typeface="Cambria Math" panose="02040503050406030204" charset="0"/>
+                        <a:cs typeface="Cambria Math" panose="02040503050406030204" charset="0"/>
+                      </a:rPr>
+                      <m:t>𝑆</m:t>
+                    </m:r>
+                    <m:r>
+                      <a:rPr lang="en-US" sz="3200" i="1">
+                        <a:latin typeface="Cambria Math" panose="02040503050406030204" charset="0"/>
+                        <a:cs typeface="Cambria Math" panose="02040503050406030204" charset="0"/>
+                      </a:rPr>
+                      <m:t>)=</m:t>
+                    </m:r>
+                    <m:r>
+                      <a:rPr lang="en-US" sz="3200" i="1">
+                        <a:latin typeface="Cambria Math" panose="02040503050406030204" charset="0"/>
+                        <a:cs typeface="Cambria Math" panose="02040503050406030204" charset="0"/>
+                      </a:rPr>
+                      <m:t>1</m:t>
+                    </m:r>
+                    <m:r>
+                      <a:rPr lang="en-US" sz="3200" i="1">
+                        <a:latin typeface="Cambria Math" panose="02040503050406030204" charset="0"/>
+                        <a:cs typeface="Cambria Math" panose="02040503050406030204" charset="0"/>
+                      </a:rPr>
+                      <m:t>−</m:t>
+                    </m:r>
+                    <m:sSup>
+                      <m:sSupPr>
+                        <m:ctrlPr>
+                          <a:rPr lang="en-US" sz="3200" i="1">
+                            <a:latin typeface="Cambria Math" panose="02040503050406030204" charset="0"/>
+                            <a:cs typeface="Cambria Math" panose="02040503050406030204" charset="0"/>
+                          </a:rPr>
+                        </m:ctrlPr>
+                      </m:sSupPr>
+                      <m:e>
+                        <m:sSub>
+                          <m:sSubPr>
+                            <m:ctrlPr>
+                              <a:rPr lang="en-US" sz="3200" i="1">
+                                <a:latin typeface="Cambria Math" panose="02040503050406030204" charset="0"/>
+                                <a:cs typeface="Cambria Math" panose="02040503050406030204" charset="0"/>
+                              </a:rPr>
+                            </m:ctrlPr>
+                          </m:sSubPr>
+                          <m:e>
+                            <m:r>
+                              <a:rPr lang="en-US" sz="3200" i="1">
+                                <a:latin typeface="Cambria Math" panose="02040503050406030204" charset="0"/>
+                                <a:cs typeface="Cambria Math" panose="02040503050406030204" charset="0"/>
+                              </a:rPr>
+                              <m:t>𝑝</m:t>
+                            </m:r>
+                          </m:e>
+                          <m:sub>
+                            <m:r>
+                              <a:rPr lang="en-US" sz="3200" i="1">
+                                <a:latin typeface="Cambria Math" panose="02040503050406030204" charset="0"/>
+                                <a:cs typeface="Cambria Math" panose="02040503050406030204" charset="0"/>
+                              </a:rPr>
+                              <m:t>1</m:t>
+                            </m:r>
+                          </m:sub>
+                        </m:sSub>
+                      </m:e>
+                      <m:sup>
+                        <m:r>
+                          <a:rPr lang="en-US" sz="3200" i="1">
+                            <a:latin typeface="Cambria Math" panose="02040503050406030204" charset="0"/>
+                            <a:cs typeface="Cambria Math" panose="02040503050406030204" charset="0"/>
+                          </a:rPr>
+                          <m:t>2</m:t>
+                        </m:r>
+                      </m:sup>
+                    </m:sSup>
+                    <m:r>
+                      <a:rPr lang="en-US" sz="3200" i="1">
+                        <a:latin typeface="Cambria Math" panose="02040503050406030204" charset="0"/>
+                        <a:cs typeface="Cambria Math" panose="02040503050406030204" charset="0"/>
+                      </a:rPr>
+                      <m:t>−</m:t>
+                    </m:r>
+                    <m:r>
+                      <a:rPr lang="en-US" sz="3200" i="1">
+                        <a:latin typeface="Cambria Math" panose="02040503050406030204" charset="0"/>
+                        <a:cs typeface="Cambria Math" panose="02040503050406030204" charset="0"/>
+                      </a:rPr>
+                      <m:t>(</m:t>
+                    </m:r>
+                    <m:r>
+                      <a:rPr lang="en-US" sz="3200" i="1">
+                        <a:latin typeface="Cambria Math" panose="02040503050406030204" charset="0"/>
+                        <a:cs typeface="Cambria Math" panose="02040503050406030204" charset="0"/>
+                      </a:rPr>
+                      <m:t>1</m:t>
+                    </m:r>
+                    <m:r>
+                      <a:rPr lang="en-US" sz="3200" i="1">
+                        <a:latin typeface="Cambria Math" panose="02040503050406030204" charset="0"/>
+                        <a:cs typeface="Cambria Math" panose="02040503050406030204" charset="0"/>
+                      </a:rPr>
+                      <m:t>−</m:t>
+                    </m:r>
+                    <m:sSup>
+                      <m:sSupPr>
+                        <m:ctrlPr>
+                          <a:rPr lang="en-US" i="1">
+                            <a:latin typeface="Cambria Math" panose="02040503050406030204" charset="0"/>
+                            <a:cs typeface="Cambria Math" panose="02040503050406030204" charset="0"/>
+                          </a:rPr>
+                        </m:ctrlPr>
+                      </m:sSupPr>
+                      <m:e>
+                        <m:sSub>
+                          <m:sSubPr>
+                            <m:ctrlPr>
+                              <a:rPr lang="en-US" i="1">
+                                <a:latin typeface="Cambria Math" panose="02040503050406030204" charset="0"/>
+                                <a:cs typeface="Cambria Math" panose="02040503050406030204" charset="0"/>
+                              </a:rPr>
+                            </m:ctrlPr>
+                          </m:sSubPr>
+                          <m:e>
+                            <m:r>
+                              <a:rPr lang="en-US" i="1">
+                                <a:latin typeface="Cambria Math" panose="02040503050406030204" charset="0"/>
+                                <a:cs typeface="Cambria Math" panose="02040503050406030204" charset="0"/>
+                              </a:rPr>
+                              <m:t>𝑝</m:t>
+                            </m:r>
+                          </m:e>
+                          <m:sub>
+                            <m:r>
+                              <a:rPr lang="en-US" i="1">
+                                <a:latin typeface="Cambria Math" panose="02040503050406030204" charset="0"/>
+                                <a:cs typeface="Cambria Math" panose="02040503050406030204" charset="0"/>
+                              </a:rPr>
+                              <m:t>1</m:t>
+                            </m:r>
+                          </m:sub>
+                        </m:sSub>
+                      </m:e>
+                      <m:sup>
+                        <m:r>
+                          <a:rPr lang="en-US" i="1">
+                            <a:latin typeface="Cambria Math" panose="02040503050406030204" charset="0"/>
+                            <a:cs typeface="Cambria Math" panose="02040503050406030204" charset="0"/>
+                          </a:rPr>
+                          <m:t>2</m:t>
+                        </m:r>
+                      </m:sup>
+                    </m:sSup>
+                    <m:r>
+                      <a:rPr lang="en-US" i="1">
+                        <a:latin typeface="Cambria Math" panose="02040503050406030204" charset="0"/>
+                        <a:cs typeface="Cambria Math" panose="02040503050406030204" charset="0"/>
+                      </a:rPr>
+                      <m:t>)</m:t>
+                    </m:r>
+                  </m:oMath>
+                </a14:m>
+                <a:endParaRPr lang="en-US" sz="3200" i="1">
+                  <a:latin typeface="Cambria Math" panose="02040503050406030204" charset="0"/>
+                  <a:cs typeface="Cambria Math" panose="02040503050406030204" charset="0"/>
+                </a:endParaRPr>
+              </a:p>
+              <a:p>
+                <a:pPr marL="0" indent="0">
+                  <a:buNone/>
+                </a:pPr>
+                <a:endParaRPr lang="en-US" sz="3200" i="1">
+                  <a:latin typeface="Cambria Math" panose="02040503050406030204" charset="0"/>
+                  <a:cs typeface="Cambria Math" panose="02040503050406030204" charset="0"/>
+                </a:endParaRPr>
+              </a:p>
+              <a:p>
+                <a:pPr marL="0" indent="0">
+                  <a:buNone/>
+                </a:pPr>
+                <a:endParaRPr lang="en-US" sz="3200" i="1">
+                  <a:latin typeface="Cambria Math" panose="02040503050406030204" charset="0"/>
+                  <a:cs typeface="Cambria Math" panose="02040503050406030204" charset="0"/>
+                </a:endParaRPr>
+              </a:p>
+              <a:p>
+                <a:pPr marL="0" indent="0">
+                  <a:buNone/>
+                </a:pPr>
+                <a:endParaRPr lang="en-US" sz="3200" i="1">
+                  <a:latin typeface="Cambria Math" panose="02040503050406030204" charset="0"/>
+                  <a:cs typeface="Cambria Math" panose="02040503050406030204" charset="0"/>
+                </a:endParaRPr>
+              </a:p>
+              <a:p>
+                <a:pPr marL="0" indent="0">
+                  <a:buNone/>
+                </a:pPr>
+                <a:endParaRPr lang="en-US" sz="3200" i="1">
+                  <a:latin typeface="Cambria Math" panose="02040503050406030204" charset="0"/>
+                  <a:cs typeface="Cambria Math" panose="02040503050406030204" charset="0"/>
+                </a:endParaRPr>
+              </a:p>
+              <a:p>
+                <a:pPr marL="0" indent="0">
+                  <a:buNone/>
+                </a:pPr>
+                <a:endParaRPr lang="en-US" sz="3200" i="1">
+                  <a:latin typeface="Cambria Math" panose="02040503050406030204" charset="0"/>
+                  <a:cs typeface="Cambria Math" panose="02040503050406030204" charset="0"/>
+                </a:endParaRPr>
+              </a:p>
+              <a:p>
+                <a:pPr marL="0" indent="0">
+                  <a:buNone/>
+                </a:pPr>
+                <a:endParaRPr lang="en-US" sz="3200" i="1">
+                  <a:latin typeface="Cambria Math" panose="02040503050406030204" charset="0"/>
+                  <a:cs typeface="Cambria Math" panose="02040503050406030204" charset="0"/>
+                </a:endParaRPr>
+              </a:p>
+              <a:p>
+                <a:pPr marL="0" indent="0">
+                  <a:lnSpc>
+                    <a:spcPct val="150000"/>
+                  </a:lnSpc>
+                  <a:buNone/>
+                </a:pPr>
+                <a:endParaRPr lang="en-US" sz="3200">
+                  <a:latin typeface="Arial" panose="020B0604020202020204" pitchFamily="34" charset="0"/>
+                  <a:cs typeface="Arial" panose="020B0604020202020204" pitchFamily="34" charset="0"/>
+                  <a:sym typeface="+mn-ea"/>
+                </a:endParaRPr>
+              </a:p>
+              <a:p>
+                <a:pPr marL="457200" lvl="1" indent="457200">
+                  <a:lnSpc>
+                    <a:spcPct val="70000"/>
+                  </a:lnSpc>
+                  <a:buNone/>
+                </a:pPr>
+                <a:r>
+                  <a:rPr lang="en-US" sz="3200">
+                    <a:latin typeface="Arial" panose="020B0604020202020204" pitchFamily="34" charset="0"/>
+                    <a:cs typeface="Arial" panose="020B0604020202020204" pitchFamily="34" charset="0"/>
+                    <a:sym typeface="+mn-ea"/>
+                  </a:rPr>
+                  <a:t>→</a:t>
+                </a:r>
+                <a:r>
+                  <a:rPr lang="en-US" sz="3200">
+                    <a:latin typeface="Calibri" panose="020F0502020204030204" charset="0"/>
+                    <a:cs typeface="Calibri" panose="020F0502020204030204" charset="0"/>
+                    <a:sym typeface="+mn-ea"/>
+                  </a:rPr>
+                  <a:t>Dùng để đo độ tinh khiết của bộ dữ liệu</a:t>
+                </a:r>
+                <a:endParaRPr lang="en-US">
+                  <a:latin typeface="Calibri" panose="020F0502020204030204" charset="0"/>
+                  <a:cs typeface="Calibri" panose="020F0502020204030204" charset="0"/>
+                </a:endParaRPr>
+              </a:p>
+            </p:txBody>
+          </p:sp>
+        </mc:Choice>
+        <mc:Fallback>
+          <p:sp>
+            <p:nvSpPr>
+              <p:cNvPr id="3" name="Content Placeholder 2"/>
+              <p:cNvSpPr>
+                <a:spLocks noRot="1" noChangeAspect="1" noMove="1" noResize="1" noEditPoints="1" noAdjustHandles="1" noChangeArrowheads="1" noChangeShapeType="1" noTextEdit="1"/>
+              </p:cNvSpPr>
+              <p:nvPr>
+                <p:ph sz="half" idx="1"/>
+              </p:nvPr>
+            </p:nvSpPr>
+            <p:spPr>
+              <a:xfrm>
+                <a:off x="609600" y="1174750"/>
+                <a:ext cx="10972800" cy="5534025"/>
+              </a:xfrm>
+              <a:blipFill rotWithShape="1">
+                <a:blip r:embed="rId1"/>
+                <a:stretch>
+                  <a:fillRect/>
+                </a:stretch>
+              </a:blipFill>
+            </p:spPr>
+            <p:txBody>
+              <a:bodyPr/>
+              <a:lstStyle/>
+              <a:p>
+                <a:r>
+                  <a:rPr lang="en-US" altLang="en-US">
+                    <a:noFill/>
+                  </a:rPr>
+                  <a:t> </a:t>
+                </a:r>
+              </a:p>
+            </p:txBody>
+          </p:sp>
+        </mc:Fallback>
+      </mc:AlternateContent>
+      <p:sp>
+        <p:nvSpPr>
+          <p:cNvPr id="6" name="Text Box 5"/>
+          <p:cNvSpPr txBox="1"/>
+          <p:nvPr/>
+        </p:nvSpPr>
+        <p:spPr>
+          <a:xfrm>
+            <a:off x="6221095" y="3093720"/>
+            <a:ext cx="5361305" cy="537210"/>
+          </a:xfrm>
+          <a:prstGeom prst="rect">
+            <a:avLst/>
+          </a:prstGeom>
+          <a:noFill/>
+        </p:spPr>
+        <p:txBody>
+          <a:bodyPr wrap="square" rtlCol="0">
+            <a:spAutoFit/>
+          </a:bodyPr>
+          <a:p>
+            <a:r>
+              <a:rPr lang="en-US" sz="2900">
+                <a:latin typeface="Calibri" panose="020F0502020204030204" charset="0"/>
+                <a:cs typeface="Calibri" panose="020F0502020204030204" charset="0"/>
+              </a:rPr>
+              <a:t>Tính chất tương tự hàm entropy </a:t>
+            </a:r>
+            <a:endParaRPr lang="en-US" sz="2900">
+              <a:latin typeface="Calibri" panose="020F0502020204030204" charset="0"/>
+              <a:cs typeface="Calibri" panose="020F0502020204030204" charset="0"/>
+            </a:endParaRPr>
+          </a:p>
+        </p:txBody>
+      </p:sp>
+      <p:pic>
+        <p:nvPicPr>
+          <p:cNvPr id="8" name="Content Placeholder 7" descr="entropy"/>
+          <p:cNvPicPr>
+            <a:picLocks noChangeAspect="1"/>
+          </p:cNvPicPr>
+          <p:nvPr>
+            <p:ph sz="half" idx="2"/>
+          </p:nvPr>
+        </p:nvPicPr>
+        <p:blipFill>
+          <a:blip r:embed="rId2"/>
+          <a:stretch>
+            <a:fillRect/>
+          </a:stretch>
+        </p:blipFill>
+        <p:spPr>
+          <a:xfrm>
+            <a:off x="711200" y="1763395"/>
+            <a:ext cx="5449824" cy="4087368"/>
+          </a:xfrm>
+          <a:prstGeom prst="rect">
+            <a:avLst/>
+          </a:prstGeom>
+        </p:spPr>
+      </p:pic>
+    </p:spTree>
+  </p:cSld>
+  <p:clrMapOvr>
+    <a:masterClrMapping/>
+  </p:clrMapOvr>
+</p:sld>
+</file>
+
+<file path=ppt/slides/slide31.xml><?xml version="1.0" encoding="utf-8"?>
 <p:sld xmlns:a="http://schemas.openxmlformats.org/drawingml/2006/main" xmlns:r="http://schemas.openxmlformats.org/officeDocument/2006/relationships" xmlns:p="http://schemas.openxmlformats.org/presentationml/2006/main">
   <p:cSld>
     <p:spTree>
@@ -11874,7 +13078,7 @@
 </p:sld>
 </file>
 
-<file path=ppt/slides/slide3.xml><?xml version="1.0" encoding="utf-8"?>
+<file path=ppt/slides/slide32.xml><?xml version="1.0" encoding="utf-8"?>
 <p:sld xmlns:a="http://schemas.openxmlformats.org/drawingml/2006/main" xmlns:r="http://schemas.openxmlformats.org/officeDocument/2006/relationships" xmlns:p="http://schemas.openxmlformats.org/presentationml/2006/main">
   <p:cSld>
     <p:spTree>
@@ -11899,194 +13103,6 @@
           <a:bodyPr/>
           <a:p>
             <a:r>
-              <a:rPr lang="en-US" sz="4400" b="1"/>
-              <a:t>Giới thiệu</a:t>
-            </a:r>
-            <a:endParaRPr lang="en-US" sz="4400" b="1"/>
-          </a:p>
-        </p:txBody>
-      </p:sp>
-      <p:sp>
-        <p:nvSpPr>
-          <p:cNvPr id="3" name="Content Placeholder 2"/>
-          <p:cNvSpPr>
-            <a:spLocks noGrp="1"/>
-          </p:cNvSpPr>
-          <p:nvPr>
-            <p:ph idx="1"/>
-          </p:nvPr>
-        </p:nvSpPr>
-        <p:spPr/>
-        <p:txBody>
-          <a:bodyPr/>
-          <a:p>
-            <a:pPr marL="0" indent="0">
-              <a:buNone/>
-            </a:pPr>
-            <a:r>
-              <a:rPr lang="en-US" sz="2900">
-                <a:latin typeface="Calibri" panose="020F0502020204030204" charset="0"/>
-                <a:cs typeface="Calibri" panose="020F0502020204030204" charset="0"/>
-              </a:rPr>
-              <a:t>Decision tree là 1 mô hình học có giám sát có dạng cây, có thể </a:t>
-            </a:r>
-            <a:endParaRPr lang="en-US" sz="2900">
-              <a:latin typeface="Calibri" panose="020F0502020204030204" charset="0"/>
-              <a:cs typeface="Calibri" panose="020F0502020204030204" charset="0"/>
-            </a:endParaRPr>
-          </a:p>
-          <a:p>
-            <a:pPr marL="0" indent="0">
-              <a:buNone/>
-            </a:pPr>
-            <a:r>
-              <a:rPr lang="en-US" sz="2900">
-                <a:latin typeface="Calibri" panose="020F0502020204030204" charset="0"/>
-                <a:cs typeface="Calibri" panose="020F0502020204030204" charset="0"/>
-              </a:rPr>
-              <a:t>dùng cho bài toán phân loại và hồi quy.</a:t>
-            </a:r>
-            <a:endParaRPr lang="en-US" sz="2900">
-              <a:latin typeface="Calibri" panose="020F0502020204030204" charset="0"/>
-              <a:cs typeface="Calibri" panose="020F0502020204030204" charset="0"/>
-            </a:endParaRPr>
-          </a:p>
-          <a:p>
-            <a:pPr marL="0" indent="0">
-              <a:buNone/>
-            </a:pPr>
-            <a:endParaRPr lang="en-US" sz="2900">
-              <a:latin typeface="Calibri" panose="020F0502020204030204" charset="0"/>
-              <a:cs typeface="Calibri" panose="020F0502020204030204" charset="0"/>
-            </a:endParaRPr>
-          </a:p>
-          <a:p>
-            <a:pPr marL="0" indent="0">
-              <a:buNone/>
-            </a:pPr>
-            <a:r>
-              <a:rPr lang="en-US" sz="2900">
-                <a:latin typeface="Calibri" panose="020F0502020204030204" charset="0"/>
-                <a:cs typeface="Calibri" panose="020F0502020204030204" charset="0"/>
-              </a:rPr>
-              <a:t>Bao gồm:</a:t>
-            </a:r>
-            <a:endParaRPr lang="en-US" sz="2900">
-              <a:latin typeface="Calibri" panose="020F0502020204030204" charset="0"/>
-              <a:cs typeface="Calibri" panose="020F0502020204030204" charset="0"/>
-            </a:endParaRPr>
-          </a:p>
-          <a:p>
-            <a:r>
-              <a:rPr lang="en-US" sz="2900">
-                <a:latin typeface="Calibri" panose="020F0502020204030204" charset="0"/>
-                <a:cs typeface="Calibri" panose="020F0502020204030204" charset="0"/>
-              </a:rPr>
-              <a:t>Non-leaf node: thể hiện câu hỏi</a:t>
-            </a:r>
-            <a:endParaRPr lang="en-US" sz="2900">
-              <a:latin typeface="Calibri" panose="020F0502020204030204" charset="0"/>
-              <a:cs typeface="Calibri" panose="020F0502020204030204" charset="0"/>
-            </a:endParaRPr>
-          </a:p>
-          <a:p>
-            <a:r>
-              <a:rPr lang="en-US" sz="2900">
-                <a:latin typeface="Calibri" panose="020F0502020204030204" charset="0"/>
-                <a:cs typeface="Calibri" panose="020F0502020204030204" charset="0"/>
-              </a:rPr>
-              <a:t>Nhánh: kết quả của câu hỏi</a:t>
-            </a:r>
-            <a:endParaRPr lang="en-US" sz="2900">
-              <a:latin typeface="Calibri" panose="020F0502020204030204" charset="0"/>
-              <a:cs typeface="Calibri" panose="020F0502020204030204" charset="0"/>
-            </a:endParaRPr>
-          </a:p>
-          <a:p>
-            <a:r>
-              <a:rPr lang="en-US" sz="2900">
-                <a:latin typeface="Calibri" panose="020F0502020204030204" charset="0"/>
-                <a:cs typeface="Calibri" panose="020F0502020204030204" charset="0"/>
-              </a:rPr>
-              <a:t>Leaf node: thể hiện kết quả</a:t>
-            </a:r>
-            <a:endParaRPr lang="en-US" sz="2900">
-              <a:latin typeface="Calibri" panose="020F0502020204030204" charset="0"/>
-              <a:cs typeface="Calibri" panose="020F0502020204030204" charset="0"/>
-            </a:endParaRPr>
-          </a:p>
-          <a:p>
-            <a:pPr marL="0" indent="0">
-              <a:buNone/>
-            </a:pPr>
-            <a:endParaRPr lang="en-US" sz="2900">
-              <a:latin typeface="Calibri" panose="020F0502020204030204" charset="0"/>
-              <a:cs typeface="Calibri" panose="020F0502020204030204" charset="0"/>
-            </a:endParaRPr>
-          </a:p>
-        </p:txBody>
-      </p:sp>
-      <p:pic>
-        <p:nvPicPr>
-          <p:cNvPr id="8" name="Content Placeholder 7" descr="eg"/>
-          <p:cNvPicPr>
-            <a:picLocks noChangeAspect="1"/>
-          </p:cNvPicPr>
-          <p:nvPr/>
-        </p:nvPicPr>
-        <p:blipFill>
-          <a:blip r:embed="rId1"/>
-          <a:stretch>
-            <a:fillRect/>
-          </a:stretch>
-        </p:blipFill>
-        <p:spPr>
-          <a:xfrm>
-            <a:off x="4173220" y="2156460"/>
-            <a:ext cx="6711950" cy="4355465"/>
-          </a:xfrm>
-          <a:prstGeom prst="rect">
-            <a:avLst/>
-          </a:prstGeom>
-          <a:noFill/>
-          <a:ln w="9525">
-            <a:noFill/>
-          </a:ln>
-        </p:spPr>
-      </p:pic>
-    </p:spTree>
-  </p:cSld>
-  <p:clrMapOvr>
-    <a:masterClrMapping/>
-  </p:clrMapOvr>
-</p:sld>
-</file>
-
-<file path=ppt/slides/slide30.xml><?xml version="1.0" encoding="utf-8"?>
-<p:sld xmlns:a="http://schemas.openxmlformats.org/drawingml/2006/main" xmlns:r="http://schemas.openxmlformats.org/officeDocument/2006/relationships" xmlns:p="http://schemas.openxmlformats.org/presentationml/2006/main">
-  <p:cSld>
-    <p:spTree>
-      <p:nvGrpSpPr>
-        <p:cNvPr id="1" name=""/>
-        <p:cNvGrpSpPr/>
-        <p:nvPr/>
-      </p:nvGrpSpPr>
-      <p:grpSpPr/>
-      <p:sp>
-        <p:nvSpPr>
-          <p:cNvPr id="2" name="Title 1"/>
-          <p:cNvSpPr>
-            <a:spLocks noGrp="1"/>
-          </p:cNvSpPr>
-          <p:nvPr>
-            <p:ph type="title"/>
-          </p:nvPr>
-        </p:nvSpPr>
-        <p:spPr/>
-        <p:txBody>
-          <a:bodyPr/>
-          <a:p>
-            <a:r>
               <a:rPr lang="en-US" sz="4400" b="1">
                 <a:sym typeface="+mn-ea"/>
               </a:rPr>
@@ -12194,7 +13210,23 @@
                 <a:latin typeface="Calibri" panose="020F0502020204030204" charset="0"/>
                 <a:cs typeface="Calibri" panose="020F0502020204030204" charset="0"/>
               </a:rPr>
-              <a:t>Giá trị của nút lá sẽ là giá trị trung bình của biến mục tiêu đối với các mẫu huấn luyện thuộc về nút lá đó.</a:t>
+              <a:t>Giá trị của nút lá là giá trị trung bình của các mẫu huấn luyện </a:t>
+            </a:r>
+            <a:endParaRPr lang="en-US">
+              <a:latin typeface="Calibri" panose="020F0502020204030204" charset="0"/>
+              <a:cs typeface="Calibri" panose="020F0502020204030204" charset="0"/>
+            </a:endParaRPr>
+          </a:p>
+          <a:p>
+            <a:pPr marL="0" indent="0">
+              <a:buNone/>
+            </a:pPr>
+            <a:r>
+              <a:rPr lang="en-US">
+                <a:latin typeface="Calibri" panose="020F0502020204030204" charset="0"/>
+                <a:cs typeface="Calibri" panose="020F0502020204030204" charset="0"/>
+              </a:rPr>
+              <a:t>tới được nút lá đó.</a:t>
             </a:r>
             <a:endParaRPr lang="en-US">
               <a:latin typeface="Calibri" panose="020F0502020204030204" charset="0"/>
@@ -12241,351 +13273,6 @@
 </p:sld>
 </file>
 
-<file path=ppt/slides/slide31.xml><?xml version="1.0" encoding="utf-8"?>
-<p:sld xmlns:a="http://schemas.openxmlformats.org/drawingml/2006/main" xmlns:r="http://schemas.openxmlformats.org/officeDocument/2006/relationships" xmlns:p="http://schemas.openxmlformats.org/presentationml/2006/main">
-  <p:cSld>
-    <p:spTree>
-      <p:nvGrpSpPr>
-        <p:cNvPr id="1" name=""/>
-        <p:cNvGrpSpPr/>
-        <p:nvPr/>
-      </p:nvGrpSpPr>
-      <p:grpSpPr/>
-      <p:sp>
-        <p:nvSpPr>
-          <p:cNvPr id="2" name="Title 1"/>
-          <p:cNvSpPr>
-            <a:spLocks noGrp="1"/>
-          </p:cNvSpPr>
-          <p:nvPr>
-            <p:ph type="title"/>
-          </p:nvPr>
-        </p:nvSpPr>
-        <p:spPr/>
-        <p:txBody>
-          <a:bodyPr/>
-          <a:p>
-            <a:r>
-              <a:rPr lang="en-US" sz="4400" b="1"/>
-              <a:t>Ưu nhược điểm</a:t>
-            </a:r>
-            <a:endParaRPr lang="en-US" sz="4400" b="1"/>
-          </a:p>
-        </p:txBody>
-      </p:sp>
-      <p:sp>
-        <p:nvSpPr>
-          <p:cNvPr id="3" name="Content Placeholder 2"/>
-          <p:cNvSpPr>
-            <a:spLocks noGrp="1"/>
-          </p:cNvSpPr>
-          <p:nvPr>
-            <p:ph idx="1"/>
-          </p:nvPr>
-        </p:nvSpPr>
-        <p:spPr/>
-        <p:txBody>
-          <a:bodyPr/>
-          <a:p>
-            <a:pPr marL="0" indent="0">
-              <a:buNone/>
-            </a:pPr>
-            <a:r>
-              <a:rPr lang="en-US">
-                <a:latin typeface="Calibri" panose="020F0502020204030204" charset="0"/>
-                <a:cs typeface="Calibri" panose="020F0502020204030204" charset="0"/>
-              </a:rPr>
-              <a:t>Ưu điểm:</a:t>
-            </a:r>
-            <a:endParaRPr lang="en-US">
-              <a:latin typeface="Calibri" panose="020F0502020204030204" charset="0"/>
-              <a:cs typeface="Calibri" panose="020F0502020204030204" charset="0"/>
-            </a:endParaRPr>
-          </a:p>
-          <a:p>
-            <a:pPr marL="0" indent="457200">
-              <a:buNone/>
-            </a:pPr>
-            <a:r>
-              <a:rPr lang="en-US">
-                <a:latin typeface="Calibri" panose="020F0502020204030204" charset="0"/>
-                <a:cs typeface="Calibri" panose="020F0502020204030204" charset="0"/>
-              </a:rPr>
-              <a:t>Dễ hiểu</a:t>
-            </a:r>
-            <a:endParaRPr lang="en-US">
-              <a:latin typeface="Calibri" panose="020F0502020204030204" charset="0"/>
-              <a:cs typeface="Calibri" panose="020F0502020204030204" charset="0"/>
-            </a:endParaRPr>
-          </a:p>
-          <a:p>
-            <a:pPr marL="0" indent="457200">
-              <a:buNone/>
-            </a:pPr>
-            <a:r>
-              <a:rPr lang="en-US">
-                <a:latin typeface="Calibri" panose="020F0502020204030204" charset="0"/>
-                <a:cs typeface="Calibri" panose="020F0502020204030204" charset="0"/>
-              </a:rPr>
-              <a:t>Dùng được cho cả phân loại và hồi quy</a:t>
-            </a:r>
-            <a:endParaRPr lang="en-US">
-              <a:latin typeface="Calibri" panose="020F0502020204030204" charset="0"/>
-              <a:cs typeface="Calibri" panose="020F0502020204030204" charset="0"/>
-            </a:endParaRPr>
-          </a:p>
-          <a:p>
-            <a:pPr marL="0" indent="457200">
-              <a:buNone/>
-            </a:pPr>
-            <a:endParaRPr lang="en-US">
-              <a:latin typeface="Calibri" panose="020F0502020204030204" charset="0"/>
-              <a:cs typeface="Calibri" panose="020F0502020204030204" charset="0"/>
-            </a:endParaRPr>
-          </a:p>
-          <a:p>
-            <a:pPr marL="0" indent="0">
-              <a:buNone/>
-            </a:pPr>
-            <a:r>
-              <a:rPr lang="en-US">
-                <a:latin typeface="Calibri" panose="020F0502020204030204" charset="0"/>
-                <a:cs typeface="Calibri" panose="020F0502020204030204" charset="0"/>
-              </a:rPr>
-              <a:t>Nhược điểm:</a:t>
-            </a:r>
-            <a:endParaRPr lang="en-US">
-              <a:latin typeface="Calibri" panose="020F0502020204030204" charset="0"/>
-              <a:cs typeface="Calibri" panose="020F0502020204030204" charset="0"/>
-            </a:endParaRPr>
-          </a:p>
-          <a:p>
-            <a:pPr marL="0" indent="457200">
-              <a:buNone/>
-            </a:pPr>
-            <a:r>
-              <a:rPr lang="en-US">
-                <a:latin typeface="Calibri" panose="020F0502020204030204" charset="0"/>
-                <a:cs typeface="Calibri" panose="020F0502020204030204" charset="0"/>
-              </a:rPr>
-              <a:t>Dễ bị overfitting</a:t>
-            </a:r>
-            <a:endParaRPr lang="en-US">
-              <a:latin typeface="Calibri" panose="020F0502020204030204" charset="0"/>
-              <a:cs typeface="Calibri" panose="020F0502020204030204" charset="0"/>
-            </a:endParaRPr>
-          </a:p>
-          <a:p>
-            <a:pPr marL="0" indent="457200">
-              <a:buNone/>
-            </a:pPr>
-            <a:r>
-              <a:rPr lang="en-US">
-                <a:latin typeface="Calibri" panose="020F0502020204030204" charset="0"/>
-                <a:cs typeface="Calibri" panose="020F0502020204030204" charset="0"/>
-              </a:rPr>
-              <a:t>Nhạy cảm với nhiễu</a:t>
-            </a:r>
-            <a:endParaRPr lang="en-US">
-              <a:latin typeface="Calibri" panose="020F0502020204030204" charset="0"/>
-              <a:cs typeface="Calibri" panose="020F0502020204030204" charset="0"/>
-            </a:endParaRPr>
-          </a:p>
-          <a:p>
-            <a:pPr marL="0" indent="457200">
-              <a:buNone/>
-            </a:pPr>
-            <a:r>
-              <a:rPr lang="en-US">
-                <a:latin typeface="Calibri" panose="020F0502020204030204" charset="0"/>
-                <a:cs typeface="Calibri" panose="020F0502020204030204" charset="0"/>
-              </a:rPr>
-              <a:t>Không đảm bảo xây dựng được cây tối ưu</a:t>
-            </a:r>
-            <a:endParaRPr lang="en-US">
-              <a:latin typeface="Calibri" panose="020F0502020204030204" charset="0"/>
-              <a:cs typeface="Calibri" panose="020F0502020204030204" charset="0"/>
-            </a:endParaRPr>
-          </a:p>
-          <a:p>
-            <a:pPr marL="0" indent="457200">
-              <a:buNone/>
-            </a:pPr>
-            <a:endParaRPr lang="en-US">
-              <a:latin typeface="Calibri" panose="020F0502020204030204" charset="0"/>
-              <a:cs typeface="Calibri" panose="020F0502020204030204" charset="0"/>
-            </a:endParaRPr>
-          </a:p>
-        </p:txBody>
-      </p:sp>
-    </p:spTree>
-  </p:cSld>
-  <p:clrMapOvr>
-    <a:masterClrMapping/>
-  </p:clrMapOvr>
-</p:sld>
-</file>
-
-<file path=ppt/slides/slide32.xml><?xml version="1.0" encoding="utf-8"?>
-<p:sld xmlns:a="http://schemas.openxmlformats.org/drawingml/2006/main" xmlns:r="http://schemas.openxmlformats.org/officeDocument/2006/relationships" xmlns:p="http://schemas.openxmlformats.org/presentationml/2006/main">
-  <p:cSld>
-    <p:spTree>
-      <p:nvGrpSpPr>
-        <p:cNvPr id="1" name=""/>
-        <p:cNvGrpSpPr/>
-        <p:nvPr/>
-      </p:nvGrpSpPr>
-      <p:grpSpPr/>
-      <p:sp>
-        <p:nvSpPr>
-          <p:cNvPr id="2" name="Title 1"/>
-          <p:cNvSpPr>
-            <a:spLocks noGrp="1"/>
-          </p:cNvSpPr>
-          <p:nvPr>
-            <p:ph type="title"/>
-          </p:nvPr>
-        </p:nvSpPr>
-        <p:spPr/>
-        <p:txBody>
-          <a:bodyPr/>
-          <a:p>
-            <a:r>
-              <a:rPr lang="en-US" sz="4400" b="1"/>
-              <a:t>Pruning</a:t>
-            </a:r>
-            <a:endParaRPr lang="en-US" sz="4400" b="1"/>
-          </a:p>
-        </p:txBody>
-      </p:sp>
-      <p:sp>
-        <p:nvSpPr>
-          <p:cNvPr id="3" name="Content Placeholder 2"/>
-          <p:cNvSpPr>
-            <a:spLocks noGrp="1"/>
-          </p:cNvSpPr>
-          <p:nvPr>
-            <p:ph idx="1"/>
-          </p:nvPr>
-        </p:nvSpPr>
-        <p:spPr/>
-        <p:txBody>
-          <a:bodyPr/>
-          <a:p>
-            <a:pPr marL="0" indent="0">
-              <a:buNone/>
-            </a:pPr>
-            <a:r>
-              <a:rPr lang="en-US">
-                <a:latin typeface="Calibri" panose="020F0502020204030204" charset="0"/>
-                <a:cs typeface="Calibri" panose="020F0502020204030204" charset="0"/>
-              </a:rPr>
-              <a:t>Pre-pruning: tỉa cây trước khi cây mọc đầy đủ</a:t>
-            </a:r>
-            <a:endParaRPr lang="en-US">
-              <a:latin typeface="Calibri" panose="020F0502020204030204" charset="0"/>
-              <a:cs typeface="Calibri" panose="020F0502020204030204" charset="0"/>
-            </a:endParaRPr>
-          </a:p>
-          <a:p>
-            <a:pPr marL="0" indent="0">
-              <a:buNone/>
-            </a:pPr>
-            <a:endParaRPr lang="en-US">
-              <a:latin typeface="Calibri" panose="020F0502020204030204" charset="0"/>
-              <a:cs typeface="Calibri" panose="020F0502020204030204" charset="0"/>
-            </a:endParaRPr>
-          </a:p>
-          <a:p>
-            <a:pPr marL="0" indent="0">
-              <a:buNone/>
-            </a:pPr>
-            <a:r>
-              <a:rPr lang="en-US">
-                <a:latin typeface="Calibri" panose="020F0502020204030204" charset="0"/>
-                <a:cs typeface="Calibri" panose="020F0502020204030204" charset="0"/>
-              </a:rPr>
-              <a:t>Đặt thêm điều kiện dừng:</a:t>
-            </a:r>
-            <a:endParaRPr lang="en-US">
-              <a:latin typeface="Calibri" panose="020F0502020204030204" charset="0"/>
-              <a:cs typeface="Calibri" panose="020F0502020204030204" charset="0"/>
-            </a:endParaRPr>
-          </a:p>
-          <a:p>
-            <a:pPr marL="0" indent="457200">
-              <a:buNone/>
-            </a:pPr>
-            <a:r>
-              <a:rPr lang="en-US">
-                <a:latin typeface="Calibri" panose="020F0502020204030204" charset="0"/>
-                <a:cs typeface="Calibri" panose="020F0502020204030204" charset="0"/>
-              </a:rPr>
-              <a:t>Độ sâu tối đa của cây</a:t>
-            </a:r>
-            <a:endParaRPr lang="en-US">
-              <a:latin typeface="Calibri" panose="020F0502020204030204" charset="0"/>
-              <a:cs typeface="Calibri" panose="020F0502020204030204" charset="0"/>
-            </a:endParaRPr>
-          </a:p>
-          <a:p>
-            <a:pPr marL="0" indent="457200">
-              <a:buNone/>
-            </a:pPr>
-            <a:r>
-              <a:rPr lang="en-US">
-                <a:latin typeface="Calibri" panose="020F0502020204030204" charset="0"/>
-                <a:cs typeface="Calibri" panose="020F0502020204030204" charset="0"/>
-              </a:rPr>
-              <a:t>Node có số lượng mẫu nhỏ hơn 1 ngưỡng nào đó</a:t>
-            </a:r>
-            <a:endParaRPr lang="en-US">
-              <a:latin typeface="Calibri" panose="020F0502020204030204" charset="0"/>
-              <a:cs typeface="Calibri" panose="020F0502020204030204" charset="0"/>
-            </a:endParaRPr>
-          </a:p>
-          <a:p>
-            <a:pPr marL="0" indent="457200">
-              <a:buNone/>
-            </a:pPr>
-            <a:r>
-              <a:rPr lang="en-US">
-                <a:latin typeface="Calibri" panose="020F0502020204030204" charset="0"/>
-                <a:cs typeface="Calibri" panose="020F0502020204030204" charset="0"/>
-              </a:rPr>
-              <a:t>Tổng số leaf node vượt quá 1 ngưỡng nào đó</a:t>
-            </a:r>
-            <a:endParaRPr lang="en-US">
-              <a:latin typeface="Calibri" panose="020F0502020204030204" charset="0"/>
-              <a:cs typeface="Calibri" panose="020F0502020204030204" charset="0"/>
-            </a:endParaRPr>
-          </a:p>
-          <a:p>
-            <a:pPr marL="0" indent="457200">
-              <a:buNone/>
-            </a:pPr>
-            <a:r>
-              <a:rPr lang="en-US">
-                <a:latin typeface="Calibri" panose="020F0502020204030204" charset="0"/>
-                <a:cs typeface="Calibri" panose="020F0502020204030204" charset="0"/>
-              </a:rPr>
-              <a:t>Impurity không giảm quá nhiều sau khi chia node</a:t>
-            </a:r>
-            <a:endParaRPr lang="en-US">
-              <a:latin typeface="Calibri" panose="020F0502020204030204" charset="0"/>
-              <a:cs typeface="Calibri" panose="020F0502020204030204" charset="0"/>
-            </a:endParaRPr>
-          </a:p>
-        </p:txBody>
-      </p:sp>
-    </p:spTree>
-  </p:cSld>
-  <p:clrMapOvr>
-    <a:masterClrMapping/>
-  </p:clrMapOvr>
-</p:sld>
-</file>
-
 <file path=ppt/slides/slide33.xml><?xml version="1.0" encoding="utf-8"?>
 <p:sld xmlns:a="http://schemas.openxmlformats.org/drawingml/2006/main" xmlns:r="http://schemas.openxmlformats.org/officeDocument/2006/relationships" xmlns:p="http://schemas.openxmlformats.org/presentationml/2006/main">
   <p:cSld>
@@ -12612,6 +13299,351 @@
           <a:p>
             <a:r>
               <a:rPr lang="en-US" sz="4400" b="1"/>
+              <a:t>Ưu nhược điểm</a:t>
+            </a:r>
+            <a:endParaRPr lang="en-US" sz="4400" b="1"/>
+          </a:p>
+        </p:txBody>
+      </p:sp>
+      <p:sp>
+        <p:nvSpPr>
+          <p:cNvPr id="3" name="Content Placeholder 2"/>
+          <p:cNvSpPr>
+            <a:spLocks noGrp="1"/>
+          </p:cNvSpPr>
+          <p:nvPr>
+            <p:ph idx="1"/>
+          </p:nvPr>
+        </p:nvSpPr>
+        <p:spPr/>
+        <p:txBody>
+          <a:bodyPr/>
+          <a:p>
+            <a:pPr marL="0" indent="0">
+              <a:buNone/>
+            </a:pPr>
+            <a:r>
+              <a:rPr lang="en-US">
+                <a:latin typeface="Calibri" panose="020F0502020204030204" charset="0"/>
+                <a:cs typeface="Calibri" panose="020F0502020204030204" charset="0"/>
+              </a:rPr>
+              <a:t>Ưu điểm:</a:t>
+            </a:r>
+            <a:endParaRPr lang="en-US">
+              <a:latin typeface="Calibri" panose="020F0502020204030204" charset="0"/>
+              <a:cs typeface="Calibri" panose="020F0502020204030204" charset="0"/>
+            </a:endParaRPr>
+          </a:p>
+          <a:p>
+            <a:pPr marL="0" indent="457200">
+              <a:buNone/>
+            </a:pPr>
+            <a:r>
+              <a:rPr lang="en-US">
+                <a:latin typeface="Calibri" panose="020F0502020204030204" charset="0"/>
+                <a:cs typeface="Calibri" panose="020F0502020204030204" charset="0"/>
+              </a:rPr>
+              <a:t>Dễ hiểu</a:t>
+            </a:r>
+            <a:endParaRPr lang="en-US">
+              <a:latin typeface="Calibri" panose="020F0502020204030204" charset="0"/>
+              <a:cs typeface="Calibri" panose="020F0502020204030204" charset="0"/>
+            </a:endParaRPr>
+          </a:p>
+          <a:p>
+            <a:pPr marL="0" indent="457200">
+              <a:buNone/>
+            </a:pPr>
+            <a:r>
+              <a:rPr lang="en-US">
+                <a:latin typeface="Calibri" panose="020F0502020204030204" charset="0"/>
+                <a:cs typeface="Calibri" panose="020F0502020204030204" charset="0"/>
+              </a:rPr>
+              <a:t>Dùng được cho cả phân loại và hồi quy</a:t>
+            </a:r>
+            <a:endParaRPr lang="en-US">
+              <a:latin typeface="Calibri" panose="020F0502020204030204" charset="0"/>
+              <a:cs typeface="Calibri" panose="020F0502020204030204" charset="0"/>
+            </a:endParaRPr>
+          </a:p>
+          <a:p>
+            <a:pPr marL="0" indent="457200">
+              <a:buNone/>
+            </a:pPr>
+            <a:endParaRPr lang="en-US">
+              <a:latin typeface="Calibri" panose="020F0502020204030204" charset="0"/>
+              <a:cs typeface="Calibri" panose="020F0502020204030204" charset="0"/>
+            </a:endParaRPr>
+          </a:p>
+          <a:p>
+            <a:pPr marL="0" indent="0">
+              <a:buNone/>
+            </a:pPr>
+            <a:r>
+              <a:rPr lang="en-US">
+                <a:latin typeface="Calibri" panose="020F0502020204030204" charset="0"/>
+                <a:cs typeface="Calibri" panose="020F0502020204030204" charset="0"/>
+              </a:rPr>
+              <a:t>Nhược điểm:</a:t>
+            </a:r>
+            <a:endParaRPr lang="en-US">
+              <a:latin typeface="Calibri" panose="020F0502020204030204" charset="0"/>
+              <a:cs typeface="Calibri" panose="020F0502020204030204" charset="0"/>
+            </a:endParaRPr>
+          </a:p>
+          <a:p>
+            <a:pPr marL="0" indent="457200">
+              <a:buNone/>
+            </a:pPr>
+            <a:r>
+              <a:rPr lang="en-US">
+                <a:latin typeface="Calibri" panose="020F0502020204030204" charset="0"/>
+                <a:cs typeface="Calibri" panose="020F0502020204030204" charset="0"/>
+              </a:rPr>
+              <a:t>Dễ bị overfitting</a:t>
+            </a:r>
+            <a:endParaRPr lang="en-US">
+              <a:latin typeface="Calibri" panose="020F0502020204030204" charset="0"/>
+              <a:cs typeface="Calibri" panose="020F0502020204030204" charset="0"/>
+            </a:endParaRPr>
+          </a:p>
+          <a:p>
+            <a:pPr marL="0" indent="457200">
+              <a:buNone/>
+            </a:pPr>
+            <a:r>
+              <a:rPr lang="en-US">
+                <a:latin typeface="Calibri" panose="020F0502020204030204" charset="0"/>
+                <a:cs typeface="Calibri" panose="020F0502020204030204" charset="0"/>
+              </a:rPr>
+              <a:t>Nhạy cảm với nhiễu</a:t>
+            </a:r>
+            <a:endParaRPr lang="en-US">
+              <a:latin typeface="Calibri" panose="020F0502020204030204" charset="0"/>
+              <a:cs typeface="Calibri" panose="020F0502020204030204" charset="0"/>
+            </a:endParaRPr>
+          </a:p>
+          <a:p>
+            <a:pPr marL="0" indent="457200">
+              <a:buNone/>
+            </a:pPr>
+            <a:r>
+              <a:rPr lang="en-US">
+                <a:latin typeface="Calibri" panose="020F0502020204030204" charset="0"/>
+                <a:cs typeface="Calibri" panose="020F0502020204030204" charset="0"/>
+              </a:rPr>
+              <a:t>Không đảm bảo xây dựng được cây tối ưu</a:t>
+            </a:r>
+            <a:endParaRPr lang="en-US">
+              <a:latin typeface="Calibri" panose="020F0502020204030204" charset="0"/>
+              <a:cs typeface="Calibri" panose="020F0502020204030204" charset="0"/>
+            </a:endParaRPr>
+          </a:p>
+          <a:p>
+            <a:pPr marL="0" indent="457200">
+              <a:buNone/>
+            </a:pPr>
+            <a:endParaRPr lang="en-US">
+              <a:latin typeface="Calibri" panose="020F0502020204030204" charset="0"/>
+              <a:cs typeface="Calibri" panose="020F0502020204030204" charset="0"/>
+            </a:endParaRPr>
+          </a:p>
+        </p:txBody>
+      </p:sp>
+    </p:spTree>
+  </p:cSld>
+  <p:clrMapOvr>
+    <a:masterClrMapping/>
+  </p:clrMapOvr>
+</p:sld>
+</file>
+
+<file path=ppt/slides/slide34.xml><?xml version="1.0" encoding="utf-8"?>
+<p:sld xmlns:a="http://schemas.openxmlformats.org/drawingml/2006/main" xmlns:r="http://schemas.openxmlformats.org/officeDocument/2006/relationships" xmlns:p="http://schemas.openxmlformats.org/presentationml/2006/main">
+  <p:cSld>
+    <p:spTree>
+      <p:nvGrpSpPr>
+        <p:cNvPr id="1" name=""/>
+        <p:cNvGrpSpPr/>
+        <p:nvPr/>
+      </p:nvGrpSpPr>
+      <p:grpSpPr/>
+      <p:sp>
+        <p:nvSpPr>
+          <p:cNvPr id="2" name="Title 1"/>
+          <p:cNvSpPr>
+            <a:spLocks noGrp="1"/>
+          </p:cNvSpPr>
+          <p:nvPr>
+            <p:ph type="title"/>
+          </p:nvPr>
+        </p:nvSpPr>
+        <p:spPr/>
+        <p:txBody>
+          <a:bodyPr/>
+          <a:p>
+            <a:r>
+              <a:rPr lang="en-US" sz="4400" b="1"/>
+              <a:t>Pruning</a:t>
+            </a:r>
+            <a:endParaRPr lang="en-US" sz="4400" b="1"/>
+          </a:p>
+        </p:txBody>
+      </p:sp>
+      <p:sp>
+        <p:nvSpPr>
+          <p:cNvPr id="3" name="Content Placeholder 2"/>
+          <p:cNvSpPr>
+            <a:spLocks noGrp="1"/>
+          </p:cNvSpPr>
+          <p:nvPr>
+            <p:ph idx="1"/>
+          </p:nvPr>
+        </p:nvSpPr>
+        <p:spPr/>
+        <p:txBody>
+          <a:bodyPr/>
+          <a:p>
+            <a:pPr marL="0" indent="0">
+              <a:buNone/>
+            </a:pPr>
+            <a:r>
+              <a:rPr lang="en-US">
+                <a:latin typeface="Calibri" panose="020F0502020204030204" charset="0"/>
+                <a:cs typeface="Calibri" panose="020F0502020204030204" charset="0"/>
+              </a:rPr>
+              <a:t>Pre-pruning: tỉa cây trước khi cây mọc đầy đủ</a:t>
+            </a:r>
+            <a:endParaRPr lang="en-US">
+              <a:latin typeface="Calibri" panose="020F0502020204030204" charset="0"/>
+              <a:cs typeface="Calibri" panose="020F0502020204030204" charset="0"/>
+            </a:endParaRPr>
+          </a:p>
+          <a:p>
+            <a:pPr marL="0" indent="0">
+              <a:buNone/>
+            </a:pPr>
+            <a:endParaRPr lang="en-US">
+              <a:latin typeface="Calibri" panose="020F0502020204030204" charset="0"/>
+              <a:cs typeface="Calibri" panose="020F0502020204030204" charset="0"/>
+            </a:endParaRPr>
+          </a:p>
+          <a:p>
+            <a:pPr marL="0" indent="0">
+              <a:buNone/>
+            </a:pPr>
+            <a:r>
+              <a:rPr lang="en-US">
+                <a:latin typeface="Calibri" panose="020F0502020204030204" charset="0"/>
+                <a:cs typeface="Calibri" panose="020F0502020204030204" charset="0"/>
+              </a:rPr>
+              <a:t>Đặt thêm điều kiện dừng:</a:t>
+            </a:r>
+            <a:endParaRPr lang="en-US">
+              <a:latin typeface="Calibri" panose="020F0502020204030204" charset="0"/>
+              <a:cs typeface="Calibri" panose="020F0502020204030204" charset="0"/>
+            </a:endParaRPr>
+          </a:p>
+          <a:p>
+            <a:pPr marL="0" indent="457200">
+              <a:buNone/>
+            </a:pPr>
+            <a:r>
+              <a:rPr lang="en-US">
+                <a:latin typeface="Calibri" panose="020F0502020204030204" charset="0"/>
+                <a:cs typeface="Calibri" panose="020F0502020204030204" charset="0"/>
+              </a:rPr>
+              <a:t>Độ sâu tối đa của cây</a:t>
+            </a:r>
+            <a:endParaRPr lang="en-US">
+              <a:latin typeface="Calibri" panose="020F0502020204030204" charset="0"/>
+              <a:cs typeface="Calibri" panose="020F0502020204030204" charset="0"/>
+            </a:endParaRPr>
+          </a:p>
+          <a:p>
+            <a:pPr marL="0" indent="457200">
+              <a:buNone/>
+            </a:pPr>
+            <a:r>
+              <a:rPr lang="en-US">
+                <a:latin typeface="Calibri" panose="020F0502020204030204" charset="0"/>
+                <a:cs typeface="Calibri" panose="020F0502020204030204" charset="0"/>
+              </a:rPr>
+              <a:t>Node có số lượng mẫu nhỏ hơn 1 ngưỡng nào đó</a:t>
+            </a:r>
+            <a:endParaRPr lang="en-US">
+              <a:latin typeface="Calibri" panose="020F0502020204030204" charset="0"/>
+              <a:cs typeface="Calibri" panose="020F0502020204030204" charset="0"/>
+            </a:endParaRPr>
+          </a:p>
+          <a:p>
+            <a:pPr marL="0" indent="457200">
+              <a:buNone/>
+            </a:pPr>
+            <a:r>
+              <a:rPr lang="en-US">
+                <a:latin typeface="Calibri" panose="020F0502020204030204" charset="0"/>
+                <a:cs typeface="Calibri" panose="020F0502020204030204" charset="0"/>
+              </a:rPr>
+              <a:t>Tổng số leaf node vượt quá 1 ngưỡng nào đó</a:t>
+            </a:r>
+            <a:endParaRPr lang="en-US">
+              <a:latin typeface="Calibri" panose="020F0502020204030204" charset="0"/>
+              <a:cs typeface="Calibri" panose="020F0502020204030204" charset="0"/>
+            </a:endParaRPr>
+          </a:p>
+          <a:p>
+            <a:pPr marL="0" indent="457200">
+              <a:buNone/>
+            </a:pPr>
+            <a:r>
+              <a:rPr lang="en-US">
+                <a:latin typeface="Calibri" panose="020F0502020204030204" charset="0"/>
+                <a:cs typeface="Calibri" panose="020F0502020204030204" charset="0"/>
+              </a:rPr>
+              <a:t>Impurity không giảm quá nhiều sau khi chia node</a:t>
+            </a:r>
+            <a:endParaRPr lang="en-US">
+              <a:latin typeface="Calibri" panose="020F0502020204030204" charset="0"/>
+              <a:cs typeface="Calibri" panose="020F0502020204030204" charset="0"/>
+            </a:endParaRPr>
+          </a:p>
+        </p:txBody>
+      </p:sp>
+    </p:spTree>
+  </p:cSld>
+  <p:clrMapOvr>
+    <a:masterClrMapping/>
+  </p:clrMapOvr>
+</p:sld>
+</file>
+
+<file path=ppt/slides/slide35.xml><?xml version="1.0" encoding="utf-8"?>
+<p:sld xmlns:a="http://schemas.openxmlformats.org/drawingml/2006/main" xmlns:r="http://schemas.openxmlformats.org/officeDocument/2006/relationships" xmlns:p="http://schemas.openxmlformats.org/presentationml/2006/main">
+  <p:cSld>
+    <p:spTree>
+      <p:nvGrpSpPr>
+        <p:cNvPr id="1" name=""/>
+        <p:cNvGrpSpPr/>
+        <p:nvPr/>
+      </p:nvGrpSpPr>
+      <p:grpSpPr/>
+      <p:sp>
+        <p:nvSpPr>
+          <p:cNvPr id="2" name="Title 1"/>
+          <p:cNvSpPr>
+            <a:spLocks noGrp="1"/>
+          </p:cNvSpPr>
+          <p:nvPr>
+            <p:ph type="title"/>
+          </p:nvPr>
+        </p:nvSpPr>
+        <p:spPr/>
+        <p:txBody>
+          <a:bodyPr/>
+          <a:p>
+            <a:r>
+              <a:rPr lang="en-US" sz="4400" b="1"/>
               <a:t>Pruning</a:t>
             </a:r>
             <a:endParaRPr lang="en-US" sz="4400" b="1"/>
@@ -12689,7 +13721,7 @@
         </p:blipFill>
         <p:spPr>
           <a:xfrm>
-            <a:off x="155575" y="2228850"/>
+            <a:off x="438785" y="2228850"/>
             <a:ext cx="5384800" cy="3285490"/>
           </a:xfrm>
           <a:prstGeom prst="rect">
@@ -12713,7 +13745,7 @@
         </p:blipFill>
         <p:spPr>
           <a:xfrm>
-            <a:off x="7182485" y="2228850"/>
+            <a:off x="6989445" y="2228850"/>
             <a:ext cx="4462108" cy="3282696"/>
           </a:xfrm>
           <a:prstGeom prst="rect">
@@ -12791,7 +13823,7 @@
 </p:sld>
 </file>
 
-<file path=ppt/slides/slide34.xml><?xml version="1.0" encoding="utf-8"?>
+<file path=ppt/slides/slide36.xml><?xml version="1.0" encoding="utf-8"?>
 <p:sld xmlns:a="http://schemas.openxmlformats.org/drawingml/2006/main" xmlns:r="http://schemas.openxmlformats.org/officeDocument/2006/relationships" xmlns:p="http://schemas.openxmlformats.org/presentationml/2006/main">
   <p:cSld>
     <p:spTree>
@@ -12850,7 +13882,7 @@
                 <a:latin typeface="Calibri" panose="020F0502020204030204" charset="0"/>
                 <a:cs typeface="Calibri" panose="020F0502020204030204" charset="0"/>
               </a:rPr>
-              <a:t>Machine learning, data mining, ...</a:t>
+              <a:t>Machine learning, data mining, medical diagnosis, credit risk analysis...</a:t>
             </a:r>
             <a:endParaRPr lang="en-US">
               <a:latin typeface="Calibri" panose="020F0502020204030204" charset="0"/>
@@ -12917,7 +13949,7 @@
 </p:sld>
 </file>
 
-<file path=ppt/slides/slide35.xml><?xml version="1.0" encoding="utf-8"?>
+<file path=ppt/slides/slide37.xml><?xml version="1.0" encoding="utf-8"?>
 <p:sld xmlns:a="http://schemas.openxmlformats.org/drawingml/2006/main" xmlns:r="http://schemas.openxmlformats.org/officeDocument/2006/relationships" xmlns:p="http://schemas.openxmlformats.org/presentationml/2006/main">
   <p:cSld>
     <p:spTree>
@@ -13026,8 +14058,17 @@
                 <a:latin typeface="Calibri" panose="020F0502020204030204" charset="0"/>
                 <a:cs typeface="Calibri" panose="020F0502020204030204" charset="0"/>
               </a:rPr>
-              <a:t>1. Tạo cây với root node S chứa toàn bộ dataset X</a:t>
+              <a:t>Cây được thiết lập từ trên xuống dưới</a:t>
             </a:r>
+            <a:endParaRPr lang="en-US" sz="2900">
+              <a:latin typeface="Calibri" panose="020F0502020204030204" charset="0"/>
+              <a:cs typeface="Calibri" panose="020F0502020204030204" charset="0"/>
+            </a:endParaRPr>
+          </a:p>
+          <a:p>
+            <a:pPr marL="0" indent="0">
+              <a:buNone/>
+            </a:pPr>
             <a:endParaRPr lang="en-US" sz="2900">
               <a:latin typeface="Calibri" panose="020F0502020204030204" charset="0"/>
               <a:cs typeface="Calibri" panose="020F0502020204030204" charset="0"/>
@@ -13042,8 +14083,17 @@
                 <a:latin typeface="Calibri" panose="020F0502020204030204" charset="0"/>
                 <a:cs typeface="Calibri" panose="020F0502020204030204" charset="0"/>
               </a:rPr>
-              <a:t>2. Nếu gặp 1 trong các điều kiện sau thì đặt S là node lá:</a:t>
+              <a:t>Các mẫu huấn luyện nằm ở gốc của cây</a:t>
             </a:r>
+            <a:endParaRPr lang="en-US" sz="2900">
+              <a:latin typeface="Calibri" panose="020F0502020204030204" charset="0"/>
+              <a:cs typeface="Calibri" panose="020F0502020204030204" charset="0"/>
+            </a:endParaRPr>
+          </a:p>
+          <a:p>
+            <a:pPr marL="0" indent="0">
+              <a:buNone/>
+            </a:pPr>
             <a:endParaRPr lang="en-US" sz="2900">
               <a:latin typeface="Calibri" panose="020F0502020204030204" charset="0"/>
               <a:cs typeface="Calibri" panose="020F0502020204030204" charset="0"/>
@@ -13058,8 +14108,17 @@
                 <a:latin typeface="Calibri" panose="020F0502020204030204" charset="0"/>
                 <a:cs typeface="Calibri" panose="020F0502020204030204" charset="0"/>
               </a:rPr>
-              <a:t>	Cây đã phân loại hoàn toàn</a:t>
+              <a:t>Chọn một thuộc tính để chia thành các nhánh</a:t>
             </a:r>
+            <a:endParaRPr lang="en-US" sz="2900">
+              <a:latin typeface="Calibri" panose="020F0502020204030204" charset="0"/>
+              <a:cs typeface="Calibri" panose="020F0502020204030204" charset="0"/>
+            </a:endParaRPr>
+          </a:p>
+          <a:p>
+            <a:pPr marL="0" indent="0">
+              <a:buNone/>
+            </a:pPr>
             <a:endParaRPr lang="en-US" sz="2900">
               <a:latin typeface="Calibri" panose="020F0502020204030204" charset="0"/>
               <a:cs typeface="Calibri" panose="020F0502020204030204" charset="0"/>
@@ -13074,55 +14133,7 @@
                 <a:latin typeface="Calibri" panose="020F0502020204030204" charset="0"/>
                 <a:cs typeface="Calibri" panose="020F0502020204030204" charset="0"/>
               </a:rPr>
-              <a:t>	Không còn thuộc tính nào để chọn</a:t>
-            </a:r>
-            <a:endParaRPr lang="en-US" sz="2900">
-              <a:latin typeface="Calibri" panose="020F0502020204030204" charset="0"/>
-              <a:cs typeface="Calibri" panose="020F0502020204030204" charset="0"/>
-            </a:endParaRPr>
-          </a:p>
-          <a:p>
-            <a:pPr marL="0" indent="0">
-              <a:buNone/>
-            </a:pPr>
-            <a:r>
-              <a:rPr lang="en-US" sz="2900">
-                <a:latin typeface="Calibri" panose="020F0502020204030204" charset="0"/>
-                <a:cs typeface="Calibri" panose="020F0502020204030204" charset="0"/>
-              </a:rPr>
-              <a:t>3. Chọn thuộc tính để tách node</a:t>
-            </a:r>
-            <a:endParaRPr lang="en-US" sz="2900">
-              <a:latin typeface="Calibri" panose="020F0502020204030204" charset="0"/>
-              <a:cs typeface="Calibri" panose="020F0502020204030204" charset="0"/>
-            </a:endParaRPr>
-          </a:p>
-          <a:p>
-            <a:pPr marL="0" indent="0">
-              <a:buNone/>
-            </a:pPr>
-            <a:r>
-              <a:rPr lang="en-US" sz="2900">
-                <a:latin typeface="Calibri" panose="020F0502020204030204" charset="0"/>
-                <a:cs typeface="Calibri" panose="020F0502020204030204" charset="0"/>
-              </a:rPr>
-              <a:t>4. Ứng với mỗi giá trị của thuộc tính được chọn ở bước 3:</a:t>
-            </a:r>
-            <a:endParaRPr lang="en-US" sz="2900">
-              <a:latin typeface="Calibri" panose="020F0502020204030204" charset="0"/>
-              <a:cs typeface="Calibri" panose="020F0502020204030204" charset="0"/>
-            </a:endParaRPr>
-          </a:p>
-          <a:p>
-            <a:pPr marL="0" indent="0">
-              <a:buNone/>
-            </a:pPr>
-            <a:r>
-              <a:rPr lang="en-US" sz="2900">
-                <a:latin typeface="Calibri" panose="020F0502020204030204" charset="0"/>
-                <a:cs typeface="Calibri" panose="020F0502020204030204" charset="0"/>
-              </a:rPr>
-              <a:t>	Chia nhỏ dataset </a:t>
+              <a:t>Lặp lại việc xây dựng cây quyết định cho các nhánh cho tới khi:</a:t>
             </a:r>
             <a:endParaRPr lang="en-US" sz="2900">
               <a:latin typeface="Calibri" panose="020F0502020204030204" charset="0"/>
@@ -13137,9 +14148,54 @@
               <a:rPr lang="en-US" sz="2900">
                 <a:latin typeface="Calibri" panose="020F0502020204030204" charset="0"/>
                 <a:cs typeface="Calibri" panose="020F0502020204030204" charset="0"/>
+                <a:sym typeface="+mn-ea"/>
               </a:rPr>
-              <a:t>Quay lại bước 1 với root node và dataset vừa tìm được </a:t>
+              <a:t>Các </a:t>
             </a:r>
+            <a:r>
+              <a:rPr lang="en-US" sz="2900">
+                <a:latin typeface="Calibri" panose="020F0502020204030204" charset="0"/>
+                <a:cs typeface="Calibri" panose="020F0502020204030204" charset="0"/>
+                <a:sym typeface="+mn-ea"/>
+              </a:rPr>
+              <a:t>mẫu huấn luyện</a:t>
+            </a:r>
+            <a:r>
+              <a:rPr lang="en-US" sz="2900">
+                <a:latin typeface="Calibri" panose="020F0502020204030204" charset="0"/>
+                <a:cs typeface="Calibri" panose="020F0502020204030204" charset="0"/>
+                <a:sym typeface="+mn-ea"/>
+              </a:rPr>
+              <a:t> thuộc cùng 1 lớp</a:t>
+            </a:r>
+            <a:endParaRPr lang="en-US" sz="2900">
+              <a:latin typeface="Calibri" panose="020F0502020204030204" charset="0"/>
+              <a:cs typeface="Calibri" panose="020F0502020204030204" charset="0"/>
+              <a:sym typeface="+mn-ea"/>
+            </a:endParaRPr>
+          </a:p>
+          <a:p>
+            <a:pPr marL="457200" lvl="1" indent="457200">
+              <a:buNone/>
+            </a:pPr>
+            <a:r>
+              <a:rPr lang="en-US" sz="2900">
+                <a:latin typeface="Calibri" panose="020F0502020204030204" charset="0"/>
+                <a:cs typeface="Calibri" panose="020F0502020204030204" charset="0"/>
+                <a:sym typeface="+mn-ea"/>
+              </a:rPr>
+              <a:t>Không còn thuộc tính nào để chọn</a:t>
+            </a:r>
+            <a:endParaRPr lang="en-US" sz="2900">
+              <a:latin typeface="Calibri" panose="020F0502020204030204" charset="0"/>
+              <a:cs typeface="Calibri" panose="020F0502020204030204" charset="0"/>
+              <a:sym typeface="+mn-ea"/>
+            </a:endParaRPr>
+          </a:p>
+          <a:p>
+            <a:pPr marL="0" indent="457200">
+              <a:buNone/>
+            </a:pPr>
             <a:endParaRPr lang="en-US" sz="2900">
               <a:latin typeface="Calibri" panose="020F0502020204030204" charset="0"/>
               <a:cs typeface="Calibri" panose="020F0502020204030204" charset="0"/>
@@ -13215,8 +14271,17 @@
                 <a:cs typeface="Calibri" panose="020F0502020204030204" charset="0"/>
                 <a:sym typeface="+mn-ea"/>
               </a:rPr>
-              <a:t>1. Tạo cây với root node S chứa toàn bộ dataset X</a:t>
+              <a:t>Cây được thiết lập từ trên xuống dưới</a:t>
             </a:r>
+            <a:endParaRPr lang="en-US" sz="2900">
+              <a:latin typeface="Calibri" panose="020F0502020204030204" charset="0"/>
+              <a:cs typeface="Calibri" panose="020F0502020204030204" charset="0"/>
+            </a:endParaRPr>
+          </a:p>
+          <a:p>
+            <a:pPr marL="0" indent="0">
+              <a:buNone/>
+            </a:pPr>
             <a:endParaRPr lang="en-US" sz="2900">
               <a:latin typeface="Calibri" panose="020F0502020204030204" charset="0"/>
               <a:cs typeface="Calibri" panose="020F0502020204030204" charset="0"/>
@@ -13232,23 +14297,7 @@
                 <a:cs typeface="Calibri" panose="020F0502020204030204" charset="0"/>
                 <a:sym typeface="+mn-ea"/>
               </a:rPr>
-              <a:t>2. Nếu gặp 1 trong các điều kiện </a:t>
-            </a:r>
-            <a:r>
-              <a:rPr lang="en-US" sz="2900">
-                <a:latin typeface="Calibri" panose="020F0502020204030204" charset="0"/>
-                <a:cs typeface="Calibri" panose="020F0502020204030204" charset="0"/>
-                <a:sym typeface="+mn-ea"/>
-              </a:rPr>
-              <a:t>sau thì đặt S là node lá</a:t>
-            </a:r>
-            <a:r>
-              <a:rPr lang="en-US" sz="2900">
-                <a:latin typeface="Calibri" panose="020F0502020204030204" charset="0"/>
-                <a:cs typeface="Calibri" panose="020F0502020204030204" charset="0"/>
-                <a:sym typeface="+mn-ea"/>
-              </a:rPr>
-              <a:t>:</a:t>
+              <a:t>Các mẫu huấn luyện nằm ở gốc của cây</a:t>
             </a:r>
             <a:endParaRPr lang="en-US" sz="2900">
               <a:latin typeface="Calibri" panose="020F0502020204030204" charset="0"/>
@@ -13259,35 +14308,9 @@
             <a:pPr marL="0" indent="0">
               <a:buNone/>
             </a:pPr>
-            <a:r>
-              <a:rPr lang="en-US" sz="2900">
-                <a:latin typeface="Calibri" panose="020F0502020204030204" charset="0"/>
-                <a:cs typeface="Calibri" panose="020F0502020204030204" charset="0"/>
-                <a:sym typeface="+mn-ea"/>
-              </a:rPr>
-              <a:t>	Cây đã phân loại hoàn toàn</a:t>
-            </a:r>
             <a:endParaRPr lang="en-US" sz="2900">
               <a:latin typeface="Calibri" panose="020F0502020204030204" charset="0"/>
               <a:cs typeface="Calibri" panose="020F0502020204030204" charset="0"/>
-            </a:endParaRPr>
-          </a:p>
-          <a:p>
-            <a:pPr marL="0" indent="0">
-              <a:buNone/>
-            </a:pPr>
-            <a:r>
-              <a:rPr lang="en-US" sz="2900">
-                <a:latin typeface="Calibri" panose="020F0502020204030204" charset="0"/>
-                <a:cs typeface="Calibri" panose="020F0502020204030204" charset="0"/>
-                <a:sym typeface="+mn-ea"/>
-              </a:rPr>
-              <a:t>	Không còn thuộc tính nào để chọn</a:t>
-            </a:r>
-            <a:endParaRPr lang="en-US" sz="2900">
-              <a:latin typeface="Calibri" panose="020F0502020204030204" charset="0"/>
-              <a:cs typeface="Calibri" panose="020F0502020204030204" charset="0"/>
-              <a:sym typeface="+mn-ea"/>
             </a:endParaRPr>
           </a:p>
           <a:p>
@@ -13303,7 +14326,7 @@
                 <a:cs typeface="Calibri" panose="020F0502020204030204" charset="0"/>
                 <a:sym typeface="+mn-ea"/>
               </a:rPr>
-              <a:t>3. </a:t>
+              <a:t>Chọn một thuộc tính để chia thành các nhánh </a:t>
             </a:r>
             <a:r>
               <a:rPr lang="en-US" sz="2900">
@@ -13314,18 +14337,7 @@
                 <a:cs typeface="Calibri" panose="020F0502020204030204" charset="0"/>
                 <a:sym typeface="+mn-ea"/>
               </a:rPr>
-              <a:t>Chọn thuộc tính để tách node</a:t>
-            </a:r>
-            <a:r>
-              <a:rPr lang="en-US" sz="2900">
-                <a:solidFill>
-                  <a:srgbClr val="FF0000"/>
-                </a:solidFill>
-                <a:latin typeface="Calibri" panose="020F0502020204030204" charset="0"/>
-                <a:cs typeface="Calibri" panose="020F0502020204030204" charset="0"/>
-                <a:sym typeface="+mn-ea"/>
-              </a:rPr>
-              <a:t> ← </a:t>
+              <a:t>← </a:t>
             </a:r>
             <a:r>
               <a:rPr lang="en-US" sz="2900" b="1">
@@ -13338,10 +14350,19 @@
               </a:rPr>
               <a:t>Chọn thế nào?</a:t>
             </a:r>
-            <a:endParaRPr lang="en-US" sz="2900" b="1">
+            <a:endParaRPr lang="en-US" sz="2900">
               <a:solidFill>
                 <a:srgbClr val="FF0000"/>
               </a:solidFill>
+              <a:latin typeface="Calibri" panose="020F0502020204030204" charset="0"/>
+              <a:cs typeface="Calibri" panose="020F0502020204030204" charset="0"/>
+            </a:endParaRPr>
+          </a:p>
+          <a:p>
+            <a:pPr marL="0" indent="0">
+              <a:buNone/>
+            </a:pPr>
+            <a:endParaRPr lang="en-US" sz="2900">
               <a:latin typeface="Calibri" panose="020F0502020204030204" charset="0"/>
               <a:cs typeface="Calibri" panose="020F0502020204030204" charset="0"/>
             </a:endParaRPr>
@@ -13356,24 +14377,7 @@
                 <a:cs typeface="Calibri" panose="020F0502020204030204" charset="0"/>
                 <a:sym typeface="+mn-ea"/>
               </a:rPr>
-              <a:t>4. Ứng với mỗi giá trị của thuộc tính được chọn ở bước 2:</a:t>
-            </a:r>
-            <a:endParaRPr lang="en-US" sz="2900">
-              <a:latin typeface="Calibri" panose="020F0502020204030204" charset="0"/>
-              <a:cs typeface="Calibri" panose="020F0502020204030204" charset="0"/>
-            </a:endParaRPr>
-          </a:p>
-          <a:p>
-            <a:pPr marL="0" indent="0">
-              <a:buNone/>
-            </a:pPr>
-            <a:r>
-              <a:rPr lang="en-US" sz="2900">
-                <a:latin typeface="Calibri" panose="020F0502020204030204" charset="0"/>
-                <a:cs typeface="Calibri" panose="020F0502020204030204" charset="0"/>
-                <a:sym typeface="+mn-ea"/>
-              </a:rPr>
-              <a:t>	Chia nhỏ dataset </a:t>
+              <a:t>Lặp lại việc xây dựng cây quyết định cho các nhánh cho tới khi:</a:t>
             </a:r>
             <a:endParaRPr lang="en-US" sz="2900">
               <a:latin typeface="Calibri" panose="020F0502020204030204" charset="0"/>
@@ -13390,16 +14394,45 @@
                 <a:cs typeface="Calibri" panose="020F0502020204030204" charset="0"/>
                 <a:sym typeface="+mn-ea"/>
               </a:rPr>
-              <a:t>Quay lại bước 1</a:t>
+              <a:t>Các mẫu huấn luyện thuộc cùng 1 lớp</a:t>
             </a:r>
+            <a:endParaRPr lang="en-US" sz="2900">
+              <a:latin typeface="Calibri" panose="020F0502020204030204" charset="0"/>
+              <a:cs typeface="Calibri" panose="020F0502020204030204" charset="0"/>
+              <a:sym typeface="+mn-ea"/>
+            </a:endParaRPr>
+          </a:p>
+          <a:p>
+            <a:pPr marL="457200" lvl="1" indent="457200">
+              <a:buNone/>
+            </a:pPr>
             <a:r>
               <a:rPr lang="en-US" sz="2900">
                 <a:latin typeface="Calibri" panose="020F0502020204030204" charset="0"/>
                 <a:cs typeface="Calibri" panose="020F0502020204030204" charset="0"/>
                 <a:sym typeface="+mn-ea"/>
               </a:rPr>
-              <a:t> với root node và dataset vừa tìm được </a:t>
+              <a:t>Không còn thuộc tính nào để chọn</a:t>
             </a:r>
+            <a:endParaRPr lang="en-US" sz="2900">
+              <a:latin typeface="Calibri" panose="020F0502020204030204" charset="0"/>
+              <a:cs typeface="Calibri" panose="020F0502020204030204" charset="0"/>
+              <a:sym typeface="+mn-ea"/>
+            </a:endParaRPr>
+          </a:p>
+          <a:p>
+            <a:pPr marL="0" indent="457200">
+              <a:buNone/>
+            </a:pPr>
+            <a:endParaRPr lang="en-US" sz="2900">
+              <a:latin typeface="Calibri" panose="020F0502020204030204" charset="0"/>
+              <a:cs typeface="Calibri" panose="020F0502020204030204" charset="0"/>
+            </a:endParaRPr>
+          </a:p>
+          <a:p>
+            <a:pPr marL="0" indent="0">
+              <a:buNone/>
+            </a:pPr>
             <a:endParaRPr lang="en-US" sz="2900">
               <a:latin typeface="Calibri" panose="020F0502020204030204" charset="0"/>
               <a:cs typeface="Calibri" panose="020F0502020204030204" charset="0"/>
@@ -14834,6 +15867,17 @@
 <file path=ppt/slides/slide8.xml><?xml version="1.0" encoding="utf-8"?>
 <p:sld xmlns:a="http://schemas.openxmlformats.org/drawingml/2006/main" xmlns:r="http://schemas.openxmlformats.org/officeDocument/2006/relationships" xmlns:p="http://schemas.openxmlformats.org/presentationml/2006/main">
   <p:cSld>
+    <p:bg>
+      <p:bgPr>
+        <a:blipFill>
+          <a:blip r:embed="rId1"/>
+          <a:stretch>
+            <a:fillRect/>
+          </a:stretch>
+        </a:blipFill>
+        <a:effectLst/>
+      </p:bgPr>
+    </p:bg>
     <p:spTree>
       <p:nvGrpSpPr>
         <p:cNvPr id="1" name=""/>
@@ -14856,2194 +15900,978 @@
           <a:bodyPr/>
           <a:p>
             <a:r>
-              <a:rPr lang="en-US" sz="4400" b="1">
-                <a:sym typeface="+mn-ea"/>
-              </a:rPr>
+              <a:rPr lang="en-US" sz="4400" b="1"/>
               <a:t>Thuật toán ID3 - Classification</a:t>
             </a:r>
-            <a:endParaRPr lang="en-US" sz="4400"/>
+            <a:endParaRPr lang="en-US" sz="4400" b="1"/>
           </a:p>
         </p:txBody>
       </p:sp>
-      <p:graphicFrame>
-        <p:nvGraphicFramePr>
-          <p:cNvPr id="7" name="Content Placeholder 6"/>
-          <p:cNvGraphicFramePr/>
+      <mc:AlternateContent xmlns:mc="http://schemas.openxmlformats.org/markup-compatibility/2006">
+        <mc:Choice xmlns:a14="http://schemas.microsoft.com/office/drawing/2010/main" Requires="a14">
+          <p:sp>
+            <p:nvSpPr>
+              <p:cNvPr id="3" name="Content Placeholder 2"/>
+              <p:cNvSpPr>
+                <a:spLocks noGrp="1"/>
+              </p:cNvSpPr>
+              <p:nvPr>
+                <p:ph sz="half" idx="1"/>
+              </p:nvPr>
+            </p:nvSpPr>
+            <p:spPr>
+              <a:xfrm>
+                <a:off x="609600" y="992505"/>
+                <a:ext cx="10852785" cy="5567680"/>
+              </a:xfrm>
+            </p:spPr>
+            <p:txBody>
+              <a:bodyPr/>
+              <a:p>
+                <a:pPr marL="0" indent="0">
+                  <a:buNone/>
+                </a:pPr>
+                <a:r>
+                  <a:rPr lang="en-US" sz="2900">
+                    <a:latin typeface="Calibri" panose="020F0502020204030204" charset="0"/>
+                    <a:cs typeface="Calibri" panose="020F0502020204030204" charset="0"/>
+                  </a:rPr>
+                  <a:t>Xét hàm entropy 2 biến: </a:t>
+                </a:r>
+                <a14:m>
+                  <m:oMath xmlns:m="http://schemas.openxmlformats.org/officeDocument/2006/math">
+                    <m:r>
+                      <a:rPr lang="en-US" sz="2900" i="1">
+                        <a:latin typeface="Cambria Math" panose="02040503050406030204" charset="0"/>
+                        <a:cs typeface="Cambria Math" panose="02040503050406030204" charset="0"/>
+                      </a:rPr>
+                      <m:t>𝐻</m:t>
+                    </m:r>
+                    <m:r>
+                      <a:rPr lang="en-US" sz="2900" i="1">
+                        <a:latin typeface="Cambria Math" panose="02040503050406030204" charset="0"/>
+                        <a:cs typeface="Cambria Math" panose="02040503050406030204" charset="0"/>
+                      </a:rPr>
+                      <m:t>(</m:t>
+                    </m:r>
+                    <m:r>
+                      <a:rPr lang="en-US" sz="2900" i="1">
+                        <a:latin typeface="Cambria Math" panose="02040503050406030204" charset="0"/>
+                        <a:cs typeface="Cambria Math" panose="02040503050406030204" charset="0"/>
+                      </a:rPr>
+                      <m:t>𝑆</m:t>
+                    </m:r>
+                    <m:r>
+                      <a:rPr lang="en-US" sz="2900" i="1">
+                        <a:latin typeface="Cambria Math" panose="02040503050406030204" charset="0"/>
+                        <a:cs typeface="Cambria Math" panose="02040503050406030204" charset="0"/>
+                      </a:rPr>
+                      <m:t>)=</m:t>
+                    </m:r>
+                    <m:r>
+                      <a:rPr lang="en-US" sz="2900" i="1">
+                        <a:latin typeface="Cambria Math" panose="02040503050406030204" charset="0"/>
+                        <a:cs typeface="Cambria Math" panose="02040503050406030204" charset="0"/>
+                      </a:rPr>
+                      <m:t>−</m:t>
+                    </m:r>
+                    <m:sSub>
+                      <m:sSubPr>
+                        <m:ctrlPr>
+                          <a:rPr lang="en-US" sz="2900" i="1">
+                            <a:latin typeface="Cambria Math" panose="02040503050406030204" charset="0"/>
+                            <a:cs typeface="Cambria Math" panose="02040503050406030204" charset="0"/>
+                          </a:rPr>
+                        </m:ctrlPr>
+                      </m:sSubPr>
+                      <m:e>
+                        <m:r>
+                          <a:rPr lang="en-US" sz="2900" i="1">
+                            <a:latin typeface="Cambria Math" panose="02040503050406030204" charset="0"/>
+                            <a:cs typeface="Cambria Math" panose="02040503050406030204" charset="0"/>
+                          </a:rPr>
+                          <m:t>𝑝</m:t>
+                        </m:r>
+                      </m:e>
+                      <m:sub>
+                        <m:r>
+                          <a:rPr lang="en-US" sz="2900" i="1">
+                            <a:latin typeface="Cambria Math" panose="02040503050406030204" charset="0"/>
+                            <a:cs typeface="Cambria Math" panose="02040503050406030204" charset="0"/>
+                          </a:rPr>
+                          <m:t>1</m:t>
+                        </m:r>
+                      </m:sub>
+                    </m:sSub>
+                    <m:func>
+                      <m:funcPr>
+                        <m:ctrlPr>
+                          <a:rPr lang="en-US" sz="2900" i="1">
+                            <a:latin typeface="Cambria Math" panose="02040503050406030204" charset="0"/>
+                            <a:cs typeface="Cambria Math" panose="02040503050406030204" charset="0"/>
+                          </a:rPr>
+                        </m:ctrlPr>
+                      </m:funcPr>
+                      <m:fName>
+                        <m:sSub>
+                          <m:sSubPr>
+                            <m:ctrlPr>
+                              <a:rPr lang="en-US" sz="2900">
+                                <a:latin typeface="Cambria Math" panose="02040503050406030204" charset="0"/>
+                                <a:cs typeface="Cambria Math" panose="02040503050406030204" charset="0"/>
+                              </a:rPr>
+                            </m:ctrlPr>
+                          </m:sSubPr>
+                          <m:e>
+                            <m:r>
+                              <m:rPr>
+                                <m:sty m:val="p"/>
+                              </m:rPr>
+                              <a:rPr lang="en-US" sz="2900">
+                                <a:latin typeface="Cambria Math" panose="02040503050406030204" charset="0"/>
+                                <a:cs typeface="Cambria Math" panose="02040503050406030204" charset="0"/>
+                              </a:rPr>
+                              <m:t>log</m:t>
+                            </m:r>
+                          </m:e>
+                          <m:sub>
+                            <m:r>
+                              <a:rPr lang="en-US" sz="2900" i="1">
+                                <a:latin typeface="Cambria Math" panose="02040503050406030204" charset="0"/>
+                                <a:cs typeface="Cambria Math" panose="02040503050406030204" charset="0"/>
+                              </a:rPr>
+                              <m:t>2</m:t>
+                            </m:r>
+                          </m:sub>
+                        </m:sSub>
+                      </m:fName>
+                      <m:e>
+                        <m:sSub>
+                          <m:sSubPr>
+                            <m:ctrlPr>
+                              <a:rPr lang="en-US" sz="2900" i="1">
+                                <a:latin typeface="Cambria Math" panose="02040503050406030204" charset="0"/>
+                                <a:cs typeface="Cambria Math" panose="02040503050406030204" charset="0"/>
+                              </a:rPr>
+                            </m:ctrlPr>
+                          </m:sSubPr>
+                          <m:e>
+                            <m:r>
+                              <a:rPr lang="en-US" sz="2900" i="1">
+                                <a:latin typeface="Cambria Math" panose="02040503050406030204" charset="0"/>
+                                <a:cs typeface="Cambria Math" panose="02040503050406030204" charset="0"/>
+                              </a:rPr>
+                              <m:t>𝑝</m:t>
+                            </m:r>
+                          </m:e>
+                          <m:sub>
+                            <m:r>
+                              <a:rPr lang="en-US" sz="2900" i="1">
+                                <a:latin typeface="Cambria Math" panose="02040503050406030204" charset="0"/>
+                                <a:cs typeface="Cambria Math" panose="02040503050406030204" charset="0"/>
+                              </a:rPr>
+                              <m:t>1</m:t>
+                            </m:r>
+                          </m:sub>
+                        </m:sSub>
+                      </m:e>
+                    </m:func>
+                    <m:r>
+                      <a:rPr lang="en-US" sz="2900" i="1">
+                        <a:latin typeface="Cambria Math" panose="02040503050406030204" charset="0"/>
+                        <a:cs typeface="Cambria Math" panose="02040503050406030204" charset="0"/>
+                      </a:rPr>
+                      <m:t>−</m:t>
+                    </m:r>
+                    <m:r>
+                      <a:rPr lang="en-US" sz="2900" i="1">
+                        <a:latin typeface="Cambria Math" panose="02040503050406030204" charset="0"/>
+                        <a:cs typeface="Cambria Math" panose="02040503050406030204" charset="0"/>
+                      </a:rPr>
+                      <m:t>(</m:t>
+                    </m:r>
+                    <m:r>
+                      <a:rPr lang="en-US" sz="2900" i="1">
+                        <a:latin typeface="Cambria Math" panose="02040503050406030204" charset="0"/>
+                        <a:cs typeface="Cambria Math" panose="02040503050406030204" charset="0"/>
+                      </a:rPr>
+                      <m:t>1</m:t>
+                    </m:r>
+                    <m:r>
+                      <a:rPr lang="en-US" sz="2900" i="1">
+                        <a:latin typeface="Cambria Math" panose="02040503050406030204" charset="0"/>
+                        <a:cs typeface="Cambria Math" panose="02040503050406030204" charset="0"/>
+                      </a:rPr>
+                      <m:t>−</m:t>
+                    </m:r>
+                    <m:sSub>
+                      <m:sSubPr>
+                        <m:ctrlPr>
+                          <a:rPr lang="en-US" sz="2900" i="1">
+                            <a:latin typeface="Cambria Math" panose="02040503050406030204" charset="0"/>
+                            <a:cs typeface="Cambria Math" panose="02040503050406030204" charset="0"/>
+                          </a:rPr>
+                        </m:ctrlPr>
+                      </m:sSubPr>
+                      <m:e>
+                        <m:r>
+                          <a:rPr lang="en-US" sz="2900" i="1">
+                            <a:latin typeface="Cambria Math" panose="02040503050406030204" charset="0"/>
+                            <a:cs typeface="Cambria Math" panose="02040503050406030204" charset="0"/>
+                          </a:rPr>
+                          <m:t>𝑝</m:t>
+                        </m:r>
+                      </m:e>
+                      <m:sub>
+                        <m:r>
+                          <a:rPr lang="en-US" sz="2900" i="1">
+                            <a:latin typeface="Cambria Math" panose="02040503050406030204" charset="0"/>
+                            <a:cs typeface="Cambria Math" panose="02040503050406030204" charset="0"/>
+                          </a:rPr>
+                          <m:t>1</m:t>
+                        </m:r>
+                      </m:sub>
+                    </m:sSub>
+                    <m:r>
+                      <a:rPr lang="en-US" sz="2900" i="1">
+                        <a:latin typeface="Cambria Math" panose="02040503050406030204" charset="0"/>
+                        <a:cs typeface="Cambria Math" panose="02040503050406030204" charset="0"/>
+                      </a:rPr>
+                      <m:t>)</m:t>
+                    </m:r>
+                    <m:func>
+                      <m:funcPr>
+                        <m:ctrlPr>
+                          <a:rPr lang="en-US" sz="2900" i="1">
+                            <a:latin typeface="Cambria Math" panose="02040503050406030204" charset="0"/>
+                            <a:cs typeface="Cambria Math" panose="02040503050406030204" charset="0"/>
+                          </a:rPr>
+                        </m:ctrlPr>
+                      </m:funcPr>
+                      <m:fName>
+                        <m:sSub>
+                          <m:sSubPr>
+                            <m:ctrlPr>
+                              <a:rPr lang="en-US" sz="2900">
+                                <a:latin typeface="Cambria Math" panose="02040503050406030204" charset="0"/>
+                                <a:cs typeface="Cambria Math" panose="02040503050406030204" charset="0"/>
+                              </a:rPr>
+                            </m:ctrlPr>
+                          </m:sSubPr>
+                          <m:e>
+                            <m:r>
+                              <m:rPr>
+                                <m:sty m:val="p"/>
+                              </m:rPr>
+                              <a:rPr lang="en-US" sz="2900">
+                                <a:latin typeface="Cambria Math" panose="02040503050406030204" charset="0"/>
+                                <a:cs typeface="Cambria Math" panose="02040503050406030204" charset="0"/>
+                              </a:rPr>
+                              <m:t>log</m:t>
+                            </m:r>
+                          </m:e>
+                          <m:sub>
+                            <m:r>
+                              <a:rPr lang="en-US" sz="2900" i="1">
+                                <a:latin typeface="Cambria Math" panose="02040503050406030204" charset="0"/>
+                                <a:cs typeface="Cambria Math" panose="02040503050406030204" charset="0"/>
+                              </a:rPr>
+                              <m:t>2</m:t>
+                            </m:r>
+                          </m:sub>
+                        </m:sSub>
+                      </m:fName>
+                      <m:e>
+                        <m:r>
+                          <a:rPr lang="en-US" sz="2900" i="1">
+                            <a:latin typeface="Cambria Math" panose="02040503050406030204" charset="0"/>
+                            <a:cs typeface="Cambria Math" panose="02040503050406030204" charset="0"/>
+                          </a:rPr>
+                          <m:t>(</m:t>
+                        </m:r>
+                        <m:r>
+                          <a:rPr lang="en-US" sz="2900" i="1">
+                            <a:latin typeface="Cambria Math" panose="02040503050406030204" charset="0"/>
+                            <a:cs typeface="Cambria Math" panose="02040503050406030204" charset="0"/>
+                          </a:rPr>
+                          <m:t>1</m:t>
+                        </m:r>
+                        <m:r>
+                          <a:rPr lang="en-US" sz="2900" i="1">
+                            <a:latin typeface="Cambria Math" panose="02040503050406030204" charset="0"/>
+                            <a:cs typeface="Cambria Math" panose="02040503050406030204" charset="0"/>
+                          </a:rPr>
+                          <m:t>−</m:t>
+                        </m:r>
+                        <m:sSub>
+                          <m:sSubPr>
+                            <m:ctrlPr>
+                              <a:rPr lang="en-US" sz="2900" i="1">
+                                <a:latin typeface="Cambria Math" panose="02040503050406030204" charset="0"/>
+                                <a:cs typeface="Cambria Math" panose="02040503050406030204" charset="0"/>
+                              </a:rPr>
+                            </m:ctrlPr>
+                          </m:sSubPr>
+                          <m:e>
+                            <m:r>
+                              <a:rPr lang="en-US" sz="2900" i="1">
+                                <a:latin typeface="Cambria Math" panose="02040503050406030204" charset="0"/>
+                                <a:cs typeface="Cambria Math" panose="02040503050406030204" charset="0"/>
+                              </a:rPr>
+                              <m:t>𝑝</m:t>
+                            </m:r>
+                          </m:e>
+                          <m:sub>
+                            <m:r>
+                              <a:rPr lang="en-US" sz="2900" i="1">
+                                <a:latin typeface="Cambria Math" panose="02040503050406030204" charset="0"/>
+                                <a:cs typeface="Cambria Math" panose="02040503050406030204" charset="0"/>
+                              </a:rPr>
+                              <m:t>1</m:t>
+                            </m:r>
+                          </m:sub>
+                        </m:sSub>
+                        <m:r>
+                          <a:rPr lang="en-US" sz="2900" i="1">
+                            <a:latin typeface="Cambria Math" panose="02040503050406030204" charset="0"/>
+                            <a:cs typeface="Cambria Math" panose="02040503050406030204" charset="0"/>
+                          </a:rPr>
+                          <m:t>)</m:t>
+                        </m:r>
+                      </m:e>
+                    </m:func>
+                  </m:oMath>
+                </a14:m>
+                <a:endParaRPr lang="en-US" sz="2900" i="1">
+                  <a:latin typeface="Cambria Math" panose="02040503050406030204" charset="0"/>
+                  <a:cs typeface="Cambria Math" panose="02040503050406030204" charset="0"/>
+                </a:endParaRPr>
+              </a:p>
+              <a:p>
+                <a:pPr marL="0" indent="0">
+                  <a:buNone/>
+                </a:pPr>
+                <a:endParaRPr lang="en-US" sz="2900" i="1">
+                  <a:latin typeface="Cambria Math" panose="02040503050406030204" charset="0"/>
+                  <a:cs typeface="Cambria Math" panose="02040503050406030204" charset="0"/>
+                </a:endParaRPr>
+              </a:p>
+              <a:p>
+                <a:pPr marL="0" indent="0">
+                  <a:buNone/>
+                </a:pPr>
+                <a:endParaRPr lang="en-US" sz="2900" i="1">
+                  <a:latin typeface="Cambria Math" panose="02040503050406030204" charset="0"/>
+                  <a:cs typeface="Cambria Math" panose="02040503050406030204" charset="0"/>
+                </a:endParaRPr>
+              </a:p>
+              <a:p>
+                <a:pPr marL="0" indent="0">
+                  <a:buNone/>
+                </a:pPr>
+                <a:endParaRPr lang="en-US" sz="2900" i="1">
+                  <a:latin typeface="Cambria Math" panose="02040503050406030204" charset="0"/>
+                  <a:cs typeface="Cambria Math" panose="02040503050406030204" charset="0"/>
+                </a:endParaRPr>
+              </a:p>
+              <a:p>
+                <a:pPr marL="0" indent="0">
+                  <a:buNone/>
+                </a:pPr>
+                <a:endParaRPr lang="en-US" sz="2900" i="1">
+                  <a:latin typeface="Cambria Math" panose="02040503050406030204" charset="0"/>
+                  <a:cs typeface="Cambria Math" panose="02040503050406030204" charset="0"/>
+                </a:endParaRPr>
+              </a:p>
+              <a:p>
+                <a:pPr marL="0" indent="0">
+                  <a:buNone/>
+                </a:pPr>
+                <a:endParaRPr lang="en-US" sz="2900" i="1">
+                  <a:latin typeface="Cambria Math" panose="02040503050406030204" charset="0"/>
+                  <a:cs typeface="Cambria Math" panose="02040503050406030204" charset="0"/>
+                </a:endParaRPr>
+              </a:p>
+              <a:p>
+                <a:pPr marL="0" indent="0">
+                  <a:buNone/>
+                </a:pPr>
+                <a:endParaRPr lang="en-US" sz="2900" i="1">
+                  <a:latin typeface="Cambria Math" panose="02040503050406030204" charset="0"/>
+                  <a:cs typeface="Cambria Math" panose="02040503050406030204" charset="0"/>
+                </a:endParaRPr>
+              </a:p>
+              <a:p>
+                <a:pPr marL="0" indent="0">
+                  <a:buNone/>
+                </a:pPr>
+                <a:endParaRPr lang="en-US" sz="2900" i="1">
+                  <a:latin typeface="Cambria Math" panose="02040503050406030204" charset="0"/>
+                  <a:cs typeface="Cambria Math" panose="02040503050406030204" charset="0"/>
+                </a:endParaRPr>
+              </a:p>
+              <a:p>
+                <a:pPr marL="0" indent="0">
+                  <a:buNone/>
+                </a:pPr>
+                <a:endParaRPr lang="en-US" sz="2900">
+                  <a:latin typeface="Arial" panose="020B0604020202020204" pitchFamily="34" charset="0"/>
+                  <a:cs typeface="Arial" panose="020B0604020202020204" pitchFamily="34" charset="0"/>
+                  <a:sym typeface="+mn-ea"/>
+                </a:endParaRPr>
+              </a:p>
+              <a:p>
+                <a:pPr marL="457200" lvl="1" indent="457200">
+                  <a:lnSpc>
+                    <a:spcPct val="190000"/>
+                  </a:lnSpc>
+                  <a:buNone/>
+                </a:pPr>
+                <a:r>
+                  <a:rPr lang="en-US" sz="2900">
+                    <a:latin typeface="Arial" panose="020B0604020202020204" pitchFamily="34" charset="0"/>
+                    <a:cs typeface="Arial" panose="020B0604020202020204" pitchFamily="34" charset="0"/>
+                    <a:sym typeface="+mn-ea"/>
+                  </a:rPr>
+                  <a:t>→</a:t>
+                </a:r>
+                <a:r>
+                  <a:rPr lang="en-US" sz="2900">
+                    <a:latin typeface="Calibri" panose="020F0502020204030204" charset="0"/>
+                    <a:cs typeface="Calibri" panose="020F0502020204030204" charset="0"/>
+                    <a:sym typeface="+mn-ea"/>
+                  </a:rPr>
+                  <a:t>Dùng để đo độ tinh khiết của bộ dữ liệu</a:t>
+                </a:r>
+                <a:endParaRPr lang="en-US" sz="2900" i="1">
+                  <a:latin typeface="Cambria Math" panose="02040503050406030204" charset="0"/>
+                  <a:cs typeface="Cambria Math" panose="02040503050406030204" charset="0"/>
+                </a:endParaRPr>
+              </a:p>
+              <a:p>
+                <a:pPr marL="0" indent="0">
+                  <a:buNone/>
+                </a:pPr>
+                <a:endParaRPr lang="en-US" sz="2900">
+                  <a:latin typeface="Calibri" panose="020F0502020204030204" charset="0"/>
+                  <a:cs typeface="Calibri" panose="020F0502020204030204" charset="0"/>
+                </a:endParaRPr>
+              </a:p>
+            </p:txBody>
+          </p:sp>
+        </mc:Choice>
+        <mc:Fallback>
+          <p:sp>
+            <p:nvSpPr>
+              <p:cNvPr id="3" name="Content Placeholder 2"/>
+              <p:cNvSpPr>
+                <a:spLocks noRot="1" noChangeAspect="1" noMove="1" noResize="1" noEditPoints="1" noAdjustHandles="1" noChangeArrowheads="1" noChangeShapeType="1" noTextEdit="1"/>
+              </p:cNvSpPr>
+              <p:nvPr>
+                <p:ph sz="half" idx="1"/>
+              </p:nvPr>
+            </p:nvSpPr>
+            <p:spPr>
+              <a:xfrm>
+                <a:off x="609600" y="992505"/>
+                <a:ext cx="10852785" cy="5567680"/>
+              </a:xfrm>
+              <a:blipFill rotWithShape="1">
+                <a:blip r:embed="rId2"/>
+                <a:stretch>
+                  <a:fillRect b="-11131"/>
+                </a:stretch>
+              </a:blipFill>
+            </p:spPr>
+            <p:txBody>
+              <a:bodyPr/>
+              <a:lstStyle/>
+              <a:p>
+                <a:r>
+                  <a:rPr lang="en-US" altLang="en-US">
+                    <a:noFill/>
+                  </a:rPr>
+                  <a:t> </a:t>
+                </a:r>
+              </a:p>
+            </p:txBody>
+          </p:sp>
+        </mc:Fallback>
+      </mc:AlternateContent>
+      <mc:AlternateContent xmlns:mc="http://schemas.openxmlformats.org/markup-compatibility/2006">
+        <mc:Choice xmlns:a14="http://schemas.microsoft.com/office/drawing/2010/main" Requires="a14">
+          <p:sp>
+            <p:nvSpPr>
+              <p:cNvPr id="6" name="Text Box 5"/>
+              <p:cNvSpPr txBox="1"/>
+              <p:nvPr/>
+            </p:nvSpPr>
+            <p:spPr>
+              <a:xfrm>
+                <a:off x="6096000" y="2002790"/>
+                <a:ext cx="5568315" cy="3661410"/>
+              </a:xfrm>
+              <a:prstGeom prst="rect">
+                <a:avLst/>
+              </a:prstGeom>
+              <a:noFill/>
+            </p:spPr>
+            <p:txBody>
+              <a:bodyPr wrap="square" rtlCol="0">
+                <a:spAutoFit/>
+              </a:bodyPr>
+              <a:p>
+                <a:pPr marL="0" indent="0">
+                  <a:buNone/>
+                </a:pPr>
+                <a14:m>
+                  <m:oMath xmlns:m="http://schemas.openxmlformats.org/officeDocument/2006/math">
+                    <m:r>
+                      <a:rPr lang="en-US" sz="2900" i="1">
+                        <a:latin typeface="Cambria Math" panose="02040503050406030204" charset="0"/>
+                        <a:cs typeface="Cambria Math" panose="02040503050406030204" charset="0"/>
+                      </a:rPr>
+                      <m:t>𝐻</m:t>
+                    </m:r>
+                    <m:r>
+                      <a:rPr lang="en-US" sz="2900" i="1">
+                        <a:latin typeface="Cambria Math" panose="02040503050406030204" charset="0"/>
+                        <a:ea typeface="MS Mincho" charset="0"/>
+                        <a:cs typeface="Cambria Math" panose="02040503050406030204" charset="0"/>
+                      </a:rPr>
+                      <m:t>(</m:t>
+                    </m:r>
+                    <m:r>
+                      <a:rPr lang="en-US" sz="2900" i="1">
+                        <a:latin typeface="Cambria Math" panose="02040503050406030204" charset="0"/>
+                        <a:cs typeface="Cambria Math" panose="02040503050406030204" charset="0"/>
+                      </a:rPr>
+                      <m:t>𝑆</m:t>
+                    </m:r>
+                    <m:r>
+                      <a:rPr lang="en-US" sz="2900" i="1">
+                        <a:latin typeface="Cambria Math" panose="02040503050406030204" charset="0"/>
+                        <a:ea typeface="MS Mincho" charset="0"/>
+                        <a:cs typeface="Cambria Math" panose="02040503050406030204" charset="0"/>
+                      </a:rPr>
+                      <m:t>)=</m:t>
+                    </m:r>
+                    <m:r>
+                      <a:rPr lang="en-US" sz="2900" i="1">
+                        <a:latin typeface="Cambria Math" panose="02040503050406030204" charset="0"/>
+                        <a:ea typeface="MS Mincho" charset="0"/>
+                        <a:cs typeface="Cambria Math" panose="02040503050406030204" charset="0"/>
+                      </a:rPr>
+                      <m:t>0</m:t>
+                    </m:r>
+                  </m:oMath>
+                </a14:m>
+                <a:r>
+                  <a:rPr lang="en-US" sz="2900">
+                    <a:latin typeface="Calibri" panose="020F0502020204030204" charset="0"/>
+                    <a:cs typeface="Calibri" panose="020F0502020204030204" charset="0"/>
+                  </a:rPr>
+                  <a:t> khi 1 trong 2 </a:t>
+                </a:r>
+                <a14:m>
+                  <m:oMath xmlns:m="http://schemas.openxmlformats.org/officeDocument/2006/math">
+                    <m:sSub>
+                      <m:sSubPr>
+                        <m:ctrlPr>
+                          <a:rPr lang="en-US" sz="2900" i="1">
+                            <a:latin typeface="Cambria Math" panose="02040503050406030204" charset="0"/>
+                            <a:cs typeface="Cambria Math" panose="02040503050406030204" charset="0"/>
+                          </a:rPr>
+                        </m:ctrlPr>
+                      </m:sSubPr>
+                      <m:e>
+                        <m:r>
+                          <a:rPr lang="en-US" sz="2900" i="1">
+                            <a:latin typeface="Cambria Math" panose="02040503050406030204" charset="0"/>
+                            <a:cs typeface="Cambria Math" panose="02040503050406030204" charset="0"/>
+                          </a:rPr>
+                          <m:t>𝑝</m:t>
+                        </m:r>
+                      </m:e>
+                      <m:sub>
+                        <m:r>
+                          <a:rPr lang="en-US" sz="2900" i="1">
+                            <a:latin typeface="Cambria Math" panose="02040503050406030204" charset="0"/>
+                            <a:ea typeface="MS Mincho" charset="0"/>
+                            <a:cs typeface="Cambria Math" panose="02040503050406030204" charset="0"/>
+                          </a:rPr>
+                          <m:t>1</m:t>
+                        </m:r>
+                      </m:sub>
+                    </m:sSub>
+                  </m:oMath>
+                </a14:m>
+                <a:r>
+                  <a:rPr lang="en-US" sz="2900">
+                    <a:latin typeface="Calibri" panose="020F0502020204030204" charset="0"/>
+                    <a:cs typeface="Calibri" panose="020F0502020204030204" charset="0"/>
+                  </a:rPr>
+                  <a:t> bằng 0,  </a:t>
+                </a:r>
+                <a14:m>
+                  <m:oMath xmlns:m="http://schemas.openxmlformats.org/officeDocument/2006/math">
+                    <m:r>
+                      <a:rPr lang="en-US" sz="2900" i="1">
+                        <a:latin typeface="Cambria Math" panose="02040503050406030204" charset="0"/>
+                        <a:ea typeface="MS Mincho" charset="0"/>
+                        <a:cs typeface="Cambria Math" panose="02040503050406030204" charset="0"/>
+                      </a:rPr>
+                      <m:t>(</m:t>
+                    </m:r>
+                    <m:r>
+                      <a:rPr lang="en-US" sz="2900" i="1">
+                        <a:latin typeface="Cambria Math" panose="02040503050406030204" charset="0"/>
+                        <a:ea typeface="MS Mincho" charset="0"/>
+                        <a:cs typeface="Cambria Math" panose="02040503050406030204" charset="0"/>
+                      </a:rPr>
+                      <m:t>1</m:t>
+                    </m:r>
+                    <m:r>
+                      <a:rPr lang="en-US" sz="2900" i="1">
+                        <a:latin typeface="Cambria Math" panose="02040503050406030204" charset="0"/>
+                        <a:ea typeface="MS Mincho" charset="0"/>
+                        <a:cs typeface="Cambria Math" panose="02040503050406030204" charset="0"/>
+                      </a:rPr>
+                      <m:t>−</m:t>
+                    </m:r>
+                    <m:sSub>
+                      <m:sSubPr>
+                        <m:ctrlPr>
+                          <a:rPr lang="en-US" sz="2900" i="1">
+                            <a:latin typeface="Cambria Math" panose="02040503050406030204" charset="0"/>
+                            <a:cs typeface="Cambria Math" panose="02040503050406030204" charset="0"/>
+                          </a:rPr>
+                        </m:ctrlPr>
+                      </m:sSubPr>
+                      <m:e>
+                        <m:r>
+                          <a:rPr lang="en-US" sz="2900" i="1">
+                            <a:latin typeface="Cambria Math" panose="02040503050406030204" charset="0"/>
+                            <a:cs typeface="Cambria Math" panose="02040503050406030204" charset="0"/>
+                          </a:rPr>
+                          <m:t>𝑝</m:t>
+                        </m:r>
+                      </m:e>
+                      <m:sub>
+                        <m:r>
+                          <a:rPr lang="en-US" sz="2900" i="1">
+                            <a:latin typeface="Cambria Math" panose="02040503050406030204" charset="0"/>
+                            <a:ea typeface="MS Mincho" charset="0"/>
+                            <a:cs typeface="Cambria Math" panose="02040503050406030204" charset="0"/>
+                          </a:rPr>
+                          <m:t>1</m:t>
+                        </m:r>
+                      </m:sub>
+                    </m:sSub>
+                    <m:r>
+                      <a:rPr lang="en-US" sz="2900" i="1">
+                        <a:latin typeface="Cambria Math" panose="02040503050406030204" charset="0"/>
+                        <a:ea typeface="MS Mincho" charset="0"/>
+                        <a:cs typeface="Cambria Math" panose="02040503050406030204" charset="0"/>
+                      </a:rPr>
+                      <m:t>)</m:t>
+                    </m:r>
+                  </m:oMath>
+                </a14:m>
+                <a:r>
+                  <a:rPr lang="en-US" sz="2900" i="1">
+                    <a:latin typeface="Calibri" panose="020F0502020204030204" charset="0"/>
+                    <a:cs typeface="Calibri" panose="020F0502020204030204" charset="0"/>
+                  </a:rPr>
+                  <a:t> </a:t>
+                </a:r>
+                <a:r>
+                  <a:rPr lang="en-US" sz="2900">
+                    <a:latin typeface="Calibri" panose="020F0502020204030204" charset="0"/>
+                    <a:cs typeface="Calibri" panose="020F0502020204030204" charset="0"/>
+                    <a:sym typeface="+mn-ea"/>
+                  </a:rPr>
+                  <a:t>bằng</a:t>
+                </a:r>
+                <a:r>
+                  <a:rPr lang="en-US" sz="2900" i="1">
+                    <a:latin typeface="Calibri" panose="020F0502020204030204" charset="0"/>
+                    <a:cs typeface="Calibri" panose="020F0502020204030204" charset="0"/>
+                  </a:rPr>
+                  <a:t> </a:t>
+                </a:r>
+                <a:r>
+                  <a:rPr lang="en-US" sz="2900">
+                    <a:latin typeface="Calibri" panose="020F0502020204030204" charset="0"/>
+                    <a:cs typeface="Calibri" panose="020F0502020204030204" charset="0"/>
+                    <a:sym typeface="+mn-ea"/>
+                  </a:rPr>
+                  <a:t>1</a:t>
+                </a:r>
+                <a:endParaRPr lang="en-US" sz="2900">
+                  <a:latin typeface="Calibri" panose="020F0502020204030204" charset="0"/>
+                  <a:cs typeface="Calibri" panose="020F0502020204030204" charset="0"/>
+                  <a:sym typeface="+mn-ea"/>
+                </a:endParaRPr>
+              </a:p>
+              <a:p>
+                <a:pPr marL="0" indent="457200">
+                  <a:buNone/>
+                </a:pPr>
+                <a:r>
+                  <a:rPr lang="en-US" sz="2900">
+                    <a:latin typeface="Arial" panose="020B0604020202020204" pitchFamily="34" charset="0"/>
+                    <a:cs typeface="Arial" panose="020B0604020202020204" pitchFamily="34" charset="0"/>
+                    <a:sym typeface="+mn-ea"/>
+                  </a:rPr>
+                  <a:t>→ </a:t>
+                </a:r>
+                <a:r>
+                  <a:rPr lang="en-US" sz="2900" i="1">
+                    <a:latin typeface="Calibri" panose="020F0502020204030204" charset="0"/>
+                    <a:cs typeface="Calibri" panose="020F0502020204030204" charset="0"/>
+                    <a:sym typeface="+mn-ea"/>
+                  </a:rPr>
+                  <a:t>tinh khiết</a:t>
+                </a:r>
+                <a:r>
+                  <a:rPr lang="en-US" sz="2900">
+                    <a:latin typeface="Calibri" panose="020F0502020204030204" charset="0"/>
+                    <a:cs typeface="Calibri" panose="020F0502020204030204" charset="0"/>
+                    <a:sym typeface="+mn-ea"/>
+                  </a:rPr>
+                  <a:t> nhất</a:t>
+                </a:r>
+                <a:endParaRPr lang="en-US" sz="2900">
+                  <a:latin typeface="Calibri" panose="020F0502020204030204" charset="0"/>
+                  <a:cs typeface="Calibri" panose="020F0502020204030204" charset="0"/>
+                  <a:sym typeface="+mn-ea"/>
+                </a:endParaRPr>
+              </a:p>
+              <a:p>
+                <a:pPr marL="0" indent="457200">
+                  <a:buNone/>
+                </a:pPr>
+                <a:endParaRPr lang="en-US" sz="2900">
+                  <a:latin typeface="Calibri" panose="020F0502020204030204" charset="0"/>
+                  <a:cs typeface="Calibri" panose="020F0502020204030204" charset="0"/>
+                  <a:sym typeface="+mn-ea"/>
+                </a:endParaRPr>
+              </a:p>
+              <a:p>
+                <a:pPr marL="0" indent="0">
+                  <a:buNone/>
+                </a:pPr>
+                <a14:m>
+                  <m:oMath xmlns:m="http://schemas.openxmlformats.org/officeDocument/2006/math">
+                    <m:r>
+                      <a:rPr lang="en-US" sz="2900" i="1">
+                        <a:latin typeface="Cambria Math" panose="02040503050406030204" charset="0"/>
+                        <a:cs typeface="Cambria Math" panose="02040503050406030204" charset="0"/>
+                      </a:rPr>
+                      <m:t>𝐻</m:t>
+                    </m:r>
+                    <m:r>
+                      <a:rPr lang="en-US" sz="2900" i="1">
+                        <a:latin typeface="Cambria Math" panose="02040503050406030204" charset="0"/>
+                        <a:ea typeface="MS Mincho" charset="0"/>
+                        <a:cs typeface="Cambria Math" panose="02040503050406030204" charset="0"/>
+                      </a:rPr>
+                      <m:t>(</m:t>
+                    </m:r>
+                    <m:r>
+                      <a:rPr lang="en-US" sz="2900" i="1">
+                        <a:latin typeface="Cambria Math" panose="02040503050406030204" charset="0"/>
+                        <a:cs typeface="Cambria Math" panose="02040503050406030204" charset="0"/>
+                      </a:rPr>
+                      <m:t>𝑆</m:t>
+                    </m:r>
+                    <m:r>
+                      <a:rPr lang="en-US" sz="2900" i="1">
+                        <a:latin typeface="Cambria Math" panose="02040503050406030204" charset="0"/>
+                        <a:ea typeface="MS Mincho" charset="0"/>
+                        <a:cs typeface="Cambria Math" panose="02040503050406030204" charset="0"/>
+                      </a:rPr>
+                      <m:t>)</m:t>
+                    </m:r>
+                  </m:oMath>
+                </a14:m>
+                <a:r>
+                  <a:rPr lang="en-US" sz="2900">
+                    <a:latin typeface="Calibri" panose="020F0502020204030204" charset="0"/>
+                    <a:cs typeface="Calibri" panose="020F0502020204030204" charset="0"/>
+                    <a:sym typeface="+mn-ea"/>
+                  </a:rPr>
+                  <a:t> max khi cả 2 giá trị </a:t>
+                </a:r>
+                <a14:m>
+                  <m:oMath xmlns:m="http://schemas.openxmlformats.org/officeDocument/2006/math">
+                    <m:sSub>
+                      <m:sSubPr>
+                        <m:ctrlPr>
+                          <a:rPr lang="en-US" sz="2900" i="1">
+                            <a:latin typeface="Cambria Math" panose="02040503050406030204" charset="0"/>
+                            <a:cs typeface="Cambria Math" panose="02040503050406030204" charset="0"/>
+                          </a:rPr>
+                        </m:ctrlPr>
+                      </m:sSubPr>
+                      <m:e>
+                        <m:r>
+                          <a:rPr lang="en-US" sz="2900" i="1">
+                            <a:latin typeface="Cambria Math" panose="02040503050406030204" charset="0"/>
+                            <a:cs typeface="Cambria Math" panose="02040503050406030204" charset="0"/>
+                          </a:rPr>
+                          <m:t>𝑝</m:t>
+                        </m:r>
+                      </m:e>
+                      <m:sub>
+                        <m:r>
+                          <a:rPr lang="en-US" sz="2900" i="1">
+                            <a:latin typeface="Cambria Math" panose="02040503050406030204" charset="0"/>
+                            <a:ea typeface="MS Mincho" charset="0"/>
+                            <a:cs typeface="Cambria Math" panose="02040503050406030204" charset="0"/>
+                          </a:rPr>
+                          <m:t>1</m:t>
+                        </m:r>
+                      </m:sub>
+                    </m:sSub>
+                  </m:oMath>
+                </a14:m>
+                <a:r>
+                  <a:rPr lang="en-US" sz="2900">
+                    <a:latin typeface="Calibri" panose="020F0502020204030204" charset="0"/>
+                    <a:cs typeface="Calibri" panose="020F0502020204030204" charset="0"/>
+                    <a:sym typeface="+mn-ea"/>
+                  </a:rPr>
+                  <a:t>bằng 0.5</a:t>
+                </a:r>
+                <a:endParaRPr lang="en-US" sz="2900">
+                  <a:latin typeface="Calibri" panose="020F0502020204030204" charset="0"/>
+                  <a:cs typeface="Calibri" panose="020F0502020204030204" charset="0"/>
+                  <a:sym typeface="+mn-ea"/>
+                </a:endParaRPr>
+              </a:p>
+              <a:p>
+                <a:pPr marL="0" indent="457200">
+                  <a:buNone/>
+                </a:pPr>
+                <a:r>
+                  <a:rPr lang="en-US" sz="2900">
+                    <a:latin typeface="Arial" panose="020B0604020202020204" pitchFamily="34" charset="0"/>
+                    <a:cs typeface="Arial" panose="020B0604020202020204" pitchFamily="34" charset="0"/>
+                    <a:sym typeface="+mn-ea"/>
+                  </a:rPr>
+                  <a:t>→ </a:t>
+                </a:r>
+                <a:r>
+                  <a:rPr lang="en-US" sz="2900" i="1">
+                    <a:latin typeface="Arial" panose="020B0604020202020204" pitchFamily="34" charset="0"/>
+                    <a:cs typeface="Arial" panose="020B0604020202020204" pitchFamily="34" charset="0"/>
+                    <a:sym typeface="+mn-ea"/>
+                  </a:rPr>
+                  <a:t>vẩn đục</a:t>
+                </a:r>
+                <a:r>
+                  <a:rPr lang="en-US" sz="2900">
+                    <a:latin typeface="Calibri" panose="020F0502020204030204" charset="0"/>
+                    <a:cs typeface="Calibri" panose="020F0502020204030204" charset="0"/>
+                    <a:sym typeface="+mn-ea"/>
+                  </a:rPr>
+                  <a:t> nhất</a:t>
+                </a:r>
+                <a:endParaRPr lang="en-US" sz="2900">
+                  <a:latin typeface="Calibri" panose="020F0502020204030204" charset="0"/>
+                  <a:cs typeface="Calibri" panose="020F0502020204030204" charset="0"/>
+                  <a:sym typeface="+mn-ea"/>
+                </a:endParaRPr>
+              </a:p>
+              <a:p>
+                <a:pPr marL="0" indent="457200">
+                  <a:buNone/>
+                </a:pPr>
+                <a:endParaRPr lang="en-US" sz="2900">
+                  <a:latin typeface="Calibri" panose="020F0502020204030204" charset="0"/>
+                  <a:cs typeface="Calibri" panose="020F0502020204030204" charset="0"/>
+                  <a:sym typeface="+mn-ea"/>
+                </a:endParaRPr>
+              </a:p>
+              <a:p>
+                <a:pPr marL="0" indent="0">
+                  <a:buNone/>
+                </a:pPr>
+                <a:endParaRPr lang="en-US" sz="2900">
+                  <a:latin typeface="Calibri" panose="020F0502020204030204" charset="0"/>
+                  <a:cs typeface="Calibri" panose="020F0502020204030204" charset="0"/>
+                </a:endParaRPr>
+              </a:p>
+            </p:txBody>
+          </p:sp>
+        </mc:Choice>
+        <mc:Fallback>
+          <p:sp>
+            <p:nvSpPr>
+              <p:cNvPr id="6" name="Text Box 5"/>
+              <p:cNvSpPr txBox="1">
+                <a:spLocks noRot="1" noChangeAspect="1" noMove="1" noResize="1" noEditPoints="1" noAdjustHandles="1" noChangeArrowheads="1" noChangeShapeType="1" noTextEdit="1"/>
+              </p:cNvSpPr>
+              <p:nvPr/>
+            </p:nvSpPr>
+            <p:spPr>
+              <a:xfrm>
+                <a:off x="6096000" y="2002790"/>
+                <a:ext cx="5568315" cy="3661410"/>
+              </a:xfrm>
+              <a:prstGeom prst="rect">
+                <a:avLst/>
+              </a:prstGeom>
+              <a:blipFill rotWithShape="1">
+                <a:blip r:embed="rId3"/>
+                <a:stretch>
+                  <a:fillRect/>
+                </a:stretch>
+              </a:blipFill>
+            </p:spPr>
+            <p:txBody>
+              <a:bodyPr/>
+              <a:lstStyle/>
+              <a:p>
+                <a:r>
+                  <a:rPr lang="en-US" altLang="en-US">
+                    <a:noFill/>
+                  </a:rPr>
+                  <a:t> </a:t>
+                </a:r>
+              </a:p>
+            </p:txBody>
+          </p:sp>
+        </mc:Fallback>
+      </mc:AlternateContent>
+      <p:pic>
+        <p:nvPicPr>
+          <p:cNvPr id="13" name="Content Placeholder 12" descr="entropy"/>
+          <p:cNvPicPr>
+            <a:picLocks noChangeAspect="1"/>
+          </p:cNvPicPr>
           <p:nvPr>
-            <p:ph sz="half" idx="1"/>
+            <p:ph sz="half" idx="2"/>
           </p:nvPr>
-        </p:nvGraphicFramePr>
-        <p:xfrm>
-          <a:off x="1395730" y="861695"/>
-          <a:ext cx="9401175" cy="5705475"/>
-        </p:xfrm>
-        <a:graphic>
-          <a:graphicData uri="http://schemas.openxmlformats.org/drawingml/2006/table">
-            <a:tbl>
-              <a:tblPr firstRow="1" bandRow="1">
-                <a:tableStyleId>{5C22544A-7EE6-4342-B048-85BDC9FD1C3A}</a:tableStyleId>
-              </a:tblPr>
-              <a:tblGrid>
-                <a:gridCol w="1880235"/>
-                <a:gridCol w="1880235"/>
-                <a:gridCol w="1880235"/>
-                <a:gridCol w="1880235"/>
-                <a:gridCol w="1880235"/>
-              </a:tblGrid>
-              <a:tr h="380365">
-                <a:tc>
-                  <a:txBody>
-                    <a:bodyPr/>
-                    <a:p>
-                      <a:pPr indent="0" algn="ctr">
-                        <a:buNone/>
-                      </a:pPr>
-                      <a:r>
-                        <a:rPr lang="en-US" sz="1800" b="0">
-                          <a:solidFill>
-                            <a:srgbClr val="000000"/>
-                          </a:solidFill>
-                          <a:latin typeface="Arial" panose="020B0604020202020204" pitchFamily="34" charset="0"/>
-                          <a:cs typeface="Arial" panose="020B0604020202020204" pitchFamily="34" charset="0"/>
-                        </a:rPr>
-                        <a:t>outlook</a:t>
-                      </a:r>
-                      <a:endParaRPr lang="en-US" sz="1800" b="0">
-                        <a:solidFill>
-                          <a:srgbClr val="000000"/>
-                        </a:solidFill>
-                        <a:latin typeface="Arial" panose="020B0604020202020204" pitchFamily="34" charset="0"/>
-                        <a:cs typeface="Arial" panose="020B0604020202020204" pitchFamily="34" charset="0"/>
-                      </a:endParaRPr>
-                    </a:p>
-                  </a:txBody>
-                  <a:tcPr marL="12700" marR="12700" marT="12700" vert="horz" anchor="ctr" anchorCtr="0">
-                    <a:solidFill>
-                      <a:srgbClr val="00B0F0"/>
-                    </a:solidFill>
-                  </a:tcPr>
-                </a:tc>
-                <a:tc>
-                  <a:txBody>
-                    <a:bodyPr/>
-                    <a:p>
-                      <a:pPr indent="0" algn="ctr">
-                        <a:buNone/>
-                      </a:pPr>
-                      <a:r>
-                        <a:rPr lang="en-US" sz="1800" b="0">
-                          <a:solidFill>
-                            <a:srgbClr val="000000"/>
-                          </a:solidFill>
-                          <a:latin typeface="Arial" panose="020B0604020202020204" pitchFamily="34" charset="0"/>
-                          <a:cs typeface="Arial" panose="020B0604020202020204" pitchFamily="34" charset="0"/>
-                        </a:rPr>
-                        <a:t>temp</a:t>
-                      </a:r>
-                      <a:endParaRPr lang="en-US" sz="1800" b="0">
-                        <a:solidFill>
-                          <a:srgbClr val="000000"/>
-                        </a:solidFill>
-                        <a:latin typeface="Arial" panose="020B0604020202020204" pitchFamily="34" charset="0"/>
-                        <a:cs typeface="Arial" panose="020B0604020202020204" pitchFamily="34" charset="0"/>
-                      </a:endParaRPr>
-                    </a:p>
-                  </a:txBody>
-                  <a:tcPr marL="12700" marR="12700" marT="12700" vert="horz" anchor="ctr" anchorCtr="0">
-                    <a:solidFill>
-                      <a:srgbClr val="00B0F0"/>
-                    </a:solidFill>
-                  </a:tcPr>
-                </a:tc>
-                <a:tc>
-                  <a:txBody>
-                    <a:bodyPr/>
-                    <a:p>
-                      <a:pPr indent="0" algn="ctr">
-                        <a:buNone/>
-                      </a:pPr>
-                      <a:r>
-                        <a:rPr lang="en-US" sz="1800" b="0">
-                          <a:solidFill>
-                            <a:srgbClr val="000000"/>
-                          </a:solidFill>
-                          <a:latin typeface="Arial" panose="020B0604020202020204" pitchFamily="34" charset="0"/>
-                          <a:cs typeface="Arial" panose="020B0604020202020204" pitchFamily="34" charset="0"/>
-                        </a:rPr>
-                        <a:t>humidity</a:t>
-                      </a:r>
-                      <a:endParaRPr lang="en-US" sz="1800" b="0">
-                        <a:solidFill>
-                          <a:srgbClr val="000000"/>
-                        </a:solidFill>
-                        <a:latin typeface="Arial" panose="020B0604020202020204" pitchFamily="34" charset="0"/>
-                        <a:cs typeface="Arial" panose="020B0604020202020204" pitchFamily="34" charset="0"/>
-                      </a:endParaRPr>
-                    </a:p>
-                  </a:txBody>
-                  <a:tcPr marL="12700" marR="12700" marT="12700" vert="horz" anchor="ctr" anchorCtr="0">
-                    <a:solidFill>
-                      <a:srgbClr val="00B0F0"/>
-                    </a:solidFill>
-                  </a:tcPr>
-                </a:tc>
-                <a:tc>
-                  <a:txBody>
-                    <a:bodyPr/>
-                    <a:p>
-                      <a:pPr indent="0" algn="ctr">
-                        <a:buNone/>
-                      </a:pPr>
-                      <a:r>
-                        <a:rPr lang="en-US" sz="1800" b="0">
-                          <a:solidFill>
-                            <a:srgbClr val="000000"/>
-                          </a:solidFill>
-                          <a:latin typeface="Arial" panose="020B0604020202020204" pitchFamily="34" charset="0"/>
-                          <a:cs typeface="Arial" panose="020B0604020202020204" pitchFamily="34" charset="0"/>
-                        </a:rPr>
-                        <a:t>wind</a:t>
-                      </a:r>
-                      <a:endParaRPr lang="en-US" sz="1800" b="0">
-                        <a:solidFill>
-                          <a:srgbClr val="000000"/>
-                        </a:solidFill>
-                        <a:latin typeface="Arial" panose="020B0604020202020204" pitchFamily="34" charset="0"/>
-                        <a:cs typeface="Arial" panose="020B0604020202020204" pitchFamily="34" charset="0"/>
-                      </a:endParaRPr>
-                    </a:p>
-                  </a:txBody>
-                  <a:tcPr marL="12700" marR="12700" marT="12700" vert="horz" anchor="ctr" anchorCtr="0">
-                    <a:solidFill>
-                      <a:srgbClr val="00B0F0"/>
-                    </a:solidFill>
-                  </a:tcPr>
-                </a:tc>
-                <a:tc>
-                  <a:txBody>
-                    <a:bodyPr/>
-                    <a:p>
-                      <a:pPr indent="0" algn="ctr">
-                        <a:buNone/>
-                      </a:pPr>
-                      <a:r>
-                        <a:rPr lang="en-US" sz="1800" b="0">
-                          <a:solidFill>
-                            <a:srgbClr val="000000"/>
-                          </a:solidFill>
-                          <a:latin typeface="Arial" panose="020B0604020202020204" pitchFamily="34" charset="0"/>
-                          <a:cs typeface="Arial" panose="020B0604020202020204" pitchFamily="34" charset="0"/>
-                        </a:rPr>
-                        <a:t>play</a:t>
-                      </a:r>
-                      <a:endParaRPr lang="en-US" sz="1800" b="0">
-                        <a:solidFill>
-                          <a:srgbClr val="000000"/>
-                        </a:solidFill>
-                        <a:latin typeface="Arial" panose="020B0604020202020204" pitchFamily="34" charset="0"/>
-                        <a:cs typeface="Arial" panose="020B0604020202020204" pitchFamily="34" charset="0"/>
-                      </a:endParaRPr>
-                    </a:p>
-                  </a:txBody>
-                  <a:tcPr marL="12700" marR="12700" marT="12700" vert="horz" anchor="ctr" anchorCtr="0">
-                    <a:solidFill>
-                      <a:srgbClr val="00B0F0"/>
-                    </a:solidFill>
-                  </a:tcPr>
-                </a:tc>
-              </a:tr>
-              <a:tr h="380365">
-                <a:tc>
-                  <a:txBody>
-                    <a:bodyPr/>
-                    <a:p>
-                      <a:pPr indent="0" algn="ctr">
-                        <a:buNone/>
-                      </a:pPr>
-                      <a:r>
-                        <a:rPr lang="en-US" sz="1800" b="0">
-                          <a:solidFill>
-                            <a:srgbClr val="000000"/>
-                          </a:solidFill>
-                          <a:latin typeface="Arial" panose="020B0604020202020204" pitchFamily="34" charset="0"/>
-                          <a:cs typeface="Arial" panose="020B0604020202020204" pitchFamily="34" charset="0"/>
-                        </a:rPr>
-                        <a:t>Sunny</a:t>
-                      </a:r>
-                      <a:endParaRPr lang="en-US" sz="1800" b="0">
-                        <a:solidFill>
-                          <a:srgbClr val="000000"/>
-                        </a:solidFill>
-                        <a:latin typeface="Arial" panose="020B0604020202020204" pitchFamily="34" charset="0"/>
-                        <a:cs typeface="Arial" panose="020B0604020202020204" pitchFamily="34" charset="0"/>
-                      </a:endParaRPr>
-                    </a:p>
-                  </a:txBody>
-                  <a:tcPr marL="12700" marR="12700" marT="12700" vert="horz" anchor="ctr" anchorCtr="0"/>
-                </a:tc>
-                <a:tc>
-                  <a:txBody>
-                    <a:bodyPr/>
-                    <a:p>
-                      <a:pPr indent="0" algn="ctr">
-                        <a:buNone/>
-                      </a:pPr>
-                      <a:r>
-                        <a:rPr lang="en-US" sz="1800" b="0">
-                          <a:solidFill>
-                            <a:srgbClr val="000000"/>
-                          </a:solidFill>
-                          <a:latin typeface="Arial" panose="020B0604020202020204" pitchFamily="34" charset="0"/>
-                          <a:cs typeface="Arial" panose="020B0604020202020204" pitchFamily="34" charset="0"/>
-                        </a:rPr>
-                        <a:t>Hot</a:t>
-                      </a:r>
-                      <a:endParaRPr lang="en-US" sz="1800" b="0">
-                        <a:solidFill>
-                          <a:srgbClr val="000000"/>
-                        </a:solidFill>
-                        <a:latin typeface="Arial" panose="020B0604020202020204" pitchFamily="34" charset="0"/>
-                        <a:cs typeface="Arial" panose="020B0604020202020204" pitchFamily="34" charset="0"/>
-                      </a:endParaRPr>
-                    </a:p>
-                  </a:txBody>
-                  <a:tcPr marL="12700" marR="12700" marT="12700" vert="horz" anchor="ctr" anchorCtr="0"/>
-                </a:tc>
-                <a:tc>
-                  <a:txBody>
-                    <a:bodyPr/>
-                    <a:p>
-                      <a:pPr indent="0" algn="ctr">
-                        <a:buNone/>
-                      </a:pPr>
-                      <a:r>
-                        <a:rPr lang="en-US" sz="1800" b="0">
-                          <a:solidFill>
-                            <a:srgbClr val="000000"/>
-                          </a:solidFill>
-                          <a:latin typeface="Arial" panose="020B0604020202020204" pitchFamily="34" charset="0"/>
-                          <a:cs typeface="Arial" panose="020B0604020202020204" pitchFamily="34" charset="0"/>
-                        </a:rPr>
-                        <a:t>High</a:t>
-                      </a:r>
-                      <a:endParaRPr lang="en-US" sz="1800" b="0">
-                        <a:solidFill>
-                          <a:srgbClr val="000000"/>
-                        </a:solidFill>
-                        <a:latin typeface="Arial" panose="020B0604020202020204" pitchFamily="34" charset="0"/>
-                        <a:cs typeface="Arial" panose="020B0604020202020204" pitchFamily="34" charset="0"/>
-                      </a:endParaRPr>
-                    </a:p>
-                  </a:txBody>
-                  <a:tcPr marL="12700" marR="12700" marT="12700" vert="horz" anchor="ctr" anchorCtr="0"/>
-                </a:tc>
-                <a:tc>
-                  <a:txBody>
-                    <a:bodyPr/>
-                    <a:p>
-                      <a:pPr indent="0" algn="ctr">
-                        <a:buNone/>
-                      </a:pPr>
-                      <a:r>
-                        <a:rPr lang="en-US" sz="1800" b="0">
-                          <a:solidFill>
-                            <a:srgbClr val="000000"/>
-                          </a:solidFill>
-                          <a:latin typeface="Arial" panose="020B0604020202020204" pitchFamily="34" charset="0"/>
-                          <a:cs typeface="Arial" panose="020B0604020202020204" pitchFamily="34" charset="0"/>
-                        </a:rPr>
-                        <a:t>Weak</a:t>
-                      </a:r>
-                      <a:endParaRPr lang="en-US" sz="1800" b="0">
-                        <a:solidFill>
-                          <a:srgbClr val="000000"/>
-                        </a:solidFill>
-                        <a:latin typeface="Arial" panose="020B0604020202020204" pitchFamily="34" charset="0"/>
-                        <a:cs typeface="Arial" panose="020B0604020202020204" pitchFamily="34" charset="0"/>
-                      </a:endParaRPr>
-                    </a:p>
-                  </a:txBody>
-                  <a:tcPr marL="12700" marR="12700" marT="12700" vert="horz" anchor="ctr" anchorCtr="0"/>
-                </a:tc>
-                <a:tc>
-                  <a:txBody>
-                    <a:bodyPr/>
-                    <a:p>
-                      <a:pPr indent="0" algn="ctr">
-                        <a:buNone/>
-                      </a:pPr>
-                      <a:r>
-                        <a:rPr lang="en-US" sz="1800" b="0">
-                          <a:solidFill>
-                            <a:srgbClr val="000000"/>
-                          </a:solidFill>
-                          <a:latin typeface="Arial" panose="020B0604020202020204" pitchFamily="34" charset="0"/>
-                          <a:cs typeface="Arial" panose="020B0604020202020204" pitchFamily="34" charset="0"/>
-                        </a:rPr>
-                        <a:t>No</a:t>
-                      </a:r>
-                      <a:endParaRPr lang="en-US" sz="1800" b="0">
-                        <a:solidFill>
-                          <a:srgbClr val="000000"/>
-                        </a:solidFill>
-                        <a:latin typeface="Arial" panose="020B0604020202020204" pitchFamily="34" charset="0"/>
-                        <a:cs typeface="Arial" panose="020B0604020202020204" pitchFamily="34" charset="0"/>
-                      </a:endParaRPr>
-                    </a:p>
-                  </a:txBody>
-                  <a:tcPr marL="12700" marR="12700" marT="12700" vert="horz" anchor="ctr" anchorCtr="0"/>
-                </a:tc>
-              </a:tr>
-              <a:tr h="380365">
-                <a:tc>
-                  <a:txBody>
-                    <a:bodyPr/>
-                    <a:p>
-                      <a:pPr indent="0" algn="ctr">
-                        <a:buNone/>
-                      </a:pPr>
-                      <a:r>
-                        <a:rPr lang="en-US" sz="1800" b="0">
-                          <a:solidFill>
-                            <a:srgbClr val="000000"/>
-                          </a:solidFill>
-                          <a:latin typeface="Arial" panose="020B0604020202020204" pitchFamily="34" charset="0"/>
-                          <a:cs typeface="Arial" panose="020B0604020202020204" pitchFamily="34" charset="0"/>
-                        </a:rPr>
-                        <a:t>Sunny</a:t>
-                      </a:r>
-                      <a:endParaRPr lang="en-US" sz="1800" b="0">
-                        <a:solidFill>
-                          <a:srgbClr val="000000"/>
-                        </a:solidFill>
-                        <a:latin typeface="Arial" panose="020B0604020202020204" pitchFamily="34" charset="0"/>
-                        <a:cs typeface="Arial" panose="020B0604020202020204" pitchFamily="34" charset="0"/>
-                      </a:endParaRPr>
-                    </a:p>
-                  </a:txBody>
-                  <a:tcPr marL="12700" marR="12700" marT="12700" vert="horz" anchor="ctr" anchorCtr="0"/>
-                </a:tc>
-                <a:tc>
-                  <a:txBody>
-                    <a:bodyPr/>
-                    <a:p>
-                      <a:pPr indent="0" algn="ctr">
-                        <a:buNone/>
-                      </a:pPr>
-                      <a:r>
-                        <a:rPr lang="en-US" sz="1800" b="0">
-                          <a:solidFill>
-                            <a:srgbClr val="000000"/>
-                          </a:solidFill>
-                          <a:latin typeface="Arial" panose="020B0604020202020204" pitchFamily="34" charset="0"/>
-                          <a:cs typeface="Arial" panose="020B0604020202020204" pitchFamily="34" charset="0"/>
-                        </a:rPr>
-                        <a:t>Hot</a:t>
-                      </a:r>
-                      <a:endParaRPr lang="en-US" sz="1800" b="0">
-                        <a:solidFill>
-                          <a:srgbClr val="000000"/>
-                        </a:solidFill>
-                        <a:latin typeface="Arial" panose="020B0604020202020204" pitchFamily="34" charset="0"/>
-                        <a:cs typeface="Arial" panose="020B0604020202020204" pitchFamily="34" charset="0"/>
-                      </a:endParaRPr>
-                    </a:p>
-                  </a:txBody>
-                  <a:tcPr marL="12700" marR="12700" marT="12700" vert="horz" anchor="ctr" anchorCtr="0"/>
-                </a:tc>
-                <a:tc>
-                  <a:txBody>
-                    <a:bodyPr/>
-                    <a:p>
-                      <a:pPr indent="0" algn="ctr">
-                        <a:buNone/>
-                      </a:pPr>
-                      <a:r>
-                        <a:rPr lang="en-US" sz="1800" b="0">
-                          <a:solidFill>
-                            <a:srgbClr val="000000"/>
-                          </a:solidFill>
-                          <a:latin typeface="Arial" panose="020B0604020202020204" pitchFamily="34" charset="0"/>
-                          <a:cs typeface="Arial" panose="020B0604020202020204" pitchFamily="34" charset="0"/>
-                        </a:rPr>
-                        <a:t>High</a:t>
-                      </a:r>
-                      <a:endParaRPr lang="en-US" sz="1800" b="0">
-                        <a:solidFill>
-                          <a:srgbClr val="000000"/>
-                        </a:solidFill>
-                        <a:latin typeface="Arial" panose="020B0604020202020204" pitchFamily="34" charset="0"/>
-                        <a:cs typeface="Arial" panose="020B0604020202020204" pitchFamily="34" charset="0"/>
-                      </a:endParaRPr>
-                    </a:p>
-                  </a:txBody>
-                  <a:tcPr marL="12700" marR="12700" marT="12700" vert="horz" anchor="ctr" anchorCtr="0"/>
-                </a:tc>
-                <a:tc>
-                  <a:txBody>
-                    <a:bodyPr/>
-                    <a:p>
-                      <a:pPr indent="0" algn="ctr">
-                        <a:buNone/>
-                      </a:pPr>
-                      <a:r>
-                        <a:rPr lang="en-US" sz="1800" b="0">
-                          <a:solidFill>
-                            <a:srgbClr val="000000"/>
-                          </a:solidFill>
-                          <a:latin typeface="Arial" panose="020B0604020202020204" pitchFamily="34" charset="0"/>
-                          <a:cs typeface="Arial" panose="020B0604020202020204" pitchFamily="34" charset="0"/>
-                        </a:rPr>
-                        <a:t>Strong</a:t>
-                      </a:r>
-                      <a:endParaRPr lang="en-US" sz="1800" b="0">
-                        <a:solidFill>
-                          <a:srgbClr val="000000"/>
-                        </a:solidFill>
-                        <a:latin typeface="Arial" panose="020B0604020202020204" pitchFamily="34" charset="0"/>
-                        <a:cs typeface="Arial" panose="020B0604020202020204" pitchFamily="34" charset="0"/>
-                      </a:endParaRPr>
-                    </a:p>
-                  </a:txBody>
-                  <a:tcPr marL="12700" marR="12700" marT="12700" vert="horz" anchor="ctr" anchorCtr="0"/>
-                </a:tc>
-                <a:tc>
-                  <a:txBody>
-                    <a:bodyPr/>
-                    <a:p>
-                      <a:pPr indent="0" algn="ctr">
-                        <a:buNone/>
-                      </a:pPr>
-                      <a:r>
-                        <a:rPr lang="en-US" sz="1800" b="0">
-                          <a:solidFill>
-                            <a:srgbClr val="000000"/>
-                          </a:solidFill>
-                          <a:latin typeface="Arial" panose="020B0604020202020204" pitchFamily="34" charset="0"/>
-                          <a:cs typeface="Arial" panose="020B0604020202020204" pitchFamily="34" charset="0"/>
-                        </a:rPr>
-                        <a:t>No</a:t>
-                      </a:r>
-                      <a:endParaRPr lang="en-US" sz="1800" b="0">
-                        <a:solidFill>
-                          <a:srgbClr val="000000"/>
-                        </a:solidFill>
-                        <a:latin typeface="Arial" panose="020B0604020202020204" pitchFamily="34" charset="0"/>
-                        <a:cs typeface="Arial" panose="020B0604020202020204" pitchFamily="34" charset="0"/>
-                      </a:endParaRPr>
-                    </a:p>
-                  </a:txBody>
-                  <a:tcPr marL="12700" marR="12700" marT="12700" vert="horz" anchor="ctr" anchorCtr="0"/>
-                </a:tc>
-              </a:tr>
-              <a:tr h="380365">
-                <a:tc>
-                  <a:txBody>
-                    <a:bodyPr/>
-                    <a:p>
-                      <a:pPr indent="0" algn="ctr">
-                        <a:buNone/>
-                      </a:pPr>
-                      <a:r>
-                        <a:rPr lang="en-US" sz="1800" b="0">
-                          <a:solidFill>
-                            <a:srgbClr val="000000"/>
-                          </a:solidFill>
-                          <a:latin typeface="Arial" panose="020B0604020202020204" pitchFamily="34" charset="0"/>
-                          <a:cs typeface="Arial" panose="020B0604020202020204" pitchFamily="34" charset="0"/>
-                        </a:rPr>
-                        <a:t>Overcast</a:t>
-                      </a:r>
-                      <a:endParaRPr lang="en-US" sz="1800" b="0">
-                        <a:solidFill>
-                          <a:srgbClr val="000000"/>
-                        </a:solidFill>
-                        <a:latin typeface="Arial" panose="020B0604020202020204" pitchFamily="34" charset="0"/>
-                        <a:cs typeface="Arial" panose="020B0604020202020204" pitchFamily="34" charset="0"/>
-                      </a:endParaRPr>
-                    </a:p>
-                  </a:txBody>
-                  <a:tcPr marL="12700" marR="12700" marT="12700" vert="horz" anchor="ctr" anchorCtr="0"/>
-                </a:tc>
-                <a:tc>
-                  <a:txBody>
-                    <a:bodyPr/>
-                    <a:p>
-                      <a:pPr indent="0" algn="ctr">
-                        <a:buNone/>
-                      </a:pPr>
-                      <a:r>
-                        <a:rPr lang="en-US" sz="1800" b="0">
-                          <a:solidFill>
-                            <a:srgbClr val="000000"/>
-                          </a:solidFill>
-                          <a:latin typeface="Arial" panose="020B0604020202020204" pitchFamily="34" charset="0"/>
-                          <a:cs typeface="Arial" panose="020B0604020202020204" pitchFamily="34" charset="0"/>
-                        </a:rPr>
-                        <a:t>Hot</a:t>
-                      </a:r>
-                      <a:endParaRPr lang="en-US" sz="1800" b="0">
-                        <a:solidFill>
-                          <a:srgbClr val="000000"/>
-                        </a:solidFill>
-                        <a:latin typeface="Arial" panose="020B0604020202020204" pitchFamily="34" charset="0"/>
-                        <a:cs typeface="Arial" panose="020B0604020202020204" pitchFamily="34" charset="0"/>
-                      </a:endParaRPr>
-                    </a:p>
-                  </a:txBody>
-                  <a:tcPr marL="12700" marR="12700" marT="12700" vert="horz" anchor="ctr" anchorCtr="0"/>
-                </a:tc>
-                <a:tc>
-                  <a:txBody>
-                    <a:bodyPr/>
-                    <a:p>
-                      <a:pPr indent="0" algn="ctr">
-                        <a:buNone/>
-                      </a:pPr>
-                      <a:r>
-                        <a:rPr lang="en-US" sz="1800" b="0">
-                          <a:solidFill>
-                            <a:srgbClr val="000000"/>
-                          </a:solidFill>
-                          <a:latin typeface="Arial" panose="020B0604020202020204" pitchFamily="34" charset="0"/>
-                          <a:cs typeface="Arial" panose="020B0604020202020204" pitchFamily="34" charset="0"/>
-                        </a:rPr>
-                        <a:t>High</a:t>
-                      </a:r>
-                      <a:endParaRPr lang="en-US" sz="1800" b="0">
-                        <a:solidFill>
-                          <a:srgbClr val="000000"/>
-                        </a:solidFill>
-                        <a:latin typeface="Arial" panose="020B0604020202020204" pitchFamily="34" charset="0"/>
-                        <a:cs typeface="Arial" panose="020B0604020202020204" pitchFamily="34" charset="0"/>
-                      </a:endParaRPr>
-                    </a:p>
-                  </a:txBody>
-                  <a:tcPr marL="12700" marR="12700" marT="12700" vert="horz" anchor="ctr" anchorCtr="0"/>
-                </a:tc>
-                <a:tc>
-                  <a:txBody>
-                    <a:bodyPr/>
-                    <a:p>
-                      <a:pPr indent="0" algn="ctr">
-                        <a:buNone/>
-                      </a:pPr>
-                      <a:r>
-                        <a:rPr lang="en-US" sz="1800" b="0">
-                          <a:solidFill>
-                            <a:srgbClr val="000000"/>
-                          </a:solidFill>
-                          <a:latin typeface="Arial" panose="020B0604020202020204" pitchFamily="34" charset="0"/>
-                          <a:cs typeface="Arial" panose="020B0604020202020204" pitchFamily="34" charset="0"/>
-                        </a:rPr>
-                        <a:t>Weak</a:t>
-                      </a:r>
-                      <a:endParaRPr lang="en-US" sz="1800" b="0">
-                        <a:solidFill>
-                          <a:srgbClr val="000000"/>
-                        </a:solidFill>
-                        <a:latin typeface="Arial" panose="020B0604020202020204" pitchFamily="34" charset="0"/>
-                        <a:cs typeface="Arial" panose="020B0604020202020204" pitchFamily="34" charset="0"/>
-                      </a:endParaRPr>
-                    </a:p>
-                  </a:txBody>
-                  <a:tcPr marL="12700" marR="12700" marT="12700" vert="horz" anchor="ctr" anchorCtr="0"/>
-                </a:tc>
-                <a:tc>
-                  <a:txBody>
-                    <a:bodyPr/>
-                    <a:p>
-                      <a:pPr indent="0" algn="ctr">
-                        <a:buNone/>
-                      </a:pPr>
-                      <a:r>
-                        <a:rPr lang="en-US" sz="1800" b="0">
-                          <a:solidFill>
-                            <a:srgbClr val="000000"/>
-                          </a:solidFill>
-                          <a:latin typeface="Arial" panose="020B0604020202020204" pitchFamily="34" charset="0"/>
-                          <a:cs typeface="Arial" panose="020B0604020202020204" pitchFamily="34" charset="0"/>
-                        </a:rPr>
-                        <a:t>Yes</a:t>
-                      </a:r>
-                      <a:endParaRPr lang="en-US" sz="1800" b="0">
-                        <a:solidFill>
-                          <a:srgbClr val="000000"/>
-                        </a:solidFill>
-                        <a:latin typeface="Arial" panose="020B0604020202020204" pitchFamily="34" charset="0"/>
-                        <a:cs typeface="Arial" panose="020B0604020202020204" pitchFamily="34" charset="0"/>
-                      </a:endParaRPr>
-                    </a:p>
-                  </a:txBody>
-                  <a:tcPr marL="12700" marR="12700" marT="12700" vert="horz" anchor="ctr" anchorCtr="0"/>
-                </a:tc>
-              </a:tr>
-              <a:tr h="380365">
-                <a:tc>
-                  <a:txBody>
-                    <a:bodyPr/>
-                    <a:p>
-                      <a:pPr indent="0" algn="ctr">
-                        <a:buNone/>
-                      </a:pPr>
-                      <a:r>
-                        <a:rPr lang="en-US" sz="1800" b="0">
-                          <a:solidFill>
-                            <a:srgbClr val="000000"/>
-                          </a:solidFill>
-                          <a:latin typeface="Arial" panose="020B0604020202020204" pitchFamily="34" charset="0"/>
-                          <a:cs typeface="Arial" panose="020B0604020202020204" pitchFamily="34" charset="0"/>
-                        </a:rPr>
-                        <a:t>Rain</a:t>
-                      </a:r>
-                      <a:endParaRPr lang="en-US" sz="1800" b="0">
-                        <a:solidFill>
-                          <a:srgbClr val="000000"/>
-                        </a:solidFill>
-                        <a:latin typeface="Arial" panose="020B0604020202020204" pitchFamily="34" charset="0"/>
-                        <a:cs typeface="Arial" panose="020B0604020202020204" pitchFamily="34" charset="0"/>
-                      </a:endParaRPr>
-                    </a:p>
-                  </a:txBody>
-                  <a:tcPr marL="12700" marR="12700" marT="12700" vert="horz" anchor="ctr" anchorCtr="0"/>
-                </a:tc>
-                <a:tc>
-                  <a:txBody>
-                    <a:bodyPr/>
-                    <a:p>
-                      <a:pPr indent="0" algn="ctr">
-                        <a:buNone/>
-                      </a:pPr>
-                      <a:r>
-                        <a:rPr lang="en-US" sz="1800" b="0">
-                          <a:solidFill>
-                            <a:srgbClr val="000000"/>
-                          </a:solidFill>
-                          <a:latin typeface="Arial" panose="020B0604020202020204" pitchFamily="34" charset="0"/>
-                          <a:cs typeface="Arial" panose="020B0604020202020204" pitchFamily="34" charset="0"/>
-                        </a:rPr>
-                        <a:t>Mild</a:t>
-                      </a:r>
-                      <a:endParaRPr lang="en-US" sz="1800" b="0">
-                        <a:solidFill>
-                          <a:srgbClr val="000000"/>
-                        </a:solidFill>
-                        <a:latin typeface="Arial" panose="020B0604020202020204" pitchFamily="34" charset="0"/>
-                        <a:cs typeface="Arial" panose="020B0604020202020204" pitchFamily="34" charset="0"/>
-                      </a:endParaRPr>
-                    </a:p>
-                  </a:txBody>
-                  <a:tcPr marL="12700" marR="12700" marT="12700" vert="horz" anchor="ctr" anchorCtr="0"/>
-                </a:tc>
-                <a:tc>
-                  <a:txBody>
-                    <a:bodyPr/>
-                    <a:p>
-                      <a:pPr indent="0" algn="ctr">
-                        <a:buNone/>
-                      </a:pPr>
-                      <a:r>
-                        <a:rPr lang="en-US" sz="1800" b="0">
-                          <a:solidFill>
-                            <a:srgbClr val="000000"/>
-                          </a:solidFill>
-                          <a:latin typeface="Arial" panose="020B0604020202020204" pitchFamily="34" charset="0"/>
-                          <a:cs typeface="Arial" panose="020B0604020202020204" pitchFamily="34" charset="0"/>
-                        </a:rPr>
-                        <a:t>High</a:t>
-                      </a:r>
-                      <a:endParaRPr lang="en-US" sz="1800" b="0">
-                        <a:solidFill>
-                          <a:srgbClr val="000000"/>
-                        </a:solidFill>
-                        <a:latin typeface="Arial" panose="020B0604020202020204" pitchFamily="34" charset="0"/>
-                        <a:cs typeface="Arial" panose="020B0604020202020204" pitchFamily="34" charset="0"/>
-                      </a:endParaRPr>
-                    </a:p>
-                  </a:txBody>
-                  <a:tcPr marL="12700" marR="12700" marT="12700" vert="horz" anchor="ctr" anchorCtr="0"/>
-                </a:tc>
-                <a:tc>
-                  <a:txBody>
-                    <a:bodyPr/>
-                    <a:p>
-                      <a:pPr indent="0" algn="ctr">
-                        <a:buNone/>
-                      </a:pPr>
-                      <a:r>
-                        <a:rPr lang="en-US" sz="1800" b="0">
-                          <a:solidFill>
-                            <a:srgbClr val="000000"/>
-                          </a:solidFill>
-                          <a:latin typeface="Arial" panose="020B0604020202020204" pitchFamily="34" charset="0"/>
-                          <a:cs typeface="Arial" panose="020B0604020202020204" pitchFamily="34" charset="0"/>
-                        </a:rPr>
-                        <a:t>Weak</a:t>
-                      </a:r>
-                      <a:endParaRPr lang="en-US" sz="1800" b="0">
-                        <a:solidFill>
-                          <a:srgbClr val="000000"/>
-                        </a:solidFill>
-                        <a:latin typeface="Arial" panose="020B0604020202020204" pitchFamily="34" charset="0"/>
-                        <a:cs typeface="Arial" panose="020B0604020202020204" pitchFamily="34" charset="0"/>
-                      </a:endParaRPr>
-                    </a:p>
-                  </a:txBody>
-                  <a:tcPr marL="12700" marR="12700" marT="12700" vert="horz" anchor="ctr" anchorCtr="0"/>
-                </a:tc>
-                <a:tc>
-                  <a:txBody>
-                    <a:bodyPr/>
-                    <a:p>
-                      <a:pPr indent="0" algn="ctr">
-                        <a:buNone/>
-                      </a:pPr>
-                      <a:r>
-                        <a:rPr lang="en-US" sz="1800" b="0">
-                          <a:solidFill>
-                            <a:srgbClr val="000000"/>
-                          </a:solidFill>
-                          <a:latin typeface="Arial" panose="020B0604020202020204" pitchFamily="34" charset="0"/>
-                          <a:cs typeface="Arial" panose="020B0604020202020204" pitchFamily="34" charset="0"/>
-                        </a:rPr>
-                        <a:t>Yes</a:t>
-                      </a:r>
-                      <a:endParaRPr lang="en-US" sz="1800" b="0">
-                        <a:solidFill>
-                          <a:srgbClr val="000000"/>
-                        </a:solidFill>
-                        <a:latin typeface="Arial" panose="020B0604020202020204" pitchFamily="34" charset="0"/>
-                        <a:cs typeface="Arial" panose="020B0604020202020204" pitchFamily="34" charset="0"/>
-                      </a:endParaRPr>
-                    </a:p>
-                  </a:txBody>
-                  <a:tcPr marL="12700" marR="12700" marT="12700" vert="horz" anchor="ctr" anchorCtr="0"/>
-                </a:tc>
-              </a:tr>
-              <a:tr h="380365">
-                <a:tc>
-                  <a:txBody>
-                    <a:bodyPr/>
-                    <a:p>
-                      <a:pPr indent="0" algn="ctr">
-                        <a:buNone/>
-                      </a:pPr>
-                      <a:r>
-                        <a:rPr lang="en-US" sz="1800" b="0">
-                          <a:solidFill>
-                            <a:srgbClr val="000000"/>
-                          </a:solidFill>
-                          <a:latin typeface="Arial" panose="020B0604020202020204" pitchFamily="34" charset="0"/>
-                          <a:cs typeface="Arial" panose="020B0604020202020204" pitchFamily="34" charset="0"/>
-                        </a:rPr>
-                        <a:t>Rain</a:t>
-                      </a:r>
-                      <a:endParaRPr lang="en-US" sz="1800" b="0">
-                        <a:solidFill>
-                          <a:srgbClr val="000000"/>
-                        </a:solidFill>
-                        <a:latin typeface="Arial" panose="020B0604020202020204" pitchFamily="34" charset="0"/>
-                        <a:cs typeface="Arial" panose="020B0604020202020204" pitchFamily="34" charset="0"/>
-                      </a:endParaRPr>
-                    </a:p>
-                  </a:txBody>
-                  <a:tcPr marL="12700" marR="12700" marT="12700" vert="horz" anchor="ctr" anchorCtr="0"/>
-                </a:tc>
-                <a:tc>
-                  <a:txBody>
-                    <a:bodyPr/>
-                    <a:p>
-                      <a:pPr indent="0" algn="ctr">
-                        <a:buNone/>
-                      </a:pPr>
-                      <a:r>
-                        <a:rPr lang="en-US" sz="1800" b="0">
-                          <a:solidFill>
-                            <a:srgbClr val="000000"/>
-                          </a:solidFill>
-                          <a:latin typeface="Arial" panose="020B0604020202020204" pitchFamily="34" charset="0"/>
-                          <a:cs typeface="Arial" panose="020B0604020202020204" pitchFamily="34" charset="0"/>
-                        </a:rPr>
-                        <a:t>Cool</a:t>
-                      </a:r>
-                      <a:endParaRPr lang="en-US" sz="1800" b="0">
-                        <a:solidFill>
-                          <a:srgbClr val="000000"/>
-                        </a:solidFill>
-                        <a:latin typeface="Arial" panose="020B0604020202020204" pitchFamily="34" charset="0"/>
-                        <a:cs typeface="Arial" panose="020B0604020202020204" pitchFamily="34" charset="0"/>
-                      </a:endParaRPr>
-                    </a:p>
-                  </a:txBody>
-                  <a:tcPr marL="12700" marR="12700" marT="12700" vert="horz" anchor="ctr" anchorCtr="0"/>
-                </a:tc>
-                <a:tc>
-                  <a:txBody>
-                    <a:bodyPr/>
-                    <a:p>
-                      <a:pPr indent="0" algn="ctr">
-                        <a:buNone/>
-                      </a:pPr>
-                      <a:r>
-                        <a:rPr lang="en-US" sz="1800" b="0">
-                          <a:solidFill>
-                            <a:srgbClr val="000000"/>
-                          </a:solidFill>
-                          <a:latin typeface="Arial" panose="020B0604020202020204" pitchFamily="34" charset="0"/>
-                          <a:cs typeface="Arial" panose="020B0604020202020204" pitchFamily="34" charset="0"/>
-                        </a:rPr>
-                        <a:t>Normal</a:t>
-                      </a:r>
-                      <a:endParaRPr lang="en-US" sz="1800" b="0">
-                        <a:solidFill>
-                          <a:srgbClr val="000000"/>
-                        </a:solidFill>
-                        <a:latin typeface="Arial" panose="020B0604020202020204" pitchFamily="34" charset="0"/>
-                        <a:cs typeface="Arial" panose="020B0604020202020204" pitchFamily="34" charset="0"/>
-                      </a:endParaRPr>
-                    </a:p>
-                  </a:txBody>
-                  <a:tcPr marL="12700" marR="12700" marT="12700" vert="horz" anchor="ctr" anchorCtr="0"/>
-                </a:tc>
-                <a:tc>
-                  <a:txBody>
-                    <a:bodyPr/>
-                    <a:p>
-                      <a:pPr indent="0" algn="ctr">
-                        <a:buNone/>
-                      </a:pPr>
-                      <a:r>
-                        <a:rPr lang="en-US" sz="1800" b="0">
-                          <a:solidFill>
-                            <a:srgbClr val="000000"/>
-                          </a:solidFill>
-                          <a:latin typeface="Arial" panose="020B0604020202020204" pitchFamily="34" charset="0"/>
-                          <a:cs typeface="Arial" panose="020B0604020202020204" pitchFamily="34" charset="0"/>
-                        </a:rPr>
-                        <a:t>Weak</a:t>
-                      </a:r>
-                      <a:endParaRPr lang="en-US" sz="1800" b="0">
-                        <a:solidFill>
-                          <a:srgbClr val="000000"/>
-                        </a:solidFill>
-                        <a:latin typeface="Arial" panose="020B0604020202020204" pitchFamily="34" charset="0"/>
-                        <a:cs typeface="Arial" panose="020B0604020202020204" pitchFamily="34" charset="0"/>
-                      </a:endParaRPr>
-                    </a:p>
-                  </a:txBody>
-                  <a:tcPr marL="12700" marR="12700" marT="12700" vert="horz" anchor="ctr" anchorCtr="0"/>
-                </a:tc>
-                <a:tc>
-                  <a:txBody>
-                    <a:bodyPr/>
-                    <a:p>
-                      <a:pPr indent="0" algn="ctr">
-                        <a:buNone/>
-                      </a:pPr>
-                      <a:r>
-                        <a:rPr lang="en-US" sz="1800" b="0">
-                          <a:solidFill>
-                            <a:srgbClr val="000000"/>
-                          </a:solidFill>
-                          <a:latin typeface="Arial" panose="020B0604020202020204" pitchFamily="34" charset="0"/>
-                          <a:cs typeface="Arial" panose="020B0604020202020204" pitchFamily="34" charset="0"/>
-                        </a:rPr>
-                        <a:t>Yes</a:t>
-                      </a:r>
-                      <a:endParaRPr lang="en-US" sz="1800" b="0">
-                        <a:solidFill>
-                          <a:srgbClr val="000000"/>
-                        </a:solidFill>
-                        <a:latin typeface="Arial" panose="020B0604020202020204" pitchFamily="34" charset="0"/>
-                        <a:cs typeface="Arial" panose="020B0604020202020204" pitchFamily="34" charset="0"/>
-                      </a:endParaRPr>
-                    </a:p>
-                  </a:txBody>
-                  <a:tcPr marL="12700" marR="12700" marT="12700" vert="horz" anchor="ctr" anchorCtr="0"/>
-                </a:tc>
-              </a:tr>
-              <a:tr h="380365">
-                <a:tc>
-                  <a:txBody>
-                    <a:bodyPr/>
-                    <a:p>
-                      <a:pPr indent="0" algn="ctr">
-                        <a:buNone/>
-                      </a:pPr>
-                      <a:r>
-                        <a:rPr lang="en-US" sz="1800" b="0">
-                          <a:solidFill>
-                            <a:srgbClr val="000000"/>
-                          </a:solidFill>
-                          <a:latin typeface="Arial" panose="020B0604020202020204" pitchFamily="34" charset="0"/>
-                          <a:cs typeface="Arial" panose="020B0604020202020204" pitchFamily="34" charset="0"/>
-                        </a:rPr>
-                        <a:t>Rain</a:t>
-                      </a:r>
-                      <a:endParaRPr lang="en-US" sz="1800" b="0">
-                        <a:solidFill>
-                          <a:srgbClr val="000000"/>
-                        </a:solidFill>
-                        <a:latin typeface="Arial" panose="020B0604020202020204" pitchFamily="34" charset="0"/>
-                        <a:cs typeface="Arial" panose="020B0604020202020204" pitchFamily="34" charset="0"/>
-                      </a:endParaRPr>
-                    </a:p>
-                  </a:txBody>
-                  <a:tcPr marL="12700" marR="12700" marT="12700" vert="horz" anchor="ctr" anchorCtr="0"/>
-                </a:tc>
-                <a:tc>
-                  <a:txBody>
-                    <a:bodyPr/>
-                    <a:p>
-                      <a:pPr indent="0" algn="ctr">
-                        <a:buNone/>
-                      </a:pPr>
-                      <a:r>
-                        <a:rPr lang="en-US" sz="1800" b="0">
-                          <a:solidFill>
-                            <a:srgbClr val="000000"/>
-                          </a:solidFill>
-                          <a:latin typeface="Arial" panose="020B0604020202020204" pitchFamily="34" charset="0"/>
-                          <a:cs typeface="Arial" panose="020B0604020202020204" pitchFamily="34" charset="0"/>
-                        </a:rPr>
-                        <a:t>Cool</a:t>
-                      </a:r>
-                      <a:endParaRPr lang="en-US" sz="1800" b="0">
-                        <a:solidFill>
-                          <a:srgbClr val="000000"/>
-                        </a:solidFill>
-                        <a:latin typeface="Arial" panose="020B0604020202020204" pitchFamily="34" charset="0"/>
-                        <a:cs typeface="Arial" panose="020B0604020202020204" pitchFamily="34" charset="0"/>
-                      </a:endParaRPr>
-                    </a:p>
-                  </a:txBody>
-                  <a:tcPr marL="12700" marR="12700" marT="12700" vert="horz" anchor="ctr" anchorCtr="0"/>
-                </a:tc>
-                <a:tc>
-                  <a:txBody>
-                    <a:bodyPr/>
-                    <a:p>
-                      <a:pPr indent="0" algn="ctr">
-                        <a:buNone/>
-                      </a:pPr>
-                      <a:r>
-                        <a:rPr lang="en-US" sz="1800" b="0">
-                          <a:solidFill>
-                            <a:srgbClr val="000000"/>
-                          </a:solidFill>
-                          <a:latin typeface="Arial" panose="020B0604020202020204" pitchFamily="34" charset="0"/>
-                          <a:cs typeface="Arial" panose="020B0604020202020204" pitchFamily="34" charset="0"/>
-                        </a:rPr>
-                        <a:t>Normal</a:t>
-                      </a:r>
-                      <a:endParaRPr lang="en-US" sz="1800" b="0">
-                        <a:solidFill>
-                          <a:srgbClr val="000000"/>
-                        </a:solidFill>
-                        <a:latin typeface="Arial" panose="020B0604020202020204" pitchFamily="34" charset="0"/>
-                        <a:cs typeface="Arial" panose="020B0604020202020204" pitchFamily="34" charset="0"/>
-                      </a:endParaRPr>
-                    </a:p>
-                  </a:txBody>
-                  <a:tcPr marL="12700" marR="12700" marT="12700" vert="horz" anchor="ctr" anchorCtr="0"/>
-                </a:tc>
-                <a:tc>
-                  <a:txBody>
-                    <a:bodyPr/>
-                    <a:p>
-                      <a:pPr indent="0" algn="ctr">
-                        <a:buNone/>
-                      </a:pPr>
-                      <a:r>
-                        <a:rPr lang="en-US" sz="1800" b="0">
-                          <a:solidFill>
-                            <a:srgbClr val="000000"/>
-                          </a:solidFill>
-                          <a:latin typeface="Arial" panose="020B0604020202020204" pitchFamily="34" charset="0"/>
-                          <a:cs typeface="Arial" panose="020B0604020202020204" pitchFamily="34" charset="0"/>
-                        </a:rPr>
-                        <a:t>Strong</a:t>
-                      </a:r>
-                      <a:endParaRPr lang="en-US" sz="1800" b="0">
-                        <a:solidFill>
-                          <a:srgbClr val="000000"/>
-                        </a:solidFill>
-                        <a:latin typeface="Arial" panose="020B0604020202020204" pitchFamily="34" charset="0"/>
-                        <a:cs typeface="Arial" panose="020B0604020202020204" pitchFamily="34" charset="0"/>
-                      </a:endParaRPr>
-                    </a:p>
-                  </a:txBody>
-                  <a:tcPr marL="12700" marR="12700" marT="12700" vert="horz" anchor="ctr" anchorCtr="0"/>
-                </a:tc>
-                <a:tc>
-                  <a:txBody>
-                    <a:bodyPr/>
-                    <a:p>
-                      <a:pPr indent="0" algn="ctr">
-                        <a:buNone/>
-                      </a:pPr>
-                      <a:r>
-                        <a:rPr lang="en-US" sz="1800" b="0">
-                          <a:solidFill>
-                            <a:srgbClr val="000000"/>
-                          </a:solidFill>
-                          <a:latin typeface="Arial" panose="020B0604020202020204" pitchFamily="34" charset="0"/>
-                          <a:cs typeface="Arial" panose="020B0604020202020204" pitchFamily="34" charset="0"/>
-                        </a:rPr>
-                        <a:t>No</a:t>
-                      </a:r>
-                      <a:endParaRPr lang="en-US" sz="1800" b="0">
-                        <a:solidFill>
-                          <a:srgbClr val="000000"/>
-                        </a:solidFill>
-                        <a:latin typeface="Arial" panose="020B0604020202020204" pitchFamily="34" charset="0"/>
-                        <a:cs typeface="Arial" panose="020B0604020202020204" pitchFamily="34" charset="0"/>
-                      </a:endParaRPr>
-                    </a:p>
-                  </a:txBody>
-                  <a:tcPr marL="12700" marR="12700" marT="12700" vert="horz" anchor="ctr" anchorCtr="0"/>
-                </a:tc>
-              </a:tr>
-              <a:tr h="380365">
-                <a:tc>
-                  <a:txBody>
-                    <a:bodyPr/>
-                    <a:p>
-                      <a:pPr indent="0" algn="ctr">
-                        <a:buNone/>
-                      </a:pPr>
-                      <a:r>
-                        <a:rPr lang="en-US" sz="1800" b="0">
-                          <a:solidFill>
-                            <a:srgbClr val="000000"/>
-                          </a:solidFill>
-                          <a:latin typeface="Arial" panose="020B0604020202020204" pitchFamily="34" charset="0"/>
-                          <a:cs typeface="Arial" panose="020B0604020202020204" pitchFamily="34" charset="0"/>
-                        </a:rPr>
-                        <a:t>Overcast</a:t>
-                      </a:r>
-                      <a:endParaRPr lang="en-US" sz="1800" b="0">
-                        <a:solidFill>
-                          <a:srgbClr val="000000"/>
-                        </a:solidFill>
-                        <a:latin typeface="Arial" panose="020B0604020202020204" pitchFamily="34" charset="0"/>
-                        <a:cs typeface="Arial" panose="020B0604020202020204" pitchFamily="34" charset="0"/>
-                      </a:endParaRPr>
-                    </a:p>
-                  </a:txBody>
-                  <a:tcPr marL="12700" marR="12700" marT="12700" vert="horz" anchor="ctr" anchorCtr="0"/>
-                </a:tc>
-                <a:tc>
-                  <a:txBody>
-                    <a:bodyPr/>
-                    <a:p>
-                      <a:pPr indent="0" algn="ctr">
-                        <a:buNone/>
-                      </a:pPr>
-                      <a:r>
-                        <a:rPr lang="en-US" sz="1800" b="0">
-                          <a:solidFill>
-                            <a:srgbClr val="000000"/>
-                          </a:solidFill>
-                          <a:latin typeface="Arial" panose="020B0604020202020204" pitchFamily="34" charset="0"/>
-                          <a:cs typeface="Arial" panose="020B0604020202020204" pitchFamily="34" charset="0"/>
-                        </a:rPr>
-                        <a:t>Cool</a:t>
-                      </a:r>
-                      <a:endParaRPr lang="en-US" sz="1800" b="0">
-                        <a:solidFill>
-                          <a:srgbClr val="000000"/>
-                        </a:solidFill>
-                        <a:latin typeface="Arial" panose="020B0604020202020204" pitchFamily="34" charset="0"/>
-                        <a:cs typeface="Arial" panose="020B0604020202020204" pitchFamily="34" charset="0"/>
-                      </a:endParaRPr>
-                    </a:p>
-                  </a:txBody>
-                  <a:tcPr marL="12700" marR="12700" marT="12700" vert="horz" anchor="ctr" anchorCtr="0"/>
-                </a:tc>
-                <a:tc>
-                  <a:txBody>
-                    <a:bodyPr/>
-                    <a:p>
-                      <a:pPr indent="0" algn="ctr">
-                        <a:buNone/>
-                      </a:pPr>
-                      <a:r>
-                        <a:rPr lang="en-US" sz="1800" b="0">
-                          <a:solidFill>
-                            <a:srgbClr val="000000"/>
-                          </a:solidFill>
-                          <a:latin typeface="Arial" panose="020B0604020202020204" pitchFamily="34" charset="0"/>
-                          <a:cs typeface="Arial" panose="020B0604020202020204" pitchFamily="34" charset="0"/>
-                        </a:rPr>
-                        <a:t>Normal</a:t>
-                      </a:r>
-                      <a:endParaRPr lang="en-US" sz="1800" b="0">
-                        <a:solidFill>
-                          <a:srgbClr val="000000"/>
-                        </a:solidFill>
-                        <a:latin typeface="Arial" panose="020B0604020202020204" pitchFamily="34" charset="0"/>
-                        <a:cs typeface="Arial" panose="020B0604020202020204" pitchFamily="34" charset="0"/>
-                      </a:endParaRPr>
-                    </a:p>
-                  </a:txBody>
-                  <a:tcPr marL="12700" marR="12700" marT="12700" vert="horz" anchor="ctr" anchorCtr="0"/>
-                </a:tc>
-                <a:tc>
-                  <a:txBody>
-                    <a:bodyPr/>
-                    <a:p>
-                      <a:pPr indent="0" algn="ctr">
-                        <a:buNone/>
-                      </a:pPr>
-                      <a:r>
-                        <a:rPr lang="en-US" sz="1800" b="0">
-                          <a:solidFill>
-                            <a:srgbClr val="000000"/>
-                          </a:solidFill>
-                          <a:latin typeface="Arial" panose="020B0604020202020204" pitchFamily="34" charset="0"/>
-                          <a:cs typeface="Arial" panose="020B0604020202020204" pitchFamily="34" charset="0"/>
-                        </a:rPr>
-                        <a:t>Strong</a:t>
-                      </a:r>
-                      <a:endParaRPr lang="en-US" sz="1800" b="0">
-                        <a:solidFill>
-                          <a:srgbClr val="000000"/>
-                        </a:solidFill>
-                        <a:latin typeface="Arial" panose="020B0604020202020204" pitchFamily="34" charset="0"/>
-                        <a:cs typeface="Arial" panose="020B0604020202020204" pitchFamily="34" charset="0"/>
-                      </a:endParaRPr>
-                    </a:p>
-                  </a:txBody>
-                  <a:tcPr marL="12700" marR="12700" marT="12700" vert="horz" anchor="ctr" anchorCtr="0"/>
-                </a:tc>
-                <a:tc>
-                  <a:txBody>
-                    <a:bodyPr/>
-                    <a:p>
-                      <a:pPr indent="0" algn="ctr">
-                        <a:buNone/>
-                      </a:pPr>
-                      <a:r>
-                        <a:rPr lang="en-US" sz="1800" b="0">
-                          <a:solidFill>
-                            <a:srgbClr val="000000"/>
-                          </a:solidFill>
-                          <a:latin typeface="Arial" panose="020B0604020202020204" pitchFamily="34" charset="0"/>
-                          <a:cs typeface="Arial" panose="020B0604020202020204" pitchFamily="34" charset="0"/>
-                        </a:rPr>
-                        <a:t>Yes</a:t>
-                      </a:r>
-                      <a:endParaRPr lang="en-US" sz="1800" b="0">
-                        <a:solidFill>
-                          <a:srgbClr val="000000"/>
-                        </a:solidFill>
-                        <a:latin typeface="Arial" panose="020B0604020202020204" pitchFamily="34" charset="0"/>
-                        <a:cs typeface="Arial" panose="020B0604020202020204" pitchFamily="34" charset="0"/>
-                      </a:endParaRPr>
-                    </a:p>
-                  </a:txBody>
-                  <a:tcPr marL="12700" marR="12700" marT="12700" vert="horz" anchor="ctr" anchorCtr="0"/>
-                </a:tc>
-              </a:tr>
-              <a:tr h="380365">
-                <a:tc>
-                  <a:txBody>
-                    <a:bodyPr/>
-                    <a:p>
-                      <a:pPr indent="0" algn="ctr">
-                        <a:buNone/>
-                      </a:pPr>
-                      <a:r>
-                        <a:rPr lang="en-US" sz="1800" b="0">
-                          <a:solidFill>
-                            <a:srgbClr val="000000"/>
-                          </a:solidFill>
-                          <a:latin typeface="Arial" panose="020B0604020202020204" pitchFamily="34" charset="0"/>
-                          <a:cs typeface="Arial" panose="020B0604020202020204" pitchFamily="34" charset="0"/>
-                        </a:rPr>
-                        <a:t>Sunny</a:t>
-                      </a:r>
-                      <a:endParaRPr lang="en-US" sz="1800" b="0">
-                        <a:solidFill>
-                          <a:srgbClr val="000000"/>
-                        </a:solidFill>
-                        <a:latin typeface="Arial" panose="020B0604020202020204" pitchFamily="34" charset="0"/>
-                        <a:cs typeface="Arial" panose="020B0604020202020204" pitchFamily="34" charset="0"/>
-                      </a:endParaRPr>
-                    </a:p>
-                  </a:txBody>
-                  <a:tcPr marL="12700" marR="12700" marT="12700" vert="horz" anchor="ctr" anchorCtr="0"/>
-                </a:tc>
-                <a:tc>
-                  <a:txBody>
-                    <a:bodyPr/>
-                    <a:p>
-                      <a:pPr indent="0" algn="ctr">
-                        <a:buNone/>
-                      </a:pPr>
-                      <a:r>
-                        <a:rPr lang="en-US" sz="1800" b="0">
-                          <a:solidFill>
-                            <a:srgbClr val="000000"/>
-                          </a:solidFill>
-                          <a:latin typeface="Arial" panose="020B0604020202020204" pitchFamily="34" charset="0"/>
-                          <a:cs typeface="Arial" panose="020B0604020202020204" pitchFamily="34" charset="0"/>
-                        </a:rPr>
-                        <a:t>Mild</a:t>
-                      </a:r>
-                      <a:endParaRPr lang="en-US" sz="1800" b="0">
-                        <a:solidFill>
-                          <a:srgbClr val="000000"/>
-                        </a:solidFill>
-                        <a:latin typeface="Arial" panose="020B0604020202020204" pitchFamily="34" charset="0"/>
-                        <a:cs typeface="Arial" panose="020B0604020202020204" pitchFamily="34" charset="0"/>
-                      </a:endParaRPr>
-                    </a:p>
-                  </a:txBody>
-                  <a:tcPr marL="12700" marR="12700" marT="12700" vert="horz" anchor="ctr" anchorCtr="0"/>
-                </a:tc>
-                <a:tc>
-                  <a:txBody>
-                    <a:bodyPr/>
-                    <a:p>
-                      <a:pPr indent="0" algn="ctr">
-                        <a:buNone/>
-                      </a:pPr>
-                      <a:r>
-                        <a:rPr lang="en-US" sz="1800" b="0">
-                          <a:solidFill>
-                            <a:srgbClr val="000000"/>
-                          </a:solidFill>
-                          <a:latin typeface="Arial" panose="020B0604020202020204" pitchFamily="34" charset="0"/>
-                          <a:cs typeface="Arial" panose="020B0604020202020204" pitchFamily="34" charset="0"/>
-                        </a:rPr>
-                        <a:t>High</a:t>
-                      </a:r>
-                      <a:endParaRPr lang="en-US" sz="1800" b="0">
-                        <a:solidFill>
-                          <a:srgbClr val="000000"/>
-                        </a:solidFill>
-                        <a:latin typeface="Arial" panose="020B0604020202020204" pitchFamily="34" charset="0"/>
-                        <a:cs typeface="Arial" panose="020B0604020202020204" pitchFamily="34" charset="0"/>
-                      </a:endParaRPr>
-                    </a:p>
-                  </a:txBody>
-                  <a:tcPr marL="12700" marR="12700" marT="12700" vert="horz" anchor="ctr" anchorCtr="0"/>
-                </a:tc>
-                <a:tc>
-                  <a:txBody>
-                    <a:bodyPr/>
-                    <a:p>
-                      <a:pPr indent="0" algn="ctr">
-                        <a:buNone/>
-                      </a:pPr>
-                      <a:r>
-                        <a:rPr lang="en-US" sz="1800" b="0">
-                          <a:solidFill>
-                            <a:srgbClr val="000000"/>
-                          </a:solidFill>
-                          <a:latin typeface="Arial" panose="020B0604020202020204" pitchFamily="34" charset="0"/>
-                          <a:cs typeface="Arial" panose="020B0604020202020204" pitchFamily="34" charset="0"/>
-                        </a:rPr>
-                        <a:t>Weak</a:t>
-                      </a:r>
-                      <a:endParaRPr lang="en-US" sz="1800" b="0">
-                        <a:solidFill>
-                          <a:srgbClr val="000000"/>
-                        </a:solidFill>
-                        <a:latin typeface="Arial" panose="020B0604020202020204" pitchFamily="34" charset="0"/>
-                        <a:cs typeface="Arial" panose="020B0604020202020204" pitchFamily="34" charset="0"/>
-                      </a:endParaRPr>
-                    </a:p>
-                  </a:txBody>
-                  <a:tcPr marL="12700" marR="12700" marT="12700" vert="horz" anchor="ctr" anchorCtr="0"/>
-                </a:tc>
-                <a:tc>
-                  <a:txBody>
-                    <a:bodyPr/>
-                    <a:p>
-                      <a:pPr indent="0" algn="ctr">
-                        <a:buNone/>
-                      </a:pPr>
-                      <a:r>
-                        <a:rPr lang="en-US" sz="1800" b="0">
-                          <a:solidFill>
-                            <a:srgbClr val="000000"/>
-                          </a:solidFill>
-                          <a:latin typeface="Arial" panose="020B0604020202020204" pitchFamily="34" charset="0"/>
-                          <a:cs typeface="Arial" panose="020B0604020202020204" pitchFamily="34" charset="0"/>
-                        </a:rPr>
-                        <a:t>No</a:t>
-                      </a:r>
-                      <a:endParaRPr lang="en-US" sz="1800" b="0">
-                        <a:solidFill>
-                          <a:srgbClr val="000000"/>
-                        </a:solidFill>
-                        <a:latin typeface="Arial" panose="020B0604020202020204" pitchFamily="34" charset="0"/>
-                        <a:cs typeface="Arial" panose="020B0604020202020204" pitchFamily="34" charset="0"/>
-                      </a:endParaRPr>
-                    </a:p>
-                  </a:txBody>
-                  <a:tcPr marL="12700" marR="12700" marT="12700" vert="horz" anchor="ctr" anchorCtr="0"/>
-                </a:tc>
-              </a:tr>
-              <a:tr h="380365">
-                <a:tc>
-                  <a:txBody>
-                    <a:bodyPr/>
-                    <a:p>
-                      <a:pPr indent="0" algn="ctr">
-                        <a:buNone/>
-                      </a:pPr>
-                      <a:r>
-                        <a:rPr lang="en-US" sz="1800" b="0">
-                          <a:solidFill>
-                            <a:srgbClr val="000000"/>
-                          </a:solidFill>
-                          <a:latin typeface="Arial" panose="020B0604020202020204" pitchFamily="34" charset="0"/>
-                          <a:cs typeface="Arial" panose="020B0604020202020204" pitchFamily="34" charset="0"/>
-                        </a:rPr>
-                        <a:t>Sunny</a:t>
-                      </a:r>
-                      <a:endParaRPr lang="en-US" sz="1800" b="0">
-                        <a:solidFill>
-                          <a:srgbClr val="000000"/>
-                        </a:solidFill>
-                        <a:latin typeface="Arial" panose="020B0604020202020204" pitchFamily="34" charset="0"/>
-                        <a:cs typeface="Arial" panose="020B0604020202020204" pitchFamily="34" charset="0"/>
-                      </a:endParaRPr>
-                    </a:p>
-                  </a:txBody>
-                  <a:tcPr marL="12700" marR="12700" marT="12700" vert="horz" anchor="ctr" anchorCtr="0"/>
-                </a:tc>
-                <a:tc>
-                  <a:txBody>
-                    <a:bodyPr/>
-                    <a:p>
-                      <a:pPr indent="0" algn="ctr">
-                        <a:buNone/>
-                      </a:pPr>
-                      <a:r>
-                        <a:rPr lang="en-US" sz="1800" b="0">
-                          <a:solidFill>
-                            <a:srgbClr val="000000"/>
-                          </a:solidFill>
-                          <a:latin typeface="Arial" panose="020B0604020202020204" pitchFamily="34" charset="0"/>
-                          <a:cs typeface="Arial" panose="020B0604020202020204" pitchFamily="34" charset="0"/>
-                        </a:rPr>
-                        <a:t>Cool</a:t>
-                      </a:r>
-                      <a:endParaRPr lang="en-US" sz="1800" b="0">
-                        <a:solidFill>
-                          <a:srgbClr val="000000"/>
-                        </a:solidFill>
-                        <a:latin typeface="Arial" panose="020B0604020202020204" pitchFamily="34" charset="0"/>
-                        <a:cs typeface="Arial" panose="020B0604020202020204" pitchFamily="34" charset="0"/>
-                      </a:endParaRPr>
-                    </a:p>
-                  </a:txBody>
-                  <a:tcPr marL="12700" marR="12700" marT="12700" vert="horz" anchor="ctr" anchorCtr="0"/>
-                </a:tc>
-                <a:tc>
-                  <a:txBody>
-                    <a:bodyPr/>
-                    <a:p>
-                      <a:pPr indent="0" algn="ctr">
-                        <a:buNone/>
-                      </a:pPr>
-                      <a:r>
-                        <a:rPr lang="en-US" sz="1800" b="0">
-                          <a:solidFill>
-                            <a:srgbClr val="000000"/>
-                          </a:solidFill>
-                          <a:latin typeface="Arial" panose="020B0604020202020204" pitchFamily="34" charset="0"/>
-                          <a:cs typeface="Arial" panose="020B0604020202020204" pitchFamily="34" charset="0"/>
-                        </a:rPr>
-                        <a:t>Normal</a:t>
-                      </a:r>
-                      <a:endParaRPr lang="en-US" sz="1800" b="0">
-                        <a:solidFill>
-                          <a:srgbClr val="000000"/>
-                        </a:solidFill>
-                        <a:latin typeface="Arial" panose="020B0604020202020204" pitchFamily="34" charset="0"/>
-                        <a:cs typeface="Arial" panose="020B0604020202020204" pitchFamily="34" charset="0"/>
-                      </a:endParaRPr>
-                    </a:p>
-                  </a:txBody>
-                  <a:tcPr marL="12700" marR="12700" marT="12700" vert="horz" anchor="ctr" anchorCtr="0"/>
-                </a:tc>
-                <a:tc>
-                  <a:txBody>
-                    <a:bodyPr/>
-                    <a:p>
-                      <a:pPr indent="0" algn="ctr">
-                        <a:buNone/>
-                      </a:pPr>
-                      <a:r>
-                        <a:rPr lang="en-US" sz="1800" b="0">
-                          <a:solidFill>
-                            <a:srgbClr val="000000"/>
-                          </a:solidFill>
-                          <a:latin typeface="Arial" panose="020B0604020202020204" pitchFamily="34" charset="0"/>
-                          <a:cs typeface="Arial" panose="020B0604020202020204" pitchFamily="34" charset="0"/>
-                        </a:rPr>
-                        <a:t>Weak</a:t>
-                      </a:r>
-                      <a:endParaRPr lang="en-US" sz="1800" b="0">
-                        <a:solidFill>
-                          <a:srgbClr val="000000"/>
-                        </a:solidFill>
-                        <a:latin typeface="Arial" panose="020B0604020202020204" pitchFamily="34" charset="0"/>
-                        <a:cs typeface="Arial" panose="020B0604020202020204" pitchFamily="34" charset="0"/>
-                      </a:endParaRPr>
-                    </a:p>
-                  </a:txBody>
-                  <a:tcPr marL="12700" marR="12700" marT="12700" vert="horz" anchor="ctr" anchorCtr="0"/>
-                </a:tc>
-                <a:tc>
-                  <a:txBody>
-                    <a:bodyPr/>
-                    <a:p>
-                      <a:pPr indent="0" algn="ctr">
-                        <a:buNone/>
-                      </a:pPr>
-                      <a:r>
-                        <a:rPr lang="en-US" sz="1800" b="0">
-                          <a:solidFill>
-                            <a:srgbClr val="000000"/>
-                          </a:solidFill>
-                          <a:latin typeface="Arial" panose="020B0604020202020204" pitchFamily="34" charset="0"/>
-                          <a:cs typeface="Arial" panose="020B0604020202020204" pitchFamily="34" charset="0"/>
-                        </a:rPr>
-                        <a:t>Yes</a:t>
-                      </a:r>
-                      <a:endParaRPr lang="en-US" sz="1800" b="0">
-                        <a:solidFill>
-                          <a:srgbClr val="000000"/>
-                        </a:solidFill>
-                        <a:latin typeface="Arial" panose="020B0604020202020204" pitchFamily="34" charset="0"/>
-                        <a:cs typeface="Arial" panose="020B0604020202020204" pitchFamily="34" charset="0"/>
-                      </a:endParaRPr>
-                    </a:p>
-                  </a:txBody>
-                  <a:tcPr marL="12700" marR="12700" marT="12700" vert="horz" anchor="ctr" anchorCtr="0"/>
-                </a:tc>
-              </a:tr>
-              <a:tr h="380365">
-                <a:tc>
-                  <a:txBody>
-                    <a:bodyPr/>
-                    <a:p>
-                      <a:pPr indent="0" algn="ctr">
-                        <a:buNone/>
-                      </a:pPr>
-                      <a:r>
-                        <a:rPr lang="en-US" sz="1800" b="0">
-                          <a:solidFill>
-                            <a:srgbClr val="000000"/>
-                          </a:solidFill>
-                          <a:latin typeface="Arial" panose="020B0604020202020204" pitchFamily="34" charset="0"/>
-                          <a:cs typeface="Arial" panose="020B0604020202020204" pitchFamily="34" charset="0"/>
-                        </a:rPr>
-                        <a:t>Rain</a:t>
-                      </a:r>
-                      <a:endParaRPr lang="en-US" sz="1800" b="0">
-                        <a:solidFill>
-                          <a:srgbClr val="000000"/>
-                        </a:solidFill>
-                        <a:latin typeface="Arial" panose="020B0604020202020204" pitchFamily="34" charset="0"/>
-                        <a:cs typeface="Arial" panose="020B0604020202020204" pitchFamily="34" charset="0"/>
-                      </a:endParaRPr>
-                    </a:p>
-                  </a:txBody>
-                  <a:tcPr marL="12700" marR="12700" marT="12700" vert="horz" anchor="ctr" anchorCtr="0"/>
-                </a:tc>
-                <a:tc>
-                  <a:txBody>
-                    <a:bodyPr/>
-                    <a:p>
-                      <a:pPr indent="0" algn="ctr">
-                        <a:buNone/>
-                      </a:pPr>
-                      <a:r>
-                        <a:rPr lang="en-US" sz="1800" b="0">
-                          <a:solidFill>
-                            <a:srgbClr val="000000"/>
-                          </a:solidFill>
-                          <a:latin typeface="Arial" panose="020B0604020202020204" pitchFamily="34" charset="0"/>
-                          <a:cs typeface="Arial" panose="020B0604020202020204" pitchFamily="34" charset="0"/>
-                        </a:rPr>
-                        <a:t>Mild</a:t>
-                      </a:r>
-                      <a:endParaRPr lang="en-US" sz="1800" b="0">
-                        <a:solidFill>
-                          <a:srgbClr val="000000"/>
-                        </a:solidFill>
-                        <a:latin typeface="Arial" panose="020B0604020202020204" pitchFamily="34" charset="0"/>
-                        <a:cs typeface="Arial" panose="020B0604020202020204" pitchFamily="34" charset="0"/>
-                      </a:endParaRPr>
-                    </a:p>
-                  </a:txBody>
-                  <a:tcPr marL="12700" marR="12700" marT="12700" vert="horz" anchor="ctr" anchorCtr="0"/>
-                </a:tc>
-                <a:tc>
-                  <a:txBody>
-                    <a:bodyPr/>
-                    <a:p>
-                      <a:pPr indent="0" algn="ctr">
-                        <a:buNone/>
-                      </a:pPr>
-                      <a:r>
-                        <a:rPr lang="en-US" sz="1800" b="0">
-                          <a:solidFill>
-                            <a:srgbClr val="000000"/>
-                          </a:solidFill>
-                          <a:latin typeface="Arial" panose="020B0604020202020204" pitchFamily="34" charset="0"/>
-                          <a:cs typeface="Arial" panose="020B0604020202020204" pitchFamily="34" charset="0"/>
-                        </a:rPr>
-                        <a:t>Normal</a:t>
-                      </a:r>
-                      <a:endParaRPr lang="en-US" sz="1800" b="0">
-                        <a:solidFill>
-                          <a:srgbClr val="000000"/>
-                        </a:solidFill>
-                        <a:latin typeface="Arial" panose="020B0604020202020204" pitchFamily="34" charset="0"/>
-                        <a:cs typeface="Arial" panose="020B0604020202020204" pitchFamily="34" charset="0"/>
-                      </a:endParaRPr>
-                    </a:p>
-                  </a:txBody>
-                  <a:tcPr marL="12700" marR="12700" marT="12700" vert="horz" anchor="ctr" anchorCtr="0"/>
-                </a:tc>
-                <a:tc>
-                  <a:txBody>
-                    <a:bodyPr/>
-                    <a:p>
-                      <a:pPr indent="0" algn="ctr">
-                        <a:buNone/>
-                      </a:pPr>
-                      <a:r>
-                        <a:rPr lang="en-US" sz="1800" b="0">
-                          <a:solidFill>
-                            <a:srgbClr val="000000"/>
-                          </a:solidFill>
-                          <a:latin typeface="Arial" panose="020B0604020202020204" pitchFamily="34" charset="0"/>
-                          <a:cs typeface="Arial" panose="020B0604020202020204" pitchFamily="34" charset="0"/>
-                        </a:rPr>
-                        <a:t>Weak</a:t>
-                      </a:r>
-                      <a:endParaRPr lang="en-US" sz="1800" b="0">
-                        <a:solidFill>
-                          <a:srgbClr val="000000"/>
-                        </a:solidFill>
-                        <a:latin typeface="Arial" panose="020B0604020202020204" pitchFamily="34" charset="0"/>
-                        <a:cs typeface="Arial" panose="020B0604020202020204" pitchFamily="34" charset="0"/>
-                      </a:endParaRPr>
-                    </a:p>
-                  </a:txBody>
-                  <a:tcPr marL="12700" marR="12700" marT="12700" vert="horz" anchor="ctr" anchorCtr="0"/>
-                </a:tc>
-                <a:tc>
-                  <a:txBody>
-                    <a:bodyPr/>
-                    <a:p>
-                      <a:pPr indent="0" algn="ctr">
-                        <a:buNone/>
-                      </a:pPr>
-                      <a:r>
-                        <a:rPr lang="en-US" sz="1800" b="0">
-                          <a:solidFill>
-                            <a:srgbClr val="000000"/>
-                          </a:solidFill>
-                          <a:latin typeface="Arial" panose="020B0604020202020204" pitchFamily="34" charset="0"/>
-                          <a:cs typeface="Arial" panose="020B0604020202020204" pitchFamily="34" charset="0"/>
-                        </a:rPr>
-                        <a:t>Yes</a:t>
-                      </a:r>
-                      <a:endParaRPr lang="en-US" sz="1800" b="0">
-                        <a:solidFill>
-                          <a:srgbClr val="000000"/>
-                        </a:solidFill>
-                        <a:latin typeface="Arial" panose="020B0604020202020204" pitchFamily="34" charset="0"/>
-                        <a:cs typeface="Arial" panose="020B0604020202020204" pitchFamily="34" charset="0"/>
-                      </a:endParaRPr>
-                    </a:p>
-                  </a:txBody>
-                  <a:tcPr marL="12700" marR="12700" marT="12700" vert="horz" anchor="ctr" anchorCtr="0"/>
-                </a:tc>
-              </a:tr>
-              <a:tr h="380365">
-                <a:tc>
-                  <a:txBody>
-                    <a:bodyPr/>
-                    <a:p>
-                      <a:pPr indent="0" algn="ctr">
-                        <a:buNone/>
-                      </a:pPr>
-                      <a:r>
-                        <a:rPr lang="en-US" sz="1800" b="0">
-                          <a:solidFill>
-                            <a:srgbClr val="000000"/>
-                          </a:solidFill>
-                          <a:latin typeface="Arial" panose="020B0604020202020204" pitchFamily="34" charset="0"/>
-                          <a:cs typeface="Arial" panose="020B0604020202020204" pitchFamily="34" charset="0"/>
-                        </a:rPr>
-                        <a:t>Sunny</a:t>
-                      </a:r>
-                      <a:endParaRPr lang="en-US" sz="1800" b="0">
-                        <a:solidFill>
-                          <a:srgbClr val="000000"/>
-                        </a:solidFill>
-                        <a:latin typeface="Arial" panose="020B0604020202020204" pitchFamily="34" charset="0"/>
-                        <a:cs typeface="Arial" panose="020B0604020202020204" pitchFamily="34" charset="0"/>
-                      </a:endParaRPr>
-                    </a:p>
-                  </a:txBody>
-                  <a:tcPr marL="12700" marR="12700" marT="12700" vert="horz" anchor="ctr" anchorCtr="0"/>
-                </a:tc>
-                <a:tc>
-                  <a:txBody>
-                    <a:bodyPr/>
-                    <a:p>
-                      <a:pPr indent="0" algn="ctr">
-                        <a:buNone/>
-                      </a:pPr>
-                      <a:r>
-                        <a:rPr lang="en-US" sz="1800" b="0">
-                          <a:solidFill>
-                            <a:srgbClr val="000000"/>
-                          </a:solidFill>
-                          <a:latin typeface="Arial" panose="020B0604020202020204" pitchFamily="34" charset="0"/>
-                          <a:cs typeface="Arial" panose="020B0604020202020204" pitchFamily="34" charset="0"/>
-                        </a:rPr>
-                        <a:t>Mild</a:t>
-                      </a:r>
-                      <a:endParaRPr lang="en-US" sz="1800" b="0">
-                        <a:solidFill>
-                          <a:srgbClr val="000000"/>
-                        </a:solidFill>
-                        <a:latin typeface="Arial" panose="020B0604020202020204" pitchFamily="34" charset="0"/>
-                        <a:cs typeface="Arial" panose="020B0604020202020204" pitchFamily="34" charset="0"/>
-                      </a:endParaRPr>
-                    </a:p>
-                  </a:txBody>
-                  <a:tcPr marL="12700" marR="12700" marT="12700" vert="horz" anchor="ctr" anchorCtr="0"/>
-                </a:tc>
-                <a:tc>
-                  <a:txBody>
-                    <a:bodyPr/>
-                    <a:p>
-                      <a:pPr indent="0" algn="ctr">
-                        <a:buNone/>
-                      </a:pPr>
-                      <a:r>
-                        <a:rPr lang="en-US" sz="1800" b="0">
-                          <a:solidFill>
-                            <a:srgbClr val="000000"/>
-                          </a:solidFill>
-                          <a:latin typeface="Arial" panose="020B0604020202020204" pitchFamily="34" charset="0"/>
-                          <a:cs typeface="Arial" panose="020B0604020202020204" pitchFamily="34" charset="0"/>
-                        </a:rPr>
-                        <a:t>Normal</a:t>
-                      </a:r>
-                      <a:endParaRPr lang="en-US" sz="1800" b="0">
-                        <a:solidFill>
-                          <a:srgbClr val="000000"/>
-                        </a:solidFill>
-                        <a:latin typeface="Arial" panose="020B0604020202020204" pitchFamily="34" charset="0"/>
-                        <a:cs typeface="Arial" panose="020B0604020202020204" pitchFamily="34" charset="0"/>
-                      </a:endParaRPr>
-                    </a:p>
-                  </a:txBody>
-                  <a:tcPr marL="12700" marR="12700" marT="12700" vert="horz" anchor="ctr" anchorCtr="0"/>
-                </a:tc>
-                <a:tc>
-                  <a:txBody>
-                    <a:bodyPr/>
-                    <a:p>
-                      <a:pPr indent="0" algn="ctr">
-                        <a:buNone/>
-                      </a:pPr>
-                      <a:r>
-                        <a:rPr lang="en-US" sz="1800" b="0">
-                          <a:solidFill>
-                            <a:srgbClr val="000000"/>
-                          </a:solidFill>
-                          <a:latin typeface="Arial" panose="020B0604020202020204" pitchFamily="34" charset="0"/>
-                          <a:cs typeface="Arial" panose="020B0604020202020204" pitchFamily="34" charset="0"/>
-                        </a:rPr>
-                        <a:t>Strong</a:t>
-                      </a:r>
-                      <a:endParaRPr lang="en-US" sz="1800" b="0">
-                        <a:solidFill>
-                          <a:srgbClr val="000000"/>
-                        </a:solidFill>
-                        <a:latin typeface="Arial" panose="020B0604020202020204" pitchFamily="34" charset="0"/>
-                        <a:cs typeface="Arial" panose="020B0604020202020204" pitchFamily="34" charset="0"/>
-                      </a:endParaRPr>
-                    </a:p>
-                  </a:txBody>
-                  <a:tcPr marL="12700" marR="12700" marT="12700" vert="horz" anchor="ctr" anchorCtr="0"/>
-                </a:tc>
-                <a:tc>
-                  <a:txBody>
-                    <a:bodyPr/>
-                    <a:p>
-                      <a:pPr indent="0" algn="ctr">
-                        <a:buNone/>
-                      </a:pPr>
-                      <a:r>
-                        <a:rPr lang="en-US" sz="1800" b="0">
-                          <a:solidFill>
-                            <a:srgbClr val="000000"/>
-                          </a:solidFill>
-                          <a:latin typeface="Arial" panose="020B0604020202020204" pitchFamily="34" charset="0"/>
-                          <a:cs typeface="Arial" panose="020B0604020202020204" pitchFamily="34" charset="0"/>
-                        </a:rPr>
-                        <a:t>Yes</a:t>
-                      </a:r>
-                      <a:endParaRPr lang="en-US" sz="1800" b="0">
-                        <a:solidFill>
-                          <a:srgbClr val="000000"/>
-                        </a:solidFill>
-                        <a:latin typeface="Arial" panose="020B0604020202020204" pitchFamily="34" charset="0"/>
-                        <a:cs typeface="Arial" panose="020B0604020202020204" pitchFamily="34" charset="0"/>
-                      </a:endParaRPr>
-                    </a:p>
-                  </a:txBody>
-                  <a:tcPr marL="12700" marR="12700" marT="12700" vert="horz" anchor="ctr" anchorCtr="0"/>
-                </a:tc>
-              </a:tr>
-              <a:tr h="380365">
-                <a:tc>
-                  <a:txBody>
-                    <a:bodyPr/>
-                    <a:p>
-                      <a:pPr indent="0" algn="ctr">
-                        <a:buNone/>
-                      </a:pPr>
-                      <a:r>
-                        <a:rPr lang="en-US" sz="1800" b="0">
-                          <a:solidFill>
-                            <a:srgbClr val="000000"/>
-                          </a:solidFill>
-                          <a:latin typeface="Arial" panose="020B0604020202020204" pitchFamily="34" charset="0"/>
-                          <a:cs typeface="Arial" panose="020B0604020202020204" pitchFamily="34" charset="0"/>
-                        </a:rPr>
-                        <a:t>Overcast</a:t>
-                      </a:r>
-                      <a:endParaRPr lang="en-US" sz="1800" b="0">
-                        <a:solidFill>
-                          <a:srgbClr val="000000"/>
-                        </a:solidFill>
-                        <a:latin typeface="Arial" panose="020B0604020202020204" pitchFamily="34" charset="0"/>
-                        <a:cs typeface="Arial" panose="020B0604020202020204" pitchFamily="34" charset="0"/>
-                      </a:endParaRPr>
-                    </a:p>
-                  </a:txBody>
-                  <a:tcPr marL="12700" marR="12700" marT="12700" vert="horz" anchor="ctr" anchorCtr="0"/>
-                </a:tc>
-                <a:tc>
-                  <a:txBody>
-                    <a:bodyPr/>
-                    <a:p>
-                      <a:pPr indent="0" algn="ctr">
-                        <a:buNone/>
-                      </a:pPr>
-                      <a:r>
-                        <a:rPr lang="en-US" sz="1800" b="0">
-                          <a:solidFill>
-                            <a:srgbClr val="000000"/>
-                          </a:solidFill>
-                          <a:latin typeface="Arial" panose="020B0604020202020204" pitchFamily="34" charset="0"/>
-                          <a:cs typeface="Arial" panose="020B0604020202020204" pitchFamily="34" charset="0"/>
-                        </a:rPr>
-                        <a:t>Mild</a:t>
-                      </a:r>
-                      <a:endParaRPr lang="en-US" sz="1800" b="0">
-                        <a:solidFill>
-                          <a:srgbClr val="000000"/>
-                        </a:solidFill>
-                        <a:latin typeface="Arial" panose="020B0604020202020204" pitchFamily="34" charset="0"/>
-                        <a:cs typeface="Arial" panose="020B0604020202020204" pitchFamily="34" charset="0"/>
-                      </a:endParaRPr>
-                    </a:p>
-                  </a:txBody>
-                  <a:tcPr marL="12700" marR="12700" marT="12700" vert="horz" anchor="ctr" anchorCtr="0"/>
-                </a:tc>
-                <a:tc>
-                  <a:txBody>
-                    <a:bodyPr/>
-                    <a:p>
-                      <a:pPr indent="0" algn="ctr">
-                        <a:buNone/>
-                      </a:pPr>
-                      <a:r>
-                        <a:rPr lang="en-US" sz="1800" b="0">
-                          <a:solidFill>
-                            <a:srgbClr val="000000"/>
-                          </a:solidFill>
-                          <a:latin typeface="Arial" panose="020B0604020202020204" pitchFamily="34" charset="0"/>
-                          <a:cs typeface="Arial" panose="020B0604020202020204" pitchFamily="34" charset="0"/>
-                        </a:rPr>
-                        <a:t>High</a:t>
-                      </a:r>
-                      <a:endParaRPr lang="en-US" sz="1800" b="0">
-                        <a:solidFill>
-                          <a:srgbClr val="000000"/>
-                        </a:solidFill>
-                        <a:latin typeface="Arial" panose="020B0604020202020204" pitchFamily="34" charset="0"/>
-                        <a:cs typeface="Arial" panose="020B0604020202020204" pitchFamily="34" charset="0"/>
-                      </a:endParaRPr>
-                    </a:p>
-                  </a:txBody>
-                  <a:tcPr marL="12700" marR="12700" marT="12700" vert="horz" anchor="ctr" anchorCtr="0"/>
-                </a:tc>
-                <a:tc>
-                  <a:txBody>
-                    <a:bodyPr/>
-                    <a:p>
-                      <a:pPr indent="0" algn="ctr">
-                        <a:buNone/>
-                      </a:pPr>
-                      <a:r>
-                        <a:rPr lang="en-US" sz="1800" b="0">
-                          <a:solidFill>
-                            <a:srgbClr val="000000"/>
-                          </a:solidFill>
-                          <a:latin typeface="Arial" panose="020B0604020202020204" pitchFamily="34" charset="0"/>
-                          <a:cs typeface="Arial" panose="020B0604020202020204" pitchFamily="34" charset="0"/>
-                        </a:rPr>
-                        <a:t>Strong</a:t>
-                      </a:r>
-                      <a:endParaRPr lang="en-US" sz="1800" b="0">
-                        <a:solidFill>
-                          <a:srgbClr val="000000"/>
-                        </a:solidFill>
-                        <a:latin typeface="Arial" panose="020B0604020202020204" pitchFamily="34" charset="0"/>
-                        <a:cs typeface="Arial" panose="020B0604020202020204" pitchFamily="34" charset="0"/>
-                      </a:endParaRPr>
-                    </a:p>
-                  </a:txBody>
-                  <a:tcPr marL="12700" marR="12700" marT="12700" vert="horz" anchor="ctr" anchorCtr="0"/>
-                </a:tc>
-                <a:tc>
-                  <a:txBody>
-                    <a:bodyPr/>
-                    <a:p>
-                      <a:pPr indent="0" algn="ctr">
-                        <a:buNone/>
-                      </a:pPr>
-                      <a:r>
-                        <a:rPr lang="en-US" sz="1800" b="0">
-                          <a:solidFill>
-                            <a:srgbClr val="000000"/>
-                          </a:solidFill>
-                          <a:latin typeface="Arial" panose="020B0604020202020204" pitchFamily="34" charset="0"/>
-                          <a:cs typeface="Arial" panose="020B0604020202020204" pitchFamily="34" charset="0"/>
-                        </a:rPr>
-                        <a:t>Yes</a:t>
-                      </a:r>
-                      <a:endParaRPr lang="en-US" sz="1800" b="0">
-                        <a:solidFill>
-                          <a:srgbClr val="000000"/>
-                        </a:solidFill>
-                        <a:latin typeface="Arial" panose="020B0604020202020204" pitchFamily="34" charset="0"/>
-                        <a:cs typeface="Arial" panose="020B0604020202020204" pitchFamily="34" charset="0"/>
-                      </a:endParaRPr>
-                    </a:p>
-                  </a:txBody>
-                  <a:tcPr marL="12700" marR="12700" marT="12700" vert="horz" anchor="ctr" anchorCtr="0"/>
-                </a:tc>
-              </a:tr>
-              <a:tr h="380365">
-                <a:tc>
-                  <a:txBody>
-                    <a:bodyPr/>
-                    <a:p>
-                      <a:pPr indent="0" algn="ctr">
-                        <a:buNone/>
-                      </a:pPr>
-                      <a:r>
-                        <a:rPr lang="en-US" sz="1800" b="0">
-                          <a:solidFill>
-                            <a:srgbClr val="000000"/>
-                          </a:solidFill>
-                          <a:latin typeface="Arial" panose="020B0604020202020204" pitchFamily="34" charset="0"/>
-                          <a:cs typeface="Arial" panose="020B0604020202020204" pitchFamily="34" charset="0"/>
-                        </a:rPr>
-                        <a:t>Overcast</a:t>
-                      </a:r>
-                      <a:endParaRPr lang="en-US" sz="1800" b="0">
-                        <a:solidFill>
-                          <a:srgbClr val="000000"/>
-                        </a:solidFill>
-                        <a:latin typeface="Arial" panose="020B0604020202020204" pitchFamily="34" charset="0"/>
-                        <a:cs typeface="Arial" panose="020B0604020202020204" pitchFamily="34" charset="0"/>
-                      </a:endParaRPr>
-                    </a:p>
-                  </a:txBody>
-                  <a:tcPr marL="12700" marR="12700" marT="12700" vert="horz" anchor="ctr" anchorCtr="0"/>
-                </a:tc>
-                <a:tc>
-                  <a:txBody>
-                    <a:bodyPr/>
-                    <a:p>
-                      <a:pPr indent="0" algn="ctr">
-                        <a:buNone/>
-                      </a:pPr>
-                      <a:r>
-                        <a:rPr lang="en-US" sz="1800" b="0">
-                          <a:solidFill>
-                            <a:srgbClr val="000000"/>
-                          </a:solidFill>
-                          <a:latin typeface="Arial" panose="020B0604020202020204" pitchFamily="34" charset="0"/>
-                          <a:cs typeface="Arial" panose="020B0604020202020204" pitchFamily="34" charset="0"/>
-                        </a:rPr>
-                        <a:t>Hot</a:t>
-                      </a:r>
-                      <a:endParaRPr lang="en-US" sz="1800" b="0">
-                        <a:solidFill>
-                          <a:srgbClr val="000000"/>
-                        </a:solidFill>
-                        <a:latin typeface="Arial" panose="020B0604020202020204" pitchFamily="34" charset="0"/>
-                        <a:cs typeface="Arial" panose="020B0604020202020204" pitchFamily="34" charset="0"/>
-                      </a:endParaRPr>
-                    </a:p>
-                  </a:txBody>
-                  <a:tcPr marL="12700" marR="12700" marT="12700" vert="horz" anchor="ctr" anchorCtr="0"/>
-                </a:tc>
-                <a:tc>
-                  <a:txBody>
-                    <a:bodyPr/>
-                    <a:p>
-                      <a:pPr indent="0" algn="ctr">
-                        <a:buNone/>
-                      </a:pPr>
-                      <a:r>
-                        <a:rPr lang="en-US" sz="1800" b="0">
-                          <a:solidFill>
-                            <a:srgbClr val="000000"/>
-                          </a:solidFill>
-                          <a:latin typeface="Arial" panose="020B0604020202020204" pitchFamily="34" charset="0"/>
-                          <a:cs typeface="Arial" panose="020B0604020202020204" pitchFamily="34" charset="0"/>
-                        </a:rPr>
-                        <a:t>Normal</a:t>
-                      </a:r>
-                      <a:endParaRPr lang="en-US" sz="1800" b="0">
-                        <a:solidFill>
-                          <a:srgbClr val="000000"/>
-                        </a:solidFill>
-                        <a:latin typeface="Arial" panose="020B0604020202020204" pitchFamily="34" charset="0"/>
-                        <a:cs typeface="Arial" panose="020B0604020202020204" pitchFamily="34" charset="0"/>
-                      </a:endParaRPr>
-                    </a:p>
-                  </a:txBody>
-                  <a:tcPr marL="12700" marR="12700" marT="12700" vert="horz" anchor="ctr" anchorCtr="0"/>
-                </a:tc>
-                <a:tc>
-                  <a:txBody>
-                    <a:bodyPr/>
-                    <a:p>
-                      <a:pPr indent="0" algn="ctr">
-                        <a:buNone/>
-                      </a:pPr>
-                      <a:r>
-                        <a:rPr lang="en-US" sz="1800" b="0">
-                          <a:solidFill>
-                            <a:srgbClr val="000000"/>
-                          </a:solidFill>
-                          <a:latin typeface="Arial" panose="020B0604020202020204" pitchFamily="34" charset="0"/>
-                          <a:cs typeface="Arial" panose="020B0604020202020204" pitchFamily="34" charset="0"/>
-                        </a:rPr>
-                        <a:t>Weak</a:t>
-                      </a:r>
-                      <a:endParaRPr lang="en-US" sz="1800" b="0">
-                        <a:solidFill>
-                          <a:srgbClr val="000000"/>
-                        </a:solidFill>
-                        <a:latin typeface="Arial" panose="020B0604020202020204" pitchFamily="34" charset="0"/>
-                        <a:cs typeface="Arial" panose="020B0604020202020204" pitchFamily="34" charset="0"/>
-                      </a:endParaRPr>
-                    </a:p>
-                  </a:txBody>
-                  <a:tcPr marL="12700" marR="12700" marT="12700" vert="horz" anchor="ctr" anchorCtr="0"/>
-                </a:tc>
-                <a:tc>
-                  <a:txBody>
-                    <a:bodyPr/>
-                    <a:p>
-                      <a:pPr indent="0" algn="ctr">
-                        <a:buNone/>
-                      </a:pPr>
-                      <a:r>
-                        <a:rPr lang="en-US" sz="1800" b="0">
-                          <a:solidFill>
-                            <a:srgbClr val="000000"/>
-                          </a:solidFill>
-                          <a:latin typeface="Arial" panose="020B0604020202020204" pitchFamily="34" charset="0"/>
-                          <a:cs typeface="Arial" panose="020B0604020202020204" pitchFamily="34" charset="0"/>
-                        </a:rPr>
-                        <a:t>Yes</a:t>
-                      </a:r>
-                      <a:endParaRPr lang="en-US" sz="1800" b="0">
-                        <a:solidFill>
-                          <a:srgbClr val="000000"/>
-                        </a:solidFill>
-                        <a:latin typeface="Arial" panose="020B0604020202020204" pitchFamily="34" charset="0"/>
-                        <a:cs typeface="Arial" panose="020B0604020202020204" pitchFamily="34" charset="0"/>
-                      </a:endParaRPr>
-                    </a:p>
-                  </a:txBody>
-                  <a:tcPr marL="12700" marR="12700" marT="12700" vert="horz" anchor="ctr" anchorCtr="0"/>
-                </a:tc>
-              </a:tr>
-              <a:tr h="380365">
-                <a:tc>
-                  <a:txBody>
-                    <a:bodyPr/>
-                    <a:p>
-                      <a:pPr indent="0" algn="ctr">
-                        <a:buNone/>
-                      </a:pPr>
-                      <a:r>
-                        <a:rPr lang="en-US" sz="1800" b="0">
-                          <a:solidFill>
-                            <a:srgbClr val="000000"/>
-                          </a:solidFill>
-                          <a:latin typeface="Arial" panose="020B0604020202020204" pitchFamily="34" charset="0"/>
-                          <a:cs typeface="Arial" panose="020B0604020202020204" pitchFamily="34" charset="0"/>
-                        </a:rPr>
-                        <a:t>Rain</a:t>
-                      </a:r>
-                      <a:endParaRPr lang="en-US" sz="1800" b="0">
-                        <a:solidFill>
-                          <a:srgbClr val="000000"/>
-                        </a:solidFill>
-                        <a:latin typeface="Arial" panose="020B0604020202020204" pitchFamily="34" charset="0"/>
-                        <a:cs typeface="Arial" panose="020B0604020202020204" pitchFamily="34" charset="0"/>
-                      </a:endParaRPr>
-                    </a:p>
-                  </a:txBody>
-                  <a:tcPr marL="12700" marR="12700" marT="12700" vert="horz" anchor="ctr" anchorCtr="0"/>
-                </a:tc>
-                <a:tc>
-                  <a:txBody>
-                    <a:bodyPr/>
-                    <a:p>
-                      <a:pPr indent="0" algn="ctr">
-                        <a:buNone/>
-                      </a:pPr>
-                      <a:r>
-                        <a:rPr lang="en-US" sz="1800" b="0">
-                          <a:solidFill>
-                            <a:srgbClr val="000000"/>
-                          </a:solidFill>
-                          <a:latin typeface="Arial" panose="020B0604020202020204" pitchFamily="34" charset="0"/>
-                          <a:cs typeface="Arial" panose="020B0604020202020204" pitchFamily="34" charset="0"/>
-                        </a:rPr>
-                        <a:t>Mild</a:t>
-                      </a:r>
-                      <a:endParaRPr lang="en-US" sz="1800" b="0">
-                        <a:solidFill>
-                          <a:srgbClr val="000000"/>
-                        </a:solidFill>
-                        <a:latin typeface="Arial" panose="020B0604020202020204" pitchFamily="34" charset="0"/>
-                        <a:cs typeface="Arial" panose="020B0604020202020204" pitchFamily="34" charset="0"/>
-                      </a:endParaRPr>
-                    </a:p>
-                  </a:txBody>
-                  <a:tcPr marL="12700" marR="12700" marT="12700" vert="horz" anchor="ctr" anchorCtr="0"/>
-                </a:tc>
-                <a:tc>
-                  <a:txBody>
-                    <a:bodyPr/>
-                    <a:p>
-                      <a:pPr indent="0" algn="ctr">
-                        <a:buNone/>
-                      </a:pPr>
-                      <a:r>
-                        <a:rPr lang="en-US" sz="1800" b="0">
-                          <a:solidFill>
-                            <a:srgbClr val="000000"/>
-                          </a:solidFill>
-                          <a:latin typeface="Arial" panose="020B0604020202020204" pitchFamily="34" charset="0"/>
-                          <a:cs typeface="Arial" panose="020B0604020202020204" pitchFamily="34" charset="0"/>
-                        </a:rPr>
-                        <a:t>High</a:t>
-                      </a:r>
-                      <a:endParaRPr lang="en-US" sz="1800" b="0">
-                        <a:solidFill>
-                          <a:srgbClr val="000000"/>
-                        </a:solidFill>
-                        <a:latin typeface="Arial" panose="020B0604020202020204" pitchFamily="34" charset="0"/>
-                        <a:cs typeface="Arial" panose="020B0604020202020204" pitchFamily="34" charset="0"/>
-                      </a:endParaRPr>
-                    </a:p>
-                  </a:txBody>
-                  <a:tcPr marL="12700" marR="12700" marT="12700" vert="horz" anchor="ctr" anchorCtr="0"/>
-                </a:tc>
-                <a:tc>
-                  <a:txBody>
-                    <a:bodyPr/>
-                    <a:p>
-                      <a:pPr indent="0" algn="ctr">
-                        <a:buNone/>
-                      </a:pPr>
-                      <a:r>
-                        <a:rPr lang="en-US" sz="1800" b="0">
-                          <a:solidFill>
-                            <a:srgbClr val="000000"/>
-                          </a:solidFill>
-                          <a:latin typeface="Arial" panose="020B0604020202020204" pitchFamily="34" charset="0"/>
-                          <a:cs typeface="Arial" panose="020B0604020202020204" pitchFamily="34" charset="0"/>
-                        </a:rPr>
-                        <a:t>Strong</a:t>
-                      </a:r>
-                      <a:endParaRPr lang="en-US" sz="1800" b="0">
-                        <a:solidFill>
-                          <a:srgbClr val="000000"/>
-                        </a:solidFill>
-                        <a:latin typeface="Arial" panose="020B0604020202020204" pitchFamily="34" charset="0"/>
-                        <a:cs typeface="Arial" panose="020B0604020202020204" pitchFamily="34" charset="0"/>
-                      </a:endParaRPr>
-                    </a:p>
-                  </a:txBody>
-                  <a:tcPr marL="12700" marR="12700" marT="12700" vert="horz" anchor="ctr" anchorCtr="0"/>
-                </a:tc>
-                <a:tc>
-                  <a:txBody>
-                    <a:bodyPr/>
-                    <a:p>
-                      <a:pPr indent="0" algn="ctr">
-                        <a:buNone/>
-                      </a:pPr>
-                      <a:r>
-                        <a:rPr lang="en-US" sz="1800" b="0">
-                          <a:solidFill>
-                            <a:srgbClr val="000000"/>
-                          </a:solidFill>
-                          <a:latin typeface="Arial" panose="020B0604020202020204" pitchFamily="34" charset="0"/>
-                          <a:cs typeface="Arial" panose="020B0604020202020204" pitchFamily="34" charset="0"/>
-                        </a:rPr>
-                        <a:t>No</a:t>
-                      </a:r>
-                      <a:endParaRPr lang="en-US" sz="1800" b="0">
-                        <a:solidFill>
-                          <a:srgbClr val="000000"/>
-                        </a:solidFill>
-                        <a:latin typeface="Arial" panose="020B0604020202020204" pitchFamily="34" charset="0"/>
-                        <a:cs typeface="Arial" panose="020B0604020202020204" pitchFamily="34" charset="0"/>
-                      </a:endParaRPr>
-                    </a:p>
-                  </a:txBody>
-                  <a:tcPr marL="12700" marR="12700" marT="12700" vert="horz" anchor="ctr" anchorCtr="0"/>
-                </a:tc>
-              </a:tr>
-            </a:tbl>
-          </a:graphicData>
-        </a:graphic>
-      </p:graphicFrame>
+        </p:nvPicPr>
+        <p:blipFill>
+          <a:blip r:embed="rId1"/>
+          <a:stretch>
+            <a:fillRect/>
+          </a:stretch>
+        </p:blipFill>
+        <p:spPr>
+          <a:xfrm>
+            <a:off x="396240" y="1511935"/>
+            <a:ext cx="5593080" cy="4378960"/>
+          </a:xfrm>
+          <a:prstGeom prst="rect">
+            <a:avLst/>
+          </a:prstGeom>
+        </p:spPr>
+      </p:pic>
     </p:spTree>
   </p:cSld>
   <p:clrMapOvr>
@@ -17077,39 +16905,2194 @@
           <a:bodyPr/>
           <a:p>
             <a:r>
-              <a:rPr lang="en-US" sz="4400" b="1"/>
+              <a:rPr lang="en-US" sz="4400" b="1">
+                <a:sym typeface="+mn-ea"/>
+              </a:rPr>
               <a:t>Thuật toán ID3 - Classification</a:t>
             </a:r>
-            <a:endParaRPr lang="en-US" sz="4400" b="1"/>
+            <a:endParaRPr lang="en-US" sz="4400"/>
           </a:p>
         </p:txBody>
       </p:sp>
-      <p:pic>
-        <p:nvPicPr>
-          <p:cNvPr id="13" name="Content Placeholder 12" descr="Untitled Diagram.drawio (3)"/>
-          <p:cNvPicPr>
-            <a:picLocks noChangeAspect="1"/>
-          </p:cNvPicPr>
+      <p:graphicFrame>
+        <p:nvGraphicFramePr>
+          <p:cNvPr id="7" name="Content Placeholder 6"/>
+          <p:cNvGraphicFramePr/>
           <p:nvPr>
             <p:ph sz="half" idx="1"/>
           </p:nvPr>
-        </p:nvPicPr>
-        <p:blipFill>
-          <a:blip r:embed="rId1"/>
-          <a:stretch>
-            <a:fillRect/>
-          </a:stretch>
-        </p:blipFill>
-        <p:spPr>
-          <a:xfrm>
-            <a:off x="5138420" y="1326515"/>
-            <a:ext cx="1914525" cy="1152525"/>
-          </a:xfrm>
-          <a:prstGeom prst="rect">
-            <a:avLst/>
-          </a:prstGeom>
-        </p:spPr>
-      </p:pic>
+        </p:nvGraphicFramePr>
+        <p:xfrm>
+          <a:off x="1395730" y="861695"/>
+          <a:ext cx="9401175" cy="5705475"/>
+        </p:xfrm>
+        <a:graphic>
+          <a:graphicData uri="http://schemas.openxmlformats.org/drawingml/2006/table">
+            <a:tbl>
+              <a:tblPr firstRow="1" bandRow="1">
+                <a:tableStyleId>{5C22544A-7EE6-4342-B048-85BDC9FD1C3A}</a:tableStyleId>
+              </a:tblPr>
+              <a:tblGrid>
+                <a:gridCol w="1880235"/>
+                <a:gridCol w="1880235"/>
+                <a:gridCol w="1880235"/>
+                <a:gridCol w="1880235"/>
+                <a:gridCol w="1880235"/>
+              </a:tblGrid>
+              <a:tr h="380365">
+                <a:tc>
+                  <a:txBody>
+                    <a:bodyPr/>
+                    <a:p>
+                      <a:pPr indent="0" algn="ctr">
+                        <a:buNone/>
+                      </a:pPr>
+                      <a:r>
+                        <a:rPr lang="en-US" sz="1800" b="0">
+                          <a:solidFill>
+                            <a:srgbClr val="000000"/>
+                          </a:solidFill>
+                          <a:latin typeface="Arial" panose="020B0604020202020204" pitchFamily="34" charset="0"/>
+                          <a:cs typeface="Arial" panose="020B0604020202020204" pitchFamily="34" charset="0"/>
+                        </a:rPr>
+                        <a:t>outlook</a:t>
+                      </a:r>
+                      <a:endParaRPr lang="en-US" sz="1800" b="0">
+                        <a:solidFill>
+                          <a:srgbClr val="000000"/>
+                        </a:solidFill>
+                        <a:latin typeface="Arial" panose="020B0604020202020204" pitchFamily="34" charset="0"/>
+                        <a:cs typeface="Arial" panose="020B0604020202020204" pitchFamily="34" charset="0"/>
+                      </a:endParaRPr>
+                    </a:p>
+                  </a:txBody>
+                  <a:tcPr marL="12700" marR="12700" marT="12700" vert="horz" anchor="ctr" anchorCtr="0">
+                    <a:solidFill>
+                      <a:srgbClr val="00B0F0"/>
+                    </a:solidFill>
+                  </a:tcPr>
+                </a:tc>
+                <a:tc>
+                  <a:txBody>
+                    <a:bodyPr/>
+                    <a:p>
+                      <a:pPr indent="0" algn="ctr">
+                        <a:buNone/>
+                      </a:pPr>
+                      <a:r>
+                        <a:rPr lang="en-US" sz="1800" b="0">
+                          <a:solidFill>
+                            <a:srgbClr val="000000"/>
+                          </a:solidFill>
+                          <a:latin typeface="Arial" panose="020B0604020202020204" pitchFamily="34" charset="0"/>
+                          <a:cs typeface="Arial" panose="020B0604020202020204" pitchFamily="34" charset="0"/>
+                        </a:rPr>
+                        <a:t>temp</a:t>
+                      </a:r>
+                      <a:endParaRPr lang="en-US" sz="1800" b="0">
+                        <a:solidFill>
+                          <a:srgbClr val="000000"/>
+                        </a:solidFill>
+                        <a:latin typeface="Arial" panose="020B0604020202020204" pitchFamily="34" charset="0"/>
+                        <a:cs typeface="Arial" panose="020B0604020202020204" pitchFamily="34" charset="0"/>
+                      </a:endParaRPr>
+                    </a:p>
+                  </a:txBody>
+                  <a:tcPr marL="12700" marR="12700" marT="12700" vert="horz" anchor="ctr" anchorCtr="0">
+                    <a:solidFill>
+                      <a:srgbClr val="00B0F0"/>
+                    </a:solidFill>
+                  </a:tcPr>
+                </a:tc>
+                <a:tc>
+                  <a:txBody>
+                    <a:bodyPr/>
+                    <a:p>
+                      <a:pPr indent="0" algn="ctr">
+                        <a:buNone/>
+                      </a:pPr>
+                      <a:r>
+                        <a:rPr lang="en-US" sz="1800" b="0">
+                          <a:solidFill>
+                            <a:srgbClr val="000000"/>
+                          </a:solidFill>
+                          <a:latin typeface="Arial" panose="020B0604020202020204" pitchFamily="34" charset="0"/>
+                          <a:cs typeface="Arial" panose="020B0604020202020204" pitchFamily="34" charset="0"/>
+                        </a:rPr>
+                        <a:t>humidity</a:t>
+                      </a:r>
+                      <a:endParaRPr lang="en-US" sz="1800" b="0">
+                        <a:solidFill>
+                          <a:srgbClr val="000000"/>
+                        </a:solidFill>
+                        <a:latin typeface="Arial" panose="020B0604020202020204" pitchFamily="34" charset="0"/>
+                        <a:cs typeface="Arial" panose="020B0604020202020204" pitchFamily="34" charset="0"/>
+                      </a:endParaRPr>
+                    </a:p>
+                  </a:txBody>
+                  <a:tcPr marL="12700" marR="12700" marT="12700" vert="horz" anchor="ctr" anchorCtr="0">
+                    <a:solidFill>
+                      <a:srgbClr val="00B0F0"/>
+                    </a:solidFill>
+                  </a:tcPr>
+                </a:tc>
+                <a:tc>
+                  <a:txBody>
+                    <a:bodyPr/>
+                    <a:p>
+                      <a:pPr indent="0" algn="ctr">
+                        <a:buNone/>
+                      </a:pPr>
+                      <a:r>
+                        <a:rPr lang="en-US" sz="1800" b="0">
+                          <a:solidFill>
+                            <a:srgbClr val="000000"/>
+                          </a:solidFill>
+                          <a:latin typeface="Arial" panose="020B0604020202020204" pitchFamily="34" charset="0"/>
+                          <a:cs typeface="Arial" panose="020B0604020202020204" pitchFamily="34" charset="0"/>
+                        </a:rPr>
+                        <a:t>wind</a:t>
+                      </a:r>
+                      <a:endParaRPr lang="en-US" sz="1800" b="0">
+                        <a:solidFill>
+                          <a:srgbClr val="000000"/>
+                        </a:solidFill>
+                        <a:latin typeface="Arial" panose="020B0604020202020204" pitchFamily="34" charset="0"/>
+                        <a:cs typeface="Arial" panose="020B0604020202020204" pitchFamily="34" charset="0"/>
+                      </a:endParaRPr>
+                    </a:p>
+                  </a:txBody>
+                  <a:tcPr marL="12700" marR="12700" marT="12700" vert="horz" anchor="ctr" anchorCtr="0">
+                    <a:solidFill>
+                      <a:srgbClr val="00B0F0"/>
+                    </a:solidFill>
+                  </a:tcPr>
+                </a:tc>
+                <a:tc>
+                  <a:txBody>
+                    <a:bodyPr/>
+                    <a:p>
+                      <a:pPr indent="0" algn="ctr">
+                        <a:buNone/>
+                      </a:pPr>
+                      <a:r>
+                        <a:rPr lang="en-US" sz="1800" b="0">
+                          <a:solidFill>
+                            <a:srgbClr val="000000"/>
+                          </a:solidFill>
+                          <a:latin typeface="Arial" panose="020B0604020202020204" pitchFamily="34" charset="0"/>
+                          <a:cs typeface="Arial" panose="020B0604020202020204" pitchFamily="34" charset="0"/>
+                        </a:rPr>
+                        <a:t>play</a:t>
+                      </a:r>
+                      <a:endParaRPr lang="en-US" sz="1800" b="0">
+                        <a:solidFill>
+                          <a:srgbClr val="000000"/>
+                        </a:solidFill>
+                        <a:latin typeface="Arial" panose="020B0604020202020204" pitchFamily="34" charset="0"/>
+                        <a:cs typeface="Arial" panose="020B0604020202020204" pitchFamily="34" charset="0"/>
+                      </a:endParaRPr>
+                    </a:p>
+                  </a:txBody>
+                  <a:tcPr marL="12700" marR="12700" marT="12700" vert="horz" anchor="ctr" anchorCtr="0">
+                    <a:solidFill>
+                      <a:srgbClr val="00B0F0"/>
+                    </a:solidFill>
+                  </a:tcPr>
+                </a:tc>
+              </a:tr>
+              <a:tr h="380365">
+                <a:tc>
+                  <a:txBody>
+                    <a:bodyPr/>
+                    <a:p>
+                      <a:pPr indent="0" algn="ctr">
+                        <a:buNone/>
+                      </a:pPr>
+                      <a:r>
+                        <a:rPr lang="en-US" sz="1800" b="0">
+                          <a:solidFill>
+                            <a:srgbClr val="000000"/>
+                          </a:solidFill>
+                          <a:latin typeface="Arial" panose="020B0604020202020204" pitchFamily="34" charset="0"/>
+                          <a:cs typeface="Arial" panose="020B0604020202020204" pitchFamily="34" charset="0"/>
+                        </a:rPr>
+                        <a:t>Sunny</a:t>
+                      </a:r>
+                      <a:endParaRPr lang="en-US" sz="1800" b="0">
+                        <a:solidFill>
+                          <a:srgbClr val="000000"/>
+                        </a:solidFill>
+                        <a:latin typeface="Arial" panose="020B0604020202020204" pitchFamily="34" charset="0"/>
+                        <a:cs typeface="Arial" panose="020B0604020202020204" pitchFamily="34" charset="0"/>
+                      </a:endParaRPr>
+                    </a:p>
+                  </a:txBody>
+                  <a:tcPr marL="12700" marR="12700" marT="12700" vert="horz" anchor="ctr" anchorCtr="0"/>
+                </a:tc>
+                <a:tc>
+                  <a:txBody>
+                    <a:bodyPr/>
+                    <a:p>
+                      <a:pPr indent="0" algn="ctr">
+                        <a:buNone/>
+                      </a:pPr>
+                      <a:r>
+                        <a:rPr lang="en-US" sz="1800" b="0">
+                          <a:solidFill>
+                            <a:srgbClr val="000000"/>
+                          </a:solidFill>
+                          <a:latin typeface="Arial" panose="020B0604020202020204" pitchFamily="34" charset="0"/>
+                          <a:cs typeface="Arial" panose="020B0604020202020204" pitchFamily="34" charset="0"/>
+                        </a:rPr>
+                        <a:t>Hot</a:t>
+                      </a:r>
+                      <a:endParaRPr lang="en-US" sz="1800" b="0">
+                        <a:solidFill>
+                          <a:srgbClr val="000000"/>
+                        </a:solidFill>
+                        <a:latin typeface="Arial" panose="020B0604020202020204" pitchFamily="34" charset="0"/>
+                        <a:cs typeface="Arial" panose="020B0604020202020204" pitchFamily="34" charset="0"/>
+                      </a:endParaRPr>
+                    </a:p>
+                  </a:txBody>
+                  <a:tcPr marL="12700" marR="12700" marT="12700" vert="horz" anchor="ctr" anchorCtr="0"/>
+                </a:tc>
+                <a:tc>
+                  <a:txBody>
+                    <a:bodyPr/>
+                    <a:p>
+                      <a:pPr indent="0" algn="ctr">
+                        <a:buNone/>
+                      </a:pPr>
+                      <a:r>
+                        <a:rPr lang="en-US" sz="1800" b="0">
+                          <a:solidFill>
+                            <a:srgbClr val="000000"/>
+                          </a:solidFill>
+                          <a:latin typeface="Arial" panose="020B0604020202020204" pitchFamily="34" charset="0"/>
+                          <a:cs typeface="Arial" panose="020B0604020202020204" pitchFamily="34" charset="0"/>
+                        </a:rPr>
+                        <a:t>High</a:t>
+                      </a:r>
+                      <a:endParaRPr lang="en-US" sz="1800" b="0">
+                        <a:solidFill>
+                          <a:srgbClr val="000000"/>
+                        </a:solidFill>
+                        <a:latin typeface="Arial" panose="020B0604020202020204" pitchFamily="34" charset="0"/>
+                        <a:cs typeface="Arial" panose="020B0604020202020204" pitchFamily="34" charset="0"/>
+                      </a:endParaRPr>
+                    </a:p>
+                  </a:txBody>
+                  <a:tcPr marL="12700" marR="12700" marT="12700" vert="horz" anchor="ctr" anchorCtr="0"/>
+                </a:tc>
+                <a:tc>
+                  <a:txBody>
+                    <a:bodyPr/>
+                    <a:p>
+                      <a:pPr indent="0" algn="ctr">
+                        <a:buNone/>
+                      </a:pPr>
+                      <a:r>
+                        <a:rPr lang="en-US" sz="1800" b="0">
+                          <a:solidFill>
+                            <a:srgbClr val="000000"/>
+                          </a:solidFill>
+                          <a:latin typeface="Arial" panose="020B0604020202020204" pitchFamily="34" charset="0"/>
+                          <a:cs typeface="Arial" panose="020B0604020202020204" pitchFamily="34" charset="0"/>
+                        </a:rPr>
+                        <a:t>Weak</a:t>
+                      </a:r>
+                      <a:endParaRPr lang="en-US" sz="1800" b="0">
+                        <a:solidFill>
+                          <a:srgbClr val="000000"/>
+                        </a:solidFill>
+                        <a:latin typeface="Arial" panose="020B0604020202020204" pitchFamily="34" charset="0"/>
+                        <a:cs typeface="Arial" panose="020B0604020202020204" pitchFamily="34" charset="0"/>
+                      </a:endParaRPr>
+                    </a:p>
+                  </a:txBody>
+                  <a:tcPr marL="12700" marR="12700" marT="12700" vert="horz" anchor="ctr" anchorCtr="0"/>
+                </a:tc>
+                <a:tc>
+                  <a:txBody>
+                    <a:bodyPr/>
+                    <a:p>
+                      <a:pPr indent="0" algn="ctr">
+                        <a:buNone/>
+                      </a:pPr>
+                      <a:r>
+                        <a:rPr lang="en-US" sz="1800" b="0">
+                          <a:solidFill>
+                            <a:srgbClr val="000000"/>
+                          </a:solidFill>
+                          <a:latin typeface="Arial" panose="020B0604020202020204" pitchFamily="34" charset="0"/>
+                          <a:cs typeface="Arial" panose="020B0604020202020204" pitchFamily="34" charset="0"/>
+                        </a:rPr>
+                        <a:t>No</a:t>
+                      </a:r>
+                      <a:endParaRPr lang="en-US" sz="1800" b="0">
+                        <a:solidFill>
+                          <a:srgbClr val="000000"/>
+                        </a:solidFill>
+                        <a:latin typeface="Arial" panose="020B0604020202020204" pitchFamily="34" charset="0"/>
+                        <a:cs typeface="Arial" panose="020B0604020202020204" pitchFamily="34" charset="0"/>
+                      </a:endParaRPr>
+                    </a:p>
+                  </a:txBody>
+                  <a:tcPr marL="12700" marR="12700" marT="12700" vert="horz" anchor="ctr" anchorCtr="0"/>
+                </a:tc>
+              </a:tr>
+              <a:tr h="380365">
+                <a:tc>
+                  <a:txBody>
+                    <a:bodyPr/>
+                    <a:p>
+                      <a:pPr indent="0" algn="ctr">
+                        <a:buNone/>
+                      </a:pPr>
+                      <a:r>
+                        <a:rPr lang="en-US" sz="1800" b="0">
+                          <a:solidFill>
+                            <a:srgbClr val="000000"/>
+                          </a:solidFill>
+                          <a:latin typeface="Arial" panose="020B0604020202020204" pitchFamily="34" charset="0"/>
+                          <a:cs typeface="Arial" panose="020B0604020202020204" pitchFamily="34" charset="0"/>
+                        </a:rPr>
+                        <a:t>Sunny</a:t>
+                      </a:r>
+                      <a:endParaRPr lang="en-US" sz="1800" b="0">
+                        <a:solidFill>
+                          <a:srgbClr val="000000"/>
+                        </a:solidFill>
+                        <a:latin typeface="Arial" panose="020B0604020202020204" pitchFamily="34" charset="0"/>
+                        <a:cs typeface="Arial" panose="020B0604020202020204" pitchFamily="34" charset="0"/>
+                      </a:endParaRPr>
+                    </a:p>
+                  </a:txBody>
+                  <a:tcPr marL="12700" marR="12700" marT="12700" vert="horz" anchor="ctr" anchorCtr="0"/>
+                </a:tc>
+                <a:tc>
+                  <a:txBody>
+                    <a:bodyPr/>
+                    <a:p>
+                      <a:pPr indent="0" algn="ctr">
+                        <a:buNone/>
+                      </a:pPr>
+                      <a:r>
+                        <a:rPr lang="en-US" sz="1800" b="0">
+                          <a:solidFill>
+                            <a:srgbClr val="000000"/>
+                          </a:solidFill>
+                          <a:latin typeface="Arial" panose="020B0604020202020204" pitchFamily="34" charset="0"/>
+                          <a:cs typeface="Arial" panose="020B0604020202020204" pitchFamily="34" charset="0"/>
+                        </a:rPr>
+                        <a:t>Hot</a:t>
+                      </a:r>
+                      <a:endParaRPr lang="en-US" sz="1800" b="0">
+                        <a:solidFill>
+                          <a:srgbClr val="000000"/>
+                        </a:solidFill>
+                        <a:latin typeface="Arial" panose="020B0604020202020204" pitchFamily="34" charset="0"/>
+                        <a:cs typeface="Arial" panose="020B0604020202020204" pitchFamily="34" charset="0"/>
+                      </a:endParaRPr>
+                    </a:p>
+                  </a:txBody>
+                  <a:tcPr marL="12700" marR="12700" marT="12700" vert="horz" anchor="ctr" anchorCtr="0"/>
+                </a:tc>
+                <a:tc>
+                  <a:txBody>
+                    <a:bodyPr/>
+                    <a:p>
+                      <a:pPr indent="0" algn="ctr">
+                        <a:buNone/>
+                      </a:pPr>
+                      <a:r>
+                        <a:rPr lang="en-US" sz="1800" b="0">
+                          <a:solidFill>
+                            <a:srgbClr val="000000"/>
+                          </a:solidFill>
+                          <a:latin typeface="Arial" panose="020B0604020202020204" pitchFamily="34" charset="0"/>
+                          <a:cs typeface="Arial" panose="020B0604020202020204" pitchFamily="34" charset="0"/>
+                        </a:rPr>
+                        <a:t>High</a:t>
+                      </a:r>
+                      <a:endParaRPr lang="en-US" sz="1800" b="0">
+                        <a:solidFill>
+                          <a:srgbClr val="000000"/>
+                        </a:solidFill>
+                        <a:latin typeface="Arial" panose="020B0604020202020204" pitchFamily="34" charset="0"/>
+                        <a:cs typeface="Arial" panose="020B0604020202020204" pitchFamily="34" charset="0"/>
+                      </a:endParaRPr>
+                    </a:p>
+                  </a:txBody>
+                  <a:tcPr marL="12700" marR="12700" marT="12700" vert="horz" anchor="ctr" anchorCtr="0"/>
+                </a:tc>
+                <a:tc>
+                  <a:txBody>
+                    <a:bodyPr/>
+                    <a:p>
+                      <a:pPr indent="0" algn="ctr">
+                        <a:buNone/>
+                      </a:pPr>
+                      <a:r>
+                        <a:rPr lang="en-US" sz="1800" b="0">
+                          <a:solidFill>
+                            <a:srgbClr val="000000"/>
+                          </a:solidFill>
+                          <a:latin typeface="Arial" panose="020B0604020202020204" pitchFamily="34" charset="0"/>
+                          <a:cs typeface="Arial" panose="020B0604020202020204" pitchFamily="34" charset="0"/>
+                        </a:rPr>
+                        <a:t>Strong</a:t>
+                      </a:r>
+                      <a:endParaRPr lang="en-US" sz="1800" b="0">
+                        <a:solidFill>
+                          <a:srgbClr val="000000"/>
+                        </a:solidFill>
+                        <a:latin typeface="Arial" panose="020B0604020202020204" pitchFamily="34" charset="0"/>
+                        <a:cs typeface="Arial" panose="020B0604020202020204" pitchFamily="34" charset="0"/>
+                      </a:endParaRPr>
+                    </a:p>
+                  </a:txBody>
+                  <a:tcPr marL="12700" marR="12700" marT="12700" vert="horz" anchor="ctr" anchorCtr="0"/>
+                </a:tc>
+                <a:tc>
+                  <a:txBody>
+                    <a:bodyPr/>
+                    <a:p>
+                      <a:pPr indent="0" algn="ctr">
+                        <a:buNone/>
+                      </a:pPr>
+                      <a:r>
+                        <a:rPr lang="en-US" sz="1800" b="0">
+                          <a:solidFill>
+                            <a:srgbClr val="000000"/>
+                          </a:solidFill>
+                          <a:latin typeface="Arial" panose="020B0604020202020204" pitchFamily="34" charset="0"/>
+                          <a:cs typeface="Arial" panose="020B0604020202020204" pitchFamily="34" charset="0"/>
+                        </a:rPr>
+                        <a:t>No</a:t>
+                      </a:r>
+                      <a:endParaRPr lang="en-US" sz="1800" b="0">
+                        <a:solidFill>
+                          <a:srgbClr val="000000"/>
+                        </a:solidFill>
+                        <a:latin typeface="Arial" panose="020B0604020202020204" pitchFamily="34" charset="0"/>
+                        <a:cs typeface="Arial" panose="020B0604020202020204" pitchFamily="34" charset="0"/>
+                      </a:endParaRPr>
+                    </a:p>
+                  </a:txBody>
+                  <a:tcPr marL="12700" marR="12700" marT="12700" vert="horz" anchor="ctr" anchorCtr="0"/>
+                </a:tc>
+              </a:tr>
+              <a:tr h="380365">
+                <a:tc>
+                  <a:txBody>
+                    <a:bodyPr/>
+                    <a:p>
+                      <a:pPr indent="0" algn="ctr">
+                        <a:buNone/>
+                      </a:pPr>
+                      <a:r>
+                        <a:rPr lang="en-US" sz="1800" b="0">
+                          <a:solidFill>
+                            <a:srgbClr val="000000"/>
+                          </a:solidFill>
+                          <a:latin typeface="Arial" panose="020B0604020202020204" pitchFamily="34" charset="0"/>
+                          <a:cs typeface="Arial" panose="020B0604020202020204" pitchFamily="34" charset="0"/>
+                        </a:rPr>
+                        <a:t>Overcast</a:t>
+                      </a:r>
+                      <a:endParaRPr lang="en-US" sz="1800" b="0">
+                        <a:solidFill>
+                          <a:srgbClr val="000000"/>
+                        </a:solidFill>
+                        <a:latin typeface="Arial" panose="020B0604020202020204" pitchFamily="34" charset="0"/>
+                        <a:cs typeface="Arial" panose="020B0604020202020204" pitchFamily="34" charset="0"/>
+                      </a:endParaRPr>
+                    </a:p>
+                  </a:txBody>
+                  <a:tcPr marL="12700" marR="12700" marT="12700" vert="horz" anchor="ctr" anchorCtr="0"/>
+                </a:tc>
+                <a:tc>
+                  <a:txBody>
+                    <a:bodyPr/>
+                    <a:p>
+                      <a:pPr indent="0" algn="ctr">
+                        <a:buNone/>
+                      </a:pPr>
+                      <a:r>
+                        <a:rPr lang="en-US" sz="1800" b="0">
+                          <a:solidFill>
+                            <a:srgbClr val="000000"/>
+                          </a:solidFill>
+                          <a:latin typeface="Arial" panose="020B0604020202020204" pitchFamily="34" charset="0"/>
+                          <a:cs typeface="Arial" panose="020B0604020202020204" pitchFamily="34" charset="0"/>
+                        </a:rPr>
+                        <a:t>Hot</a:t>
+                      </a:r>
+                      <a:endParaRPr lang="en-US" sz="1800" b="0">
+                        <a:solidFill>
+                          <a:srgbClr val="000000"/>
+                        </a:solidFill>
+                        <a:latin typeface="Arial" panose="020B0604020202020204" pitchFamily="34" charset="0"/>
+                        <a:cs typeface="Arial" panose="020B0604020202020204" pitchFamily="34" charset="0"/>
+                      </a:endParaRPr>
+                    </a:p>
+                  </a:txBody>
+                  <a:tcPr marL="12700" marR="12700" marT="12700" vert="horz" anchor="ctr" anchorCtr="0"/>
+                </a:tc>
+                <a:tc>
+                  <a:txBody>
+                    <a:bodyPr/>
+                    <a:p>
+                      <a:pPr indent="0" algn="ctr">
+                        <a:buNone/>
+                      </a:pPr>
+                      <a:r>
+                        <a:rPr lang="en-US" sz="1800" b="0">
+                          <a:solidFill>
+                            <a:srgbClr val="000000"/>
+                          </a:solidFill>
+                          <a:latin typeface="Arial" panose="020B0604020202020204" pitchFamily="34" charset="0"/>
+                          <a:cs typeface="Arial" panose="020B0604020202020204" pitchFamily="34" charset="0"/>
+                        </a:rPr>
+                        <a:t>High</a:t>
+                      </a:r>
+                      <a:endParaRPr lang="en-US" sz="1800" b="0">
+                        <a:solidFill>
+                          <a:srgbClr val="000000"/>
+                        </a:solidFill>
+                        <a:latin typeface="Arial" panose="020B0604020202020204" pitchFamily="34" charset="0"/>
+                        <a:cs typeface="Arial" panose="020B0604020202020204" pitchFamily="34" charset="0"/>
+                      </a:endParaRPr>
+                    </a:p>
+                  </a:txBody>
+                  <a:tcPr marL="12700" marR="12700" marT="12700" vert="horz" anchor="ctr" anchorCtr="0"/>
+                </a:tc>
+                <a:tc>
+                  <a:txBody>
+                    <a:bodyPr/>
+                    <a:p>
+                      <a:pPr indent="0" algn="ctr">
+                        <a:buNone/>
+                      </a:pPr>
+                      <a:r>
+                        <a:rPr lang="en-US" sz="1800" b="0">
+                          <a:solidFill>
+                            <a:srgbClr val="000000"/>
+                          </a:solidFill>
+                          <a:latin typeface="Arial" panose="020B0604020202020204" pitchFamily="34" charset="0"/>
+                          <a:cs typeface="Arial" panose="020B0604020202020204" pitchFamily="34" charset="0"/>
+                        </a:rPr>
+                        <a:t>Weak</a:t>
+                      </a:r>
+                      <a:endParaRPr lang="en-US" sz="1800" b="0">
+                        <a:solidFill>
+                          <a:srgbClr val="000000"/>
+                        </a:solidFill>
+                        <a:latin typeface="Arial" panose="020B0604020202020204" pitchFamily="34" charset="0"/>
+                        <a:cs typeface="Arial" panose="020B0604020202020204" pitchFamily="34" charset="0"/>
+                      </a:endParaRPr>
+                    </a:p>
+                  </a:txBody>
+                  <a:tcPr marL="12700" marR="12700" marT="12700" vert="horz" anchor="ctr" anchorCtr="0"/>
+                </a:tc>
+                <a:tc>
+                  <a:txBody>
+                    <a:bodyPr/>
+                    <a:p>
+                      <a:pPr indent="0" algn="ctr">
+                        <a:buNone/>
+                      </a:pPr>
+                      <a:r>
+                        <a:rPr lang="en-US" sz="1800" b="0">
+                          <a:solidFill>
+                            <a:srgbClr val="000000"/>
+                          </a:solidFill>
+                          <a:latin typeface="Arial" panose="020B0604020202020204" pitchFamily="34" charset="0"/>
+                          <a:cs typeface="Arial" panose="020B0604020202020204" pitchFamily="34" charset="0"/>
+                        </a:rPr>
+                        <a:t>Yes</a:t>
+                      </a:r>
+                      <a:endParaRPr lang="en-US" sz="1800" b="0">
+                        <a:solidFill>
+                          <a:srgbClr val="000000"/>
+                        </a:solidFill>
+                        <a:latin typeface="Arial" panose="020B0604020202020204" pitchFamily="34" charset="0"/>
+                        <a:cs typeface="Arial" panose="020B0604020202020204" pitchFamily="34" charset="0"/>
+                      </a:endParaRPr>
+                    </a:p>
+                  </a:txBody>
+                  <a:tcPr marL="12700" marR="12700" marT="12700" vert="horz" anchor="ctr" anchorCtr="0"/>
+                </a:tc>
+              </a:tr>
+              <a:tr h="380365">
+                <a:tc>
+                  <a:txBody>
+                    <a:bodyPr/>
+                    <a:p>
+                      <a:pPr indent="0" algn="ctr">
+                        <a:buNone/>
+                      </a:pPr>
+                      <a:r>
+                        <a:rPr lang="en-US" sz="1800" b="0">
+                          <a:solidFill>
+                            <a:srgbClr val="000000"/>
+                          </a:solidFill>
+                          <a:latin typeface="Arial" panose="020B0604020202020204" pitchFamily="34" charset="0"/>
+                          <a:cs typeface="Arial" panose="020B0604020202020204" pitchFamily="34" charset="0"/>
+                        </a:rPr>
+                        <a:t>Rain</a:t>
+                      </a:r>
+                      <a:endParaRPr lang="en-US" sz="1800" b="0">
+                        <a:solidFill>
+                          <a:srgbClr val="000000"/>
+                        </a:solidFill>
+                        <a:latin typeface="Arial" panose="020B0604020202020204" pitchFamily="34" charset="0"/>
+                        <a:cs typeface="Arial" panose="020B0604020202020204" pitchFamily="34" charset="0"/>
+                      </a:endParaRPr>
+                    </a:p>
+                  </a:txBody>
+                  <a:tcPr marL="12700" marR="12700" marT="12700" vert="horz" anchor="ctr" anchorCtr="0"/>
+                </a:tc>
+                <a:tc>
+                  <a:txBody>
+                    <a:bodyPr/>
+                    <a:p>
+                      <a:pPr indent="0" algn="ctr">
+                        <a:buNone/>
+                      </a:pPr>
+                      <a:r>
+                        <a:rPr lang="en-US" sz="1800" b="0">
+                          <a:solidFill>
+                            <a:srgbClr val="000000"/>
+                          </a:solidFill>
+                          <a:latin typeface="Arial" panose="020B0604020202020204" pitchFamily="34" charset="0"/>
+                          <a:cs typeface="Arial" panose="020B0604020202020204" pitchFamily="34" charset="0"/>
+                        </a:rPr>
+                        <a:t>Mild</a:t>
+                      </a:r>
+                      <a:endParaRPr lang="en-US" sz="1800" b="0">
+                        <a:solidFill>
+                          <a:srgbClr val="000000"/>
+                        </a:solidFill>
+                        <a:latin typeface="Arial" panose="020B0604020202020204" pitchFamily="34" charset="0"/>
+                        <a:cs typeface="Arial" panose="020B0604020202020204" pitchFamily="34" charset="0"/>
+                      </a:endParaRPr>
+                    </a:p>
+                  </a:txBody>
+                  <a:tcPr marL="12700" marR="12700" marT="12700" vert="horz" anchor="ctr" anchorCtr="0"/>
+                </a:tc>
+                <a:tc>
+                  <a:txBody>
+                    <a:bodyPr/>
+                    <a:p>
+                      <a:pPr indent="0" algn="ctr">
+                        <a:buNone/>
+                      </a:pPr>
+                      <a:r>
+                        <a:rPr lang="en-US" sz="1800" b="0">
+                          <a:solidFill>
+                            <a:srgbClr val="000000"/>
+                          </a:solidFill>
+                          <a:latin typeface="Arial" panose="020B0604020202020204" pitchFamily="34" charset="0"/>
+                          <a:cs typeface="Arial" panose="020B0604020202020204" pitchFamily="34" charset="0"/>
+                        </a:rPr>
+                        <a:t>High</a:t>
+                      </a:r>
+                      <a:endParaRPr lang="en-US" sz="1800" b="0">
+                        <a:solidFill>
+                          <a:srgbClr val="000000"/>
+                        </a:solidFill>
+                        <a:latin typeface="Arial" panose="020B0604020202020204" pitchFamily="34" charset="0"/>
+                        <a:cs typeface="Arial" panose="020B0604020202020204" pitchFamily="34" charset="0"/>
+                      </a:endParaRPr>
+                    </a:p>
+                  </a:txBody>
+                  <a:tcPr marL="12700" marR="12700" marT="12700" vert="horz" anchor="ctr" anchorCtr="0"/>
+                </a:tc>
+                <a:tc>
+                  <a:txBody>
+                    <a:bodyPr/>
+                    <a:p>
+                      <a:pPr indent="0" algn="ctr">
+                        <a:buNone/>
+                      </a:pPr>
+                      <a:r>
+                        <a:rPr lang="en-US" sz="1800" b="0">
+                          <a:solidFill>
+                            <a:srgbClr val="000000"/>
+                          </a:solidFill>
+                          <a:latin typeface="Arial" panose="020B0604020202020204" pitchFamily="34" charset="0"/>
+                          <a:cs typeface="Arial" panose="020B0604020202020204" pitchFamily="34" charset="0"/>
+                        </a:rPr>
+                        <a:t>Weak</a:t>
+                      </a:r>
+                      <a:endParaRPr lang="en-US" sz="1800" b="0">
+                        <a:solidFill>
+                          <a:srgbClr val="000000"/>
+                        </a:solidFill>
+                        <a:latin typeface="Arial" panose="020B0604020202020204" pitchFamily="34" charset="0"/>
+                        <a:cs typeface="Arial" panose="020B0604020202020204" pitchFamily="34" charset="0"/>
+                      </a:endParaRPr>
+                    </a:p>
+                  </a:txBody>
+                  <a:tcPr marL="12700" marR="12700" marT="12700" vert="horz" anchor="ctr" anchorCtr="0"/>
+                </a:tc>
+                <a:tc>
+                  <a:txBody>
+                    <a:bodyPr/>
+                    <a:p>
+                      <a:pPr indent="0" algn="ctr">
+                        <a:buNone/>
+                      </a:pPr>
+                      <a:r>
+                        <a:rPr lang="en-US" sz="1800" b="0">
+                          <a:solidFill>
+                            <a:srgbClr val="000000"/>
+                          </a:solidFill>
+                          <a:latin typeface="Arial" panose="020B0604020202020204" pitchFamily="34" charset="0"/>
+                          <a:cs typeface="Arial" panose="020B0604020202020204" pitchFamily="34" charset="0"/>
+                        </a:rPr>
+                        <a:t>Yes</a:t>
+                      </a:r>
+                      <a:endParaRPr lang="en-US" sz="1800" b="0">
+                        <a:solidFill>
+                          <a:srgbClr val="000000"/>
+                        </a:solidFill>
+                        <a:latin typeface="Arial" panose="020B0604020202020204" pitchFamily="34" charset="0"/>
+                        <a:cs typeface="Arial" panose="020B0604020202020204" pitchFamily="34" charset="0"/>
+                      </a:endParaRPr>
+                    </a:p>
+                  </a:txBody>
+                  <a:tcPr marL="12700" marR="12700" marT="12700" vert="horz" anchor="ctr" anchorCtr="0"/>
+                </a:tc>
+              </a:tr>
+              <a:tr h="380365">
+                <a:tc>
+                  <a:txBody>
+                    <a:bodyPr/>
+                    <a:p>
+                      <a:pPr indent="0" algn="ctr">
+                        <a:buNone/>
+                      </a:pPr>
+                      <a:r>
+                        <a:rPr lang="en-US" sz="1800" b="0">
+                          <a:solidFill>
+                            <a:srgbClr val="000000"/>
+                          </a:solidFill>
+                          <a:latin typeface="Arial" panose="020B0604020202020204" pitchFamily="34" charset="0"/>
+                          <a:cs typeface="Arial" panose="020B0604020202020204" pitchFamily="34" charset="0"/>
+                        </a:rPr>
+                        <a:t>Rain</a:t>
+                      </a:r>
+                      <a:endParaRPr lang="en-US" sz="1800" b="0">
+                        <a:solidFill>
+                          <a:srgbClr val="000000"/>
+                        </a:solidFill>
+                        <a:latin typeface="Arial" panose="020B0604020202020204" pitchFamily="34" charset="0"/>
+                        <a:cs typeface="Arial" panose="020B0604020202020204" pitchFamily="34" charset="0"/>
+                      </a:endParaRPr>
+                    </a:p>
+                  </a:txBody>
+                  <a:tcPr marL="12700" marR="12700" marT="12700" vert="horz" anchor="ctr" anchorCtr="0"/>
+                </a:tc>
+                <a:tc>
+                  <a:txBody>
+                    <a:bodyPr/>
+                    <a:p>
+                      <a:pPr indent="0" algn="ctr">
+                        <a:buNone/>
+                      </a:pPr>
+                      <a:r>
+                        <a:rPr lang="en-US" sz="1800" b="0">
+                          <a:solidFill>
+                            <a:srgbClr val="000000"/>
+                          </a:solidFill>
+                          <a:latin typeface="Arial" panose="020B0604020202020204" pitchFamily="34" charset="0"/>
+                          <a:cs typeface="Arial" panose="020B0604020202020204" pitchFamily="34" charset="0"/>
+                        </a:rPr>
+                        <a:t>Cool</a:t>
+                      </a:r>
+                      <a:endParaRPr lang="en-US" sz="1800" b="0">
+                        <a:solidFill>
+                          <a:srgbClr val="000000"/>
+                        </a:solidFill>
+                        <a:latin typeface="Arial" panose="020B0604020202020204" pitchFamily="34" charset="0"/>
+                        <a:cs typeface="Arial" panose="020B0604020202020204" pitchFamily="34" charset="0"/>
+                      </a:endParaRPr>
+                    </a:p>
+                  </a:txBody>
+                  <a:tcPr marL="12700" marR="12700" marT="12700" vert="horz" anchor="ctr" anchorCtr="0"/>
+                </a:tc>
+                <a:tc>
+                  <a:txBody>
+                    <a:bodyPr/>
+                    <a:p>
+                      <a:pPr indent="0" algn="ctr">
+                        <a:buNone/>
+                      </a:pPr>
+                      <a:r>
+                        <a:rPr lang="en-US" sz="1800" b="0">
+                          <a:solidFill>
+                            <a:srgbClr val="000000"/>
+                          </a:solidFill>
+                          <a:latin typeface="Arial" panose="020B0604020202020204" pitchFamily="34" charset="0"/>
+                          <a:cs typeface="Arial" panose="020B0604020202020204" pitchFamily="34" charset="0"/>
+                        </a:rPr>
+                        <a:t>Normal</a:t>
+                      </a:r>
+                      <a:endParaRPr lang="en-US" sz="1800" b="0">
+                        <a:solidFill>
+                          <a:srgbClr val="000000"/>
+                        </a:solidFill>
+                        <a:latin typeface="Arial" panose="020B0604020202020204" pitchFamily="34" charset="0"/>
+                        <a:cs typeface="Arial" panose="020B0604020202020204" pitchFamily="34" charset="0"/>
+                      </a:endParaRPr>
+                    </a:p>
+                  </a:txBody>
+                  <a:tcPr marL="12700" marR="12700" marT="12700" vert="horz" anchor="ctr" anchorCtr="0"/>
+                </a:tc>
+                <a:tc>
+                  <a:txBody>
+                    <a:bodyPr/>
+                    <a:p>
+                      <a:pPr indent="0" algn="ctr">
+                        <a:buNone/>
+                      </a:pPr>
+                      <a:r>
+                        <a:rPr lang="en-US" sz="1800" b="0">
+                          <a:solidFill>
+                            <a:srgbClr val="000000"/>
+                          </a:solidFill>
+                          <a:latin typeface="Arial" panose="020B0604020202020204" pitchFamily="34" charset="0"/>
+                          <a:cs typeface="Arial" panose="020B0604020202020204" pitchFamily="34" charset="0"/>
+                        </a:rPr>
+                        <a:t>Weak</a:t>
+                      </a:r>
+                      <a:endParaRPr lang="en-US" sz="1800" b="0">
+                        <a:solidFill>
+                          <a:srgbClr val="000000"/>
+                        </a:solidFill>
+                        <a:latin typeface="Arial" panose="020B0604020202020204" pitchFamily="34" charset="0"/>
+                        <a:cs typeface="Arial" panose="020B0604020202020204" pitchFamily="34" charset="0"/>
+                      </a:endParaRPr>
+                    </a:p>
+                  </a:txBody>
+                  <a:tcPr marL="12700" marR="12700" marT="12700" vert="horz" anchor="ctr" anchorCtr="0"/>
+                </a:tc>
+                <a:tc>
+                  <a:txBody>
+                    <a:bodyPr/>
+                    <a:p>
+                      <a:pPr indent="0" algn="ctr">
+                        <a:buNone/>
+                      </a:pPr>
+                      <a:r>
+                        <a:rPr lang="en-US" sz="1800" b="0">
+                          <a:solidFill>
+                            <a:srgbClr val="000000"/>
+                          </a:solidFill>
+                          <a:latin typeface="Arial" panose="020B0604020202020204" pitchFamily="34" charset="0"/>
+                          <a:cs typeface="Arial" panose="020B0604020202020204" pitchFamily="34" charset="0"/>
+                        </a:rPr>
+                        <a:t>Yes</a:t>
+                      </a:r>
+                      <a:endParaRPr lang="en-US" sz="1800" b="0">
+                        <a:solidFill>
+                          <a:srgbClr val="000000"/>
+                        </a:solidFill>
+                        <a:latin typeface="Arial" panose="020B0604020202020204" pitchFamily="34" charset="0"/>
+                        <a:cs typeface="Arial" panose="020B0604020202020204" pitchFamily="34" charset="0"/>
+                      </a:endParaRPr>
+                    </a:p>
+                  </a:txBody>
+                  <a:tcPr marL="12700" marR="12700" marT="12700" vert="horz" anchor="ctr" anchorCtr="0"/>
+                </a:tc>
+              </a:tr>
+              <a:tr h="380365">
+                <a:tc>
+                  <a:txBody>
+                    <a:bodyPr/>
+                    <a:p>
+                      <a:pPr indent="0" algn="ctr">
+                        <a:buNone/>
+                      </a:pPr>
+                      <a:r>
+                        <a:rPr lang="en-US" sz="1800" b="0">
+                          <a:solidFill>
+                            <a:srgbClr val="000000"/>
+                          </a:solidFill>
+                          <a:latin typeface="Arial" panose="020B0604020202020204" pitchFamily="34" charset="0"/>
+                          <a:cs typeface="Arial" panose="020B0604020202020204" pitchFamily="34" charset="0"/>
+                        </a:rPr>
+                        <a:t>Rain</a:t>
+                      </a:r>
+                      <a:endParaRPr lang="en-US" sz="1800" b="0">
+                        <a:solidFill>
+                          <a:srgbClr val="000000"/>
+                        </a:solidFill>
+                        <a:latin typeface="Arial" panose="020B0604020202020204" pitchFamily="34" charset="0"/>
+                        <a:cs typeface="Arial" panose="020B0604020202020204" pitchFamily="34" charset="0"/>
+                      </a:endParaRPr>
+                    </a:p>
+                  </a:txBody>
+                  <a:tcPr marL="12700" marR="12700" marT="12700" vert="horz" anchor="ctr" anchorCtr="0"/>
+                </a:tc>
+                <a:tc>
+                  <a:txBody>
+                    <a:bodyPr/>
+                    <a:p>
+                      <a:pPr indent="0" algn="ctr">
+                        <a:buNone/>
+                      </a:pPr>
+                      <a:r>
+                        <a:rPr lang="en-US" sz="1800" b="0">
+                          <a:solidFill>
+                            <a:srgbClr val="000000"/>
+                          </a:solidFill>
+                          <a:latin typeface="Arial" panose="020B0604020202020204" pitchFamily="34" charset="0"/>
+                          <a:cs typeface="Arial" panose="020B0604020202020204" pitchFamily="34" charset="0"/>
+                        </a:rPr>
+                        <a:t>Cool</a:t>
+                      </a:r>
+                      <a:endParaRPr lang="en-US" sz="1800" b="0">
+                        <a:solidFill>
+                          <a:srgbClr val="000000"/>
+                        </a:solidFill>
+                        <a:latin typeface="Arial" panose="020B0604020202020204" pitchFamily="34" charset="0"/>
+                        <a:cs typeface="Arial" panose="020B0604020202020204" pitchFamily="34" charset="0"/>
+                      </a:endParaRPr>
+                    </a:p>
+                  </a:txBody>
+                  <a:tcPr marL="12700" marR="12700" marT="12700" vert="horz" anchor="ctr" anchorCtr="0"/>
+                </a:tc>
+                <a:tc>
+                  <a:txBody>
+                    <a:bodyPr/>
+                    <a:p>
+                      <a:pPr indent="0" algn="ctr">
+                        <a:buNone/>
+                      </a:pPr>
+                      <a:r>
+                        <a:rPr lang="en-US" sz="1800" b="0">
+                          <a:solidFill>
+                            <a:srgbClr val="000000"/>
+                          </a:solidFill>
+                          <a:latin typeface="Arial" panose="020B0604020202020204" pitchFamily="34" charset="0"/>
+                          <a:cs typeface="Arial" panose="020B0604020202020204" pitchFamily="34" charset="0"/>
+                        </a:rPr>
+                        <a:t>Normal</a:t>
+                      </a:r>
+                      <a:endParaRPr lang="en-US" sz="1800" b="0">
+                        <a:solidFill>
+                          <a:srgbClr val="000000"/>
+                        </a:solidFill>
+                        <a:latin typeface="Arial" panose="020B0604020202020204" pitchFamily="34" charset="0"/>
+                        <a:cs typeface="Arial" panose="020B0604020202020204" pitchFamily="34" charset="0"/>
+                      </a:endParaRPr>
+                    </a:p>
+                  </a:txBody>
+                  <a:tcPr marL="12700" marR="12700" marT="12700" vert="horz" anchor="ctr" anchorCtr="0"/>
+                </a:tc>
+                <a:tc>
+                  <a:txBody>
+                    <a:bodyPr/>
+                    <a:p>
+                      <a:pPr indent="0" algn="ctr">
+                        <a:buNone/>
+                      </a:pPr>
+                      <a:r>
+                        <a:rPr lang="en-US" sz="1800" b="0">
+                          <a:solidFill>
+                            <a:srgbClr val="000000"/>
+                          </a:solidFill>
+                          <a:latin typeface="Arial" panose="020B0604020202020204" pitchFamily="34" charset="0"/>
+                          <a:cs typeface="Arial" panose="020B0604020202020204" pitchFamily="34" charset="0"/>
+                        </a:rPr>
+                        <a:t>Strong</a:t>
+                      </a:r>
+                      <a:endParaRPr lang="en-US" sz="1800" b="0">
+                        <a:solidFill>
+                          <a:srgbClr val="000000"/>
+                        </a:solidFill>
+                        <a:latin typeface="Arial" panose="020B0604020202020204" pitchFamily="34" charset="0"/>
+                        <a:cs typeface="Arial" panose="020B0604020202020204" pitchFamily="34" charset="0"/>
+                      </a:endParaRPr>
+                    </a:p>
+                  </a:txBody>
+                  <a:tcPr marL="12700" marR="12700" marT="12700" vert="horz" anchor="ctr" anchorCtr="0"/>
+                </a:tc>
+                <a:tc>
+                  <a:txBody>
+                    <a:bodyPr/>
+                    <a:p>
+                      <a:pPr indent="0" algn="ctr">
+                        <a:buNone/>
+                      </a:pPr>
+                      <a:r>
+                        <a:rPr lang="en-US" sz="1800" b="0">
+                          <a:solidFill>
+                            <a:srgbClr val="000000"/>
+                          </a:solidFill>
+                          <a:latin typeface="Arial" panose="020B0604020202020204" pitchFamily="34" charset="0"/>
+                          <a:cs typeface="Arial" panose="020B0604020202020204" pitchFamily="34" charset="0"/>
+                        </a:rPr>
+                        <a:t>No</a:t>
+                      </a:r>
+                      <a:endParaRPr lang="en-US" sz="1800" b="0">
+                        <a:solidFill>
+                          <a:srgbClr val="000000"/>
+                        </a:solidFill>
+                        <a:latin typeface="Arial" panose="020B0604020202020204" pitchFamily="34" charset="0"/>
+                        <a:cs typeface="Arial" panose="020B0604020202020204" pitchFamily="34" charset="0"/>
+                      </a:endParaRPr>
+                    </a:p>
+                  </a:txBody>
+                  <a:tcPr marL="12700" marR="12700" marT="12700" vert="horz" anchor="ctr" anchorCtr="0"/>
+                </a:tc>
+              </a:tr>
+              <a:tr h="380365">
+                <a:tc>
+                  <a:txBody>
+                    <a:bodyPr/>
+                    <a:p>
+                      <a:pPr indent="0" algn="ctr">
+                        <a:buNone/>
+                      </a:pPr>
+                      <a:r>
+                        <a:rPr lang="en-US" sz="1800" b="0">
+                          <a:solidFill>
+                            <a:srgbClr val="000000"/>
+                          </a:solidFill>
+                          <a:latin typeface="Arial" panose="020B0604020202020204" pitchFamily="34" charset="0"/>
+                          <a:cs typeface="Arial" panose="020B0604020202020204" pitchFamily="34" charset="0"/>
+                        </a:rPr>
+                        <a:t>Overcast</a:t>
+                      </a:r>
+                      <a:endParaRPr lang="en-US" sz="1800" b="0">
+                        <a:solidFill>
+                          <a:srgbClr val="000000"/>
+                        </a:solidFill>
+                        <a:latin typeface="Arial" panose="020B0604020202020204" pitchFamily="34" charset="0"/>
+                        <a:cs typeface="Arial" panose="020B0604020202020204" pitchFamily="34" charset="0"/>
+                      </a:endParaRPr>
+                    </a:p>
+                  </a:txBody>
+                  <a:tcPr marL="12700" marR="12700" marT="12700" vert="horz" anchor="ctr" anchorCtr="0"/>
+                </a:tc>
+                <a:tc>
+                  <a:txBody>
+                    <a:bodyPr/>
+                    <a:p>
+                      <a:pPr indent="0" algn="ctr">
+                        <a:buNone/>
+                      </a:pPr>
+                      <a:r>
+                        <a:rPr lang="en-US" sz="1800" b="0">
+                          <a:solidFill>
+                            <a:srgbClr val="000000"/>
+                          </a:solidFill>
+                          <a:latin typeface="Arial" panose="020B0604020202020204" pitchFamily="34" charset="0"/>
+                          <a:cs typeface="Arial" panose="020B0604020202020204" pitchFamily="34" charset="0"/>
+                        </a:rPr>
+                        <a:t>Cool</a:t>
+                      </a:r>
+                      <a:endParaRPr lang="en-US" sz="1800" b="0">
+                        <a:solidFill>
+                          <a:srgbClr val="000000"/>
+                        </a:solidFill>
+                        <a:latin typeface="Arial" panose="020B0604020202020204" pitchFamily="34" charset="0"/>
+                        <a:cs typeface="Arial" panose="020B0604020202020204" pitchFamily="34" charset="0"/>
+                      </a:endParaRPr>
+                    </a:p>
+                  </a:txBody>
+                  <a:tcPr marL="12700" marR="12700" marT="12700" vert="horz" anchor="ctr" anchorCtr="0"/>
+                </a:tc>
+                <a:tc>
+                  <a:txBody>
+                    <a:bodyPr/>
+                    <a:p>
+                      <a:pPr indent="0" algn="ctr">
+                        <a:buNone/>
+                      </a:pPr>
+                      <a:r>
+                        <a:rPr lang="en-US" sz="1800" b="0">
+                          <a:solidFill>
+                            <a:srgbClr val="000000"/>
+                          </a:solidFill>
+                          <a:latin typeface="Arial" panose="020B0604020202020204" pitchFamily="34" charset="0"/>
+                          <a:cs typeface="Arial" panose="020B0604020202020204" pitchFamily="34" charset="0"/>
+                        </a:rPr>
+                        <a:t>Normal</a:t>
+                      </a:r>
+                      <a:endParaRPr lang="en-US" sz="1800" b="0">
+                        <a:solidFill>
+                          <a:srgbClr val="000000"/>
+                        </a:solidFill>
+                        <a:latin typeface="Arial" panose="020B0604020202020204" pitchFamily="34" charset="0"/>
+                        <a:cs typeface="Arial" panose="020B0604020202020204" pitchFamily="34" charset="0"/>
+                      </a:endParaRPr>
+                    </a:p>
+                  </a:txBody>
+                  <a:tcPr marL="12700" marR="12700" marT="12700" vert="horz" anchor="ctr" anchorCtr="0"/>
+                </a:tc>
+                <a:tc>
+                  <a:txBody>
+                    <a:bodyPr/>
+                    <a:p>
+                      <a:pPr indent="0" algn="ctr">
+                        <a:buNone/>
+                      </a:pPr>
+                      <a:r>
+                        <a:rPr lang="en-US" sz="1800" b="0">
+                          <a:solidFill>
+                            <a:srgbClr val="000000"/>
+                          </a:solidFill>
+                          <a:latin typeface="Arial" panose="020B0604020202020204" pitchFamily="34" charset="0"/>
+                          <a:cs typeface="Arial" panose="020B0604020202020204" pitchFamily="34" charset="0"/>
+                        </a:rPr>
+                        <a:t>Strong</a:t>
+                      </a:r>
+                      <a:endParaRPr lang="en-US" sz="1800" b="0">
+                        <a:solidFill>
+                          <a:srgbClr val="000000"/>
+                        </a:solidFill>
+                        <a:latin typeface="Arial" panose="020B0604020202020204" pitchFamily="34" charset="0"/>
+                        <a:cs typeface="Arial" panose="020B0604020202020204" pitchFamily="34" charset="0"/>
+                      </a:endParaRPr>
+                    </a:p>
+                  </a:txBody>
+                  <a:tcPr marL="12700" marR="12700" marT="12700" vert="horz" anchor="ctr" anchorCtr="0"/>
+                </a:tc>
+                <a:tc>
+                  <a:txBody>
+                    <a:bodyPr/>
+                    <a:p>
+                      <a:pPr indent="0" algn="ctr">
+                        <a:buNone/>
+                      </a:pPr>
+                      <a:r>
+                        <a:rPr lang="en-US" sz="1800" b="0">
+                          <a:solidFill>
+                            <a:srgbClr val="000000"/>
+                          </a:solidFill>
+                          <a:latin typeface="Arial" panose="020B0604020202020204" pitchFamily="34" charset="0"/>
+                          <a:cs typeface="Arial" panose="020B0604020202020204" pitchFamily="34" charset="0"/>
+                        </a:rPr>
+                        <a:t>Yes</a:t>
+                      </a:r>
+                      <a:endParaRPr lang="en-US" sz="1800" b="0">
+                        <a:solidFill>
+                          <a:srgbClr val="000000"/>
+                        </a:solidFill>
+                        <a:latin typeface="Arial" panose="020B0604020202020204" pitchFamily="34" charset="0"/>
+                        <a:cs typeface="Arial" panose="020B0604020202020204" pitchFamily="34" charset="0"/>
+                      </a:endParaRPr>
+                    </a:p>
+                  </a:txBody>
+                  <a:tcPr marL="12700" marR="12700" marT="12700" vert="horz" anchor="ctr" anchorCtr="0"/>
+                </a:tc>
+              </a:tr>
+              <a:tr h="380365">
+                <a:tc>
+                  <a:txBody>
+                    <a:bodyPr/>
+                    <a:p>
+                      <a:pPr indent="0" algn="ctr">
+                        <a:buNone/>
+                      </a:pPr>
+                      <a:r>
+                        <a:rPr lang="en-US" sz="1800" b="0">
+                          <a:solidFill>
+                            <a:srgbClr val="000000"/>
+                          </a:solidFill>
+                          <a:latin typeface="Arial" panose="020B0604020202020204" pitchFamily="34" charset="0"/>
+                          <a:cs typeface="Arial" panose="020B0604020202020204" pitchFamily="34" charset="0"/>
+                        </a:rPr>
+                        <a:t>Sunny</a:t>
+                      </a:r>
+                      <a:endParaRPr lang="en-US" sz="1800" b="0">
+                        <a:solidFill>
+                          <a:srgbClr val="000000"/>
+                        </a:solidFill>
+                        <a:latin typeface="Arial" panose="020B0604020202020204" pitchFamily="34" charset="0"/>
+                        <a:cs typeface="Arial" panose="020B0604020202020204" pitchFamily="34" charset="0"/>
+                      </a:endParaRPr>
+                    </a:p>
+                  </a:txBody>
+                  <a:tcPr marL="12700" marR="12700" marT="12700" vert="horz" anchor="ctr" anchorCtr="0"/>
+                </a:tc>
+                <a:tc>
+                  <a:txBody>
+                    <a:bodyPr/>
+                    <a:p>
+                      <a:pPr indent="0" algn="ctr">
+                        <a:buNone/>
+                      </a:pPr>
+                      <a:r>
+                        <a:rPr lang="en-US" sz="1800" b="0">
+                          <a:solidFill>
+                            <a:srgbClr val="000000"/>
+                          </a:solidFill>
+                          <a:latin typeface="Arial" panose="020B0604020202020204" pitchFamily="34" charset="0"/>
+                          <a:cs typeface="Arial" panose="020B0604020202020204" pitchFamily="34" charset="0"/>
+                        </a:rPr>
+                        <a:t>Mild</a:t>
+                      </a:r>
+                      <a:endParaRPr lang="en-US" sz="1800" b="0">
+                        <a:solidFill>
+                          <a:srgbClr val="000000"/>
+                        </a:solidFill>
+                        <a:latin typeface="Arial" panose="020B0604020202020204" pitchFamily="34" charset="0"/>
+                        <a:cs typeface="Arial" panose="020B0604020202020204" pitchFamily="34" charset="0"/>
+                      </a:endParaRPr>
+                    </a:p>
+                  </a:txBody>
+                  <a:tcPr marL="12700" marR="12700" marT="12700" vert="horz" anchor="ctr" anchorCtr="0"/>
+                </a:tc>
+                <a:tc>
+                  <a:txBody>
+                    <a:bodyPr/>
+                    <a:p>
+                      <a:pPr indent="0" algn="ctr">
+                        <a:buNone/>
+                      </a:pPr>
+                      <a:r>
+                        <a:rPr lang="en-US" sz="1800" b="0">
+                          <a:solidFill>
+                            <a:srgbClr val="000000"/>
+                          </a:solidFill>
+                          <a:latin typeface="Arial" panose="020B0604020202020204" pitchFamily="34" charset="0"/>
+                          <a:cs typeface="Arial" panose="020B0604020202020204" pitchFamily="34" charset="0"/>
+                        </a:rPr>
+                        <a:t>High</a:t>
+                      </a:r>
+                      <a:endParaRPr lang="en-US" sz="1800" b="0">
+                        <a:solidFill>
+                          <a:srgbClr val="000000"/>
+                        </a:solidFill>
+                        <a:latin typeface="Arial" panose="020B0604020202020204" pitchFamily="34" charset="0"/>
+                        <a:cs typeface="Arial" panose="020B0604020202020204" pitchFamily="34" charset="0"/>
+                      </a:endParaRPr>
+                    </a:p>
+                  </a:txBody>
+                  <a:tcPr marL="12700" marR="12700" marT="12700" vert="horz" anchor="ctr" anchorCtr="0"/>
+                </a:tc>
+                <a:tc>
+                  <a:txBody>
+                    <a:bodyPr/>
+                    <a:p>
+                      <a:pPr indent="0" algn="ctr">
+                        <a:buNone/>
+                      </a:pPr>
+                      <a:r>
+                        <a:rPr lang="en-US" sz="1800" b="0">
+                          <a:solidFill>
+                            <a:srgbClr val="000000"/>
+                          </a:solidFill>
+                          <a:latin typeface="Arial" panose="020B0604020202020204" pitchFamily="34" charset="0"/>
+                          <a:cs typeface="Arial" panose="020B0604020202020204" pitchFamily="34" charset="0"/>
+                        </a:rPr>
+                        <a:t>Weak</a:t>
+                      </a:r>
+                      <a:endParaRPr lang="en-US" sz="1800" b="0">
+                        <a:solidFill>
+                          <a:srgbClr val="000000"/>
+                        </a:solidFill>
+                        <a:latin typeface="Arial" panose="020B0604020202020204" pitchFamily="34" charset="0"/>
+                        <a:cs typeface="Arial" panose="020B0604020202020204" pitchFamily="34" charset="0"/>
+                      </a:endParaRPr>
+                    </a:p>
+                  </a:txBody>
+                  <a:tcPr marL="12700" marR="12700" marT="12700" vert="horz" anchor="ctr" anchorCtr="0"/>
+                </a:tc>
+                <a:tc>
+                  <a:txBody>
+                    <a:bodyPr/>
+                    <a:p>
+                      <a:pPr indent="0" algn="ctr">
+                        <a:buNone/>
+                      </a:pPr>
+                      <a:r>
+                        <a:rPr lang="en-US" sz="1800" b="0">
+                          <a:solidFill>
+                            <a:srgbClr val="000000"/>
+                          </a:solidFill>
+                          <a:latin typeface="Arial" panose="020B0604020202020204" pitchFamily="34" charset="0"/>
+                          <a:cs typeface="Arial" panose="020B0604020202020204" pitchFamily="34" charset="0"/>
+                        </a:rPr>
+                        <a:t>No</a:t>
+                      </a:r>
+                      <a:endParaRPr lang="en-US" sz="1800" b="0">
+                        <a:solidFill>
+                          <a:srgbClr val="000000"/>
+                        </a:solidFill>
+                        <a:latin typeface="Arial" panose="020B0604020202020204" pitchFamily="34" charset="0"/>
+                        <a:cs typeface="Arial" panose="020B0604020202020204" pitchFamily="34" charset="0"/>
+                      </a:endParaRPr>
+                    </a:p>
+                  </a:txBody>
+                  <a:tcPr marL="12700" marR="12700" marT="12700" vert="horz" anchor="ctr" anchorCtr="0"/>
+                </a:tc>
+              </a:tr>
+              <a:tr h="380365">
+                <a:tc>
+                  <a:txBody>
+                    <a:bodyPr/>
+                    <a:p>
+                      <a:pPr indent="0" algn="ctr">
+                        <a:buNone/>
+                      </a:pPr>
+                      <a:r>
+                        <a:rPr lang="en-US" sz="1800" b="0">
+                          <a:solidFill>
+                            <a:srgbClr val="000000"/>
+                          </a:solidFill>
+                          <a:latin typeface="Arial" panose="020B0604020202020204" pitchFamily="34" charset="0"/>
+                          <a:cs typeface="Arial" panose="020B0604020202020204" pitchFamily="34" charset="0"/>
+                        </a:rPr>
+                        <a:t>Sunny</a:t>
+                      </a:r>
+                      <a:endParaRPr lang="en-US" sz="1800" b="0">
+                        <a:solidFill>
+                          <a:srgbClr val="000000"/>
+                        </a:solidFill>
+                        <a:latin typeface="Arial" panose="020B0604020202020204" pitchFamily="34" charset="0"/>
+                        <a:cs typeface="Arial" panose="020B0604020202020204" pitchFamily="34" charset="0"/>
+                      </a:endParaRPr>
+                    </a:p>
+                  </a:txBody>
+                  <a:tcPr marL="12700" marR="12700" marT="12700" vert="horz" anchor="ctr" anchorCtr="0"/>
+                </a:tc>
+                <a:tc>
+                  <a:txBody>
+                    <a:bodyPr/>
+                    <a:p>
+                      <a:pPr indent="0" algn="ctr">
+                        <a:buNone/>
+                      </a:pPr>
+                      <a:r>
+                        <a:rPr lang="en-US" sz="1800" b="0">
+                          <a:solidFill>
+                            <a:srgbClr val="000000"/>
+                          </a:solidFill>
+                          <a:latin typeface="Arial" panose="020B0604020202020204" pitchFamily="34" charset="0"/>
+                          <a:cs typeface="Arial" panose="020B0604020202020204" pitchFamily="34" charset="0"/>
+                        </a:rPr>
+                        <a:t>Cool</a:t>
+                      </a:r>
+                      <a:endParaRPr lang="en-US" sz="1800" b="0">
+                        <a:solidFill>
+                          <a:srgbClr val="000000"/>
+                        </a:solidFill>
+                        <a:latin typeface="Arial" panose="020B0604020202020204" pitchFamily="34" charset="0"/>
+                        <a:cs typeface="Arial" panose="020B0604020202020204" pitchFamily="34" charset="0"/>
+                      </a:endParaRPr>
+                    </a:p>
+                  </a:txBody>
+                  <a:tcPr marL="12700" marR="12700" marT="12700" vert="horz" anchor="ctr" anchorCtr="0"/>
+                </a:tc>
+                <a:tc>
+                  <a:txBody>
+                    <a:bodyPr/>
+                    <a:p>
+                      <a:pPr indent="0" algn="ctr">
+                        <a:buNone/>
+                      </a:pPr>
+                      <a:r>
+                        <a:rPr lang="en-US" sz="1800" b="0">
+                          <a:solidFill>
+                            <a:srgbClr val="000000"/>
+                          </a:solidFill>
+                          <a:latin typeface="Arial" panose="020B0604020202020204" pitchFamily="34" charset="0"/>
+                          <a:cs typeface="Arial" panose="020B0604020202020204" pitchFamily="34" charset="0"/>
+                        </a:rPr>
+                        <a:t>Normal</a:t>
+                      </a:r>
+                      <a:endParaRPr lang="en-US" sz="1800" b="0">
+                        <a:solidFill>
+                          <a:srgbClr val="000000"/>
+                        </a:solidFill>
+                        <a:latin typeface="Arial" panose="020B0604020202020204" pitchFamily="34" charset="0"/>
+                        <a:cs typeface="Arial" panose="020B0604020202020204" pitchFamily="34" charset="0"/>
+                      </a:endParaRPr>
+                    </a:p>
+                  </a:txBody>
+                  <a:tcPr marL="12700" marR="12700" marT="12700" vert="horz" anchor="ctr" anchorCtr="0"/>
+                </a:tc>
+                <a:tc>
+                  <a:txBody>
+                    <a:bodyPr/>
+                    <a:p>
+                      <a:pPr indent="0" algn="ctr">
+                        <a:buNone/>
+                      </a:pPr>
+                      <a:r>
+                        <a:rPr lang="en-US" sz="1800" b="0">
+                          <a:solidFill>
+                            <a:srgbClr val="000000"/>
+                          </a:solidFill>
+                          <a:latin typeface="Arial" panose="020B0604020202020204" pitchFamily="34" charset="0"/>
+                          <a:cs typeface="Arial" panose="020B0604020202020204" pitchFamily="34" charset="0"/>
+                        </a:rPr>
+                        <a:t>Weak</a:t>
+                      </a:r>
+                      <a:endParaRPr lang="en-US" sz="1800" b="0">
+                        <a:solidFill>
+                          <a:srgbClr val="000000"/>
+                        </a:solidFill>
+                        <a:latin typeface="Arial" panose="020B0604020202020204" pitchFamily="34" charset="0"/>
+                        <a:cs typeface="Arial" panose="020B0604020202020204" pitchFamily="34" charset="0"/>
+                      </a:endParaRPr>
+                    </a:p>
+                  </a:txBody>
+                  <a:tcPr marL="12700" marR="12700" marT="12700" vert="horz" anchor="ctr" anchorCtr="0"/>
+                </a:tc>
+                <a:tc>
+                  <a:txBody>
+                    <a:bodyPr/>
+                    <a:p>
+                      <a:pPr indent="0" algn="ctr">
+                        <a:buNone/>
+                      </a:pPr>
+                      <a:r>
+                        <a:rPr lang="en-US" sz="1800" b="0">
+                          <a:solidFill>
+                            <a:srgbClr val="000000"/>
+                          </a:solidFill>
+                          <a:latin typeface="Arial" panose="020B0604020202020204" pitchFamily="34" charset="0"/>
+                          <a:cs typeface="Arial" panose="020B0604020202020204" pitchFamily="34" charset="0"/>
+                        </a:rPr>
+                        <a:t>Yes</a:t>
+                      </a:r>
+                      <a:endParaRPr lang="en-US" sz="1800" b="0">
+                        <a:solidFill>
+                          <a:srgbClr val="000000"/>
+                        </a:solidFill>
+                        <a:latin typeface="Arial" panose="020B0604020202020204" pitchFamily="34" charset="0"/>
+                        <a:cs typeface="Arial" panose="020B0604020202020204" pitchFamily="34" charset="0"/>
+                      </a:endParaRPr>
+                    </a:p>
+                  </a:txBody>
+                  <a:tcPr marL="12700" marR="12700" marT="12700" vert="horz" anchor="ctr" anchorCtr="0"/>
+                </a:tc>
+              </a:tr>
+              <a:tr h="380365">
+                <a:tc>
+                  <a:txBody>
+                    <a:bodyPr/>
+                    <a:p>
+                      <a:pPr indent="0" algn="ctr">
+                        <a:buNone/>
+                      </a:pPr>
+                      <a:r>
+                        <a:rPr lang="en-US" sz="1800" b="0">
+                          <a:solidFill>
+                            <a:srgbClr val="000000"/>
+                          </a:solidFill>
+                          <a:latin typeface="Arial" panose="020B0604020202020204" pitchFamily="34" charset="0"/>
+                          <a:cs typeface="Arial" panose="020B0604020202020204" pitchFamily="34" charset="0"/>
+                        </a:rPr>
+                        <a:t>Rain</a:t>
+                      </a:r>
+                      <a:endParaRPr lang="en-US" sz="1800" b="0">
+                        <a:solidFill>
+                          <a:srgbClr val="000000"/>
+                        </a:solidFill>
+                        <a:latin typeface="Arial" panose="020B0604020202020204" pitchFamily="34" charset="0"/>
+                        <a:cs typeface="Arial" panose="020B0604020202020204" pitchFamily="34" charset="0"/>
+                      </a:endParaRPr>
+                    </a:p>
+                  </a:txBody>
+                  <a:tcPr marL="12700" marR="12700" marT="12700" vert="horz" anchor="ctr" anchorCtr="0"/>
+                </a:tc>
+                <a:tc>
+                  <a:txBody>
+                    <a:bodyPr/>
+                    <a:p>
+                      <a:pPr indent="0" algn="ctr">
+                        <a:buNone/>
+                      </a:pPr>
+                      <a:r>
+                        <a:rPr lang="en-US" sz="1800" b="0">
+                          <a:solidFill>
+                            <a:srgbClr val="000000"/>
+                          </a:solidFill>
+                          <a:latin typeface="Arial" panose="020B0604020202020204" pitchFamily="34" charset="0"/>
+                          <a:cs typeface="Arial" panose="020B0604020202020204" pitchFamily="34" charset="0"/>
+                        </a:rPr>
+                        <a:t>Mild</a:t>
+                      </a:r>
+                      <a:endParaRPr lang="en-US" sz="1800" b="0">
+                        <a:solidFill>
+                          <a:srgbClr val="000000"/>
+                        </a:solidFill>
+                        <a:latin typeface="Arial" panose="020B0604020202020204" pitchFamily="34" charset="0"/>
+                        <a:cs typeface="Arial" panose="020B0604020202020204" pitchFamily="34" charset="0"/>
+                      </a:endParaRPr>
+                    </a:p>
+                  </a:txBody>
+                  <a:tcPr marL="12700" marR="12700" marT="12700" vert="horz" anchor="ctr" anchorCtr="0"/>
+                </a:tc>
+                <a:tc>
+                  <a:txBody>
+                    <a:bodyPr/>
+                    <a:p>
+                      <a:pPr indent="0" algn="ctr">
+                        <a:buNone/>
+                      </a:pPr>
+                      <a:r>
+                        <a:rPr lang="en-US" sz="1800" b="0">
+                          <a:solidFill>
+                            <a:srgbClr val="000000"/>
+                          </a:solidFill>
+                          <a:latin typeface="Arial" panose="020B0604020202020204" pitchFamily="34" charset="0"/>
+                          <a:cs typeface="Arial" panose="020B0604020202020204" pitchFamily="34" charset="0"/>
+                        </a:rPr>
+                        <a:t>Normal</a:t>
+                      </a:r>
+                      <a:endParaRPr lang="en-US" sz="1800" b="0">
+                        <a:solidFill>
+                          <a:srgbClr val="000000"/>
+                        </a:solidFill>
+                        <a:latin typeface="Arial" panose="020B0604020202020204" pitchFamily="34" charset="0"/>
+                        <a:cs typeface="Arial" panose="020B0604020202020204" pitchFamily="34" charset="0"/>
+                      </a:endParaRPr>
+                    </a:p>
+                  </a:txBody>
+                  <a:tcPr marL="12700" marR="12700" marT="12700" vert="horz" anchor="ctr" anchorCtr="0"/>
+                </a:tc>
+                <a:tc>
+                  <a:txBody>
+                    <a:bodyPr/>
+                    <a:p>
+                      <a:pPr indent="0" algn="ctr">
+                        <a:buNone/>
+                      </a:pPr>
+                      <a:r>
+                        <a:rPr lang="en-US" sz="1800" b="0">
+                          <a:solidFill>
+                            <a:srgbClr val="000000"/>
+                          </a:solidFill>
+                          <a:latin typeface="Arial" panose="020B0604020202020204" pitchFamily="34" charset="0"/>
+                          <a:cs typeface="Arial" panose="020B0604020202020204" pitchFamily="34" charset="0"/>
+                        </a:rPr>
+                        <a:t>Weak</a:t>
+                      </a:r>
+                      <a:endParaRPr lang="en-US" sz="1800" b="0">
+                        <a:solidFill>
+                          <a:srgbClr val="000000"/>
+                        </a:solidFill>
+                        <a:latin typeface="Arial" panose="020B0604020202020204" pitchFamily="34" charset="0"/>
+                        <a:cs typeface="Arial" panose="020B0604020202020204" pitchFamily="34" charset="0"/>
+                      </a:endParaRPr>
+                    </a:p>
+                  </a:txBody>
+                  <a:tcPr marL="12700" marR="12700" marT="12700" vert="horz" anchor="ctr" anchorCtr="0"/>
+                </a:tc>
+                <a:tc>
+                  <a:txBody>
+                    <a:bodyPr/>
+                    <a:p>
+                      <a:pPr indent="0" algn="ctr">
+                        <a:buNone/>
+                      </a:pPr>
+                      <a:r>
+                        <a:rPr lang="en-US" sz="1800" b="0">
+                          <a:solidFill>
+                            <a:srgbClr val="000000"/>
+                          </a:solidFill>
+                          <a:latin typeface="Arial" panose="020B0604020202020204" pitchFamily="34" charset="0"/>
+                          <a:cs typeface="Arial" panose="020B0604020202020204" pitchFamily="34" charset="0"/>
+                        </a:rPr>
+                        <a:t>Yes</a:t>
+                      </a:r>
+                      <a:endParaRPr lang="en-US" sz="1800" b="0">
+                        <a:solidFill>
+                          <a:srgbClr val="000000"/>
+                        </a:solidFill>
+                        <a:latin typeface="Arial" panose="020B0604020202020204" pitchFamily="34" charset="0"/>
+                        <a:cs typeface="Arial" panose="020B0604020202020204" pitchFamily="34" charset="0"/>
+                      </a:endParaRPr>
+                    </a:p>
+                  </a:txBody>
+                  <a:tcPr marL="12700" marR="12700" marT="12700" vert="horz" anchor="ctr" anchorCtr="0"/>
+                </a:tc>
+              </a:tr>
+              <a:tr h="380365">
+                <a:tc>
+                  <a:txBody>
+                    <a:bodyPr/>
+                    <a:p>
+                      <a:pPr indent="0" algn="ctr">
+                        <a:buNone/>
+                      </a:pPr>
+                      <a:r>
+                        <a:rPr lang="en-US" sz="1800" b="0">
+                          <a:solidFill>
+                            <a:srgbClr val="000000"/>
+                          </a:solidFill>
+                          <a:latin typeface="Arial" panose="020B0604020202020204" pitchFamily="34" charset="0"/>
+                          <a:cs typeface="Arial" panose="020B0604020202020204" pitchFamily="34" charset="0"/>
+                        </a:rPr>
+                        <a:t>Sunny</a:t>
+                      </a:r>
+                      <a:endParaRPr lang="en-US" sz="1800" b="0">
+                        <a:solidFill>
+                          <a:srgbClr val="000000"/>
+                        </a:solidFill>
+                        <a:latin typeface="Arial" panose="020B0604020202020204" pitchFamily="34" charset="0"/>
+                        <a:cs typeface="Arial" panose="020B0604020202020204" pitchFamily="34" charset="0"/>
+                      </a:endParaRPr>
+                    </a:p>
+                  </a:txBody>
+                  <a:tcPr marL="12700" marR="12700" marT="12700" vert="horz" anchor="ctr" anchorCtr="0"/>
+                </a:tc>
+                <a:tc>
+                  <a:txBody>
+                    <a:bodyPr/>
+                    <a:p>
+                      <a:pPr indent="0" algn="ctr">
+                        <a:buNone/>
+                      </a:pPr>
+                      <a:r>
+                        <a:rPr lang="en-US" sz="1800" b="0">
+                          <a:solidFill>
+                            <a:srgbClr val="000000"/>
+                          </a:solidFill>
+                          <a:latin typeface="Arial" panose="020B0604020202020204" pitchFamily="34" charset="0"/>
+                          <a:cs typeface="Arial" panose="020B0604020202020204" pitchFamily="34" charset="0"/>
+                        </a:rPr>
+                        <a:t>Mild</a:t>
+                      </a:r>
+                      <a:endParaRPr lang="en-US" sz="1800" b="0">
+                        <a:solidFill>
+                          <a:srgbClr val="000000"/>
+                        </a:solidFill>
+                        <a:latin typeface="Arial" panose="020B0604020202020204" pitchFamily="34" charset="0"/>
+                        <a:cs typeface="Arial" panose="020B0604020202020204" pitchFamily="34" charset="0"/>
+                      </a:endParaRPr>
+                    </a:p>
+                  </a:txBody>
+                  <a:tcPr marL="12700" marR="12700" marT="12700" vert="horz" anchor="ctr" anchorCtr="0"/>
+                </a:tc>
+                <a:tc>
+                  <a:txBody>
+                    <a:bodyPr/>
+                    <a:p>
+                      <a:pPr indent="0" algn="ctr">
+                        <a:buNone/>
+                      </a:pPr>
+                      <a:r>
+                        <a:rPr lang="en-US" sz="1800" b="0">
+                          <a:solidFill>
+                            <a:srgbClr val="000000"/>
+                          </a:solidFill>
+                          <a:latin typeface="Arial" panose="020B0604020202020204" pitchFamily="34" charset="0"/>
+                          <a:cs typeface="Arial" panose="020B0604020202020204" pitchFamily="34" charset="0"/>
+                        </a:rPr>
+                        <a:t>Normal</a:t>
+                      </a:r>
+                      <a:endParaRPr lang="en-US" sz="1800" b="0">
+                        <a:solidFill>
+                          <a:srgbClr val="000000"/>
+                        </a:solidFill>
+                        <a:latin typeface="Arial" panose="020B0604020202020204" pitchFamily="34" charset="0"/>
+                        <a:cs typeface="Arial" panose="020B0604020202020204" pitchFamily="34" charset="0"/>
+                      </a:endParaRPr>
+                    </a:p>
+                  </a:txBody>
+                  <a:tcPr marL="12700" marR="12700" marT="12700" vert="horz" anchor="ctr" anchorCtr="0"/>
+                </a:tc>
+                <a:tc>
+                  <a:txBody>
+                    <a:bodyPr/>
+                    <a:p>
+                      <a:pPr indent="0" algn="ctr">
+                        <a:buNone/>
+                      </a:pPr>
+                      <a:r>
+                        <a:rPr lang="en-US" sz="1800" b="0">
+                          <a:solidFill>
+                            <a:srgbClr val="000000"/>
+                          </a:solidFill>
+                          <a:latin typeface="Arial" panose="020B0604020202020204" pitchFamily="34" charset="0"/>
+                          <a:cs typeface="Arial" panose="020B0604020202020204" pitchFamily="34" charset="0"/>
+                        </a:rPr>
+                        <a:t>Strong</a:t>
+                      </a:r>
+                      <a:endParaRPr lang="en-US" sz="1800" b="0">
+                        <a:solidFill>
+                          <a:srgbClr val="000000"/>
+                        </a:solidFill>
+                        <a:latin typeface="Arial" panose="020B0604020202020204" pitchFamily="34" charset="0"/>
+                        <a:cs typeface="Arial" panose="020B0604020202020204" pitchFamily="34" charset="0"/>
+                      </a:endParaRPr>
+                    </a:p>
+                  </a:txBody>
+                  <a:tcPr marL="12700" marR="12700" marT="12700" vert="horz" anchor="ctr" anchorCtr="0"/>
+                </a:tc>
+                <a:tc>
+                  <a:txBody>
+                    <a:bodyPr/>
+                    <a:p>
+                      <a:pPr indent="0" algn="ctr">
+                        <a:buNone/>
+                      </a:pPr>
+                      <a:r>
+                        <a:rPr lang="en-US" sz="1800" b="0">
+                          <a:solidFill>
+                            <a:srgbClr val="000000"/>
+                          </a:solidFill>
+                          <a:latin typeface="Arial" panose="020B0604020202020204" pitchFamily="34" charset="0"/>
+                          <a:cs typeface="Arial" panose="020B0604020202020204" pitchFamily="34" charset="0"/>
+                        </a:rPr>
+                        <a:t>Yes</a:t>
+                      </a:r>
+                      <a:endParaRPr lang="en-US" sz="1800" b="0">
+                        <a:solidFill>
+                          <a:srgbClr val="000000"/>
+                        </a:solidFill>
+                        <a:latin typeface="Arial" panose="020B0604020202020204" pitchFamily="34" charset="0"/>
+                        <a:cs typeface="Arial" panose="020B0604020202020204" pitchFamily="34" charset="0"/>
+                      </a:endParaRPr>
+                    </a:p>
+                  </a:txBody>
+                  <a:tcPr marL="12700" marR="12700" marT="12700" vert="horz" anchor="ctr" anchorCtr="0"/>
+                </a:tc>
+              </a:tr>
+              <a:tr h="380365">
+                <a:tc>
+                  <a:txBody>
+                    <a:bodyPr/>
+                    <a:p>
+                      <a:pPr indent="0" algn="ctr">
+                        <a:buNone/>
+                      </a:pPr>
+                      <a:r>
+                        <a:rPr lang="en-US" sz="1800" b="0">
+                          <a:solidFill>
+                            <a:srgbClr val="000000"/>
+                          </a:solidFill>
+                          <a:latin typeface="Arial" panose="020B0604020202020204" pitchFamily="34" charset="0"/>
+                          <a:cs typeface="Arial" panose="020B0604020202020204" pitchFamily="34" charset="0"/>
+                        </a:rPr>
+                        <a:t>Overcast</a:t>
+                      </a:r>
+                      <a:endParaRPr lang="en-US" sz="1800" b="0">
+                        <a:solidFill>
+                          <a:srgbClr val="000000"/>
+                        </a:solidFill>
+                        <a:latin typeface="Arial" panose="020B0604020202020204" pitchFamily="34" charset="0"/>
+                        <a:cs typeface="Arial" panose="020B0604020202020204" pitchFamily="34" charset="0"/>
+                      </a:endParaRPr>
+                    </a:p>
+                  </a:txBody>
+                  <a:tcPr marL="12700" marR="12700" marT="12700" vert="horz" anchor="ctr" anchorCtr="0"/>
+                </a:tc>
+                <a:tc>
+                  <a:txBody>
+                    <a:bodyPr/>
+                    <a:p>
+                      <a:pPr indent="0" algn="ctr">
+                        <a:buNone/>
+                      </a:pPr>
+                      <a:r>
+                        <a:rPr lang="en-US" sz="1800" b="0">
+                          <a:solidFill>
+                            <a:srgbClr val="000000"/>
+                          </a:solidFill>
+                          <a:latin typeface="Arial" panose="020B0604020202020204" pitchFamily="34" charset="0"/>
+                          <a:cs typeface="Arial" panose="020B0604020202020204" pitchFamily="34" charset="0"/>
+                        </a:rPr>
+                        <a:t>Mild</a:t>
+                      </a:r>
+                      <a:endParaRPr lang="en-US" sz="1800" b="0">
+                        <a:solidFill>
+                          <a:srgbClr val="000000"/>
+                        </a:solidFill>
+                        <a:latin typeface="Arial" panose="020B0604020202020204" pitchFamily="34" charset="0"/>
+                        <a:cs typeface="Arial" panose="020B0604020202020204" pitchFamily="34" charset="0"/>
+                      </a:endParaRPr>
+                    </a:p>
+                  </a:txBody>
+                  <a:tcPr marL="12700" marR="12700" marT="12700" vert="horz" anchor="ctr" anchorCtr="0"/>
+                </a:tc>
+                <a:tc>
+                  <a:txBody>
+                    <a:bodyPr/>
+                    <a:p>
+                      <a:pPr indent="0" algn="ctr">
+                        <a:buNone/>
+                      </a:pPr>
+                      <a:r>
+                        <a:rPr lang="en-US" sz="1800" b="0">
+                          <a:solidFill>
+                            <a:srgbClr val="000000"/>
+                          </a:solidFill>
+                          <a:latin typeface="Arial" panose="020B0604020202020204" pitchFamily="34" charset="0"/>
+                          <a:cs typeface="Arial" panose="020B0604020202020204" pitchFamily="34" charset="0"/>
+                        </a:rPr>
+                        <a:t>High</a:t>
+                      </a:r>
+                      <a:endParaRPr lang="en-US" sz="1800" b="0">
+                        <a:solidFill>
+                          <a:srgbClr val="000000"/>
+                        </a:solidFill>
+                        <a:latin typeface="Arial" panose="020B0604020202020204" pitchFamily="34" charset="0"/>
+                        <a:cs typeface="Arial" panose="020B0604020202020204" pitchFamily="34" charset="0"/>
+                      </a:endParaRPr>
+                    </a:p>
+                  </a:txBody>
+                  <a:tcPr marL="12700" marR="12700" marT="12700" vert="horz" anchor="ctr" anchorCtr="0"/>
+                </a:tc>
+                <a:tc>
+                  <a:txBody>
+                    <a:bodyPr/>
+                    <a:p>
+                      <a:pPr indent="0" algn="ctr">
+                        <a:buNone/>
+                      </a:pPr>
+                      <a:r>
+                        <a:rPr lang="en-US" sz="1800" b="0">
+                          <a:solidFill>
+                            <a:srgbClr val="000000"/>
+                          </a:solidFill>
+                          <a:latin typeface="Arial" panose="020B0604020202020204" pitchFamily="34" charset="0"/>
+                          <a:cs typeface="Arial" panose="020B0604020202020204" pitchFamily="34" charset="0"/>
+                        </a:rPr>
+                        <a:t>Strong</a:t>
+                      </a:r>
+                      <a:endParaRPr lang="en-US" sz="1800" b="0">
+                        <a:solidFill>
+                          <a:srgbClr val="000000"/>
+                        </a:solidFill>
+                        <a:latin typeface="Arial" panose="020B0604020202020204" pitchFamily="34" charset="0"/>
+                        <a:cs typeface="Arial" panose="020B0604020202020204" pitchFamily="34" charset="0"/>
+                      </a:endParaRPr>
+                    </a:p>
+                  </a:txBody>
+                  <a:tcPr marL="12700" marR="12700" marT="12700" vert="horz" anchor="ctr" anchorCtr="0"/>
+                </a:tc>
+                <a:tc>
+                  <a:txBody>
+                    <a:bodyPr/>
+                    <a:p>
+                      <a:pPr indent="0" algn="ctr">
+                        <a:buNone/>
+                      </a:pPr>
+                      <a:r>
+                        <a:rPr lang="en-US" sz="1800" b="0">
+                          <a:solidFill>
+                            <a:srgbClr val="000000"/>
+                          </a:solidFill>
+                          <a:latin typeface="Arial" panose="020B0604020202020204" pitchFamily="34" charset="0"/>
+                          <a:cs typeface="Arial" panose="020B0604020202020204" pitchFamily="34" charset="0"/>
+                        </a:rPr>
+                        <a:t>Yes</a:t>
+                      </a:r>
+                      <a:endParaRPr lang="en-US" sz="1800" b="0">
+                        <a:solidFill>
+                          <a:srgbClr val="000000"/>
+                        </a:solidFill>
+                        <a:latin typeface="Arial" panose="020B0604020202020204" pitchFamily="34" charset="0"/>
+                        <a:cs typeface="Arial" panose="020B0604020202020204" pitchFamily="34" charset="0"/>
+                      </a:endParaRPr>
+                    </a:p>
+                  </a:txBody>
+                  <a:tcPr marL="12700" marR="12700" marT="12700" vert="horz" anchor="ctr" anchorCtr="0"/>
+                </a:tc>
+              </a:tr>
+              <a:tr h="380365">
+                <a:tc>
+                  <a:txBody>
+                    <a:bodyPr/>
+                    <a:p>
+                      <a:pPr indent="0" algn="ctr">
+                        <a:buNone/>
+                      </a:pPr>
+                      <a:r>
+                        <a:rPr lang="en-US" sz="1800" b="0">
+                          <a:solidFill>
+                            <a:srgbClr val="000000"/>
+                          </a:solidFill>
+                          <a:latin typeface="Arial" panose="020B0604020202020204" pitchFamily="34" charset="0"/>
+                          <a:cs typeface="Arial" panose="020B0604020202020204" pitchFamily="34" charset="0"/>
+                        </a:rPr>
+                        <a:t>Overcast</a:t>
+                      </a:r>
+                      <a:endParaRPr lang="en-US" sz="1800" b="0">
+                        <a:solidFill>
+                          <a:srgbClr val="000000"/>
+                        </a:solidFill>
+                        <a:latin typeface="Arial" panose="020B0604020202020204" pitchFamily="34" charset="0"/>
+                        <a:cs typeface="Arial" panose="020B0604020202020204" pitchFamily="34" charset="0"/>
+                      </a:endParaRPr>
+                    </a:p>
+                  </a:txBody>
+                  <a:tcPr marL="12700" marR="12700" marT="12700" vert="horz" anchor="ctr" anchorCtr="0"/>
+                </a:tc>
+                <a:tc>
+                  <a:txBody>
+                    <a:bodyPr/>
+                    <a:p>
+                      <a:pPr indent="0" algn="ctr">
+                        <a:buNone/>
+                      </a:pPr>
+                      <a:r>
+                        <a:rPr lang="en-US" sz="1800" b="0">
+                          <a:solidFill>
+                            <a:srgbClr val="000000"/>
+                          </a:solidFill>
+                          <a:latin typeface="Arial" panose="020B0604020202020204" pitchFamily="34" charset="0"/>
+                          <a:cs typeface="Arial" panose="020B0604020202020204" pitchFamily="34" charset="0"/>
+                        </a:rPr>
+                        <a:t>Hot</a:t>
+                      </a:r>
+                      <a:endParaRPr lang="en-US" sz="1800" b="0">
+                        <a:solidFill>
+                          <a:srgbClr val="000000"/>
+                        </a:solidFill>
+                        <a:latin typeface="Arial" panose="020B0604020202020204" pitchFamily="34" charset="0"/>
+                        <a:cs typeface="Arial" panose="020B0604020202020204" pitchFamily="34" charset="0"/>
+                      </a:endParaRPr>
+                    </a:p>
+                  </a:txBody>
+                  <a:tcPr marL="12700" marR="12700" marT="12700" vert="horz" anchor="ctr" anchorCtr="0"/>
+                </a:tc>
+                <a:tc>
+                  <a:txBody>
+                    <a:bodyPr/>
+                    <a:p>
+                      <a:pPr indent="0" algn="ctr">
+                        <a:buNone/>
+                      </a:pPr>
+                      <a:r>
+                        <a:rPr lang="en-US" sz="1800" b="0">
+                          <a:solidFill>
+                            <a:srgbClr val="000000"/>
+                          </a:solidFill>
+                          <a:latin typeface="Arial" panose="020B0604020202020204" pitchFamily="34" charset="0"/>
+                          <a:cs typeface="Arial" panose="020B0604020202020204" pitchFamily="34" charset="0"/>
+                        </a:rPr>
+                        <a:t>Normal</a:t>
+                      </a:r>
+                      <a:endParaRPr lang="en-US" sz="1800" b="0">
+                        <a:solidFill>
+                          <a:srgbClr val="000000"/>
+                        </a:solidFill>
+                        <a:latin typeface="Arial" panose="020B0604020202020204" pitchFamily="34" charset="0"/>
+                        <a:cs typeface="Arial" panose="020B0604020202020204" pitchFamily="34" charset="0"/>
+                      </a:endParaRPr>
+                    </a:p>
+                  </a:txBody>
+                  <a:tcPr marL="12700" marR="12700" marT="12700" vert="horz" anchor="ctr" anchorCtr="0"/>
+                </a:tc>
+                <a:tc>
+                  <a:txBody>
+                    <a:bodyPr/>
+                    <a:p>
+                      <a:pPr indent="0" algn="ctr">
+                        <a:buNone/>
+                      </a:pPr>
+                      <a:r>
+                        <a:rPr lang="en-US" sz="1800" b="0">
+                          <a:solidFill>
+                            <a:srgbClr val="000000"/>
+                          </a:solidFill>
+                          <a:latin typeface="Arial" panose="020B0604020202020204" pitchFamily="34" charset="0"/>
+                          <a:cs typeface="Arial" panose="020B0604020202020204" pitchFamily="34" charset="0"/>
+                        </a:rPr>
+                        <a:t>Weak</a:t>
+                      </a:r>
+                      <a:endParaRPr lang="en-US" sz="1800" b="0">
+                        <a:solidFill>
+                          <a:srgbClr val="000000"/>
+                        </a:solidFill>
+                        <a:latin typeface="Arial" panose="020B0604020202020204" pitchFamily="34" charset="0"/>
+                        <a:cs typeface="Arial" panose="020B0604020202020204" pitchFamily="34" charset="0"/>
+                      </a:endParaRPr>
+                    </a:p>
+                  </a:txBody>
+                  <a:tcPr marL="12700" marR="12700" marT="12700" vert="horz" anchor="ctr" anchorCtr="0"/>
+                </a:tc>
+                <a:tc>
+                  <a:txBody>
+                    <a:bodyPr/>
+                    <a:p>
+                      <a:pPr indent="0" algn="ctr">
+                        <a:buNone/>
+                      </a:pPr>
+                      <a:r>
+                        <a:rPr lang="en-US" sz="1800" b="0">
+                          <a:solidFill>
+                            <a:srgbClr val="000000"/>
+                          </a:solidFill>
+                          <a:latin typeface="Arial" panose="020B0604020202020204" pitchFamily="34" charset="0"/>
+                          <a:cs typeface="Arial" panose="020B0604020202020204" pitchFamily="34" charset="0"/>
+                        </a:rPr>
+                        <a:t>Yes</a:t>
+                      </a:r>
+                      <a:endParaRPr lang="en-US" sz="1800" b="0">
+                        <a:solidFill>
+                          <a:srgbClr val="000000"/>
+                        </a:solidFill>
+                        <a:latin typeface="Arial" panose="020B0604020202020204" pitchFamily="34" charset="0"/>
+                        <a:cs typeface="Arial" panose="020B0604020202020204" pitchFamily="34" charset="0"/>
+                      </a:endParaRPr>
+                    </a:p>
+                  </a:txBody>
+                  <a:tcPr marL="12700" marR="12700" marT="12700" vert="horz" anchor="ctr" anchorCtr="0"/>
+                </a:tc>
+              </a:tr>
+              <a:tr h="380365">
+                <a:tc>
+                  <a:txBody>
+                    <a:bodyPr/>
+                    <a:p>
+                      <a:pPr indent="0" algn="ctr">
+                        <a:buNone/>
+                      </a:pPr>
+                      <a:r>
+                        <a:rPr lang="en-US" sz="1800" b="0">
+                          <a:solidFill>
+                            <a:srgbClr val="000000"/>
+                          </a:solidFill>
+                          <a:latin typeface="Arial" panose="020B0604020202020204" pitchFamily="34" charset="0"/>
+                          <a:cs typeface="Arial" panose="020B0604020202020204" pitchFamily="34" charset="0"/>
+                        </a:rPr>
+                        <a:t>Rain</a:t>
+                      </a:r>
+                      <a:endParaRPr lang="en-US" sz="1800" b="0">
+                        <a:solidFill>
+                          <a:srgbClr val="000000"/>
+                        </a:solidFill>
+                        <a:latin typeface="Arial" panose="020B0604020202020204" pitchFamily="34" charset="0"/>
+                        <a:cs typeface="Arial" panose="020B0604020202020204" pitchFamily="34" charset="0"/>
+                      </a:endParaRPr>
+                    </a:p>
+                  </a:txBody>
+                  <a:tcPr marL="12700" marR="12700" marT="12700" vert="horz" anchor="ctr" anchorCtr="0"/>
+                </a:tc>
+                <a:tc>
+                  <a:txBody>
+                    <a:bodyPr/>
+                    <a:p>
+                      <a:pPr indent="0" algn="ctr">
+                        <a:buNone/>
+                      </a:pPr>
+                      <a:r>
+                        <a:rPr lang="en-US" sz="1800" b="0">
+                          <a:solidFill>
+                            <a:srgbClr val="000000"/>
+                          </a:solidFill>
+                          <a:latin typeface="Arial" panose="020B0604020202020204" pitchFamily="34" charset="0"/>
+                          <a:cs typeface="Arial" panose="020B0604020202020204" pitchFamily="34" charset="0"/>
+                        </a:rPr>
+                        <a:t>Mild</a:t>
+                      </a:r>
+                      <a:endParaRPr lang="en-US" sz="1800" b="0">
+                        <a:solidFill>
+                          <a:srgbClr val="000000"/>
+                        </a:solidFill>
+                        <a:latin typeface="Arial" panose="020B0604020202020204" pitchFamily="34" charset="0"/>
+                        <a:cs typeface="Arial" panose="020B0604020202020204" pitchFamily="34" charset="0"/>
+                      </a:endParaRPr>
+                    </a:p>
+                  </a:txBody>
+                  <a:tcPr marL="12700" marR="12700" marT="12700" vert="horz" anchor="ctr" anchorCtr="0"/>
+                </a:tc>
+                <a:tc>
+                  <a:txBody>
+                    <a:bodyPr/>
+                    <a:p>
+                      <a:pPr indent="0" algn="ctr">
+                        <a:buNone/>
+                      </a:pPr>
+                      <a:r>
+                        <a:rPr lang="en-US" sz="1800" b="0">
+                          <a:solidFill>
+                            <a:srgbClr val="000000"/>
+                          </a:solidFill>
+                          <a:latin typeface="Arial" panose="020B0604020202020204" pitchFamily="34" charset="0"/>
+                          <a:cs typeface="Arial" panose="020B0604020202020204" pitchFamily="34" charset="0"/>
+                        </a:rPr>
+                        <a:t>High</a:t>
+                      </a:r>
+                      <a:endParaRPr lang="en-US" sz="1800" b="0">
+                        <a:solidFill>
+                          <a:srgbClr val="000000"/>
+                        </a:solidFill>
+                        <a:latin typeface="Arial" panose="020B0604020202020204" pitchFamily="34" charset="0"/>
+                        <a:cs typeface="Arial" panose="020B0604020202020204" pitchFamily="34" charset="0"/>
+                      </a:endParaRPr>
+                    </a:p>
+                  </a:txBody>
+                  <a:tcPr marL="12700" marR="12700" marT="12700" vert="horz" anchor="ctr" anchorCtr="0"/>
+                </a:tc>
+                <a:tc>
+                  <a:txBody>
+                    <a:bodyPr/>
+                    <a:p>
+                      <a:pPr indent="0" algn="ctr">
+                        <a:buNone/>
+                      </a:pPr>
+                      <a:r>
+                        <a:rPr lang="en-US" sz="1800" b="0">
+                          <a:solidFill>
+                            <a:srgbClr val="000000"/>
+                          </a:solidFill>
+                          <a:latin typeface="Arial" panose="020B0604020202020204" pitchFamily="34" charset="0"/>
+                          <a:cs typeface="Arial" panose="020B0604020202020204" pitchFamily="34" charset="0"/>
+                        </a:rPr>
+                        <a:t>Strong</a:t>
+                      </a:r>
+                      <a:endParaRPr lang="en-US" sz="1800" b="0">
+                        <a:solidFill>
+                          <a:srgbClr val="000000"/>
+                        </a:solidFill>
+                        <a:latin typeface="Arial" panose="020B0604020202020204" pitchFamily="34" charset="0"/>
+                        <a:cs typeface="Arial" panose="020B0604020202020204" pitchFamily="34" charset="0"/>
+                      </a:endParaRPr>
+                    </a:p>
+                  </a:txBody>
+                  <a:tcPr marL="12700" marR="12700" marT="12700" vert="horz" anchor="ctr" anchorCtr="0"/>
+                </a:tc>
+                <a:tc>
+                  <a:txBody>
+                    <a:bodyPr/>
+                    <a:p>
+                      <a:pPr indent="0" algn="ctr">
+                        <a:buNone/>
+                      </a:pPr>
+                      <a:r>
+                        <a:rPr lang="en-US" sz="1800" b="0">
+                          <a:solidFill>
+                            <a:srgbClr val="000000"/>
+                          </a:solidFill>
+                          <a:latin typeface="Arial" panose="020B0604020202020204" pitchFamily="34" charset="0"/>
+                          <a:cs typeface="Arial" panose="020B0604020202020204" pitchFamily="34" charset="0"/>
+                        </a:rPr>
+                        <a:t>No</a:t>
+                      </a:r>
+                      <a:endParaRPr lang="en-US" sz="1800" b="0">
+                        <a:solidFill>
+                          <a:srgbClr val="000000"/>
+                        </a:solidFill>
+                        <a:latin typeface="Arial" panose="020B0604020202020204" pitchFamily="34" charset="0"/>
+                        <a:cs typeface="Arial" panose="020B0604020202020204" pitchFamily="34" charset="0"/>
+                      </a:endParaRPr>
+                    </a:p>
+                  </a:txBody>
+                  <a:tcPr marL="12700" marR="12700" marT="12700" vert="horz" anchor="ctr" anchorCtr="0"/>
+                </a:tc>
+              </a:tr>
+            </a:tbl>
+          </a:graphicData>
+        </a:graphic>
+      </p:graphicFrame>
     </p:spTree>
   </p:cSld>
   <p:clrMapOvr>

--- a/slide/decision_tree.pptx
+++ b/slide/decision_tree.pptx
@@ -12721,27 +12721,6 @@
                       </a:rPr>
                       <m:t>−</m:t>
                     </m:r>
-                    <m:r>
-                      <a:rPr lang="en-US" sz="3200" i="1">
-                        <a:latin typeface="Cambria Math" panose="02040503050406030204" charset="0"/>
-                        <a:cs typeface="Cambria Math" panose="02040503050406030204" charset="0"/>
-                      </a:rPr>
-                      <m:t>(</m:t>
-                    </m:r>
-                    <m:r>
-                      <a:rPr lang="en-US" sz="3200" i="1">
-                        <a:latin typeface="Cambria Math" panose="02040503050406030204" charset="0"/>
-                        <a:cs typeface="Cambria Math" panose="02040503050406030204" charset="0"/>
-                      </a:rPr>
-                      <m:t>1</m:t>
-                    </m:r>
-                    <m:r>
-                      <a:rPr lang="en-US" sz="3200" i="1">
-                        <a:latin typeface="Cambria Math" panose="02040503050406030204" charset="0"/>
-                        <a:cs typeface="Cambria Math" panose="02040503050406030204" charset="0"/>
-                      </a:rPr>
-                      <m:t>−</m:t>
-                    </m:r>
                     <m:sSup>
                       <m:sSupPr>
                         <m:ctrlPr>
@@ -12752,6 +12731,27 @@
                         </m:ctrlPr>
                       </m:sSupPr>
                       <m:e>
+                        <m:r>
+                          <a:rPr lang="en-US" i="1">
+                            <a:latin typeface="Cambria Math" panose="02040503050406030204" charset="0"/>
+                            <a:cs typeface="Cambria Math" panose="02040503050406030204" charset="0"/>
+                          </a:rPr>
+                          <m:t>(</m:t>
+                        </m:r>
+                        <m:r>
+                          <a:rPr lang="en-US" i="1">
+                            <a:latin typeface="Cambria Math" panose="02040503050406030204" charset="0"/>
+                            <a:cs typeface="Cambria Math" panose="02040503050406030204" charset="0"/>
+                          </a:rPr>
+                          <m:t>1</m:t>
+                        </m:r>
+                        <m:r>
+                          <a:rPr lang="en-US" i="1">
+                            <a:latin typeface="Cambria Math" panose="02040503050406030204" charset="0"/>
+                            <a:cs typeface="Cambria Math" panose="02040503050406030204" charset="0"/>
+                          </a:rPr>
+                          <m:t>−</m:t>
+                        </m:r>
                         <m:sSub>
                           <m:sSubPr>
                             <m:ctrlPr>
@@ -12780,6 +12780,13 @@
                             </m:r>
                           </m:sub>
                         </m:sSub>
+                        <m:r>
+                          <a:rPr lang="en-US" i="1">
+                            <a:latin typeface="Cambria Math" panose="02040503050406030204" charset="0"/>
+                            <a:cs typeface="Cambria Math" panose="02040503050406030204" charset="0"/>
+                          </a:rPr>
+                          <m:t>)</m:t>
+                        </m:r>
                       </m:e>
                       <m:sup>
                         <m:r>
@@ -12791,13 +12798,6 @@
                         </m:r>
                       </m:sup>
                     </m:sSup>
-                    <m:r>
-                      <a:rPr lang="en-US" i="1">
-                        <a:latin typeface="Cambria Math" panose="02040503050406030204" charset="0"/>
-                        <a:cs typeface="Cambria Math" panose="02040503050406030204" charset="0"/>
-                      </a:rPr>
-                      <m:t>)</m:t>
-                    </m:r>
                   </m:oMath>
                 </a14:m>
                 <a:endParaRPr lang="en-US" sz="3200" i="1">
